--- a/Courses/Software-Sciences/Module-4-Information-Systems-New/06-CRUD-with-EF-and-Windows-Forms/06-CRUD-with-EF-Core-and-Windows-Forms.pptx
+++ b/Courses/Software-Sciences/Module-4-Information-Systems-New/06-CRUD-with-EF-and-Windows-Forms/06-CRUD-with-EF-Core-and-Windows-Forms.pptx
@@ -341,7 +341,7 @@
           <a:p>
             <a:fld id="{4E087215-0C8F-4762-A664-737A353EC9A4}" type="datetimeFigureOut">
               <a:rPr lang="bg-BG" smtClean="0"/>
-              <a:t>1.8.2024 г.</a:t>
+              <a:t>2.08.24 г.</a:t>
             </a:fld>
             <a:endParaRPr lang="bg-BG"/>
           </a:p>
@@ -537,7 +537,7 @@
           <a:p>
             <a:fld id="{72D84649-876A-46C9-8472-14CB09C070D8}" type="datetimeFigureOut">
               <a:rPr lang="en-US" smtClean="0"/>
-              <a:t>1-Aug-24</a:t>
+              <a:t>8/2/24</a:t>
             </a:fld>
             <a:endParaRPr lang="en-US"/>
           </a:p>
@@ -8162,12 +8162,12 @@
         <p:spPr/>
         <p:txBody>
           <a:bodyPr>
-            <a:normAutofit fontScale="92500"/>
+            <a:normAutofit/>
           </a:bodyPr>
           <a:lstStyle/>
           <a:p>
             <a:r>
-              <a:rPr lang="bg-BG" b="1" dirty="0">
+              <a:rPr lang="bg-BG" sz="2800" b="1" dirty="0">
                 <a:solidFill>
                   <a:schemeClr val="bg1"/>
                 </a:solidFill>
@@ -8175,84 +8175,78 @@
               <a:t>Добра практика </a:t>
             </a:r>
             <a:r>
-              <a:rPr lang="bg-BG" dirty="0"/>
+              <a:rPr lang="bg-BG" sz="2800" dirty="0"/>
               <a:t>е </a:t>
             </a:r>
             <a:r>
-              <a:rPr lang="bg-BG" b="1" dirty="0"/>
+              <a:rPr lang="bg-BG" sz="2800" b="1" dirty="0"/>
               <a:t>модалните форми </a:t>
             </a:r>
             <a:r>
-              <a:rPr lang="bg-BG" dirty="0"/>
+              <a:rPr lang="bg-BG" sz="2800" dirty="0"/>
               <a:t>да се ползват за:</a:t>
             </a:r>
           </a:p>
           <a:p>
             <a:pPr lvl="1"/>
             <a:r>
-              <a:rPr lang="bg-BG" dirty="0"/>
+              <a:rPr lang="bg-BG" sz="2600" dirty="0"/>
               <a:t>Визуализация на данни</a:t>
             </a:r>
           </a:p>
           <a:p>
             <a:pPr lvl="1"/>
             <a:r>
-              <a:rPr lang="bg-BG" dirty="0"/>
+              <a:rPr lang="bg-BG" sz="2600" dirty="0"/>
               <a:t>Въвеждане и редактиране на данни</a:t>
             </a:r>
           </a:p>
           <a:p>
             <a:r>
-              <a:rPr lang="bg-BG" b="1" dirty="0"/>
+              <a:rPr lang="bg-BG" sz="2800" b="1" dirty="0"/>
               <a:t>Избягвайте да слагате бизнес логика</a:t>
             </a:r>
             <a:r>
-              <a:rPr lang="bg-BG" dirty="0"/>
+              <a:rPr lang="bg-BG" sz="2800" dirty="0"/>
               <a:t> в модалните форми!</a:t>
             </a:r>
           </a:p>
           <a:p>
             <a:pPr lvl="1"/>
             <a:r>
-              <a:rPr lang="bg-BG" dirty="0"/>
-              <a:t>Съберете данните от потребителя и ги обработете в извикващата форма (главната форма на приложението)</a:t>
-            </a:r>
-          </a:p>
-          <a:p>
-            <a:pPr lvl="1"/>
-            <a:r>
-              <a:rPr lang="bg-BG" dirty="0">
-                <a:highlight>
-                  <a:srgbClr val="FFFF00"/>
-                </a:highlight>
-              </a:rPr>
-              <a:t>ТОДО: картинка</a:t>
-            </a:r>
-          </a:p>
-          <a:p>
-            <a:pPr lvl="2"/>
-            <a:r>
-              <a:rPr lang="bg-BG" dirty="0">
-                <a:highlight>
-                  <a:srgbClr val="FFFF00"/>
-                </a:highlight>
-              </a:rPr>
-              <a:t>Главна форма </a:t>
-            </a:r>
-            <a:r>
-              <a:rPr lang="bg-BG" dirty="0">
-                <a:highlight>
-                  <a:srgbClr val="FFFF00"/>
-                </a:highlight>
-                <a:sym typeface="Wingdings" panose="05000000000000000000" pitchFamily="2" charset="2"/>
-              </a:rPr>
-              <a:t> извиква модална форма  връща въведените от потребителя данни  главната форма променя базата данни</a:t>
-            </a:r>
-            <a:endParaRPr lang="en-US" dirty="0">
-              <a:highlight>
-                <a:srgbClr val="FFFF00"/>
-              </a:highlight>
-            </a:endParaRPr>
+              <a:rPr lang="bg-BG" sz="2600" dirty="0"/>
+              <a:t>Съберете </a:t>
+            </a:r>
+            <a:r>
+              <a:rPr lang="bg-BG" sz="2600" b="1" dirty="0"/>
+              <a:t>данните</a:t>
+            </a:r>
+            <a:r>
+              <a:rPr lang="bg-BG" sz="2600" dirty="0"/>
+              <a:t> от потребителя и ги обработете в </a:t>
+            </a:r>
+            <a:r>
+              <a:rPr lang="bg-BG" sz="2600" b="1" dirty="0"/>
+              <a:t>извикващата</a:t>
+            </a:r>
+            <a:r>
+              <a:rPr lang="bg-BG" sz="2600" dirty="0"/>
+              <a:t> </a:t>
+            </a:r>
+            <a:r>
+              <a:rPr lang="bg-BG" sz="2600" b="1" dirty="0"/>
+              <a:t>форма</a:t>
+            </a:r>
+            <a:r>
+              <a:rPr lang="bg-BG" sz="2600" dirty="0"/>
+              <a:t> (главната форма на приложението)</a:t>
+            </a:r>
+          </a:p>
+          <a:p>
+            <a:pPr marL="442912" lvl="1" indent="0">
+              <a:buNone/>
+            </a:pPr>
+            <a:endParaRPr lang="bg-BG" dirty="0"/>
           </a:p>
         </p:txBody>
       </p:sp>
@@ -8289,15 +8283,15 @@
       </p:sp>
       <p:pic>
         <p:nvPicPr>
-          <p:cNvPr id="1026" name="Picture 2" descr="Output image">
+          <p:cNvPr id="6" name="Picture 5">
             <a:extLst>
               <a:ext uri="{FF2B5EF4-FFF2-40B4-BE49-F238E27FC236}">
-                <a16:creationId xmlns:a16="http://schemas.microsoft.com/office/drawing/2014/main" id="{475FE6F0-FB50-0D50-D24C-D24DAAD100F0}"/>
+                <a16:creationId xmlns:a16="http://schemas.microsoft.com/office/drawing/2014/main" id="{9650026E-5907-82C9-D341-E87E2B62D569}"/>
               </a:ext>
             </a:extLst>
           </p:cNvPr>
           <p:cNvPicPr>
-            <a:picLocks noChangeAspect="1" noChangeArrowheads="1"/>
+            <a:picLocks noChangeAspect="1"/>
           </p:cNvPicPr>
           <p:nvPr/>
         </p:nvPicPr>
@@ -8309,29 +8303,18 @@
               </a:ext>
             </a:extLst>
           </a:blip>
-          <a:srcRect/>
           <a:stretch>
             <a:fillRect/>
           </a:stretch>
         </p:blipFill>
-        <p:spPr bwMode="auto">
+        <p:spPr>
           <a:xfrm>
-            <a:off x="8346000" y="4358265"/>
-            <a:ext cx="4031500" cy="2445735"/>
+            <a:off x="6591000" y="3955754"/>
+            <a:ext cx="4500000" cy="2638593"/>
           </a:xfrm>
           <a:prstGeom prst="rect">
             <a:avLst/>
           </a:prstGeom>
-          <a:noFill/>
-          <a:extLst>
-            <a:ext uri="{909E8E84-426E-40DD-AFC4-6F175D3DCCD1}">
-              <a14:hiddenFill xmlns:a14="http://schemas.microsoft.com/office/drawing/2010/main">
-                <a:solidFill>
-                  <a:srgbClr val="FFFFFF"/>
-                </a:solidFill>
-              </a14:hiddenFill>
-            </a:ext>
-          </a:extLst>
         </p:spPr>
       </p:pic>
     </p:spTree>
@@ -8352,6 +8335,275 @@
       <p:transition spd="slow" advClick="0" advTm="5000"/>
     </mc:Fallback>
   </mc:AlternateContent>
+  <p:timing>
+    <p:tnLst>
+      <p:par>
+        <p:cTn id="1" dur="indefinite" restart="never" nodeType="tmRoot">
+          <p:childTnLst>
+            <p:seq concurrent="1" nextAc="seek">
+              <p:cTn id="2" dur="indefinite" nodeType="mainSeq">
+                <p:childTnLst>
+                  <p:par>
+                    <p:cTn id="3" fill="hold">
+                      <p:stCondLst>
+                        <p:cond delay="indefinite"/>
+                        <p:cond evt="onBegin" delay="0">
+                          <p:tn val="2"/>
+                        </p:cond>
+                      </p:stCondLst>
+                      <p:childTnLst>
+                        <p:par>
+                          <p:cTn id="4" fill="hold">
+                            <p:stCondLst>
+                              <p:cond delay="0"/>
+                            </p:stCondLst>
+                            <p:childTnLst>
+                              <p:par>
+                                <p:cTn id="5" presetID="1" presetClass="entr" presetSubtype="0" fill="hold" nodeType="withEffect">
+                                  <p:stCondLst>
+                                    <p:cond delay="0"/>
+                                  </p:stCondLst>
+                                  <p:childTnLst>
+                                    <p:set>
+                                      <p:cBhvr>
+                                        <p:cTn id="6" dur="1" fill="hold">
+                                          <p:stCondLst>
+                                            <p:cond delay="0"/>
+                                          </p:stCondLst>
+                                        </p:cTn>
+                                        <p:tgtEl>
+                                          <p:spTgt spid="3">
+                                            <p:txEl>
+                                              <p:pRg st="0" end="0"/>
+                                            </p:txEl>
+                                          </p:spTgt>
+                                        </p:tgtEl>
+                                        <p:attrNameLst>
+                                          <p:attrName>style.visibility</p:attrName>
+                                        </p:attrNameLst>
+                                      </p:cBhvr>
+                                      <p:to>
+                                        <p:strVal val="visible"/>
+                                      </p:to>
+                                    </p:set>
+                                  </p:childTnLst>
+                                </p:cTn>
+                              </p:par>
+                              <p:par>
+                                <p:cTn id="7" presetID="1" presetClass="entr" presetSubtype="0" fill="hold" nodeType="withEffect">
+                                  <p:stCondLst>
+                                    <p:cond delay="0"/>
+                                  </p:stCondLst>
+                                  <p:childTnLst>
+                                    <p:set>
+                                      <p:cBhvr>
+                                        <p:cTn id="8" dur="1" fill="hold">
+                                          <p:stCondLst>
+                                            <p:cond delay="0"/>
+                                          </p:stCondLst>
+                                        </p:cTn>
+                                        <p:tgtEl>
+                                          <p:spTgt spid="3">
+                                            <p:txEl>
+                                              <p:pRg st="1" end="1"/>
+                                            </p:txEl>
+                                          </p:spTgt>
+                                        </p:tgtEl>
+                                        <p:attrNameLst>
+                                          <p:attrName>style.visibility</p:attrName>
+                                        </p:attrNameLst>
+                                      </p:cBhvr>
+                                      <p:to>
+                                        <p:strVal val="visible"/>
+                                      </p:to>
+                                    </p:set>
+                                  </p:childTnLst>
+                                </p:cTn>
+                              </p:par>
+                              <p:par>
+                                <p:cTn id="9" presetID="1" presetClass="entr" presetSubtype="0" fill="hold" nodeType="withEffect">
+                                  <p:stCondLst>
+                                    <p:cond delay="0"/>
+                                  </p:stCondLst>
+                                  <p:childTnLst>
+                                    <p:set>
+                                      <p:cBhvr>
+                                        <p:cTn id="10" dur="1" fill="hold">
+                                          <p:stCondLst>
+                                            <p:cond delay="0"/>
+                                          </p:stCondLst>
+                                        </p:cTn>
+                                        <p:tgtEl>
+                                          <p:spTgt spid="6"/>
+                                        </p:tgtEl>
+                                        <p:attrNameLst>
+                                          <p:attrName>style.visibility</p:attrName>
+                                        </p:attrNameLst>
+                                      </p:cBhvr>
+                                      <p:to>
+                                        <p:strVal val="visible"/>
+                                      </p:to>
+                                    </p:set>
+                                  </p:childTnLst>
+                                </p:cTn>
+                              </p:par>
+                            </p:childTnLst>
+                          </p:cTn>
+                        </p:par>
+                      </p:childTnLst>
+                    </p:cTn>
+                  </p:par>
+                  <p:par>
+                    <p:cTn id="11" fill="hold">
+                      <p:stCondLst>
+                        <p:cond delay="indefinite"/>
+                      </p:stCondLst>
+                      <p:childTnLst>
+                        <p:par>
+                          <p:cTn id="12" fill="hold">
+                            <p:stCondLst>
+                              <p:cond delay="0"/>
+                            </p:stCondLst>
+                            <p:childTnLst>
+                              <p:par>
+                                <p:cTn id="13" presetID="1" presetClass="entr" presetSubtype="0" fill="hold" nodeType="clickEffect">
+                                  <p:stCondLst>
+                                    <p:cond delay="0"/>
+                                  </p:stCondLst>
+                                  <p:childTnLst>
+                                    <p:set>
+                                      <p:cBhvr>
+                                        <p:cTn id="14" dur="1" fill="hold">
+                                          <p:stCondLst>
+                                            <p:cond delay="0"/>
+                                          </p:stCondLst>
+                                        </p:cTn>
+                                        <p:tgtEl>
+                                          <p:spTgt spid="3">
+                                            <p:txEl>
+                                              <p:pRg st="2" end="2"/>
+                                            </p:txEl>
+                                          </p:spTgt>
+                                        </p:tgtEl>
+                                        <p:attrNameLst>
+                                          <p:attrName>style.visibility</p:attrName>
+                                        </p:attrNameLst>
+                                      </p:cBhvr>
+                                      <p:to>
+                                        <p:strVal val="visible"/>
+                                      </p:to>
+                                    </p:set>
+                                  </p:childTnLst>
+                                </p:cTn>
+                              </p:par>
+                            </p:childTnLst>
+                          </p:cTn>
+                        </p:par>
+                      </p:childTnLst>
+                    </p:cTn>
+                  </p:par>
+                  <p:par>
+                    <p:cTn id="15" fill="hold">
+                      <p:stCondLst>
+                        <p:cond delay="indefinite"/>
+                      </p:stCondLst>
+                      <p:childTnLst>
+                        <p:par>
+                          <p:cTn id="16" fill="hold">
+                            <p:stCondLst>
+                              <p:cond delay="0"/>
+                            </p:stCondLst>
+                            <p:childTnLst>
+                              <p:par>
+                                <p:cTn id="17" presetID="1" presetClass="entr" presetSubtype="0" fill="hold" nodeType="clickEffect">
+                                  <p:stCondLst>
+                                    <p:cond delay="0"/>
+                                  </p:stCondLst>
+                                  <p:childTnLst>
+                                    <p:set>
+                                      <p:cBhvr>
+                                        <p:cTn id="18" dur="1" fill="hold">
+                                          <p:stCondLst>
+                                            <p:cond delay="0"/>
+                                          </p:stCondLst>
+                                        </p:cTn>
+                                        <p:tgtEl>
+                                          <p:spTgt spid="3">
+                                            <p:txEl>
+                                              <p:pRg st="3" end="3"/>
+                                            </p:txEl>
+                                          </p:spTgt>
+                                        </p:tgtEl>
+                                        <p:attrNameLst>
+                                          <p:attrName>style.visibility</p:attrName>
+                                        </p:attrNameLst>
+                                      </p:cBhvr>
+                                      <p:to>
+                                        <p:strVal val="visible"/>
+                                      </p:to>
+                                    </p:set>
+                                  </p:childTnLst>
+                                </p:cTn>
+                              </p:par>
+                              <p:par>
+                                <p:cTn id="19" presetID="1" presetClass="entr" presetSubtype="0" fill="hold" nodeType="withEffect">
+                                  <p:stCondLst>
+                                    <p:cond delay="0"/>
+                                  </p:stCondLst>
+                                  <p:childTnLst>
+                                    <p:set>
+                                      <p:cBhvr>
+                                        <p:cTn id="20" dur="1" fill="hold">
+                                          <p:stCondLst>
+                                            <p:cond delay="0"/>
+                                          </p:stCondLst>
+                                        </p:cTn>
+                                        <p:tgtEl>
+                                          <p:spTgt spid="3">
+                                            <p:txEl>
+                                              <p:pRg st="4" end="4"/>
+                                            </p:txEl>
+                                          </p:spTgt>
+                                        </p:tgtEl>
+                                        <p:attrNameLst>
+                                          <p:attrName>style.visibility</p:attrName>
+                                        </p:attrNameLst>
+                                      </p:cBhvr>
+                                      <p:to>
+                                        <p:strVal val="visible"/>
+                                      </p:to>
+                                    </p:set>
+                                  </p:childTnLst>
+                                </p:cTn>
+                              </p:par>
+                            </p:childTnLst>
+                          </p:cTn>
+                        </p:par>
+                      </p:childTnLst>
+                    </p:cTn>
+                  </p:par>
+                </p:childTnLst>
+              </p:cTn>
+              <p:prevCondLst>
+                <p:cond evt="onPrev" delay="0">
+                  <p:tgtEl>
+                    <p:sldTgt/>
+                  </p:tgtEl>
+                </p:cond>
+              </p:prevCondLst>
+              <p:nextCondLst>
+                <p:cond evt="onNext" delay="0">
+                  <p:tgtEl>
+                    <p:sldTgt/>
+                  </p:tgtEl>
+                </p:cond>
+              </p:nextCondLst>
+            </p:seq>
+          </p:childTnLst>
+        </p:cTn>
+      </p:par>
+    </p:tnLst>
+  </p:timing>
 </p:sld>
 </file>
 
@@ -17393,7 +17645,7 @@
           <a:p>
             <a:pPr lvl="1"/>
             <a:r>
-              <a:rPr lang="en-US" sz="3200" b="1" dirty="0" err="1"/>
+              <a:rPr lang="en-US" sz="3200" b="1" dirty="0"/>
               <a:t>FormDeleteTown</a:t>
             </a:r>
             <a:endParaRPr lang="bg-BG" sz="3200" b="1" dirty="0"/>
@@ -33386,8 +33638,8 @@
         </p:nvSpPr>
         <p:spPr>
           <a:xfrm>
-            <a:off x="446129" y="2357603"/>
-            <a:ext cx="11306901" cy="4092362"/>
+            <a:off x="446129" y="2124853"/>
+            <a:ext cx="11306901" cy="4401205"/>
           </a:xfrm>
           <a:prstGeom prst="rect">
             <a:avLst/>
@@ -33424,11 +33676,11 @@
               <a:buSzPct val="70000"/>
             </a:pPr>
             <a:r>
-              <a:rPr lang="en-US" sz="2599" b="1" noProof="1">
+              <a:rPr lang="en-US" sz="2000" b="1" noProof="1">
                 <a:latin typeface="Consolas" pitchFamily="49" charset="0"/>
                 <a:cs typeface="Consolas" pitchFamily="49" charset="0"/>
               </a:rPr>
-              <a:t>public static void CreateNewProject(SoftUniContext context)</a:t>
+              <a:t>public static void CreateNewProject()</a:t>
             </a:r>
           </a:p>
           <a:p>
@@ -33442,12 +33694,16 @@
               <a:buSzPct val="70000"/>
             </a:pPr>
             <a:r>
-              <a:rPr lang="en-US" sz="2599" b="1" noProof="1">
+              <a:rPr lang="en-US" sz="2000" b="1" noProof="1">
                 <a:latin typeface="Consolas" pitchFamily="49" charset="0"/>
                 <a:cs typeface="Consolas" pitchFamily="49" charset="0"/>
               </a:rPr>
               <a:t>{</a:t>
             </a:r>
+            <a:endParaRPr lang="bg-BG" sz="2000" b="1" noProof="1">
+              <a:latin typeface="Consolas" pitchFamily="49" charset="0"/>
+              <a:cs typeface="Consolas" pitchFamily="49" charset="0"/>
+            </a:endParaRPr>
           </a:p>
           <a:p>
             <a:pPr eaLnBrk="0" hangingPunct="0">
@@ -33460,12 +33716,16 @@
               <a:buSzPct val="70000"/>
             </a:pPr>
             <a:r>
-              <a:rPr lang="en-US" sz="2599" b="1" noProof="1">
+              <a:rPr lang="en-US" sz="2000" b="1" noProof="1">
                 <a:latin typeface="Consolas" pitchFamily="49" charset="0"/>
                 <a:cs typeface="Consolas" pitchFamily="49" charset="0"/>
               </a:rPr>
-              <a:t>   var project = new Project()</a:t>
-            </a:r>
+              <a:t>    using (var dbContext = new SoftUniContext())</a:t>
+            </a:r>
+            <a:endParaRPr lang="bg-BG" sz="2000" b="1" noProof="1">
+              <a:latin typeface="Consolas" pitchFamily="49" charset="0"/>
+              <a:cs typeface="Consolas" pitchFamily="49" charset="0"/>
+            </a:endParaRPr>
           </a:p>
           <a:p>
             <a:pPr eaLnBrk="0" hangingPunct="0">
@@ -33478,11 +33738,11 @@
               <a:buSzPct val="70000"/>
             </a:pPr>
             <a:r>
-              <a:rPr lang="en-US" sz="2599" b="1" noProof="1">
+              <a:rPr lang="en-US" sz="2000" b="1" noProof="1">
                 <a:latin typeface="Consolas" pitchFamily="49" charset="0"/>
                 <a:cs typeface="Consolas" pitchFamily="49" charset="0"/>
               </a:rPr>
-              <a:t>   {</a:t>
+              <a:t>    {</a:t>
             </a:r>
           </a:p>
           <a:p>
@@ -33496,11 +33756,11 @@
               <a:buSzPct val="70000"/>
             </a:pPr>
             <a:r>
-              <a:rPr lang="en-US" sz="2599" b="1" noProof="1">
+              <a:rPr lang="en-US" sz="2000" b="1" noProof="1">
                 <a:latin typeface="Consolas" pitchFamily="49" charset="0"/>
                 <a:cs typeface="Consolas" pitchFamily="49" charset="0"/>
               </a:rPr>
-              <a:t>      Name = "Our Newest Project",</a:t>
+              <a:t>        var project = new Project()</a:t>
             </a:r>
           </a:p>
           <a:p>
@@ -33514,11 +33774,11 @@
               <a:buSzPct val="70000"/>
             </a:pPr>
             <a:r>
-              <a:rPr lang="en-US" sz="2599" b="1" noProof="1">
+              <a:rPr lang="en-US" sz="2000" b="1" noProof="1">
                 <a:latin typeface="Consolas" pitchFamily="49" charset="0"/>
                 <a:cs typeface="Consolas" pitchFamily="49" charset="0"/>
               </a:rPr>
-              <a:t>      StartDate = new DateTime(2021, 1, 1),</a:t>
+              <a:t>        {</a:t>
             </a:r>
           </a:p>
           <a:p>
@@ -33532,11 +33792,11 @@
               <a:buSzPct val="70000"/>
             </a:pPr>
             <a:r>
-              <a:rPr lang="en-US" sz="2599" b="1" noProof="1">
+              <a:rPr lang="en-US" sz="2000" b="1" noProof="1">
                 <a:latin typeface="Consolas" pitchFamily="49" charset="0"/>
                 <a:cs typeface="Consolas" pitchFamily="49" charset="0"/>
               </a:rPr>
-              <a:t>   };</a:t>
+              <a:t>            Name = "Our Newest Project",</a:t>
             </a:r>
           </a:p>
           <a:p>
@@ -33550,28 +33810,11 @@
               <a:buSzPct val="70000"/>
             </a:pPr>
             <a:r>
-              <a:rPr lang="en-US" sz="2599" b="1" noProof="1">
+              <a:rPr lang="en-US" sz="2000" b="1" noProof="1">
                 <a:latin typeface="Consolas" pitchFamily="49" charset="0"/>
                 <a:cs typeface="Consolas" pitchFamily="49" charset="0"/>
               </a:rPr>
-              <a:t>   context.Projects.</a:t>
-            </a:r>
-            <a:r>
-              <a:rPr lang="en-US" sz="2599" b="1" noProof="1">
-                <a:solidFill>
-                  <a:schemeClr val="bg1"/>
-                </a:solidFill>
-                <a:latin typeface="Consolas" pitchFamily="49" charset="0"/>
-                <a:cs typeface="Consolas" pitchFamily="49" charset="0"/>
-              </a:rPr>
-              <a:t>Add(project)</a:t>
-            </a:r>
-            <a:r>
-              <a:rPr lang="en-US" sz="2599" b="1" noProof="1">
-                <a:latin typeface="Consolas" pitchFamily="49" charset="0"/>
-                <a:cs typeface="Consolas" pitchFamily="49" charset="0"/>
-              </a:rPr>
-              <a:t>;</a:t>
+              <a:t>            StartDate = new DateTime(2021, 1, 1),</a:t>
             </a:r>
           </a:p>
           <a:p>
@@ -33585,28 +33828,11 @@
               <a:buSzPct val="70000"/>
             </a:pPr>
             <a:r>
-              <a:rPr lang="en-US" sz="2599" b="1" noProof="1">
+              <a:rPr lang="en-US" sz="2000" b="1" noProof="1">
                 <a:latin typeface="Consolas" pitchFamily="49" charset="0"/>
                 <a:cs typeface="Consolas" pitchFamily="49" charset="0"/>
               </a:rPr>
-              <a:t>   context.</a:t>
-            </a:r>
-            <a:r>
-              <a:rPr lang="en-US" sz="2599" b="1" noProof="1">
-                <a:solidFill>
-                  <a:schemeClr val="bg1"/>
-                </a:solidFill>
-                <a:latin typeface="Consolas" pitchFamily="49" charset="0"/>
-                <a:cs typeface="Consolas" pitchFamily="49" charset="0"/>
-              </a:rPr>
-              <a:t>SaveChanges()</a:t>
-            </a:r>
-            <a:r>
-              <a:rPr lang="en-US" sz="2599" b="1" noProof="1">
-                <a:latin typeface="Consolas" pitchFamily="49" charset="0"/>
-                <a:cs typeface="Consolas" pitchFamily="49" charset="0"/>
-              </a:rPr>
-              <a:t>;</a:t>
+              <a:t>        };</a:t>
             </a:r>
           </a:p>
           <a:p>
@@ -33619,8 +33845,111 @@
               </a:buClr>
               <a:buSzPct val="70000"/>
             </a:pPr>
-            <a:r>
-              <a:rPr lang="en-US" sz="2599" b="1" noProof="1">
+            <a:endParaRPr lang="en-US" sz="2000" b="1" noProof="1">
+              <a:latin typeface="Consolas" pitchFamily="49" charset="0"/>
+              <a:cs typeface="Consolas" pitchFamily="49" charset="0"/>
+            </a:endParaRPr>
+          </a:p>
+          <a:p>
+            <a:pPr eaLnBrk="0" hangingPunct="0">
+              <a:buClr>
+                <a:schemeClr val="accent5">
+                  <a:lumMod val="40000"/>
+                  <a:lumOff val="60000"/>
+                </a:schemeClr>
+              </a:buClr>
+              <a:buSzPct val="70000"/>
+            </a:pPr>
+            <a:r>
+              <a:rPr lang="en-US" sz="2000" b="1" noProof="1">
+                <a:latin typeface="Consolas" pitchFamily="49" charset="0"/>
+                <a:cs typeface="Consolas" pitchFamily="49" charset="0"/>
+              </a:rPr>
+              <a:t>        dbContext.Projects.</a:t>
+            </a:r>
+            <a:r>
+              <a:rPr lang="en-US" sz="2000" b="1" noProof="1">
+                <a:solidFill>
+                  <a:schemeClr val="bg1"/>
+                </a:solidFill>
+                <a:latin typeface="Consolas" pitchFamily="49" charset="0"/>
+                <a:cs typeface="Consolas" pitchFamily="49" charset="0"/>
+              </a:rPr>
+              <a:t>Add(project)</a:t>
+            </a:r>
+            <a:r>
+              <a:rPr lang="en-US" sz="2000" b="1" noProof="1">
+                <a:latin typeface="Consolas" pitchFamily="49" charset="0"/>
+                <a:cs typeface="Consolas" pitchFamily="49" charset="0"/>
+              </a:rPr>
+              <a:t>;</a:t>
+            </a:r>
+          </a:p>
+          <a:p>
+            <a:pPr eaLnBrk="0" hangingPunct="0">
+              <a:buClr>
+                <a:schemeClr val="accent5">
+                  <a:lumMod val="40000"/>
+                  <a:lumOff val="60000"/>
+                </a:schemeClr>
+              </a:buClr>
+              <a:buSzPct val="70000"/>
+            </a:pPr>
+            <a:r>
+              <a:rPr lang="en-US" sz="2000" b="1" noProof="1">
+                <a:latin typeface="Consolas" pitchFamily="49" charset="0"/>
+                <a:cs typeface="Consolas" pitchFamily="49" charset="0"/>
+              </a:rPr>
+              <a:t>        dbContext.</a:t>
+            </a:r>
+            <a:r>
+              <a:rPr lang="en-US" sz="2000" b="1" noProof="1">
+                <a:solidFill>
+                  <a:schemeClr val="bg1"/>
+                </a:solidFill>
+                <a:latin typeface="Consolas" pitchFamily="49" charset="0"/>
+                <a:cs typeface="Consolas" pitchFamily="49" charset="0"/>
+              </a:rPr>
+              <a:t>SaveChanges()</a:t>
+            </a:r>
+            <a:r>
+              <a:rPr lang="en-US" sz="2000" b="1" noProof="1">
+                <a:latin typeface="Consolas" pitchFamily="49" charset="0"/>
+                <a:cs typeface="Consolas" pitchFamily="49" charset="0"/>
+              </a:rPr>
+              <a:t>;</a:t>
+            </a:r>
+          </a:p>
+          <a:p>
+            <a:pPr eaLnBrk="0" hangingPunct="0">
+              <a:buClr>
+                <a:schemeClr val="accent5">
+                  <a:lumMod val="40000"/>
+                  <a:lumOff val="60000"/>
+                </a:schemeClr>
+              </a:buClr>
+              <a:buSzPct val="70000"/>
+            </a:pPr>
+            <a:r>
+              <a:rPr lang="en-US" sz="2000" b="1" noProof="1">
+                <a:latin typeface="Consolas" pitchFamily="49" charset="0"/>
+                <a:cs typeface="Consolas" pitchFamily="49" charset="0"/>
+              </a:rPr>
+              <a:t>    }</a:t>
+            </a:r>
+          </a:p>
+          <a:p>
+            <a:pPr eaLnBrk="0" hangingPunct="0">
+              <a:buClr>
+                <a:schemeClr val="accent5">
+                  <a:lumMod val="40000"/>
+                  <a:lumOff val="60000"/>
+                </a:schemeClr>
+              </a:buClr>
+              <a:buSzPct val="70000"/>
+            </a:pPr>
+            <a:r>
+              <a:rPr lang="en-US" sz="2000" b="1" noProof="1">
                 <a:latin typeface="Consolas" pitchFamily="49" charset="0"/>
                 <a:cs typeface="Consolas" pitchFamily="49" charset="0"/>
               </a:rPr>
@@ -33645,7 +33974,7 @@
         </p:nvSpPr>
         <p:spPr bwMode="auto">
           <a:xfrm>
-            <a:off x="5601000" y="5821479"/>
+            <a:off x="6088569" y="5650355"/>
             <a:ext cx="4278558" cy="510609"/>
           </a:xfrm>
           <a:prstGeom prst="wedgeRoundRectCallout">
@@ -33768,7 +34097,7 @@
         </p:nvSpPr>
         <p:spPr bwMode="auto">
           <a:xfrm>
-            <a:off x="6906000" y="2969455"/>
+            <a:off x="6336581" y="3041418"/>
             <a:ext cx="2475186" cy="919090"/>
           </a:xfrm>
           <a:prstGeom prst="wedgeRoundRectCallout">
@@ -33870,7 +34199,7 @@
         </p:nvSpPr>
         <p:spPr bwMode="auto">
           <a:xfrm>
-            <a:off x="7086000" y="4961189"/>
+            <a:off x="6672488" y="4940913"/>
             <a:ext cx="4278558" cy="510609"/>
           </a:xfrm>
           <a:prstGeom prst="wedgeRoundRectCallout">
@@ -33940,82 +34269,6 @@
               </a:rPr>
               <a:t>DbSet</a:t>
             </a:r>
-          </a:p>
-        </p:txBody>
-      </p:sp>
-      <p:sp>
-        <p:nvSpPr>
-          <p:cNvPr id="8" name="Rectangle: Rounded Corners 7">
-            <a:extLst>
-              <a:ext uri="{FF2B5EF4-FFF2-40B4-BE49-F238E27FC236}">
-                <a16:creationId xmlns:a16="http://schemas.microsoft.com/office/drawing/2014/main" id="{44364C6C-5CB3-6637-FB80-4877E8B6B607}"/>
-              </a:ext>
-            </a:extLst>
-          </p:cNvPr>
-          <p:cNvSpPr/>
-          <p:nvPr/>
-        </p:nvSpPr>
-        <p:spPr bwMode="auto">
-          <a:xfrm>
-            <a:off x="1731000" y="1813266"/>
-            <a:ext cx="6210000" cy="1215000"/>
-          </a:xfrm>
-          <a:prstGeom prst="roundRect">
-            <a:avLst/>
-          </a:prstGeom>
-          <a:ln/>
-        </p:spPr>
-        <p:style>
-          <a:lnRef idx="3">
-            <a:schemeClr val="lt1"/>
-          </a:lnRef>
-          <a:fillRef idx="1">
-            <a:schemeClr val="accent1"/>
-          </a:fillRef>
-          <a:effectRef idx="1">
-            <a:schemeClr val="accent1"/>
-          </a:effectRef>
-          <a:fontRef idx="minor">
-            <a:schemeClr val="lt1"/>
-          </a:fontRef>
-        </p:style>
-        <p:txBody>
-          <a:bodyPr rot="0" spcFirstLastPara="0" vertOverflow="overflow" horzOverflow="overflow" vert="horz" wrap="square" lIns="91440" tIns="45720" rIns="91440" bIns="45720" numCol="1" spcCol="0" rtlCol="0" fromWordArt="0" anchor="ctr" anchorCtr="0" forceAA="0" compatLnSpc="1">
-            <a:prstTxWarp prst="textNoShape">
-              <a:avLst/>
-            </a:prstTxWarp>
-            <a:noAutofit/>
-          </a:bodyPr>
-          <a:lstStyle/>
-          <a:p>
-            <a:pPr algn="ctr"/>
-            <a:r>
-              <a:rPr lang="bg-BG" sz="2800" b="1" dirty="0">
-                <a:solidFill>
-                  <a:srgbClr val="FFFFFF"/>
-                </a:solidFill>
-                <a:effectLst>
-                  <a:outerShdw blurRad="38100" dist="38100" dir="2700000" algn="tl">
-                    <a:srgbClr val="000000">
-                      <a:alpha val="43137"/>
-                    </a:srgbClr>
-                  </a:outerShdw>
-                </a:effectLst>
-              </a:rPr>
-              <a:t>Контекстът да се създава тук, вместо да се подава като параметър.</a:t>
-            </a:r>
-            <a:endParaRPr lang="en-US" sz="2800" b="1" dirty="0">
-              <a:solidFill>
-                <a:srgbClr val="FFFFFF"/>
-              </a:solidFill>
-              <a:effectLst>
-                <a:outerShdw blurRad="38100" dist="38100" dir="2700000" algn="tl">
-                  <a:srgbClr val="000000">
-                    <a:alpha val="43137"/>
-                  </a:srgbClr>
-                </a:outerShdw>
-              </a:effectLst>
-            </a:endParaRPr>
           </a:p>
         </p:txBody>
       </p:sp>
@@ -34413,7 +34666,100 @@
                                         <p:tgtEl>
                                           <p:spTgt spid="5">
                                             <p:txEl>
-                                              <p:pRg st="9" end="9"/>
+                                              <p:pRg st="10" end="10"/>
+                                            </p:txEl>
+                                          </p:spTgt>
+                                        </p:tgtEl>
+                                        <p:attrNameLst>
+                                          <p:attrName>style.visibility</p:attrName>
+                                        </p:attrNameLst>
+                                      </p:cBhvr>
+                                      <p:to>
+                                        <p:strVal val="visible"/>
+                                      </p:to>
+                                    </p:set>
+                                  </p:childTnLst>
+                                </p:cTn>
+                              </p:par>
+                              <p:par>
+                                <p:cTn id="29" presetID="1" presetClass="entr" presetSubtype="0" fill="hold" nodeType="withEffect">
+                                  <p:stCondLst>
+                                    <p:cond delay="0"/>
+                                  </p:stCondLst>
+                                  <p:childTnLst>
+                                    <p:set>
+                                      <p:cBhvr>
+                                        <p:cTn id="30" dur="1" fill="hold">
+                                          <p:stCondLst>
+                                            <p:cond delay="0"/>
+                                          </p:stCondLst>
+                                        </p:cTn>
+                                        <p:tgtEl>
+                                          <p:spTgt spid="5">
+                                            <p:txEl>
+                                              <p:pRg st="11" end="11"/>
+                                            </p:txEl>
+                                          </p:spTgt>
+                                        </p:tgtEl>
+                                        <p:attrNameLst>
+                                          <p:attrName>style.visibility</p:attrName>
+                                        </p:attrNameLst>
+                                      </p:cBhvr>
+                                      <p:to>
+                                        <p:strVal val="visible"/>
+                                      </p:to>
+                                    </p:set>
+                                  </p:childTnLst>
+                                </p:cTn>
+                              </p:par>
+                              <p:par>
+                                <p:cTn id="31" presetID="1" presetClass="entr" presetSubtype="0" fill="hold" nodeType="withEffect">
+                                  <p:stCondLst>
+                                    <p:cond delay="0"/>
+                                  </p:stCondLst>
+                                  <p:childTnLst>
+                                    <p:set>
+                                      <p:cBhvr>
+                                        <p:cTn id="32" dur="1" fill="hold">
+                                          <p:stCondLst>
+                                            <p:cond delay="0"/>
+                                          </p:stCondLst>
+                                        </p:cTn>
+                                        <p:tgtEl>
+                                          <p:spTgt spid="5">
+                                            <p:txEl>
+                                              <p:pRg st="12" end="12"/>
+                                            </p:txEl>
+                                          </p:spTgt>
+                                        </p:tgtEl>
+                                        <p:attrNameLst>
+                                          <p:attrName>style.visibility</p:attrName>
+                                        </p:attrNameLst>
+                                      </p:cBhvr>
+                                      <p:to>
+                                        <p:strVal val="visible"/>
+                                      </p:to>
+                                    </p:set>
+                                  </p:childTnLst>
+                                </p:cTn>
+                              </p:par>
+                              <p:par>
+                                <p:cTn id="33" presetID="1" presetClass="entr" presetSubtype="0" fill="hold" nodeType="withEffect">
+                                  <p:stCondLst>
+                                    <p:cond delay="0"/>
+                                  </p:stCondLst>
+                                  <p:childTnLst>
+                                    <p:set>
+                                      <p:cBhvr>
+                                        <p:cTn id="34" dur="1" fill="hold">
+                                          <p:stCondLst>
+                                            <p:cond delay="0"/>
+                                          </p:stCondLst>
+                                        </p:cTn>
+                                        <p:tgtEl>
+                                          <p:spTgt spid="5">
+                                            <p:txEl>
+                                              <p:pRg st="13" end="13"/>
                                             </p:txEl>
                                           </p:spTgt>
                                         </p:tgtEl>
@@ -34435,26 +34781,26 @@
                     </p:cTn>
                   </p:par>
                   <p:par>
-                    <p:cTn id="29" fill="hold">
+                    <p:cTn id="35" fill="hold">
                       <p:stCondLst>
                         <p:cond delay="indefinite"/>
                       </p:stCondLst>
                       <p:childTnLst>
                         <p:par>
-                          <p:cTn id="30" fill="hold">
+                          <p:cTn id="36" fill="hold">
                             <p:stCondLst>
                               <p:cond delay="0"/>
                             </p:stCondLst>
                             <p:childTnLst>
                               <p:par>
-                                <p:cTn id="31" presetID="1" presetClass="entr" presetSubtype="0" fill="hold" grpId="0" nodeType="clickEffect">
+                                <p:cTn id="37" presetID="1" presetClass="entr" presetSubtype="0" fill="hold" grpId="0" nodeType="clickEffect">
                                   <p:stCondLst>
                                     <p:cond delay="0"/>
                                   </p:stCondLst>
                                   <p:childTnLst>
                                     <p:set>
                                       <p:cBhvr>
-                                        <p:cTn id="32" dur="1" fill="hold">
+                                        <p:cTn id="38" dur="1" fill="hold">
                                           <p:stCondLst>
                                             <p:cond delay="0"/>
                                           </p:stCondLst>
@@ -34480,26 +34826,26 @@
                     </p:cTn>
                   </p:par>
                   <p:par>
-                    <p:cTn id="33" fill="hold">
+                    <p:cTn id="39" fill="hold">
                       <p:stCondLst>
                         <p:cond delay="indefinite"/>
                       </p:stCondLst>
                       <p:childTnLst>
                         <p:par>
-                          <p:cTn id="34" fill="hold">
+                          <p:cTn id="40" fill="hold">
                             <p:stCondLst>
                               <p:cond delay="0"/>
                             </p:stCondLst>
                             <p:childTnLst>
                               <p:par>
-                                <p:cTn id="35" presetID="1" presetClass="entr" presetSubtype="0" fill="hold" grpId="0" nodeType="clickEffect">
+                                <p:cTn id="41" presetID="1" presetClass="entr" presetSubtype="0" fill="hold" grpId="0" nodeType="clickEffect">
                                   <p:stCondLst>
                                     <p:cond delay="0"/>
                                   </p:stCondLst>
                                   <p:childTnLst>
                                     <p:set>
                                       <p:cBhvr>
-                                        <p:cTn id="36" dur="1" fill="hold">
+                                        <p:cTn id="42" dur="1" fill="hold">
                                           <p:stCondLst>
                                             <p:cond delay="0"/>
                                           </p:stCondLst>
@@ -34525,26 +34871,26 @@
                     </p:cTn>
                   </p:par>
                   <p:par>
-                    <p:cTn id="37" fill="hold">
+                    <p:cTn id="43" fill="hold">
                       <p:stCondLst>
                         <p:cond delay="indefinite"/>
                       </p:stCondLst>
                       <p:childTnLst>
                         <p:par>
-                          <p:cTn id="38" fill="hold">
+                          <p:cTn id="44" fill="hold">
                             <p:stCondLst>
                               <p:cond delay="0"/>
                             </p:stCondLst>
                             <p:childTnLst>
                               <p:par>
-                                <p:cTn id="39" presetID="1" presetClass="entr" presetSubtype="0" fill="hold" grpId="0" nodeType="clickEffect">
+                                <p:cTn id="45" presetID="1" presetClass="entr" presetSubtype="0" fill="hold" grpId="0" nodeType="clickEffect">
                                   <p:stCondLst>
                                     <p:cond delay="0"/>
                                   </p:stCondLst>
                                   <p:childTnLst>
                                     <p:set>
                                       <p:cBhvr>
-                                        <p:cTn id="40" dur="1" fill="hold">
+                                        <p:cTn id="46" dur="1" fill="hold">
                                           <p:stCondLst>
                                             <p:cond delay="0"/>
                                           </p:stCondLst>
@@ -34870,8 +35216,8 @@
         </p:nvSpPr>
         <p:spPr>
           <a:xfrm>
-            <a:off x="534520" y="3079357"/>
-            <a:ext cx="11122959" cy="3046195"/>
+            <a:off x="496294" y="2761632"/>
+            <a:ext cx="11122959" cy="3970318"/>
           </a:xfrm>
           <a:prstGeom prst="rect">
             <a:avLst/>
@@ -34908,11 +35254,11 @@
               <a:buSzPct val="70000"/>
             </a:pPr>
             <a:r>
-              <a:rPr lang="en-US" sz="2399" b="1" noProof="1">
+              <a:rPr lang="en-US" b="1" noProof="1">
                 <a:latin typeface="Consolas" pitchFamily="49" charset="0"/>
                 <a:cs typeface="Consolas" pitchFamily="49" charset="0"/>
               </a:rPr>
-              <a:t>public static string UpdateFirstEmployee(SoftUniContext context){</a:t>
+              <a:t>public static string UpdateFirstEmployee()</a:t>
             </a:r>
           </a:p>
           <a:p>
@@ -34926,11 +35272,11 @@
               <a:buSzPct val="70000"/>
             </a:pPr>
             <a:r>
-              <a:rPr lang="en-US" sz="2399" b="1" noProof="1">
+              <a:rPr lang="en-US" b="1" noProof="1">
                 <a:latin typeface="Consolas" pitchFamily="49" charset="0"/>
                 <a:cs typeface="Consolas" pitchFamily="49" charset="0"/>
               </a:rPr>
-              <a:t>   Employee employee = context.Employees.FirstOrDefault();</a:t>
+              <a:t>{</a:t>
             </a:r>
           </a:p>
           <a:p>
@@ -34944,12 +35290,16 @@
               <a:buSzPct val="70000"/>
             </a:pPr>
             <a:r>
-              <a:rPr lang="en-US" sz="2399" b="1" noProof="1">
+              <a:rPr lang="en-US" b="1" noProof="1">
                 <a:latin typeface="Consolas" pitchFamily="49" charset="0"/>
                 <a:cs typeface="Consolas" pitchFamily="49" charset="0"/>
               </a:rPr>
-              <a:t>   if (employee != null)</a:t>
-            </a:r>
+              <a:t>    using (var dbContext = new SoftUniContext())</a:t>
+            </a:r>
+            <a:endParaRPr lang="bg-BG" b="1" noProof="1">
+              <a:latin typeface="Consolas" pitchFamily="49" charset="0"/>
+              <a:cs typeface="Consolas" pitchFamily="49" charset="0"/>
+            </a:endParaRPr>
           </a:p>
           <a:p>
             <a:pPr eaLnBrk="0" hangingPunct="0">
@@ -34962,11 +35312,11 @@
               <a:buSzPct val="70000"/>
             </a:pPr>
             <a:r>
-              <a:rPr lang="en-US" sz="2399" b="1" noProof="1">
+              <a:rPr lang="en-US" b="1" noProof="1">
                 <a:latin typeface="Consolas" pitchFamily="49" charset="0"/>
                 <a:cs typeface="Consolas" pitchFamily="49" charset="0"/>
               </a:rPr>
-              <a:t>   {  employee.FirstName = "Alex";</a:t>
+              <a:t>    {</a:t>
             </a:r>
           </a:p>
           <a:p>
@@ -34980,28 +35330,11 @@
               <a:buSzPct val="70000"/>
             </a:pPr>
             <a:r>
-              <a:rPr lang="en-US" sz="2399" b="1" noProof="1">
+              <a:rPr lang="en-US" b="1" noProof="1">
                 <a:latin typeface="Consolas" pitchFamily="49" charset="0"/>
                 <a:cs typeface="Consolas" pitchFamily="49" charset="0"/>
               </a:rPr>
-              <a:t>      context.</a:t>
-            </a:r>
-            <a:r>
-              <a:rPr lang="en-US" sz="2399" b="1" noProof="1">
-                <a:solidFill>
-                  <a:schemeClr val="bg1"/>
-                </a:solidFill>
-                <a:latin typeface="Consolas" pitchFamily="49" charset="0"/>
-                <a:cs typeface="Consolas" pitchFamily="49" charset="0"/>
-              </a:rPr>
-              <a:t>SaveChanges()</a:t>
-            </a:r>
-            <a:r>
-              <a:rPr lang="en-US" sz="2399" b="1" noProof="1">
-                <a:latin typeface="Consolas" pitchFamily="49" charset="0"/>
-                <a:cs typeface="Consolas" pitchFamily="49" charset="0"/>
-              </a:rPr>
-              <a:t>;</a:t>
+              <a:t>        Employee employee = dbContext.Employees.FirstOrDefault();</a:t>
             </a:r>
           </a:p>
           <a:p>
@@ -35015,11 +35348,11 @@
               <a:buSzPct val="70000"/>
             </a:pPr>
             <a:r>
-              <a:rPr lang="en-US" sz="2399" b="1" noProof="1">
+              <a:rPr lang="en-US" b="1" noProof="1">
                 <a:latin typeface="Consolas" pitchFamily="49" charset="0"/>
                 <a:cs typeface="Consolas" pitchFamily="49" charset="0"/>
               </a:rPr>
-              <a:t>      return employee.FirstName;</a:t>
+              <a:t>        if (employee != null)</a:t>
             </a:r>
           </a:p>
           <a:p>
@@ -35033,11 +35366,11 @@
               <a:buSzPct val="70000"/>
             </a:pPr>
             <a:r>
-              <a:rPr lang="en-US" sz="2399" b="1" noProof="1">
+              <a:rPr lang="en-US" b="1" noProof="1">
                 <a:latin typeface="Consolas" pitchFamily="49" charset="0"/>
                 <a:cs typeface="Consolas" pitchFamily="49" charset="0"/>
               </a:rPr>
-              <a:t>   } return "";</a:t>
+              <a:t>        {</a:t>
             </a:r>
           </a:p>
           <a:p>
@@ -35051,7 +35384,132 @@
               <a:buSzPct val="70000"/>
             </a:pPr>
             <a:r>
-              <a:rPr lang="en-US" sz="2399" b="1" noProof="1">
+              <a:rPr lang="en-US" b="1" noProof="1">
+                <a:latin typeface="Consolas" pitchFamily="49" charset="0"/>
+                <a:cs typeface="Consolas" pitchFamily="49" charset="0"/>
+              </a:rPr>
+              <a:t>            employee.FirstName = "Alex";</a:t>
+            </a:r>
+          </a:p>
+          <a:p>
+            <a:pPr eaLnBrk="0" hangingPunct="0">
+              <a:buClr>
+                <a:schemeClr val="accent5">
+                  <a:lumMod val="40000"/>
+                  <a:lumOff val="60000"/>
+                </a:schemeClr>
+              </a:buClr>
+              <a:buSzPct val="70000"/>
+            </a:pPr>
+            <a:r>
+              <a:rPr lang="en-US" b="1" noProof="1">
+                <a:latin typeface="Consolas" pitchFamily="49" charset="0"/>
+                <a:cs typeface="Consolas" pitchFamily="49" charset="0"/>
+              </a:rPr>
+              <a:t>            dbContext.</a:t>
+            </a:r>
+            <a:r>
+              <a:rPr lang="en-US" b="1" noProof="1">
+                <a:solidFill>
+                  <a:schemeClr val="bg1"/>
+                </a:solidFill>
+                <a:latin typeface="Consolas" pitchFamily="49" charset="0"/>
+                <a:cs typeface="Consolas" pitchFamily="49" charset="0"/>
+              </a:rPr>
+              <a:t>SaveChanges()</a:t>
+            </a:r>
+            <a:r>
+              <a:rPr lang="en-US" b="1" noProof="1">
+                <a:latin typeface="Consolas" pitchFamily="49" charset="0"/>
+                <a:cs typeface="Consolas" pitchFamily="49" charset="0"/>
+              </a:rPr>
+              <a:t>;</a:t>
+            </a:r>
+          </a:p>
+          <a:p>
+            <a:pPr eaLnBrk="0" hangingPunct="0">
+              <a:buClr>
+                <a:schemeClr val="accent5">
+                  <a:lumMod val="40000"/>
+                  <a:lumOff val="60000"/>
+                </a:schemeClr>
+              </a:buClr>
+              <a:buSzPct val="70000"/>
+            </a:pPr>
+            <a:r>
+              <a:rPr lang="en-US" b="1" noProof="1">
+                <a:latin typeface="Consolas" pitchFamily="49" charset="0"/>
+                <a:cs typeface="Consolas" pitchFamily="49" charset="0"/>
+              </a:rPr>
+              <a:t>            return employee.FirstName;</a:t>
+            </a:r>
+          </a:p>
+          <a:p>
+            <a:pPr eaLnBrk="0" hangingPunct="0">
+              <a:buClr>
+                <a:schemeClr val="accent5">
+                  <a:lumMod val="40000"/>
+                  <a:lumOff val="60000"/>
+                </a:schemeClr>
+              </a:buClr>
+              <a:buSzPct val="70000"/>
+            </a:pPr>
+            <a:r>
+              <a:rPr lang="en-US" b="1" noProof="1">
+                <a:latin typeface="Consolas" pitchFamily="49" charset="0"/>
+                <a:cs typeface="Consolas" pitchFamily="49" charset="0"/>
+              </a:rPr>
+              <a:t>        }</a:t>
+            </a:r>
+          </a:p>
+          <a:p>
+            <a:pPr eaLnBrk="0" hangingPunct="0">
+              <a:buClr>
+                <a:schemeClr val="accent5">
+                  <a:lumMod val="40000"/>
+                  <a:lumOff val="60000"/>
+                </a:schemeClr>
+              </a:buClr>
+              <a:buSzPct val="70000"/>
+            </a:pPr>
+            <a:r>
+              <a:rPr lang="en-US" b="1" noProof="1">
+                <a:latin typeface="Consolas" pitchFamily="49" charset="0"/>
+                <a:cs typeface="Consolas" pitchFamily="49" charset="0"/>
+              </a:rPr>
+              <a:t>        return "";</a:t>
+            </a:r>
+          </a:p>
+          <a:p>
+            <a:pPr eaLnBrk="0" hangingPunct="0">
+              <a:buClr>
+                <a:schemeClr val="accent5">
+                  <a:lumMod val="40000"/>
+                  <a:lumOff val="60000"/>
+                </a:schemeClr>
+              </a:buClr>
+              <a:buSzPct val="70000"/>
+            </a:pPr>
+            <a:r>
+              <a:rPr lang="en-US" b="1" noProof="1">
+                <a:latin typeface="Consolas" pitchFamily="49" charset="0"/>
+                <a:cs typeface="Consolas" pitchFamily="49" charset="0"/>
+              </a:rPr>
+              <a:t>    }   </a:t>
+            </a:r>
+          </a:p>
+          <a:p>
+            <a:pPr eaLnBrk="0" hangingPunct="0">
+              <a:buClr>
+                <a:schemeClr val="accent5">
+                  <a:lumMod val="40000"/>
+                  <a:lumOff val="60000"/>
+                </a:schemeClr>
+              </a:buClr>
+              <a:buSzPct val="70000"/>
+            </a:pPr>
+            <a:r>
+              <a:rPr lang="en-US" b="1" noProof="1">
                 <a:latin typeface="Consolas" pitchFamily="49" charset="0"/>
                 <a:cs typeface="Consolas" pitchFamily="49" charset="0"/>
               </a:rPr>
@@ -35076,7 +35534,7 @@
         </p:nvSpPr>
         <p:spPr bwMode="auto">
           <a:xfrm>
-            <a:off x="6636000" y="4788813"/>
+            <a:off x="6677934" y="5097579"/>
             <a:ext cx="4425100" cy="510609"/>
           </a:xfrm>
           <a:prstGeom prst="wedgeRoundRectCallout">
@@ -35162,7 +35620,7 @@
         </p:nvSpPr>
         <p:spPr bwMode="auto">
           <a:xfrm>
-            <a:off x="7289703" y="4091845"/>
+            <a:off x="6456000" y="4491486"/>
             <a:ext cx="4647034" cy="510609"/>
           </a:xfrm>
           <a:prstGeom prst="wedgeRoundRectCallout">
@@ -35241,82 +35699,6 @@
               <a:solidFill>
                 <a:schemeClr val="bg2"/>
               </a:solidFill>
-            </a:endParaRPr>
-          </a:p>
-        </p:txBody>
-      </p:sp>
-      <p:sp>
-        <p:nvSpPr>
-          <p:cNvPr id="5" name="Rectangle: Rounded Corners 4">
-            <a:extLst>
-              <a:ext uri="{FF2B5EF4-FFF2-40B4-BE49-F238E27FC236}">
-                <a16:creationId xmlns:a16="http://schemas.microsoft.com/office/drawing/2014/main" id="{AFD2CDCD-F235-F8DF-77D2-1C18B1D35DF1}"/>
-              </a:ext>
-            </a:extLst>
-          </p:cNvPr>
-          <p:cNvSpPr/>
-          <p:nvPr/>
-        </p:nvSpPr>
-        <p:spPr bwMode="auto">
-          <a:xfrm>
-            <a:off x="1821000" y="2277506"/>
-            <a:ext cx="6210000" cy="1215000"/>
-          </a:xfrm>
-          <a:prstGeom prst="roundRect">
-            <a:avLst/>
-          </a:prstGeom>
-          <a:ln/>
-        </p:spPr>
-        <p:style>
-          <a:lnRef idx="3">
-            <a:schemeClr val="lt1"/>
-          </a:lnRef>
-          <a:fillRef idx="1">
-            <a:schemeClr val="accent1"/>
-          </a:fillRef>
-          <a:effectRef idx="1">
-            <a:schemeClr val="accent1"/>
-          </a:effectRef>
-          <a:fontRef idx="minor">
-            <a:schemeClr val="lt1"/>
-          </a:fontRef>
-        </p:style>
-        <p:txBody>
-          <a:bodyPr rot="0" spcFirstLastPara="0" vertOverflow="overflow" horzOverflow="overflow" vert="horz" wrap="square" lIns="91440" tIns="45720" rIns="91440" bIns="45720" numCol="1" spcCol="0" rtlCol="0" fromWordArt="0" anchor="ctr" anchorCtr="0" forceAA="0" compatLnSpc="1">
-            <a:prstTxWarp prst="textNoShape">
-              <a:avLst/>
-            </a:prstTxWarp>
-            <a:noAutofit/>
-          </a:bodyPr>
-          <a:lstStyle/>
-          <a:p>
-            <a:pPr algn="ctr"/>
-            <a:r>
-              <a:rPr lang="bg-BG" sz="2800" b="1" dirty="0">
-                <a:solidFill>
-                  <a:srgbClr val="FFFFFF"/>
-                </a:solidFill>
-                <a:effectLst>
-                  <a:outerShdw blurRad="38100" dist="38100" dir="2700000" algn="tl">
-                    <a:srgbClr val="000000">
-                      <a:alpha val="43137"/>
-                    </a:srgbClr>
-                  </a:outerShdw>
-                </a:effectLst>
-              </a:rPr>
-              <a:t>Контекстът да се създава тук, вместо да се подава като параметър.</a:t>
-            </a:r>
-            <a:endParaRPr lang="en-US" sz="2800" b="1" dirty="0">
-              <a:solidFill>
-                <a:srgbClr val="FFFFFF"/>
-              </a:solidFill>
-              <a:effectLst>
-                <a:outerShdw blurRad="38100" dist="38100" dir="2700000" algn="tl">
-                  <a:srgbClr val="000000">
-                    <a:alpha val="43137"/>
-                  </a:srgbClr>
-                </a:outerShdw>
-              </a:effectLst>
             </a:endParaRPr>
           </a:p>
         </p:txBody>
@@ -35837,8 +36219,8 @@
         </p:nvSpPr>
         <p:spPr>
           <a:xfrm>
-            <a:off x="441510" y="2420766"/>
-            <a:ext cx="11308980" cy="3607740"/>
+            <a:off x="627757" y="2317202"/>
+            <a:ext cx="11308980" cy="4447243"/>
           </a:xfrm>
           <a:prstGeom prst="rect">
             <a:avLst/>
@@ -35875,11 +36257,11 @@
               <a:buSzPct val="70000"/>
             </a:pPr>
             <a:r>
-              <a:rPr lang="en-US" sz="2399" b="1" noProof="1">
+              <a:rPr lang="en-US" sz="2000" b="1" noProof="1">
                 <a:latin typeface="Consolas" pitchFamily="49" charset="0"/>
                 <a:cs typeface="Consolas" pitchFamily="49" charset="0"/>
               </a:rPr>
-              <a:t>public static string DeleteFirstProject(SoftUniContext context) </a:t>
+              <a:t>public static string DeleteFirstProject() </a:t>
             </a:r>
           </a:p>
           <a:p>
@@ -35893,11 +36275,11 @@
               <a:buSzPct val="70000"/>
             </a:pPr>
             <a:r>
-              <a:rPr lang="en-US" sz="2399" b="1" noProof="1">
+              <a:rPr lang="en-US" sz="2000" b="1" noProof="1">
                 <a:latin typeface="Consolas" pitchFamily="49" charset="0"/>
                 <a:cs typeface="Consolas" pitchFamily="49" charset="0"/>
               </a:rPr>
-              <a:t>{   </a:t>
+              <a:t>{</a:t>
             </a:r>
           </a:p>
           <a:p>
@@ -35911,11 +36293,47 @@
               <a:buSzPct val="70000"/>
             </a:pPr>
             <a:r>
-              <a:rPr lang="en-US" sz="2399" b="1" noProof="1">
+              <a:rPr lang="en-US" sz="2000" b="1" noProof="1">
                 <a:latin typeface="Consolas" pitchFamily="49" charset="0"/>
                 <a:cs typeface="Consolas" pitchFamily="49" charset="0"/>
               </a:rPr>
-              <a:t>   Project project = context.Projects.FirstOrDefault();</a:t>
+              <a:t>    using (var dbContext = new SoftUniContext())</a:t>
+            </a:r>
+          </a:p>
+          <a:p>
+            <a:pPr eaLnBrk="0" hangingPunct="0">
+              <a:buClr>
+                <a:schemeClr val="accent5">
+                  <a:lumMod val="40000"/>
+                  <a:lumOff val="60000"/>
+                </a:schemeClr>
+              </a:buClr>
+              <a:buSzPct val="70000"/>
+            </a:pPr>
+            <a:r>
+              <a:rPr lang="en-US" sz="2000" b="1" noProof="1">
+                <a:latin typeface="Consolas" pitchFamily="49" charset="0"/>
+                <a:cs typeface="Consolas" pitchFamily="49" charset="0"/>
+              </a:rPr>
+              <a:t>    {</a:t>
+            </a:r>
+          </a:p>
+          <a:p>
+            <a:pPr eaLnBrk="0" hangingPunct="0">
+              <a:buClr>
+                <a:schemeClr val="accent5">
+                  <a:lumMod val="40000"/>
+                  <a:lumOff val="60000"/>
+                </a:schemeClr>
+              </a:buClr>
+              <a:buSzPct val="70000"/>
+            </a:pPr>
+            <a:r>
+              <a:rPr lang="en-US" sz="2000" b="1" noProof="1">
+                <a:latin typeface="Consolas" pitchFamily="49" charset="0"/>
+                <a:cs typeface="Consolas" pitchFamily="49" charset="0"/>
+              </a:rPr>
+              <a:t>        Project project = dbContext.Projects.FirstOrDefault();</a:t>
             </a:r>
           </a:p>
           <a:p>
@@ -35932,11 +36350,11 @@
               <a:buSzPct val="70000"/>
             </a:pPr>
             <a:r>
-              <a:rPr lang="en-US" sz="2399" b="1" noProof="1">
+              <a:rPr lang="en-US" sz="2000" b="1" noProof="1">
                 <a:latin typeface="Consolas" pitchFamily="49" charset="0"/>
                 <a:cs typeface="Consolas" pitchFamily="49" charset="0"/>
               </a:rPr>
-              <a:t>   var entitiesWithProject = context.EmployeesProjects</a:t>
+              <a:t>        var entitiesWithProject = dbContext.EmployeesProjects</a:t>
             </a:r>
           </a:p>
           <a:p>
@@ -35953,11 +36371,11 @@
               <a:buSzPct val="70000"/>
             </a:pPr>
             <a:r>
-              <a:rPr lang="en-US" sz="2399" b="1" noProof="1">
+              <a:rPr lang="en-US" sz="2000" b="1" noProof="1">
                 <a:latin typeface="Consolas" pitchFamily="49" charset="0"/>
                 <a:cs typeface="Consolas" pitchFamily="49" charset="0"/>
               </a:rPr>
-              <a:t>      .Where(x =&gt; x.ProjectId == project.ProjectId).ToList();</a:t>
+              <a:t>           .Where(x =&gt; x.ProjectId == project.ProjectId).ToList();</a:t>
             </a:r>
           </a:p>
           <a:p>
@@ -35974,14 +36392,14 @@
               <a:buSzPct val="70000"/>
             </a:pPr>
             <a:r>
-              <a:rPr lang="en-US" sz="2399" b="1" noProof="1">
+              <a:rPr lang="en-US" sz="2000" b="1" noProof="1">
                 <a:latin typeface="Consolas" pitchFamily="49" charset="0"/>
                 <a:cs typeface="Consolas" pitchFamily="49" charset="0"/>
               </a:rPr>
-              <a:t>   context.EmployeesProjects.</a:t>
-            </a:r>
-            <a:r>
-              <a:rPr lang="en-US" sz="2399" b="1" noProof="1">
+              <a:t>        dbContext.EmployeesProjects.</a:t>
+            </a:r>
+            <a:r>
+              <a:rPr lang="en-US" sz="2000" b="1" noProof="1">
                 <a:solidFill>
                   <a:schemeClr val="bg1"/>
                 </a:solidFill>
@@ -35991,7 +36409,7 @@
               <a:t>RemoveRange</a:t>
             </a:r>
             <a:r>
-              <a:rPr lang="en-US" sz="2399" b="1" noProof="1">
+              <a:rPr lang="en-US" sz="2000" b="1" noProof="1">
                 <a:latin typeface="Consolas" pitchFamily="49" charset="0"/>
                 <a:cs typeface="Consolas" pitchFamily="49" charset="0"/>
               </a:rPr>
@@ -36012,14 +36430,14 @@
               <a:buSzPct val="70000"/>
             </a:pPr>
             <a:r>
-              <a:rPr lang="en-US" sz="2399" b="1" noProof="1">
+              <a:rPr lang="en-US" sz="2000" b="1" noProof="1">
                 <a:latin typeface="Consolas" pitchFamily="49" charset="0"/>
                 <a:cs typeface="Consolas" pitchFamily="49" charset="0"/>
               </a:rPr>
-              <a:t>   context.Projects.</a:t>
-            </a:r>
-            <a:r>
-              <a:rPr lang="en-US" sz="2399" b="1" noProof="1">
+              <a:t>        dbContext.Projects.</a:t>
+            </a:r>
+            <a:r>
+              <a:rPr lang="en-US" sz="2000" b="1" noProof="1">
                 <a:solidFill>
                   <a:schemeClr val="bg1"/>
                 </a:solidFill>
@@ -36029,7 +36447,7 @@
               <a:t>Remove</a:t>
             </a:r>
             <a:r>
-              <a:rPr lang="en-US" sz="2399" b="1" noProof="1">
+              <a:rPr lang="en-US" sz="2000" b="1" noProof="1">
                 <a:latin typeface="Consolas" pitchFamily="49" charset="0"/>
                 <a:cs typeface="Consolas" pitchFamily="49" charset="0"/>
               </a:rPr>
@@ -36050,14 +36468,14 @@
               <a:buSzPct val="70000"/>
             </a:pPr>
             <a:r>
-              <a:rPr lang="en-US" sz="2399" b="1" noProof="1">
+              <a:rPr lang="en-US" sz="2000" b="1" noProof="1">
                 <a:latin typeface="Consolas" pitchFamily="49" charset="0"/>
                 <a:cs typeface="Consolas" pitchFamily="49" charset="0"/>
               </a:rPr>
-              <a:t>   context.</a:t>
-            </a:r>
-            <a:r>
-              <a:rPr lang="en-US" sz="2399" b="1" noProof="1">
+              <a:t>        dbContext.</a:t>
+            </a:r>
+            <a:r>
+              <a:rPr lang="en-US" sz="2000" b="1" noProof="1">
                 <a:solidFill>
                   <a:schemeClr val="bg1"/>
                 </a:solidFill>
@@ -36067,11 +36485,32 @@
               <a:t>SaveChanges</a:t>
             </a:r>
             <a:r>
-              <a:rPr lang="en-US" sz="2399" b="1" noProof="1">
+              <a:rPr lang="en-US" sz="2000" b="1" noProof="1">
                 <a:latin typeface="Consolas" pitchFamily="49" charset="0"/>
                 <a:cs typeface="Consolas" pitchFamily="49" charset="0"/>
               </a:rPr>
-              <a:t>(); return project.Name;</a:t>
+              <a:t>();</a:t>
+            </a:r>
+          </a:p>
+          <a:p>
+            <a:pPr eaLnBrk="0" hangingPunct="0">
+              <a:spcBef>
+                <a:spcPts val="300"/>
+              </a:spcBef>
+              <a:buClr>
+                <a:schemeClr val="accent5">
+                  <a:lumMod val="40000"/>
+                  <a:lumOff val="60000"/>
+                </a:schemeClr>
+              </a:buClr>
+              <a:buSzPct val="70000"/>
+            </a:pPr>
+            <a:r>
+              <a:rPr lang="en-US" sz="2000" b="1" noProof="1">
+                <a:latin typeface="Consolas" pitchFamily="49" charset="0"/>
+                <a:cs typeface="Consolas" pitchFamily="49" charset="0"/>
+              </a:rPr>
+              <a:t>        return project.Name;</a:t>
             </a:r>
           </a:p>
           <a:p>
@@ -36085,7 +36524,25 @@
               <a:buSzPct val="70000"/>
             </a:pPr>
             <a:r>
-              <a:rPr lang="en-US" sz="2399" b="1" noProof="1">
+              <a:rPr lang="en-US" sz="2000" b="1" noProof="1">
+                <a:latin typeface="Consolas" pitchFamily="49" charset="0"/>
+                <a:cs typeface="Consolas" pitchFamily="49" charset="0"/>
+              </a:rPr>
+              <a:t>    }</a:t>
+            </a:r>
+          </a:p>
+          <a:p>
+            <a:pPr eaLnBrk="0" hangingPunct="0">
+              <a:buClr>
+                <a:schemeClr val="accent5">
+                  <a:lumMod val="40000"/>
+                  <a:lumOff val="60000"/>
+                </a:schemeClr>
+              </a:buClr>
+              <a:buSzPct val="70000"/>
+            </a:pPr>
+            <a:r>
+              <a:rPr lang="en-US" sz="2000" b="1" noProof="1">
                 <a:latin typeface="Consolas" pitchFamily="49" charset="0"/>
                 <a:cs typeface="Consolas" pitchFamily="49" charset="0"/>
               </a:rPr>
@@ -36110,13 +36567,13 @@
         </p:nvSpPr>
         <p:spPr bwMode="auto">
           <a:xfrm>
-            <a:off x="4916038" y="5810510"/>
+            <a:off x="7562508" y="5226821"/>
             <a:ext cx="4001735" cy="783166"/>
           </a:xfrm>
           <a:prstGeom prst="wedgeRoundRectCallout">
             <a:avLst>
-              <a:gd name="adj1" fmla="val -54634"/>
-              <a:gd name="adj2" fmla="val -125689"/>
+              <a:gd name="adj1" fmla="val -70160"/>
+              <a:gd name="adj2" fmla="val -53839"/>
               <a:gd name="adj3" fmla="val 16667"/>
             </a:avLst>
           </a:prstGeom>
@@ -36241,13 +36698,13 @@
         </p:nvSpPr>
         <p:spPr bwMode="auto">
           <a:xfrm>
-            <a:off x="458690" y="6117118"/>
+            <a:off x="3621000" y="6178942"/>
             <a:ext cx="4252892" cy="476558"/>
           </a:xfrm>
           <a:prstGeom prst="wedgeRoundRectCallout">
             <a:avLst>
-              <a:gd name="adj1" fmla="val 21556"/>
-              <a:gd name="adj2" fmla="val -158927"/>
+              <a:gd name="adj1" fmla="val -18689"/>
+              <a:gd name="adj2" fmla="val -161387"/>
               <a:gd name="adj3" fmla="val 16667"/>
             </a:avLst>
           </a:prstGeom>
@@ -36327,13 +36784,13 @@
         </p:nvSpPr>
         <p:spPr bwMode="auto">
           <a:xfrm>
-            <a:off x="8981653" y="4997415"/>
+            <a:off x="9076581" y="3231954"/>
             <a:ext cx="2768837" cy="1123685"/>
           </a:xfrm>
           <a:prstGeom prst="wedgeRoundRectCallout">
             <a:avLst>
-              <a:gd name="adj1" fmla="val -99812"/>
-              <a:gd name="adj2" fmla="val -66632"/>
+              <a:gd name="adj1" fmla="val -110820"/>
+              <a:gd name="adj2" fmla="val 74210"/>
               <a:gd name="adj3" fmla="val 16667"/>
             </a:avLst>
           </a:prstGeom>
@@ -36418,82 +36875,6 @@
               </a:rPr>
               <a:t>ProjectId</a:t>
             </a:r>
-          </a:p>
-        </p:txBody>
-      </p:sp>
-      <p:sp>
-        <p:nvSpPr>
-          <p:cNvPr id="9" name="Rectangle: Rounded Corners 8">
-            <a:extLst>
-              <a:ext uri="{FF2B5EF4-FFF2-40B4-BE49-F238E27FC236}">
-                <a16:creationId xmlns:a16="http://schemas.microsoft.com/office/drawing/2014/main" id="{6C5FDDFA-6FDA-AFEC-D0B3-A1772E7F6588}"/>
-              </a:ext>
-            </a:extLst>
-          </p:cNvPr>
-          <p:cNvSpPr/>
-          <p:nvPr/>
-        </p:nvSpPr>
-        <p:spPr bwMode="auto">
-          <a:xfrm>
-            <a:off x="1731000" y="1813266"/>
-            <a:ext cx="6210000" cy="1215000"/>
-          </a:xfrm>
-          <a:prstGeom prst="roundRect">
-            <a:avLst/>
-          </a:prstGeom>
-          <a:ln/>
-        </p:spPr>
-        <p:style>
-          <a:lnRef idx="3">
-            <a:schemeClr val="lt1"/>
-          </a:lnRef>
-          <a:fillRef idx="1">
-            <a:schemeClr val="accent1"/>
-          </a:fillRef>
-          <a:effectRef idx="1">
-            <a:schemeClr val="accent1"/>
-          </a:effectRef>
-          <a:fontRef idx="minor">
-            <a:schemeClr val="lt1"/>
-          </a:fontRef>
-        </p:style>
-        <p:txBody>
-          <a:bodyPr rot="0" spcFirstLastPara="0" vertOverflow="overflow" horzOverflow="overflow" vert="horz" wrap="square" lIns="91440" tIns="45720" rIns="91440" bIns="45720" numCol="1" spcCol="0" rtlCol="0" fromWordArt="0" anchor="ctr" anchorCtr="0" forceAA="0" compatLnSpc="1">
-            <a:prstTxWarp prst="textNoShape">
-              <a:avLst/>
-            </a:prstTxWarp>
-            <a:noAutofit/>
-          </a:bodyPr>
-          <a:lstStyle/>
-          <a:p>
-            <a:pPr algn="ctr"/>
-            <a:r>
-              <a:rPr lang="bg-BG" sz="2800" b="1" dirty="0">
-                <a:solidFill>
-                  <a:srgbClr val="FFFFFF"/>
-                </a:solidFill>
-                <a:effectLst>
-                  <a:outerShdw blurRad="38100" dist="38100" dir="2700000" algn="tl">
-                    <a:srgbClr val="000000">
-                      <a:alpha val="43137"/>
-                    </a:srgbClr>
-                  </a:outerShdw>
-                </a:effectLst>
-              </a:rPr>
-              <a:t>Контекстът да се създава тук, вместо да се подава като параметър.</a:t>
-            </a:r>
-            <a:endParaRPr lang="en-US" sz="2800" b="1" dirty="0">
-              <a:solidFill>
-                <a:srgbClr val="FFFFFF"/>
-              </a:solidFill>
-              <a:effectLst>
-                <a:outerShdw blurRad="38100" dist="38100" dir="2700000" algn="tl">
-                  <a:srgbClr val="000000">
-                    <a:alpha val="43137"/>
-                  </a:srgbClr>
-                </a:outerShdw>
-              </a:effectLst>
-            </a:endParaRPr>
           </a:p>
         </p:txBody>
       </p:sp>

--- a/Courses/Software-Sciences/Module-4-Information-Systems-New/06-CRUD-with-EF-and-Windows-Forms/06-CRUD-with-EF-Core-and-Windows-Forms.pptx
+++ b/Courses/Software-Sciences/Module-4-Information-Systems-New/06-CRUD-with-EF-and-Windows-Forms/06-CRUD-with-EF-Core-and-Windows-Forms.pptx
@@ -341,7 +341,7 @@
           <a:p>
             <a:fld id="{4E087215-0C8F-4762-A664-737A353EC9A4}" type="datetimeFigureOut">
               <a:rPr lang="bg-BG" smtClean="0"/>
-              <a:t>2.08.24 г.</a:t>
+              <a:t>10.09.24 г.</a:t>
             </a:fld>
             <a:endParaRPr lang="bg-BG"/>
           </a:p>
@@ -537,7 +537,7 @@
           <a:p>
             <a:fld id="{72D84649-876A-46C9-8472-14CB09C070D8}" type="datetimeFigureOut">
               <a:rPr lang="en-US" smtClean="0"/>
-              <a:t>8/2/24</a:t>
+              <a:t>9/10/24</a:t>
             </a:fld>
             <a:endParaRPr lang="en-US"/>
           </a:p>
@@ -8347,9 +8347,6 @@
                     <p:cTn id="3" fill="hold">
                       <p:stCondLst>
                         <p:cond delay="indefinite"/>
-                        <p:cond evt="onBegin" delay="0">
-                          <p:tn val="2"/>
-                        </p:cond>
                       </p:stCondLst>
                       <p:childTnLst>
                         <p:par>
@@ -8359,7 +8356,7 @@
                             </p:stCondLst>
                             <p:childTnLst>
                               <p:par>
-                                <p:cTn id="5" presetID="1" presetClass="entr" presetSubtype="0" fill="hold" nodeType="withEffect">
+                                <p:cTn id="5" presetID="1" presetClass="entr" presetSubtype="0" fill="hold" nodeType="clickEffect">
                                   <p:stCondLst>
                                     <p:cond delay="0"/>
                                   </p:stCondLst>
@@ -8367,37 +8364,6 @@
                                     <p:set>
                                       <p:cBhvr>
                                         <p:cTn id="6" dur="1" fill="hold">
-                                          <p:stCondLst>
-                                            <p:cond delay="0"/>
-                                          </p:stCondLst>
-                                        </p:cTn>
-                                        <p:tgtEl>
-                                          <p:spTgt spid="3">
-                                            <p:txEl>
-                                              <p:pRg st="0" end="0"/>
-                                            </p:txEl>
-                                          </p:spTgt>
-                                        </p:tgtEl>
-                                        <p:attrNameLst>
-                                          <p:attrName>style.visibility</p:attrName>
-                                        </p:attrNameLst>
-                                      </p:cBhvr>
-                                      <p:to>
-                                        <p:strVal val="visible"/>
-                                      </p:to>
-                                    </p:set>
-                                  </p:childTnLst>
-                                </p:cTn>
-                              </p:par>
-                              <p:par>
-                                <p:cTn id="7" presetID="1" presetClass="entr" presetSubtype="0" fill="hold" nodeType="withEffect">
-                                  <p:stCondLst>
-                                    <p:cond delay="0"/>
-                                  </p:stCondLst>
-                                  <p:childTnLst>
-                                    <p:set>
-                                      <p:cBhvr>
-                                        <p:cTn id="8" dur="1" fill="hold">
                                           <p:stCondLst>
                                             <p:cond delay="0"/>
                                           </p:stCondLst>
@@ -8420,8 +8386,26 @@
                                   </p:childTnLst>
                                 </p:cTn>
                               </p:par>
+                            </p:childTnLst>
+                          </p:cTn>
+                        </p:par>
+                      </p:childTnLst>
+                    </p:cTn>
+                  </p:par>
+                  <p:par>
+                    <p:cTn id="7" fill="hold">
+                      <p:stCondLst>
+                        <p:cond delay="indefinite"/>
+                      </p:stCondLst>
+                      <p:childTnLst>
+                        <p:par>
+                          <p:cTn id="8" fill="hold">
+                            <p:stCondLst>
+                              <p:cond delay="0"/>
+                            </p:stCondLst>
+                            <p:childTnLst>
                               <p:par>
-                                <p:cTn id="9" presetID="1" presetClass="entr" presetSubtype="0" fill="hold" nodeType="withEffect">
+                                <p:cTn id="9" presetID="1" presetClass="entr" presetSubtype="0" fill="hold" nodeType="clickEffect">
                                   <p:stCondLst>
                                     <p:cond delay="0"/>
                                   </p:stCondLst>
@@ -8434,7 +8418,11 @@
                                           </p:stCondLst>
                                         </p:cTn>
                                         <p:tgtEl>
-                                          <p:spTgt spid="6"/>
+                                          <p:spTgt spid="3">
+                                            <p:txEl>
+                                              <p:pRg st="2" end="2"/>
+                                            </p:txEl>
+                                          </p:spTgt>
                                         </p:tgtEl>
                                         <p:attrNameLst>
                                           <p:attrName>style.visibility</p:attrName>
@@ -8481,7 +8469,7 @@
                                         <p:tgtEl>
                                           <p:spTgt spid="3">
                                             <p:txEl>
-                                              <p:pRg st="2" end="2"/>
+                                              <p:pRg st="3" end="3"/>
                                             </p:txEl>
                                           </p:spTgt>
                                         </p:tgtEl>
@@ -8523,37 +8511,6 @@
                                     <p:set>
                                       <p:cBhvr>
                                         <p:cTn id="18" dur="1" fill="hold">
-                                          <p:stCondLst>
-                                            <p:cond delay="0"/>
-                                          </p:stCondLst>
-                                        </p:cTn>
-                                        <p:tgtEl>
-                                          <p:spTgt spid="3">
-                                            <p:txEl>
-                                              <p:pRg st="3" end="3"/>
-                                            </p:txEl>
-                                          </p:spTgt>
-                                        </p:tgtEl>
-                                        <p:attrNameLst>
-                                          <p:attrName>style.visibility</p:attrName>
-                                        </p:attrNameLst>
-                                      </p:cBhvr>
-                                      <p:to>
-                                        <p:strVal val="visible"/>
-                                      </p:to>
-                                    </p:set>
-                                  </p:childTnLst>
-                                </p:cTn>
-                              </p:par>
-                              <p:par>
-                                <p:cTn id="19" presetID="1" presetClass="entr" presetSubtype="0" fill="hold" nodeType="withEffect">
-                                  <p:stCondLst>
-                                    <p:cond delay="0"/>
-                                  </p:stCondLst>
-                                  <p:childTnLst>
-                                    <p:set>
-                                      <p:cBhvr>
-                                        <p:cTn id="20" dur="1" fill="hold">
                                           <p:stCondLst>
                                             <p:cond delay="0"/>
                                           </p:stCondLst>
@@ -8711,18 +8668,22 @@
               <a:t> </a:t>
             </a:r>
             <a:r>
+              <a:rPr lang="en-US" sz="2600" b="1" dirty="0"/>
+              <a:t>[</a:t>
+            </a:r>
+            <a:r>
               <a:rPr lang="en-US" sz="2600" b="1" dirty="0">
                 <a:solidFill>
                   <a:schemeClr val="bg1"/>
                 </a:solidFill>
               </a:rPr>
-              <a:t>[Add New Item]</a:t>
-            </a:r>
-            <a:endParaRPr lang="bg-BG" sz="2600" b="1" dirty="0">
-              <a:solidFill>
-                <a:schemeClr val="bg1"/>
-              </a:solidFill>
-            </a:endParaRPr>
+              <a:t>Add New Item</a:t>
+            </a:r>
+            <a:r>
+              <a:rPr lang="en-US" sz="2600" b="1" dirty="0"/>
+              <a:t>]</a:t>
+            </a:r>
+            <a:endParaRPr lang="bg-BG" sz="2600" b="1" dirty="0"/>
           </a:p>
           <a:p>
             <a:r>
@@ -8782,12 +8743,20 @@
               <a:t>и натискаме </a:t>
             </a:r>
             <a:r>
+              <a:rPr lang="en-US" sz="2600" b="1" dirty="0"/>
+              <a:t>[</a:t>
+            </a:r>
+            <a:r>
               <a:rPr lang="en-US" sz="2600" b="1" dirty="0">
                 <a:solidFill>
                   <a:schemeClr val="bg1"/>
                 </a:solidFill>
               </a:rPr>
-              <a:t>[Add]</a:t>
+              <a:t>Add</a:t>
+            </a:r>
+            <a:r>
+              <a:rPr lang="en-US" sz="2600" b="1" dirty="0"/>
+              <a:t>]</a:t>
             </a:r>
           </a:p>
           <a:p>
@@ -8899,9 +8868,6 @@
                     <p:cTn id="3" fill="hold">
                       <p:stCondLst>
                         <p:cond delay="indefinite"/>
-                        <p:cond evt="onBegin" delay="0">
-                          <p:tn val="2"/>
-                        </p:cond>
                       </p:stCondLst>
                       <p:childTnLst>
                         <p:par>
@@ -8911,7 +8877,7 @@
                             </p:stCondLst>
                             <p:childTnLst>
                               <p:par>
-                                <p:cTn id="5" presetID="1" presetClass="entr" presetSubtype="0" fill="hold" nodeType="withEffect">
+                                <p:cTn id="5" presetID="1" presetClass="entr" presetSubtype="0" fill="hold" nodeType="clickEffect">
                                   <p:stCondLst>
                                     <p:cond delay="0"/>
                                   </p:stCondLst>
@@ -8919,82 +8885,6 @@
                                     <p:set>
                                       <p:cBhvr>
                                         <p:cTn id="6" dur="1" fill="hold">
-                                          <p:stCondLst>
-                                            <p:cond delay="0"/>
-                                          </p:stCondLst>
-                                        </p:cTn>
-                                        <p:tgtEl>
-                                          <p:spTgt spid="3">
-                                            <p:txEl>
-                                              <p:pRg st="0" end="0"/>
-                                            </p:txEl>
-                                          </p:spTgt>
-                                        </p:tgtEl>
-                                        <p:attrNameLst>
-                                          <p:attrName>style.visibility</p:attrName>
-                                        </p:attrNameLst>
-                                      </p:cBhvr>
-                                      <p:to>
-                                        <p:strVal val="visible"/>
-                                      </p:to>
-                                    </p:set>
-                                  </p:childTnLst>
-                                </p:cTn>
-                              </p:par>
-                              <p:par>
-                                <p:cTn id="7" presetID="1" presetClass="entr" presetSubtype="0" fill="hold" nodeType="withEffect">
-                                  <p:stCondLst>
-                                    <p:cond delay="0"/>
-                                  </p:stCondLst>
-                                  <p:childTnLst>
-                                    <p:set>
-                                      <p:cBhvr>
-                                        <p:cTn id="8" dur="1" fill="hold">
-                                          <p:stCondLst>
-                                            <p:cond delay="0"/>
-                                          </p:stCondLst>
-                                        </p:cTn>
-                                        <p:tgtEl>
-                                          <p:spTgt spid="6"/>
-                                        </p:tgtEl>
-                                        <p:attrNameLst>
-                                          <p:attrName>style.visibility</p:attrName>
-                                        </p:attrNameLst>
-                                      </p:cBhvr>
-                                      <p:to>
-                                        <p:strVal val="visible"/>
-                                      </p:to>
-                                    </p:set>
-                                  </p:childTnLst>
-                                </p:cTn>
-                              </p:par>
-                            </p:childTnLst>
-                          </p:cTn>
-                        </p:par>
-                      </p:childTnLst>
-                    </p:cTn>
-                  </p:par>
-                  <p:par>
-                    <p:cTn id="9" fill="hold">
-                      <p:stCondLst>
-                        <p:cond delay="indefinite"/>
-                      </p:stCondLst>
-                      <p:childTnLst>
-                        <p:par>
-                          <p:cTn id="10" fill="hold">
-                            <p:stCondLst>
-                              <p:cond delay="0"/>
-                            </p:stCondLst>
-                            <p:childTnLst>
-                              <p:par>
-                                <p:cTn id="11" presetID="1" presetClass="entr" presetSubtype="0" fill="hold" nodeType="clickEffect">
-                                  <p:stCondLst>
-                                    <p:cond delay="0"/>
-                                  </p:stCondLst>
-                                  <p:childTnLst>
-                                    <p:set>
-                                      <p:cBhvr>
-                                        <p:cTn id="12" dur="1" fill="hold">
                                           <p:stCondLst>
                                             <p:cond delay="0"/>
                                           </p:stCondLst>
@@ -9024,26 +8914,26 @@
                     </p:cTn>
                   </p:par>
                   <p:par>
-                    <p:cTn id="13" fill="hold">
+                    <p:cTn id="7" fill="hold">
                       <p:stCondLst>
                         <p:cond delay="indefinite"/>
                       </p:stCondLst>
                       <p:childTnLst>
                         <p:par>
-                          <p:cTn id="14" fill="hold">
+                          <p:cTn id="8" fill="hold">
                             <p:stCondLst>
                               <p:cond delay="0"/>
                             </p:stCondLst>
                             <p:childTnLst>
                               <p:par>
-                                <p:cTn id="15" presetID="1" presetClass="entr" presetSubtype="0" fill="hold" nodeType="clickEffect">
+                                <p:cTn id="9" presetID="1" presetClass="entr" presetSubtype="0" fill="hold" nodeType="clickEffect">
                                   <p:stCondLst>
                                     <p:cond delay="0"/>
                                   </p:stCondLst>
                                   <p:childTnLst>
                                     <p:set>
                                       <p:cBhvr>
-                                        <p:cTn id="16" dur="1" fill="hold">
+                                        <p:cTn id="10" dur="1" fill="hold">
                                           <p:stCondLst>
                                             <p:cond delay="0"/>
                                           </p:stCondLst>
@@ -9474,9 +9364,6 @@
                     <p:cTn id="3" fill="hold">
                       <p:stCondLst>
                         <p:cond delay="indefinite"/>
-                        <p:cond evt="onBegin" delay="0">
-                          <p:tn val="2"/>
-                        </p:cond>
                       </p:stCondLst>
                       <p:childTnLst>
                         <p:par>
@@ -9486,7 +9373,7 @@
                             </p:stCondLst>
                             <p:childTnLst>
                               <p:par>
-                                <p:cTn id="5" presetID="1" presetClass="entr" presetSubtype="0" fill="hold" nodeType="withEffect">
+                                <p:cTn id="5" presetID="1" presetClass="entr" presetSubtype="0" fill="hold" nodeType="clickEffect">
                                   <p:stCondLst>
                                     <p:cond delay="0"/>
                                   </p:stCondLst>
@@ -9565,21 +9452,39 @@
                                   </p:childTnLst>
                                 </p:cTn>
                               </p:par>
+                            </p:childTnLst>
+                          </p:cTn>
+                        </p:par>
+                      </p:childTnLst>
+                    </p:cTn>
+                  </p:par>
+                  <p:par>
+                    <p:cTn id="11" fill="hold">
+                      <p:stCondLst>
+                        <p:cond delay="indefinite"/>
+                      </p:stCondLst>
+                      <p:childTnLst>
+                        <p:par>
+                          <p:cTn id="12" fill="hold">
+                            <p:stCondLst>
+                              <p:cond delay="0"/>
+                            </p:stCondLst>
+                            <p:childTnLst>
                               <p:par>
-                                <p:cTn id="11" presetID="1" presetClass="entr" presetSubtype="0" fill="hold" nodeType="withEffect">
+                                <p:cTn id="13" presetID="1" presetClass="entr" presetSubtype="0" fill="hold" grpId="0" nodeType="clickEffect">
                                   <p:stCondLst>
                                     <p:cond delay="0"/>
                                   </p:stCondLst>
                                   <p:childTnLst>
                                     <p:set>
                                       <p:cBhvr>
-                                        <p:cTn id="12" dur="1" fill="hold">
+                                        <p:cTn id="14" dur="1" fill="hold">
                                           <p:stCondLst>
                                             <p:cond delay="0"/>
                                           </p:stCondLst>
                                         </p:cTn>
                                         <p:tgtEl>
-                                          <p:spTgt spid="6"/>
+                                          <p:spTgt spid="10"/>
                                         </p:tgtEl>
                                         <p:attrNameLst>
                                           <p:attrName>style.visibility</p:attrName>
@@ -9599,46 +9504,19 @@
                     </p:cTn>
                   </p:par>
                   <p:par>
-                    <p:cTn id="13" fill="hold">
+                    <p:cTn id="15" fill="hold">
                       <p:stCondLst>
                         <p:cond delay="indefinite"/>
                       </p:stCondLst>
                       <p:childTnLst>
                         <p:par>
-                          <p:cTn id="14" fill="hold">
+                          <p:cTn id="16" fill="hold">
                             <p:stCondLst>
                               <p:cond delay="0"/>
                             </p:stCondLst>
                             <p:childTnLst>
                               <p:par>
-                                <p:cTn id="15" presetID="1" presetClass="entr" presetSubtype="0" fill="hold" grpId="0" nodeType="clickEffect">
-                                  <p:stCondLst>
-                                    <p:cond delay="0"/>
-                                  </p:stCondLst>
-                                  <p:childTnLst>
-                                    <p:set>
-                                      <p:cBhvr>
-                                        <p:cTn id="16" dur="1" fill="hold">
-                                          <p:stCondLst>
-                                            <p:cond delay="0"/>
-                                          </p:stCondLst>
-                                        </p:cTn>
-                                        <p:tgtEl>
-                                          <p:spTgt spid="10"/>
-                                        </p:tgtEl>
-                                        <p:attrNameLst>
-                                          <p:attrName>style.visibility</p:attrName>
-                                        </p:attrNameLst>
-                                      </p:cBhvr>
-                                      <p:to>
-                                        <p:strVal val="visible"/>
-                                      </p:to>
-                                    </p:set>
-                                  </p:childTnLst>
-                                </p:cTn>
-                              </p:par>
-                              <p:par>
-                                <p:cTn id="17" presetID="1" presetClass="entr" presetSubtype="0" fill="hold" nodeType="withEffect">
+                                <p:cTn id="17" presetID="1" presetClass="entr" presetSubtype="0" fill="hold" nodeType="clickEffect">
                                   <p:stCondLst>
                                     <p:cond delay="0"/>
                                   </p:stCondLst>
@@ -10253,7 +10131,7 @@
                             </p:stCondLst>
                             <p:childTnLst>
                               <p:par>
-                                <p:cTn id="5" presetID="1" presetClass="entr" presetSubtype="0" fill="hold" grpId="0" nodeType="clickEffect">
+                                <p:cTn id="5" presetID="1" presetClass="entr" presetSubtype="0" fill="hold" nodeType="clickEffect">
                                   <p:stCondLst>
                                     <p:cond delay="0"/>
                                   </p:stCondLst>
@@ -10266,7 +10144,7 @@
                                           </p:stCondLst>
                                         </p:cTn>
                                         <p:tgtEl>
-                                          <p:spTgt spid="8"/>
+                                          <p:spTgt spid="7"/>
                                         </p:tgtEl>
                                         <p:attrNameLst>
                                           <p:attrName>style.visibility</p:attrName>
@@ -10311,11 +10189,7 @@
                                           </p:stCondLst>
                                         </p:cTn>
                                         <p:tgtEl>
-                                          <p:spTgt spid="3">
-                                            <p:txEl>
-                                              <p:pRg st="4" end="4"/>
-                                            </p:txEl>
-                                          </p:spTgt>
+                                          <p:spTgt spid="6"/>
                                         </p:tgtEl>
                                         <p:attrNameLst>
                                           <p:attrName>style.visibility</p:attrName>
@@ -10347,7 +10221,7 @@
                             </p:stCondLst>
                             <p:childTnLst>
                               <p:par>
-                                <p:cTn id="13" presetID="1" presetClass="entr" presetSubtype="0" fill="hold" nodeType="clickEffect">
+                                <p:cTn id="13" presetID="1" presetClass="entr" presetSubtype="0" fill="hold" grpId="0" nodeType="clickEffect">
                                   <p:stCondLst>
                                     <p:cond delay="0"/>
                                   </p:stCondLst>
@@ -10355,6 +10229,100 @@
                                     <p:set>
                                       <p:cBhvr>
                                         <p:cTn id="14" dur="1" fill="hold">
+                                          <p:stCondLst>
+                                            <p:cond delay="0"/>
+                                          </p:stCondLst>
+                                        </p:cTn>
+                                        <p:tgtEl>
+                                          <p:spTgt spid="8"/>
+                                        </p:tgtEl>
+                                        <p:attrNameLst>
+                                          <p:attrName>style.visibility</p:attrName>
+                                        </p:attrNameLst>
+                                      </p:cBhvr>
+                                      <p:to>
+                                        <p:strVal val="visible"/>
+                                      </p:to>
+                                    </p:set>
+                                  </p:childTnLst>
+                                </p:cTn>
+                              </p:par>
+                            </p:childTnLst>
+                          </p:cTn>
+                        </p:par>
+                      </p:childTnLst>
+                    </p:cTn>
+                  </p:par>
+                  <p:par>
+                    <p:cTn id="15" fill="hold">
+                      <p:stCondLst>
+                        <p:cond delay="indefinite"/>
+                      </p:stCondLst>
+                      <p:childTnLst>
+                        <p:par>
+                          <p:cTn id="16" fill="hold">
+                            <p:stCondLst>
+                              <p:cond delay="0"/>
+                            </p:stCondLst>
+                            <p:childTnLst>
+                              <p:par>
+                                <p:cTn id="17" presetID="1" presetClass="entr" presetSubtype="0" fill="hold" nodeType="clickEffect">
+                                  <p:stCondLst>
+                                    <p:cond delay="0"/>
+                                  </p:stCondLst>
+                                  <p:childTnLst>
+                                    <p:set>
+                                      <p:cBhvr>
+                                        <p:cTn id="18" dur="1" fill="hold">
+                                          <p:stCondLst>
+                                            <p:cond delay="0"/>
+                                          </p:stCondLst>
+                                        </p:cTn>
+                                        <p:tgtEl>
+                                          <p:spTgt spid="3">
+                                            <p:txEl>
+                                              <p:pRg st="4" end="4"/>
+                                            </p:txEl>
+                                          </p:spTgt>
+                                        </p:tgtEl>
+                                        <p:attrNameLst>
+                                          <p:attrName>style.visibility</p:attrName>
+                                        </p:attrNameLst>
+                                      </p:cBhvr>
+                                      <p:to>
+                                        <p:strVal val="visible"/>
+                                      </p:to>
+                                    </p:set>
+                                  </p:childTnLst>
+                                </p:cTn>
+                              </p:par>
+                            </p:childTnLst>
+                          </p:cTn>
+                        </p:par>
+                      </p:childTnLst>
+                    </p:cTn>
+                  </p:par>
+                  <p:par>
+                    <p:cTn id="19" fill="hold">
+                      <p:stCondLst>
+                        <p:cond delay="indefinite"/>
+                      </p:stCondLst>
+                      <p:childTnLst>
+                        <p:par>
+                          <p:cTn id="20" fill="hold">
+                            <p:stCondLst>
+                              <p:cond delay="0"/>
+                            </p:stCondLst>
+                            <p:childTnLst>
+                              <p:par>
+                                <p:cTn id="21" presetID="1" presetClass="entr" presetSubtype="0" fill="hold" nodeType="clickEffect">
+                                  <p:stCondLst>
+                                    <p:cond delay="0"/>
+                                  </p:stCondLst>
+                                  <p:childTnLst>
+                                    <p:set>
+                                      <p:cBhvr>
+                                        <p:cTn id="22" dur="1" fill="hold">
                                           <p:stCondLst>
                                             <p:cond delay="0"/>
                                           </p:stCondLst>
@@ -10377,15 +10345,33 @@
                                   </p:childTnLst>
                                 </p:cTn>
                               </p:par>
+                            </p:childTnLst>
+                          </p:cTn>
+                        </p:par>
+                      </p:childTnLst>
+                    </p:cTn>
+                  </p:par>
+                  <p:par>
+                    <p:cTn id="23" fill="hold">
+                      <p:stCondLst>
+                        <p:cond delay="indefinite"/>
+                      </p:stCondLst>
+                      <p:childTnLst>
+                        <p:par>
+                          <p:cTn id="24" fill="hold">
+                            <p:stCondLst>
+                              <p:cond delay="0"/>
+                            </p:stCondLst>
+                            <p:childTnLst>
                               <p:par>
-                                <p:cTn id="15" presetID="1" presetClass="entr" presetSubtype="0" fill="hold" grpId="0" nodeType="withEffect">
+                                <p:cTn id="25" presetID="1" presetClass="entr" presetSubtype="0" fill="hold" grpId="0" nodeType="clickEffect">
                                   <p:stCondLst>
                                     <p:cond delay="0"/>
                                   </p:stCondLst>
                                   <p:childTnLst>
                                     <p:set>
                                       <p:cBhvr>
-                                        <p:cTn id="16" dur="1" fill="hold">
+                                        <p:cTn id="26" dur="1" fill="hold">
                                           <p:stCondLst>
                                             <p:cond delay="0"/>
                                           </p:stCondLst>
@@ -11095,87 +11081,6 @@
       <p:transition spd="slow" advClick="0" advTm="5000"/>
     </mc:Fallback>
   </mc:AlternateContent>
-  <p:timing>
-    <p:tnLst>
-      <p:par>
-        <p:cTn id="1" dur="indefinite" restart="never" nodeType="tmRoot">
-          <p:childTnLst>
-            <p:seq concurrent="1" nextAc="seek">
-              <p:cTn id="2" dur="indefinite" nodeType="mainSeq">
-                <p:childTnLst>
-                  <p:par>
-                    <p:cTn id="3" fill="hold">
-                      <p:stCondLst>
-                        <p:cond delay="indefinite"/>
-                        <p:cond evt="onBegin" delay="0">
-                          <p:tn val="2"/>
-                        </p:cond>
-                      </p:stCondLst>
-                      <p:childTnLst>
-                        <p:par>
-                          <p:cTn id="4" fill="hold">
-                            <p:stCondLst>
-                              <p:cond delay="0"/>
-                            </p:stCondLst>
-                            <p:childTnLst>
-                              <p:par>
-                                <p:cTn id="5" presetID="1" presetClass="entr" presetSubtype="0" fill="hold" grpId="0" nodeType="withEffect">
-                                  <p:stCondLst>
-                                    <p:cond delay="0"/>
-                                  </p:stCondLst>
-                                  <p:childTnLst>
-                                    <p:set>
-                                      <p:cBhvr>
-                                        <p:cTn id="6" dur="1" fill="hold">
-                                          <p:stCondLst>
-                                            <p:cond delay="0"/>
-                                          </p:stCondLst>
-                                        </p:cTn>
-                                        <p:tgtEl>
-                                          <p:spTgt spid="5"/>
-                                        </p:tgtEl>
-                                        <p:attrNameLst>
-                                          <p:attrName>style.visibility</p:attrName>
-                                        </p:attrNameLst>
-                                      </p:cBhvr>
-                                      <p:to>
-                                        <p:strVal val="visible"/>
-                                      </p:to>
-                                    </p:set>
-                                  </p:childTnLst>
-                                </p:cTn>
-                              </p:par>
-                            </p:childTnLst>
-                          </p:cTn>
-                        </p:par>
-                      </p:childTnLst>
-                    </p:cTn>
-                  </p:par>
-                </p:childTnLst>
-              </p:cTn>
-              <p:prevCondLst>
-                <p:cond evt="onPrev" delay="0">
-                  <p:tgtEl>
-                    <p:sldTgt/>
-                  </p:tgtEl>
-                </p:cond>
-              </p:prevCondLst>
-              <p:nextCondLst>
-                <p:cond evt="onNext" delay="0">
-                  <p:tgtEl>
-                    <p:sldTgt/>
-                  </p:tgtEl>
-                </p:cond>
-              </p:nextCondLst>
-            </p:seq>
-          </p:childTnLst>
-        </p:cTn>
-      </p:par>
-    </p:tnLst>
-    <p:bldLst>
-      <p:bldP spid="5" grpId="0" animBg="1"/>
-    </p:bldLst>
-  </p:timing>
 </p:sld>
 </file>
 
@@ -11648,7 +11553,7 @@
         </p:blipFill>
         <p:spPr>
           <a:xfrm>
-            <a:off x="7311000" y="2122387"/>
+            <a:off x="7311000" y="1867201"/>
             <a:ext cx="4442030" cy="4186613"/>
           </a:xfrm>
           <a:prstGeom prst="rect">
@@ -11693,9 +11598,6 @@
                     <p:cTn id="3" fill="hold">
                       <p:stCondLst>
                         <p:cond delay="indefinite"/>
-                        <p:cond evt="onBegin" delay="0">
-                          <p:tn val="2"/>
-                        </p:cond>
                       </p:stCondLst>
                       <p:childTnLst>
                         <p:par>
@@ -11705,7 +11607,7 @@
                             </p:stCondLst>
                             <p:childTnLst>
                               <p:par>
-                                <p:cTn id="5" presetID="1" presetClass="entr" presetSubtype="0" fill="hold" nodeType="withEffect">
+                                <p:cTn id="5" presetID="1" presetClass="entr" presetSubtype="0" fill="hold" nodeType="clickEffect">
                                   <p:stCondLst>
                                     <p:cond delay="0"/>
                                   </p:stCondLst>
@@ -11713,33 +11615,6 @@
                                     <p:set>
                                       <p:cBhvr>
                                         <p:cTn id="6" dur="1" fill="hold">
-                                          <p:stCondLst>
-                                            <p:cond delay="0"/>
-                                          </p:stCondLst>
-                                        </p:cTn>
-                                        <p:tgtEl>
-                                          <p:spTgt spid="5"/>
-                                        </p:tgtEl>
-                                        <p:attrNameLst>
-                                          <p:attrName>style.visibility</p:attrName>
-                                        </p:attrNameLst>
-                                      </p:cBhvr>
-                                      <p:to>
-                                        <p:strVal val="visible"/>
-                                      </p:to>
-                                    </p:set>
-                                  </p:childTnLst>
-                                </p:cTn>
-                              </p:par>
-                              <p:par>
-                                <p:cTn id="7" presetID="1" presetClass="entr" presetSubtype="0" fill="hold" nodeType="withEffect">
-                                  <p:stCondLst>
-                                    <p:cond delay="0"/>
-                                  </p:stCondLst>
-                                  <p:childTnLst>
-                                    <p:set>
-                                      <p:cBhvr>
-                                        <p:cTn id="8" dur="1" fill="hold">
                                           <p:stCondLst>
                                             <p:cond delay="0"/>
                                           </p:stCondLst>
@@ -11762,8 +11637,26 @@
                                   </p:childTnLst>
                                 </p:cTn>
                               </p:par>
+                            </p:childTnLst>
+                          </p:cTn>
+                        </p:par>
+                      </p:childTnLst>
+                    </p:cTn>
+                  </p:par>
+                  <p:par>
+                    <p:cTn id="7" fill="hold">
+                      <p:stCondLst>
+                        <p:cond delay="indefinite"/>
+                      </p:stCondLst>
+                      <p:childTnLst>
+                        <p:par>
+                          <p:cTn id="8" fill="hold">
+                            <p:stCondLst>
+                              <p:cond delay="0"/>
+                            </p:stCondLst>
+                            <p:childTnLst>
                               <p:par>
-                                <p:cTn id="9" presetID="1" presetClass="entr" presetSubtype="0" fill="hold" nodeType="withEffect">
+                                <p:cTn id="9" presetID="1" presetClass="entr" presetSubtype="0" fill="hold" nodeType="clickEffect">
                                   <p:stCondLst>
                                     <p:cond delay="0"/>
                                   </p:stCondLst>
@@ -11778,7 +11671,7 @@
                                         <p:tgtEl>
                                           <p:spTgt spid="3">
                                             <p:txEl>
-                                              <p:pRg st="0" end="0"/>
+                                              <p:pRg st="2" end="2"/>
                                             </p:txEl>
                                           </p:spTgt>
                                         </p:tgtEl>
@@ -11820,55 +11713,6 @@
                                     <p:set>
                                       <p:cBhvr>
                                         <p:cTn id="14" dur="1" fill="hold">
-                                          <p:stCondLst>
-                                            <p:cond delay="0"/>
-                                          </p:stCondLst>
-                                        </p:cTn>
-                                        <p:tgtEl>
-                                          <p:spTgt spid="3">
-                                            <p:txEl>
-                                              <p:pRg st="2" end="2"/>
-                                            </p:txEl>
-                                          </p:spTgt>
-                                        </p:tgtEl>
-                                        <p:attrNameLst>
-                                          <p:attrName>style.visibility</p:attrName>
-                                        </p:attrNameLst>
-                                      </p:cBhvr>
-                                      <p:to>
-                                        <p:strVal val="visible"/>
-                                      </p:to>
-                                    </p:set>
-                                  </p:childTnLst>
-                                </p:cTn>
-                              </p:par>
-                            </p:childTnLst>
-                          </p:cTn>
-                        </p:par>
-                      </p:childTnLst>
-                    </p:cTn>
-                  </p:par>
-                  <p:par>
-                    <p:cTn id="15" fill="hold">
-                      <p:stCondLst>
-                        <p:cond delay="indefinite"/>
-                      </p:stCondLst>
-                      <p:childTnLst>
-                        <p:par>
-                          <p:cTn id="16" fill="hold">
-                            <p:stCondLst>
-                              <p:cond delay="0"/>
-                            </p:stCondLst>
-                            <p:childTnLst>
-                              <p:par>
-                                <p:cTn id="17" presetID="1" presetClass="entr" presetSubtype="0" fill="hold" nodeType="clickEffect">
-                                  <p:stCondLst>
-                                    <p:cond delay="0"/>
-                                  </p:stCondLst>
-                                  <p:childTnLst>
-                                    <p:set>
-                                      <p:cBhvr>
-                                        <p:cTn id="18" dur="1" fill="hold">
                                           <p:stCondLst>
                                             <p:cond delay="0"/>
                                           </p:stCondLst>
@@ -12318,9 +12162,6 @@
                     <p:cTn id="3" fill="hold">
                       <p:stCondLst>
                         <p:cond delay="indefinite"/>
-                        <p:cond evt="onBegin" delay="0">
-                          <p:tn val="2"/>
-                        </p:cond>
                       </p:stCondLst>
                       <p:childTnLst>
                         <p:par>
@@ -12330,7 +12171,7 @@
                             </p:stCondLst>
                             <p:childTnLst>
                               <p:par>
-                                <p:cTn id="5" presetID="1" presetClass="entr" presetSubtype="0" fill="hold" nodeType="withEffect">
+                                <p:cTn id="5" presetID="1" presetClass="entr" presetSubtype="0" fill="hold" grpId="0" nodeType="clickEffect">
                                   <p:stCondLst>
                                     <p:cond delay="0"/>
                                   </p:stCondLst>
@@ -12338,37 +12179,6 @@
                                     <p:set>
                                       <p:cBhvr>
                                         <p:cTn id="6" dur="1" fill="hold">
-                                          <p:stCondLst>
-                                            <p:cond delay="0"/>
-                                          </p:stCondLst>
-                                        </p:cTn>
-                                        <p:tgtEl>
-                                          <p:spTgt spid="3">
-                                            <p:txEl>
-                                              <p:pRg st="0" end="0"/>
-                                            </p:txEl>
-                                          </p:spTgt>
-                                        </p:tgtEl>
-                                        <p:attrNameLst>
-                                          <p:attrName>style.visibility</p:attrName>
-                                        </p:attrNameLst>
-                                      </p:cBhvr>
-                                      <p:to>
-                                        <p:strVal val="visible"/>
-                                      </p:to>
-                                    </p:set>
-                                  </p:childTnLst>
-                                </p:cTn>
-                              </p:par>
-                              <p:par>
-                                <p:cTn id="7" presetID="1" presetClass="entr" presetSubtype="0" fill="hold" grpId="0" nodeType="withEffect">
-                                  <p:stCondLst>
-                                    <p:cond delay="0"/>
-                                  </p:stCondLst>
-                                  <p:childTnLst>
-                                    <p:set>
-                                      <p:cBhvr>
-                                        <p:cTn id="8" dur="1" fill="hold">
                                           <p:stCondLst>
                                             <p:cond delay="0"/>
                                           </p:stCondLst>
@@ -12387,8 +12197,26 @@
                                   </p:childTnLst>
                                 </p:cTn>
                               </p:par>
+                            </p:childTnLst>
+                          </p:cTn>
+                        </p:par>
+                      </p:childTnLst>
+                    </p:cTn>
+                  </p:par>
+                  <p:par>
+                    <p:cTn id="7" fill="hold">
+                      <p:stCondLst>
+                        <p:cond delay="indefinite"/>
+                      </p:stCondLst>
+                      <p:childTnLst>
+                        <p:par>
+                          <p:cTn id="8" fill="hold">
+                            <p:stCondLst>
+                              <p:cond delay="0"/>
+                            </p:stCondLst>
+                            <p:childTnLst>
                               <p:par>
-                                <p:cTn id="9" presetID="1" presetClass="entr" presetSubtype="0" fill="hold" grpId="0" nodeType="withEffect">
+                                <p:cTn id="9" presetID="1" presetClass="entr" presetSubtype="0" fill="hold" grpId="0" nodeType="clickEffect">
                                   <p:stCondLst>
                                     <p:cond delay="0"/>
                                   </p:stCondLst>
@@ -12463,15 +12291,33 @@
                                   </p:childTnLst>
                                 </p:cTn>
                               </p:par>
+                            </p:childTnLst>
+                          </p:cTn>
+                        </p:par>
+                      </p:childTnLst>
+                    </p:cTn>
+                  </p:par>
+                  <p:par>
+                    <p:cTn id="15" fill="hold">
+                      <p:stCondLst>
+                        <p:cond delay="indefinite"/>
+                      </p:stCondLst>
+                      <p:childTnLst>
+                        <p:par>
+                          <p:cTn id="16" fill="hold">
+                            <p:stCondLst>
+                              <p:cond delay="0"/>
+                            </p:stCondLst>
+                            <p:childTnLst>
                               <p:par>
-                                <p:cTn id="15" presetID="1" presetClass="entr" presetSubtype="0" fill="hold" grpId="0" nodeType="withEffect">
+                                <p:cTn id="17" presetID="1" presetClass="entr" presetSubtype="0" fill="hold" grpId="0" nodeType="clickEffect">
                                   <p:stCondLst>
                                     <p:cond delay="0"/>
                                   </p:stCondLst>
                                   <p:childTnLst>
                                     <p:set>
                                       <p:cBhvr>
-                                        <p:cTn id="16" dur="1" fill="hold">
+                                        <p:cTn id="18" dur="1" fill="hold">
                                           <p:stCondLst>
                                             <p:cond delay="0"/>
                                           </p:stCondLst>
@@ -12665,18 +12511,22 @@
               <a:t>с </a:t>
             </a:r>
             <a:r>
+              <a:rPr lang="en-US" sz="3200" b="1" dirty="0"/>
+              <a:t>[</a:t>
+            </a:r>
+            <a:r>
               <a:rPr lang="en-US" sz="3200" b="1" dirty="0">
                 <a:solidFill>
                   <a:schemeClr val="bg1"/>
                 </a:solidFill>
               </a:rPr>
-              <a:t>[Ctrl + Shift + B]</a:t>
-            </a:r>
-            <a:endParaRPr lang="bg-BG" sz="3200" b="1" dirty="0">
-              <a:solidFill>
-                <a:schemeClr val="bg1"/>
-              </a:solidFill>
-            </a:endParaRPr>
+              <a:t>Ctrl + Shift + B</a:t>
+            </a:r>
+            <a:r>
+              <a:rPr lang="en-US" sz="3200" b="1" dirty="0"/>
+              <a:t>]</a:t>
+            </a:r>
+            <a:endParaRPr lang="bg-BG" sz="3200" b="1" dirty="0"/>
           </a:p>
           <a:p>
             <a:r>
@@ -12703,12 +12553,20 @@
           <a:p>
             <a:pPr lvl="1"/>
             <a:r>
+              <a:rPr lang="en-US" b="1" dirty="0"/>
+              <a:t>[</a:t>
+            </a:r>
+            <a:r>
               <a:rPr lang="en-US" b="1" dirty="0">
                 <a:solidFill>
                   <a:schemeClr val="bg1"/>
                 </a:solidFill>
               </a:rPr>
-              <a:t>[Add new Object]</a:t>
+              <a:t>Add new Object</a:t>
+            </a:r>
+            <a:r>
+              <a:rPr lang="en-US" b="1" dirty="0"/>
+              <a:t>]</a:t>
             </a:r>
             <a:r>
               <a:rPr lang="bg-BG" dirty="0">
@@ -12848,9 +12706,6 @@
                     <p:cTn id="3" fill="hold">
                       <p:stCondLst>
                         <p:cond delay="indefinite"/>
-                        <p:cond evt="onBegin" delay="0">
-                          <p:tn val="2"/>
-                        </p:cond>
                       </p:stCondLst>
                       <p:childTnLst>
                         <p:par>
@@ -12860,7 +12715,7 @@
                             </p:stCondLst>
                             <p:childTnLst>
                               <p:par>
-                                <p:cTn id="5" presetID="1" presetClass="entr" presetSubtype="0" fill="hold" nodeType="withEffect">
+                                <p:cTn id="5" presetID="1" presetClass="entr" presetSubtype="0" fill="hold" nodeType="clickEffect">
                                   <p:stCondLst>
                                     <p:cond delay="0"/>
                                   </p:stCondLst>
@@ -12868,82 +12723,6 @@
                                     <p:set>
                                       <p:cBhvr>
                                         <p:cTn id="6" dur="1" fill="hold">
-                                          <p:stCondLst>
-                                            <p:cond delay="0"/>
-                                          </p:stCondLst>
-                                        </p:cTn>
-                                        <p:tgtEl>
-                                          <p:spTgt spid="8"/>
-                                        </p:tgtEl>
-                                        <p:attrNameLst>
-                                          <p:attrName>style.visibility</p:attrName>
-                                        </p:attrNameLst>
-                                      </p:cBhvr>
-                                      <p:to>
-                                        <p:strVal val="visible"/>
-                                      </p:to>
-                                    </p:set>
-                                  </p:childTnLst>
-                                </p:cTn>
-                              </p:par>
-                              <p:par>
-                                <p:cTn id="7" presetID="1" presetClass="entr" presetSubtype="0" fill="hold" nodeType="withEffect">
-                                  <p:stCondLst>
-                                    <p:cond delay="0"/>
-                                  </p:stCondLst>
-                                  <p:childTnLst>
-                                    <p:set>
-                                      <p:cBhvr>
-                                        <p:cTn id="8" dur="1" fill="hold">
-                                          <p:stCondLst>
-                                            <p:cond delay="0"/>
-                                          </p:stCondLst>
-                                        </p:cTn>
-                                        <p:tgtEl>
-                                          <p:spTgt spid="3">
-                                            <p:txEl>
-                                              <p:pRg st="0" end="0"/>
-                                            </p:txEl>
-                                          </p:spTgt>
-                                        </p:tgtEl>
-                                        <p:attrNameLst>
-                                          <p:attrName>style.visibility</p:attrName>
-                                        </p:attrNameLst>
-                                      </p:cBhvr>
-                                      <p:to>
-                                        <p:strVal val="visible"/>
-                                      </p:to>
-                                    </p:set>
-                                  </p:childTnLst>
-                                </p:cTn>
-                              </p:par>
-                            </p:childTnLst>
-                          </p:cTn>
-                        </p:par>
-                      </p:childTnLst>
-                    </p:cTn>
-                  </p:par>
-                  <p:par>
-                    <p:cTn id="9" fill="hold">
-                      <p:stCondLst>
-                        <p:cond delay="indefinite"/>
-                      </p:stCondLst>
-                      <p:childTnLst>
-                        <p:par>
-                          <p:cTn id="10" fill="hold">
-                            <p:stCondLst>
-                              <p:cond delay="0"/>
-                            </p:stCondLst>
-                            <p:childTnLst>
-                              <p:par>
-                                <p:cTn id="11" presetID="1" presetClass="entr" presetSubtype="0" fill="hold" nodeType="clickEffect">
-                                  <p:stCondLst>
-                                    <p:cond delay="0"/>
-                                  </p:stCondLst>
-                                  <p:childTnLst>
-                                    <p:set>
-                                      <p:cBhvr>
-                                        <p:cTn id="12" dur="1" fill="hold">
                                           <p:stCondLst>
                                             <p:cond delay="0"/>
                                           </p:stCondLst>
@@ -12966,8 +12745,75 @@
                                   </p:childTnLst>
                                 </p:cTn>
                               </p:par>
+                            </p:childTnLst>
+                          </p:cTn>
+                        </p:par>
+                      </p:childTnLst>
+                    </p:cTn>
+                  </p:par>
+                  <p:par>
+                    <p:cTn id="7" fill="hold">
+                      <p:stCondLst>
+                        <p:cond delay="indefinite"/>
+                      </p:stCondLst>
+                      <p:childTnLst>
+                        <p:par>
+                          <p:cTn id="8" fill="hold">
+                            <p:stCondLst>
+                              <p:cond delay="0"/>
+                            </p:stCondLst>
+                            <p:childTnLst>
                               <p:par>
-                                <p:cTn id="13" presetID="1" presetClass="entr" presetSubtype="0" fill="hold" nodeType="withEffect">
+                                <p:cTn id="9" presetID="1" presetClass="entr" presetSubtype="0" fill="hold" nodeType="clickEffect">
+                                  <p:stCondLst>
+                                    <p:cond delay="0"/>
+                                  </p:stCondLst>
+                                  <p:childTnLst>
+                                    <p:set>
+                                      <p:cBhvr>
+                                        <p:cTn id="10" dur="1" fill="hold">
+                                          <p:stCondLst>
+                                            <p:cond delay="0"/>
+                                          </p:stCondLst>
+                                        </p:cTn>
+                                        <p:tgtEl>
+                                          <p:spTgt spid="3">
+                                            <p:txEl>
+                                              <p:pRg st="2" end="2"/>
+                                            </p:txEl>
+                                          </p:spTgt>
+                                        </p:tgtEl>
+                                        <p:attrNameLst>
+                                          <p:attrName>style.visibility</p:attrName>
+                                        </p:attrNameLst>
+                                      </p:cBhvr>
+                                      <p:to>
+                                        <p:strVal val="visible"/>
+                                      </p:to>
+                                    </p:set>
+                                  </p:childTnLst>
+                                </p:cTn>
+                              </p:par>
+                            </p:childTnLst>
+                          </p:cTn>
+                        </p:par>
+                      </p:childTnLst>
+                    </p:cTn>
+                  </p:par>
+                  <p:par>
+                    <p:cTn id="11" fill="hold">
+                      <p:stCondLst>
+                        <p:cond delay="indefinite"/>
+                      </p:stCondLst>
+                      <p:childTnLst>
+                        <p:par>
+                          <p:cTn id="12" fill="hold">
+                            <p:stCondLst>
+                              <p:cond delay="0"/>
+                            </p:stCondLst>
+                            <p:childTnLst>
+                              <p:par>
+                                <p:cTn id="13" presetID="1" presetClass="entr" presetSubtype="0" fill="hold" nodeType="clickEffect">
                                   <p:stCondLst>
                                     <p:cond delay="0"/>
                                   </p:stCondLst>
@@ -12982,7 +12828,7 @@
                                         <p:tgtEl>
                                           <p:spTgt spid="3">
                                             <p:txEl>
-                                              <p:pRg st="2" end="2"/>
+                                              <p:pRg st="3" end="3"/>
                                             </p:txEl>
                                           </p:spTgt>
                                         </p:tgtEl>
@@ -13031,7 +12877,7 @@
                                         <p:tgtEl>
                                           <p:spTgt spid="3">
                                             <p:txEl>
-                                              <p:pRg st="3" end="3"/>
+                                              <p:pRg st="4" end="4"/>
                                             </p:txEl>
                                           </p:spTgt>
                                         </p:tgtEl>
@@ -13073,37 +12919,6 @@
                                     <p:set>
                                       <p:cBhvr>
                                         <p:cTn id="22" dur="1" fill="hold">
-                                          <p:stCondLst>
-                                            <p:cond delay="0"/>
-                                          </p:stCondLst>
-                                        </p:cTn>
-                                        <p:tgtEl>
-                                          <p:spTgt spid="3">
-                                            <p:txEl>
-                                              <p:pRg st="4" end="4"/>
-                                            </p:txEl>
-                                          </p:spTgt>
-                                        </p:tgtEl>
-                                        <p:attrNameLst>
-                                          <p:attrName>style.visibility</p:attrName>
-                                        </p:attrNameLst>
-                                      </p:cBhvr>
-                                      <p:to>
-                                        <p:strVal val="visible"/>
-                                      </p:to>
-                                    </p:set>
-                                  </p:childTnLst>
-                                </p:cTn>
-                              </p:par>
-                              <p:par>
-                                <p:cTn id="23" presetID="1" presetClass="entr" presetSubtype="0" fill="hold" nodeType="withEffect">
-                                  <p:stCondLst>
-                                    <p:cond delay="0"/>
-                                  </p:stCondLst>
-                                  <p:childTnLst>
-                                    <p:set>
-                                      <p:cBhvr>
-                                        <p:cTn id="24" dur="1" fill="hold">
                                           <p:stCondLst>
                                             <p:cond delay="0"/>
                                           </p:stCondLst>
@@ -13392,115 +13207,6 @@
       <p:transition spd="slow" advClick="0" advTm="5000"/>
     </mc:Fallback>
   </mc:AlternateContent>
-  <p:timing>
-    <p:tnLst>
-      <p:par>
-        <p:cTn id="1" dur="indefinite" restart="never" nodeType="tmRoot">
-          <p:childTnLst>
-            <p:seq concurrent="1" nextAc="seek">
-              <p:cTn id="2" dur="indefinite" nodeType="mainSeq">
-                <p:childTnLst>
-                  <p:par>
-                    <p:cTn id="3" fill="hold">
-                      <p:stCondLst>
-                        <p:cond delay="indefinite"/>
-                        <p:cond evt="onBegin" delay="0">
-                          <p:tn val="2"/>
-                        </p:cond>
-                      </p:stCondLst>
-                      <p:childTnLst>
-                        <p:par>
-                          <p:cTn id="4" fill="hold">
-                            <p:stCondLst>
-                              <p:cond delay="0"/>
-                            </p:stCondLst>
-                            <p:childTnLst>
-                              <p:par>
-                                <p:cTn id="5" presetID="1" presetClass="entr" presetSubtype="0" fill="hold" nodeType="withEffect">
-                                  <p:stCondLst>
-                                    <p:cond delay="0"/>
-                                  </p:stCondLst>
-                                  <p:childTnLst>
-                                    <p:set>
-                                      <p:cBhvr>
-                                        <p:cTn id="6" dur="1" fill="hold">
-                                          <p:stCondLst>
-                                            <p:cond delay="0"/>
-                                          </p:stCondLst>
-                                        </p:cTn>
-                                        <p:tgtEl>
-                                          <p:spTgt spid="3">
-                                            <p:txEl>
-                                              <p:pRg st="0" end="0"/>
-                                            </p:txEl>
-                                          </p:spTgt>
-                                        </p:tgtEl>
-                                        <p:attrNameLst>
-                                          <p:attrName>style.visibility</p:attrName>
-                                        </p:attrNameLst>
-                                      </p:cBhvr>
-                                      <p:to>
-                                        <p:strVal val="visible"/>
-                                      </p:to>
-                                    </p:set>
-                                  </p:childTnLst>
-                                </p:cTn>
-                              </p:par>
-                              <p:par>
-                                <p:cTn id="7" presetID="1" presetClass="entr" presetSubtype="0" fill="hold" nodeType="withEffect">
-                                  <p:stCondLst>
-                                    <p:cond delay="0"/>
-                                  </p:stCondLst>
-                                  <p:childTnLst>
-                                    <p:set>
-                                      <p:cBhvr>
-                                        <p:cTn id="8" dur="1" fill="hold">
-                                          <p:stCondLst>
-                                            <p:cond delay="0"/>
-                                          </p:stCondLst>
-                                        </p:cTn>
-                                        <p:tgtEl>
-                                          <p:spTgt spid="6"/>
-                                        </p:tgtEl>
-                                        <p:attrNameLst>
-                                          <p:attrName>style.visibility</p:attrName>
-                                        </p:attrNameLst>
-                                      </p:cBhvr>
-                                      <p:to>
-                                        <p:strVal val="visible"/>
-                                      </p:to>
-                                    </p:set>
-                                  </p:childTnLst>
-                                </p:cTn>
-                              </p:par>
-                            </p:childTnLst>
-                          </p:cTn>
-                        </p:par>
-                      </p:childTnLst>
-                    </p:cTn>
-                  </p:par>
-                </p:childTnLst>
-              </p:cTn>
-              <p:prevCondLst>
-                <p:cond evt="onPrev" delay="0">
-                  <p:tgtEl>
-                    <p:sldTgt/>
-                  </p:tgtEl>
-                </p:cond>
-              </p:prevCondLst>
-              <p:nextCondLst>
-                <p:cond evt="onNext" delay="0">
-                  <p:tgtEl>
-                    <p:sldTgt/>
-                  </p:tgtEl>
-                </p:cond>
-              </p:nextCondLst>
-            </p:seq>
-          </p:childTnLst>
-        </p:cTn>
-      </p:par>
-    </p:tnLst>
-  </p:timing>
 </p:sld>
 </file>
 
@@ -13895,9 +13601,6 @@
                     <p:cTn id="3" fill="hold">
                       <p:stCondLst>
                         <p:cond delay="indefinite"/>
-                        <p:cond evt="onBegin" delay="0">
-                          <p:tn val="2"/>
-                        </p:cond>
                       </p:stCondLst>
                       <p:childTnLst>
                         <p:par>
@@ -13907,7 +13610,7 @@
                             </p:stCondLst>
                             <p:childTnLst>
                               <p:par>
-                                <p:cTn id="5" presetID="1" presetClass="entr" presetSubtype="0" fill="hold" nodeType="withEffect">
+                                <p:cTn id="5" presetID="1" presetClass="entr" presetSubtype="0" fill="hold" nodeType="clickEffect">
                                   <p:stCondLst>
                                     <p:cond delay="0"/>
                                   </p:stCondLst>
@@ -13915,37 +13618,6 @@
                                     <p:set>
                                       <p:cBhvr>
                                         <p:cTn id="6" dur="1" fill="hold">
-                                          <p:stCondLst>
-                                            <p:cond delay="0"/>
-                                          </p:stCondLst>
-                                        </p:cTn>
-                                        <p:tgtEl>
-                                          <p:spTgt spid="444419">
-                                            <p:txEl>
-                                              <p:pRg st="0" end="0"/>
-                                            </p:txEl>
-                                          </p:spTgt>
-                                        </p:tgtEl>
-                                        <p:attrNameLst>
-                                          <p:attrName>style.visibility</p:attrName>
-                                        </p:attrNameLst>
-                                      </p:cBhvr>
-                                      <p:to>
-                                        <p:strVal val="visible"/>
-                                      </p:to>
-                                    </p:set>
-                                  </p:childTnLst>
-                                </p:cTn>
-                              </p:par>
-                              <p:par>
-                                <p:cTn id="7" presetID="1" presetClass="entr" presetSubtype="0" fill="hold" nodeType="withEffect">
-                                  <p:stCondLst>
-                                    <p:cond delay="0"/>
-                                  </p:stCondLst>
-                                  <p:childTnLst>
-                                    <p:set>
-                                      <p:cBhvr>
-                                        <p:cTn id="8" dur="1" fill="hold">
                                           <p:stCondLst>
                                             <p:cond delay="0"/>
                                           </p:stCondLst>
@@ -13975,26 +13647,26 @@
                     </p:cTn>
                   </p:par>
                   <p:par>
-                    <p:cTn id="9" fill="hold">
+                    <p:cTn id="7" fill="hold">
                       <p:stCondLst>
                         <p:cond delay="indefinite"/>
                       </p:stCondLst>
                       <p:childTnLst>
                         <p:par>
-                          <p:cTn id="10" fill="hold">
+                          <p:cTn id="8" fill="hold">
                             <p:stCondLst>
                               <p:cond delay="0"/>
                             </p:stCondLst>
                             <p:childTnLst>
                               <p:par>
-                                <p:cTn id="11" presetID="1" presetClass="entr" presetSubtype="0" fill="hold" nodeType="clickEffect">
+                                <p:cTn id="9" presetID="1" presetClass="entr" presetSubtype="0" fill="hold" nodeType="clickEffect">
                                   <p:stCondLst>
                                     <p:cond delay="0"/>
                                   </p:stCondLst>
                                   <p:childTnLst>
                                     <p:set>
                                       <p:cBhvr>
-                                        <p:cTn id="12" dur="1" fill="hold">
+                                        <p:cTn id="10" dur="1" fill="hold">
                                           <p:stCondLst>
                                             <p:cond delay="0"/>
                                           </p:stCondLst>
@@ -14024,26 +13696,26 @@
                     </p:cTn>
                   </p:par>
                   <p:par>
-                    <p:cTn id="13" fill="hold">
+                    <p:cTn id="11" fill="hold">
                       <p:stCondLst>
                         <p:cond delay="indefinite"/>
                       </p:stCondLst>
                       <p:childTnLst>
                         <p:par>
-                          <p:cTn id="14" fill="hold">
+                          <p:cTn id="12" fill="hold">
                             <p:stCondLst>
                               <p:cond delay="0"/>
                             </p:stCondLst>
                             <p:childTnLst>
                               <p:par>
-                                <p:cTn id="15" presetID="1" presetClass="entr" presetSubtype="0" fill="hold" nodeType="clickEffect">
+                                <p:cTn id="13" presetID="1" presetClass="entr" presetSubtype="0" fill="hold" nodeType="clickEffect">
                                   <p:stCondLst>
                                     <p:cond delay="0"/>
                                   </p:stCondLst>
                                   <p:childTnLst>
                                     <p:set>
                                       <p:cBhvr>
-                                        <p:cTn id="16" dur="1" fill="hold">
+                                        <p:cTn id="14" dur="1" fill="hold">
                                           <p:stCondLst>
                                             <p:cond delay="0"/>
                                           </p:stCondLst>
@@ -14066,8 +13738,26 @@
                                   </p:childTnLst>
                                 </p:cTn>
                               </p:par>
+                            </p:childTnLst>
+                          </p:cTn>
+                        </p:par>
+                      </p:childTnLst>
+                    </p:cTn>
+                  </p:par>
+                  <p:par>
+                    <p:cTn id="15" fill="hold">
+                      <p:stCondLst>
+                        <p:cond delay="indefinite"/>
+                      </p:stCondLst>
+                      <p:childTnLst>
+                        <p:par>
+                          <p:cTn id="16" fill="hold">
+                            <p:stCondLst>
+                              <p:cond delay="0"/>
+                            </p:stCondLst>
+                            <p:childTnLst>
                               <p:par>
-                                <p:cTn id="17" presetID="1" presetClass="entr" presetSubtype="0" fill="hold" nodeType="withEffect">
+                                <p:cTn id="17" presetID="1" presetClass="entr" presetSubtype="0" fill="hold" nodeType="clickEffect">
                                   <p:stCondLst>
                                     <p:cond delay="0"/>
                                   </p:stCondLst>
@@ -14611,9 +14301,6 @@
                     <p:cTn id="3" fill="hold">
                       <p:stCondLst>
                         <p:cond delay="indefinite"/>
-                        <p:cond evt="onBegin" delay="0">
-                          <p:tn val="2"/>
-                        </p:cond>
                       </p:stCondLst>
                       <p:childTnLst>
                         <p:par>
@@ -14623,7 +14310,7 @@
                             </p:stCondLst>
                             <p:childTnLst>
                               <p:par>
-                                <p:cTn id="5" presetID="1" presetClass="entr" presetSubtype="0" fill="hold" nodeType="withEffect">
+                                <p:cTn id="5" presetID="1" presetClass="entr" presetSubtype="0" fill="hold" nodeType="clickEffect">
                                   <p:stCondLst>
                                     <p:cond delay="0"/>
                                   </p:stCondLst>
@@ -14631,37 +14318,6 @@
                                     <p:set>
                                       <p:cBhvr>
                                         <p:cTn id="6" dur="1" fill="hold">
-                                          <p:stCondLst>
-                                            <p:cond delay="0"/>
-                                          </p:stCondLst>
-                                        </p:cTn>
-                                        <p:tgtEl>
-                                          <p:spTgt spid="3">
-                                            <p:txEl>
-                                              <p:pRg st="0" end="0"/>
-                                            </p:txEl>
-                                          </p:spTgt>
-                                        </p:tgtEl>
-                                        <p:attrNameLst>
-                                          <p:attrName>style.visibility</p:attrName>
-                                        </p:attrNameLst>
-                                      </p:cBhvr>
-                                      <p:to>
-                                        <p:strVal val="visible"/>
-                                      </p:to>
-                                    </p:set>
-                                  </p:childTnLst>
-                                </p:cTn>
-                              </p:par>
-                              <p:par>
-                                <p:cTn id="7" presetID="1" presetClass="entr" presetSubtype="0" fill="hold" nodeType="withEffect">
-                                  <p:stCondLst>
-                                    <p:cond delay="0"/>
-                                  </p:stCondLst>
-                                  <p:childTnLst>
-                                    <p:set>
-                                      <p:cBhvr>
-                                        <p:cTn id="8" dur="1" fill="hold">
                                           <p:stCondLst>
                                             <p:cond delay="0"/>
                                           </p:stCondLst>
@@ -14687,26 +14343,26 @@
                     </p:cTn>
                   </p:par>
                   <p:par>
-                    <p:cTn id="9" fill="hold">
+                    <p:cTn id="7" fill="hold">
                       <p:stCondLst>
                         <p:cond delay="indefinite"/>
                       </p:stCondLst>
                       <p:childTnLst>
                         <p:par>
-                          <p:cTn id="10" fill="hold">
+                          <p:cTn id="8" fill="hold">
                             <p:stCondLst>
                               <p:cond delay="0"/>
                             </p:stCondLst>
                             <p:childTnLst>
                               <p:par>
-                                <p:cTn id="11" presetID="1" presetClass="entr" presetSubtype="0" fill="hold" nodeType="clickEffect">
+                                <p:cTn id="9" presetID="1" presetClass="entr" presetSubtype="0" fill="hold" nodeType="clickEffect">
                                   <p:stCondLst>
                                     <p:cond delay="0"/>
                                   </p:stCondLst>
                                   <p:childTnLst>
                                     <p:set>
                                       <p:cBhvr>
-                                        <p:cTn id="12" dur="1" fill="hold">
+                                        <p:cTn id="10" dur="1" fill="hold">
                                           <p:stCondLst>
                                             <p:cond delay="0"/>
                                           </p:stCondLst>
@@ -14729,8 +14385,26 @@
                                   </p:childTnLst>
                                 </p:cTn>
                               </p:par>
+                            </p:childTnLst>
+                          </p:cTn>
+                        </p:par>
+                      </p:childTnLst>
+                    </p:cTn>
+                  </p:par>
+                  <p:par>
+                    <p:cTn id="11" fill="hold">
+                      <p:stCondLst>
+                        <p:cond delay="indefinite"/>
+                      </p:stCondLst>
+                      <p:childTnLst>
+                        <p:par>
+                          <p:cTn id="12" fill="hold">
+                            <p:stCondLst>
+                              <p:cond delay="0"/>
+                            </p:stCondLst>
+                            <p:childTnLst>
                               <p:par>
-                                <p:cTn id="13" presetID="1" presetClass="entr" presetSubtype="0" fill="hold" grpId="0" nodeType="withEffect">
+                                <p:cTn id="13" presetID="1" presetClass="entr" presetSubtype="0" fill="hold" grpId="0" nodeType="clickEffect">
                                   <p:stCondLst>
                                     <p:cond delay="0"/>
                                   </p:stCondLst>
@@ -15270,9 +14944,6 @@
                     <p:cTn id="3" fill="hold">
                       <p:stCondLst>
                         <p:cond delay="indefinite"/>
-                        <p:cond evt="onBegin" delay="0">
-                          <p:tn val="2"/>
-                        </p:cond>
                       </p:stCondLst>
                       <p:childTnLst>
                         <p:par>
@@ -15282,7 +14953,7 @@
                             </p:stCondLst>
                             <p:childTnLst>
                               <p:par>
-                                <p:cTn id="5" presetID="1" presetClass="entr" presetSubtype="0" fill="hold" nodeType="withEffect">
+                                <p:cTn id="5" presetID="1" presetClass="entr" presetSubtype="0" fill="hold" grpId="0" nodeType="clickEffect">
                                   <p:stCondLst>
                                     <p:cond delay="0"/>
                                   </p:stCondLst>
@@ -15290,37 +14961,6 @@
                                     <p:set>
                                       <p:cBhvr>
                                         <p:cTn id="6" dur="1" fill="hold">
-                                          <p:stCondLst>
-                                            <p:cond delay="0"/>
-                                          </p:stCondLst>
-                                        </p:cTn>
-                                        <p:tgtEl>
-                                          <p:spTgt spid="3">
-                                            <p:txEl>
-                                              <p:pRg st="0" end="0"/>
-                                            </p:txEl>
-                                          </p:spTgt>
-                                        </p:tgtEl>
-                                        <p:attrNameLst>
-                                          <p:attrName>style.visibility</p:attrName>
-                                        </p:attrNameLst>
-                                      </p:cBhvr>
-                                      <p:to>
-                                        <p:strVal val="visible"/>
-                                      </p:to>
-                                    </p:set>
-                                  </p:childTnLst>
-                                </p:cTn>
-                              </p:par>
-                              <p:par>
-                                <p:cTn id="7" presetID="1" presetClass="entr" presetSubtype="0" fill="hold" grpId="0" nodeType="withEffect">
-                                  <p:stCondLst>
-                                    <p:cond delay="0"/>
-                                  </p:stCondLst>
-                                  <p:childTnLst>
-                                    <p:set>
-                                      <p:cBhvr>
-                                        <p:cTn id="8" dur="1" fill="hold">
                                           <p:stCondLst>
                                             <p:cond delay="0"/>
                                           </p:stCondLst>
@@ -15346,26 +14986,26 @@
                     </p:cTn>
                   </p:par>
                   <p:par>
-                    <p:cTn id="9" fill="hold">
+                    <p:cTn id="7" fill="hold">
                       <p:stCondLst>
                         <p:cond delay="indefinite"/>
                       </p:stCondLst>
                       <p:childTnLst>
                         <p:par>
-                          <p:cTn id="10" fill="hold">
+                          <p:cTn id="8" fill="hold">
                             <p:stCondLst>
                               <p:cond delay="0"/>
                             </p:stCondLst>
                             <p:childTnLst>
                               <p:par>
-                                <p:cTn id="11" presetID="1" presetClass="entr" presetSubtype="0" fill="hold" nodeType="clickEffect">
+                                <p:cTn id="9" presetID="1" presetClass="entr" presetSubtype="0" fill="hold" nodeType="clickEffect">
                                   <p:stCondLst>
                                     <p:cond delay="0"/>
                                   </p:stCondLst>
                                   <p:childTnLst>
                                     <p:set>
                                       <p:cBhvr>
-                                        <p:cTn id="12" dur="1" fill="hold">
+                                        <p:cTn id="10" dur="1" fill="hold">
                                           <p:stCondLst>
                                             <p:cond delay="0"/>
                                           </p:stCondLst>
@@ -15388,8 +15028,26 @@
                                   </p:childTnLst>
                                 </p:cTn>
                               </p:par>
+                            </p:childTnLst>
+                          </p:cTn>
+                        </p:par>
+                      </p:childTnLst>
+                    </p:cTn>
+                  </p:par>
+                  <p:par>
+                    <p:cTn id="11" fill="hold">
+                      <p:stCondLst>
+                        <p:cond delay="indefinite"/>
+                      </p:stCondLst>
+                      <p:childTnLst>
+                        <p:par>
+                          <p:cTn id="12" fill="hold">
+                            <p:stCondLst>
+                              <p:cond delay="0"/>
+                            </p:stCondLst>
+                            <p:childTnLst>
                               <p:par>
-                                <p:cTn id="13" presetID="1" presetClass="entr" presetSubtype="0" fill="hold" grpId="0" nodeType="withEffect">
+                                <p:cTn id="13" presetID="1" presetClass="entr" presetSubtype="0" fill="hold" grpId="0" nodeType="clickEffect">
                                   <p:stCondLst>
                                     <p:cond delay="0"/>
                                   </p:stCondLst>
@@ -15767,9 +15425,6 @@
                     <p:cTn id="3" fill="hold">
                       <p:stCondLst>
                         <p:cond delay="indefinite"/>
-                        <p:cond evt="onBegin" delay="0">
-                          <p:tn val="2"/>
-                        </p:cond>
                       </p:stCondLst>
                       <p:childTnLst>
                         <p:par>
@@ -15779,7 +15434,7 @@
                             </p:stCondLst>
                             <p:childTnLst>
                               <p:par>
-                                <p:cTn id="5" presetID="1" presetClass="entr" presetSubtype="0" fill="hold" nodeType="withEffect">
+                                <p:cTn id="5" presetID="1" presetClass="entr" presetSubtype="0" fill="hold" nodeType="clickEffect">
                                   <p:stCondLst>
                                     <p:cond delay="0"/>
                                   </p:stCondLst>
@@ -15792,36 +15447,9 @@
                                           </p:stCondLst>
                                         </p:cTn>
                                         <p:tgtEl>
-                                          <p:spTgt spid="6"/>
-                                        </p:tgtEl>
-                                        <p:attrNameLst>
-                                          <p:attrName>style.visibility</p:attrName>
-                                        </p:attrNameLst>
-                                      </p:cBhvr>
-                                      <p:to>
-                                        <p:strVal val="visible"/>
-                                      </p:to>
-                                    </p:set>
-                                  </p:childTnLst>
-                                </p:cTn>
-                              </p:par>
-                              <p:par>
-                                <p:cTn id="7" presetID="1" presetClass="entr" presetSubtype="0" fill="hold" nodeType="withEffect">
-                                  <p:stCondLst>
-                                    <p:cond delay="0"/>
-                                  </p:stCondLst>
-                                  <p:childTnLst>
-                                    <p:set>
-                                      <p:cBhvr>
-                                        <p:cTn id="8" dur="1" fill="hold">
-                                          <p:stCondLst>
-                                            <p:cond delay="0"/>
-                                          </p:stCondLst>
-                                        </p:cTn>
-                                        <p:tgtEl>
                                           <p:spTgt spid="3">
                                             <p:txEl>
-                                              <p:pRg st="0" end="0"/>
+                                              <p:pRg st="1" end="1"/>
                                             </p:txEl>
                                           </p:spTgt>
                                         </p:tgtEl>
@@ -15836,8 +15464,26 @@
                                   </p:childTnLst>
                                 </p:cTn>
                               </p:par>
+                            </p:childTnLst>
+                          </p:cTn>
+                        </p:par>
+                      </p:childTnLst>
+                    </p:cTn>
+                  </p:par>
+                  <p:par>
+                    <p:cTn id="7" fill="hold">
+                      <p:stCondLst>
+                        <p:cond delay="indefinite"/>
+                      </p:stCondLst>
+                      <p:childTnLst>
+                        <p:par>
+                          <p:cTn id="8" fill="hold">
+                            <p:stCondLst>
+                              <p:cond delay="0"/>
+                            </p:stCondLst>
+                            <p:childTnLst>
                               <p:par>
-                                <p:cTn id="9" presetID="1" presetClass="entr" presetSubtype="0" fill="hold" nodeType="withEffect">
+                                <p:cTn id="9" presetID="1" presetClass="entr" presetSubtype="0" fill="hold" nodeType="clickEffect">
                                   <p:stCondLst>
                                     <p:cond delay="0"/>
                                   </p:stCondLst>
@@ -15852,7 +15498,7 @@
                                         <p:tgtEl>
                                           <p:spTgt spid="3">
                                             <p:txEl>
-                                              <p:pRg st="1" end="1"/>
+                                              <p:pRg st="2" end="2"/>
                                             </p:txEl>
                                           </p:spTgt>
                                         </p:tgtEl>
@@ -15887,763 +15533,6 @@
                             <p:childTnLst>
                               <p:par>
                                 <p:cTn id="13" presetID="1" presetClass="entr" presetSubtype="0" fill="hold" nodeType="clickEffect">
-                                  <p:stCondLst>
-                                    <p:cond delay="0"/>
-                                  </p:stCondLst>
-                                  <p:childTnLst>
-                                    <p:set>
-                                      <p:cBhvr>
-                                        <p:cTn id="14" dur="1" fill="hold">
-                                          <p:stCondLst>
-                                            <p:cond delay="0"/>
-                                          </p:stCondLst>
-                                        </p:cTn>
-                                        <p:tgtEl>
-                                          <p:spTgt spid="3">
-                                            <p:txEl>
-                                              <p:pRg st="2" end="2"/>
-                                            </p:txEl>
-                                          </p:spTgt>
-                                        </p:tgtEl>
-                                        <p:attrNameLst>
-                                          <p:attrName>style.visibility</p:attrName>
-                                        </p:attrNameLst>
-                                      </p:cBhvr>
-                                      <p:to>
-                                        <p:strVal val="visible"/>
-                                      </p:to>
-                                    </p:set>
-                                  </p:childTnLst>
-                                </p:cTn>
-                              </p:par>
-                            </p:childTnLst>
-                          </p:cTn>
-                        </p:par>
-                      </p:childTnLst>
-                    </p:cTn>
-                  </p:par>
-                  <p:par>
-                    <p:cTn id="15" fill="hold">
-                      <p:stCondLst>
-                        <p:cond delay="indefinite"/>
-                      </p:stCondLst>
-                      <p:childTnLst>
-                        <p:par>
-                          <p:cTn id="16" fill="hold">
-                            <p:stCondLst>
-                              <p:cond delay="0"/>
-                            </p:stCondLst>
-                            <p:childTnLst>
-                              <p:par>
-                                <p:cTn id="17" presetID="1" presetClass="entr" presetSubtype="0" fill="hold" nodeType="clickEffect">
-                                  <p:stCondLst>
-                                    <p:cond delay="0"/>
-                                  </p:stCondLst>
-                                  <p:childTnLst>
-                                    <p:set>
-                                      <p:cBhvr>
-                                        <p:cTn id="18" dur="1" fill="hold">
-                                          <p:stCondLst>
-                                            <p:cond delay="0"/>
-                                          </p:stCondLst>
-                                        </p:cTn>
-                                        <p:tgtEl>
-                                          <p:spTgt spid="3">
-                                            <p:txEl>
-                                              <p:pRg st="3" end="3"/>
-                                            </p:txEl>
-                                          </p:spTgt>
-                                        </p:tgtEl>
-                                        <p:attrNameLst>
-                                          <p:attrName>style.visibility</p:attrName>
-                                        </p:attrNameLst>
-                                      </p:cBhvr>
-                                      <p:to>
-                                        <p:strVal val="visible"/>
-                                      </p:to>
-                                    </p:set>
-                                  </p:childTnLst>
-                                </p:cTn>
-                              </p:par>
-                            </p:childTnLst>
-                          </p:cTn>
-                        </p:par>
-                      </p:childTnLst>
-                    </p:cTn>
-                  </p:par>
-                  <p:par>
-                    <p:cTn id="19" fill="hold">
-                      <p:stCondLst>
-                        <p:cond delay="indefinite"/>
-                      </p:stCondLst>
-                      <p:childTnLst>
-                        <p:par>
-                          <p:cTn id="20" fill="hold">
-                            <p:stCondLst>
-                              <p:cond delay="0"/>
-                            </p:stCondLst>
-                            <p:childTnLst>
-                              <p:par>
-                                <p:cTn id="21" presetID="1" presetClass="entr" presetSubtype="0" fill="hold" nodeType="clickEffect">
-                                  <p:stCondLst>
-                                    <p:cond delay="0"/>
-                                  </p:stCondLst>
-                                  <p:childTnLst>
-                                    <p:set>
-                                      <p:cBhvr>
-                                        <p:cTn id="22" dur="1" fill="hold">
-                                          <p:stCondLst>
-                                            <p:cond delay="0"/>
-                                          </p:stCondLst>
-                                        </p:cTn>
-                                        <p:tgtEl>
-                                          <p:spTgt spid="3">
-                                            <p:txEl>
-                                              <p:pRg st="4" end="4"/>
-                                            </p:txEl>
-                                          </p:spTgt>
-                                        </p:tgtEl>
-                                        <p:attrNameLst>
-                                          <p:attrName>style.visibility</p:attrName>
-                                        </p:attrNameLst>
-                                      </p:cBhvr>
-                                      <p:to>
-                                        <p:strVal val="visible"/>
-                                      </p:to>
-                                    </p:set>
-                                  </p:childTnLst>
-                                </p:cTn>
-                              </p:par>
-                              <p:par>
-                                <p:cTn id="23" presetID="1" presetClass="entr" presetSubtype="0" fill="hold" nodeType="withEffect">
-                                  <p:stCondLst>
-                                    <p:cond delay="0"/>
-                                  </p:stCondLst>
-                                  <p:childTnLst>
-                                    <p:set>
-                                      <p:cBhvr>
-                                        <p:cTn id="24" dur="1" fill="hold">
-                                          <p:stCondLst>
-                                            <p:cond delay="0"/>
-                                          </p:stCondLst>
-                                        </p:cTn>
-                                        <p:tgtEl>
-                                          <p:spTgt spid="3">
-                                            <p:txEl>
-                                              <p:pRg st="5" end="5"/>
-                                            </p:txEl>
-                                          </p:spTgt>
-                                        </p:tgtEl>
-                                        <p:attrNameLst>
-                                          <p:attrName>style.visibility</p:attrName>
-                                        </p:attrNameLst>
-                                      </p:cBhvr>
-                                      <p:to>
-                                        <p:strVal val="visible"/>
-                                      </p:to>
-                                    </p:set>
-                                  </p:childTnLst>
-                                </p:cTn>
-                              </p:par>
-                            </p:childTnLst>
-                          </p:cTn>
-                        </p:par>
-                      </p:childTnLst>
-                    </p:cTn>
-                  </p:par>
-                  <p:par>
-                    <p:cTn id="25" fill="hold">
-                      <p:stCondLst>
-                        <p:cond delay="indefinite"/>
-                      </p:stCondLst>
-                      <p:childTnLst>
-                        <p:par>
-                          <p:cTn id="26" fill="hold">
-                            <p:stCondLst>
-                              <p:cond delay="0"/>
-                            </p:stCondLst>
-                            <p:childTnLst>
-                              <p:par>
-                                <p:cTn id="27" presetID="1" presetClass="entr" presetSubtype="0" fill="hold" nodeType="clickEffect">
-                                  <p:stCondLst>
-                                    <p:cond delay="0"/>
-                                  </p:stCondLst>
-                                  <p:childTnLst>
-                                    <p:set>
-                                      <p:cBhvr>
-                                        <p:cTn id="28" dur="1" fill="hold">
-                                          <p:stCondLst>
-                                            <p:cond delay="0"/>
-                                          </p:stCondLst>
-                                        </p:cTn>
-                                        <p:tgtEl>
-                                          <p:spTgt spid="3">
-                                            <p:txEl>
-                                              <p:pRg st="6" end="6"/>
-                                            </p:txEl>
-                                          </p:spTgt>
-                                        </p:tgtEl>
-                                        <p:attrNameLst>
-                                          <p:attrName>style.visibility</p:attrName>
-                                        </p:attrNameLst>
-                                      </p:cBhvr>
-                                      <p:to>
-                                        <p:strVal val="visible"/>
-                                      </p:to>
-                                    </p:set>
-                                  </p:childTnLst>
-                                </p:cTn>
-                              </p:par>
-                            </p:childTnLst>
-                          </p:cTn>
-                        </p:par>
-                      </p:childTnLst>
-                    </p:cTn>
-                  </p:par>
-                  <p:par>
-                    <p:cTn id="29" fill="hold">
-                      <p:stCondLst>
-                        <p:cond delay="indefinite"/>
-                      </p:stCondLst>
-                      <p:childTnLst>
-                        <p:par>
-                          <p:cTn id="30" fill="hold">
-                            <p:stCondLst>
-                              <p:cond delay="0"/>
-                            </p:stCondLst>
-                            <p:childTnLst>
-                              <p:par>
-                                <p:cTn id="31" presetID="1" presetClass="entr" presetSubtype="0" fill="hold" nodeType="clickEffect">
-                                  <p:stCondLst>
-                                    <p:cond delay="0"/>
-                                  </p:stCondLst>
-                                  <p:childTnLst>
-                                    <p:set>
-                                      <p:cBhvr>
-                                        <p:cTn id="32" dur="1" fill="hold">
-                                          <p:stCondLst>
-                                            <p:cond delay="0"/>
-                                          </p:stCondLst>
-                                        </p:cTn>
-                                        <p:tgtEl>
-                                          <p:spTgt spid="3">
-                                            <p:txEl>
-                                              <p:pRg st="7" end="7"/>
-                                            </p:txEl>
-                                          </p:spTgt>
-                                        </p:tgtEl>
-                                        <p:attrNameLst>
-                                          <p:attrName>style.visibility</p:attrName>
-                                        </p:attrNameLst>
-                                      </p:cBhvr>
-                                      <p:to>
-                                        <p:strVal val="visible"/>
-                                      </p:to>
-                                    </p:set>
-                                  </p:childTnLst>
-                                </p:cTn>
-                              </p:par>
-                            </p:childTnLst>
-                          </p:cTn>
-                        </p:par>
-                      </p:childTnLst>
-                    </p:cTn>
-                  </p:par>
-                </p:childTnLst>
-              </p:cTn>
-              <p:prevCondLst>
-                <p:cond evt="onPrev" delay="0">
-                  <p:tgtEl>
-                    <p:sldTgt/>
-                  </p:tgtEl>
-                </p:cond>
-              </p:prevCondLst>
-              <p:nextCondLst>
-                <p:cond evt="onNext" delay="0">
-                  <p:tgtEl>
-                    <p:sldTgt/>
-                  </p:tgtEl>
-                </p:cond>
-              </p:nextCondLst>
-            </p:seq>
-          </p:childTnLst>
-        </p:cTn>
-      </p:par>
-    </p:tnLst>
-  </p:timing>
-</p:sld>
-</file>
-
-<file path=ppt/slides/slide23.xml><?xml version="1.0" encoding="utf-8"?>
-<p:sld xmlns:a="http://schemas.openxmlformats.org/drawingml/2006/main" xmlns:r="http://schemas.openxmlformats.org/officeDocument/2006/relationships" xmlns:p="http://schemas.openxmlformats.org/presentationml/2006/main">
-  <p:cSld>
-    <p:spTree>
-      <p:nvGrpSpPr>
-        <p:cNvPr id="1" name=""/>
-        <p:cNvGrpSpPr/>
-        <p:nvPr/>
-      </p:nvGrpSpPr>
-      <p:grpSpPr>
-        <a:xfrm>
-          <a:off x="0" y="0"/>
-          <a:ext cx="0" cy="0"/>
-          <a:chOff x="0" y="0"/>
-          <a:chExt cx="0" cy="0"/>
-        </a:xfrm>
-      </p:grpSpPr>
-      <p:sp>
-        <p:nvSpPr>
-          <p:cNvPr id="2" name="Slide Number Placeholder 1">
-            <a:extLst>
-              <a:ext uri="{FF2B5EF4-FFF2-40B4-BE49-F238E27FC236}">
-                <a16:creationId xmlns:a16="http://schemas.microsoft.com/office/drawing/2014/main" id="{DAC36650-F949-37D6-BCC8-C3C662499100}"/>
-              </a:ext>
-            </a:extLst>
-          </p:cNvPr>
-          <p:cNvSpPr>
-            <a:spLocks noGrp="1"/>
-          </p:cNvSpPr>
-          <p:nvPr>
-            <p:ph type="sldNum" sz="quarter" idx="5"/>
-          </p:nvPr>
-        </p:nvSpPr>
-        <p:spPr/>
-        <p:txBody>
-          <a:bodyPr/>
-          <a:lstStyle/>
-          <a:p>
-            <a:fld id="{2BF067CD-8E6B-4360-9AA8-C5DF2A48A6D1}" type="slidenum">
-              <a:rPr lang="en-US" noProof="0" smtClean="0"/>
-              <a:pPr/>
-              <a:t>23</a:t>
-            </a:fld>
-            <a:endParaRPr lang="en-US" noProof="0" dirty="0"/>
-          </a:p>
-        </p:txBody>
-      </p:sp>
-      <p:sp>
-        <p:nvSpPr>
-          <p:cNvPr id="3" name="Text Placeholder 2">
-            <a:extLst>
-              <a:ext uri="{FF2B5EF4-FFF2-40B4-BE49-F238E27FC236}">
-                <a16:creationId xmlns:a16="http://schemas.microsoft.com/office/drawing/2014/main" id="{4EF421F2-7A25-167C-6544-9FFC407E9F72}"/>
-              </a:ext>
-            </a:extLst>
-          </p:cNvPr>
-          <p:cNvSpPr>
-            <a:spLocks noGrp="1"/>
-          </p:cNvSpPr>
-          <p:nvPr>
-            <p:ph type="body" sz="quarter" idx="10"/>
-          </p:nvPr>
-        </p:nvSpPr>
-        <p:spPr/>
-        <p:txBody>
-          <a:bodyPr/>
-          <a:lstStyle/>
-          <a:p>
-            <a:r>
-              <a:rPr lang="bg-BG" sz="3200" dirty="0"/>
-              <a:t>Задаваме следните </a:t>
-            </a:r>
-            <a:r>
-              <a:rPr lang="bg-BG" sz="3200" b="1" dirty="0"/>
-              <a:t>свойства</a:t>
-            </a:r>
-            <a:r>
-              <a:rPr lang="bg-BG" sz="3200" dirty="0"/>
-              <a:t> на </a:t>
-            </a:r>
-            <a:r>
-              <a:rPr lang="bg-BG" sz="3200" b="1" dirty="0"/>
-              <a:t>формата</a:t>
-            </a:r>
-            <a:r>
-              <a:rPr lang="en-US" sz="3200" dirty="0"/>
-              <a:t>:</a:t>
-            </a:r>
-            <a:endParaRPr lang="en-US" sz="3200" b="1" dirty="0"/>
-          </a:p>
-          <a:p>
-            <a:pPr lvl="1"/>
-            <a:r>
-              <a:rPr lang="en-US" sz="3000" b="1" dirty="0"/>
-              <a:t>StartPosition </a:t>
-            </a:r>
-            <a:r>
-              <a:rPr lang="en-US" sz="3000" dirty="0"/>
-              <a:t>-</a:t>
-            </a:r>
-            <a:r>
-              <a:rPr lang="en-US" sz="3000" b="1" dirty="0"/>
-              <a:t> </a:t>
-            </a:r>
-            <a:r>
-              <a:rPr lang="en-US" sz="3000" b="1" dirty="0">
-                <a:solidFill>
-                  <a:schemeClr val="bg1"/>
-                </a:solidFill>
-                <a:latin typeface="Consolas" panose="020B0609020204030204" pitchFamily="49" charset="0"/>
-                <a:cs typeface="Consolas" panose="020B0609020204030204" pitchFamily="49" charset="0"/>
-              </a:rPr>
-              <a:t>CenterScreen</a:t>
-            </a:r>
-          </a:p>
-          <a:p>
-            <a:r>
-              <a:rPr lang="bg-BG" sz="3200" dirty="0"/>
-              <a:t>Задаваме следните </a:t>
-            </a:r>
-            <a:r>
-              <a:rPr lang="bg-BG" sz="3200" b="1" dirty="0"/>
-              <a:t>свойства </a:t>
-            </a:r>
-            <a:r>
-              <a:rPr lang="bg-BG" sz="3200" dirty="0"/>
-              <a:t>на</a:t>
-            </a:r>
-            <a:r>
-              <a:rPr lang="bg-BG" sz="3200" b="1" dirty="0"/>
-              <a:t> таблицата</a:t>
-            </a:r>
-            <a:r>
-              <a:rPr lang="bg-BG" sz="3200" dirty="0"/>
-              <a:t>:</a:t>
-            </a:r>
-            <a:endParaRPr lang="en-US" sz="3200" dirty="0"/>
-          </a:p>
-          <a:p>
-            <a:pPr lvl="1"/>
-            <a:r>
-              <a:rPr lang="en-US" sz="3000" b="1" dirty="0"/>
-              <a:t>Anchor</a:t>
-            </a:r>
-            <a:r>
-              <a:rPr lang="en-US" sz="3000" dirty="0"/>
-              <a:t> - </a:t>
-            </a:r>
-            <a:r>
-              <a:rPr lang="en-US" sz="3000" b="1" dirty="0">
-                <a:solidFill>
-                  <a:schemeClr val="bg1"/>
-                </a:solidFill>
-                <a:latin typeface="Consolas" panose="020B0609020204030204" pitchFamily="49" charset="0"/>
-                <a:cs typeface="Consolas" panose="020B0609020204030204" pitchFamily="49" charset="0"/>
-              </a:rPr>
-              <a:t>Top</a:t>
-            </a:r>
-            <a:r>
-              <a:rPr lang="en-US" sz="3000" dirty="0"/>
-              <a:t>, </a:t>
-            </a:r>
-            <a:r>
-              <a:rPr lang="en-US" sz="3000" b="1" dirty="0">
-                <a:solidFill>
-                  <a:schemeClr val="bg1"/>
-                </a:solidFill>
-                <a:latin typeface="Consolas" panose="020B0609020204030204" pitchFamily="49" charset="0"/>
-                <a:cs typeface="Consolas" panose="020B0609020204030204" pitchFamily="49" charset="0"/>
-              </a:rPr>
-              <a:t>Bottom</a:t>
-            </a:r>
-            <a:r>
-              <a:rPr lang="en-US" sz="3000" dirty="0"/>
-              <a:t>, </a:t>
-            </a:r>
-            <a:r>
-              <a:rPr lang="en-US" sz="3000" b="1" dirty="0">
-                <a:solidFill>
-                  <a:schemeClr val="bg1"/>
-                </a:solidFill>
-                <a:latin typeface="Consolas" panose="020B0609020204030204" pitchFamily="49" charset="0"/>
-                <a:cs typeface="Consolas" panose="020B0609020204030204" pitchFamily="49" charset="0"/>
-              </a:rPr>
-              <a:t>Left</a:t>
-            </a:r>
-          </a:p>
-          <a:p>
-            <a:pPr lvl="1"/>
-            <a:r>
-              <a:rPr lang="en-US" sz="3000" b="1" dirty="0"/>
-              <a:t>BorderStyle </a:t>
-            </a:r>
-            <a:r>
-              <a:rPr lang="en-US" sz="3000" dirty="0"/>
-              <a:t>-</a:t>
-            </a:r>
-            <a:r>
-              <a:rPr lang="en-US" sz="3000" b="1" dirty="0"/>
-              <a:t> </a:t>
-            </a:r>
-            <a:r>
-              <a:rPr lang="en-US" sz="3000" b="1" dirty="0">
-                <a:solidFill>
-                  <a:schemeClr val="bg1"/>
-                </a:solidFill>
-                <a:latin typeface="Consolas" panose="020B0609020204030204" pitchFamily="49" charset="0"/>
-                <a:cs typeface="Consolas" panose="020B0609020204030204" pitchFamily="49" charset="0"/>
-              </a:rPr>
-              <a:t>Fixed3D</a:t>
-            </a:r>
-          </a:p>
-          <a:p>
-            <a:r>
-              <a:rPr lang="bg-BG" sz="3200" dirty="0"/>
-              <a:t>Задаваме следните </a:t>
-            </a:r>
-            <a:r>
-              <a:rPr lang="bg-BG" sz="3200" b="1" dirty="0"/>
-              <a:t>свойства </a:t>
-            </a:r>
-            <a:r>
-              <a:rPr lang="bg-BG" sz="3200" dirty="0"/>
-              <a:t>на </a:t>
-            </a:r>
-            <a:r>
-              <a:rPr lang="bg-BG" sz="3200" b="1" dirty="0"/>
-              <a:t>бутоните</a:t>
-            </a:r>
-            <a:r>
-              <a:rPr lang="bg-BG" sz="3200" dirty="0"/>
-              <a:t>:</a:t>
-            </a:r>
-            <a:endParaRPr lang="en-US" sz="3200" dirty="0"/>
-          </a:p>
-          <a:p>
-            <a:pPr lvl="1"/>
-            <a:r>
-              <a:rPr lang="en-GB" sz="3000" b="1" dirty="0"/>
-              <a:t>Anchor </a:t>
-            </a:r>
-            <a:r>
-              <a:rPr lang="en-GB" sz="3000" dirty="0"/>
-              <a:t>-</a:t>
-            </a:r>
-            <a:r>
-              <a:rPr lang="en-GB" sz="3000" b="1" dirty="0"/>
-              <a:t> </a:t>
-            </a:r>
-            <a:r>
-              <a:rPr lang="en-GB" sz="3000" b="1" dirty="0">
-                <a:solidFill>
-                  <a:schemeClr val="bg1"/>
-                </a:solidFill>
-                <a:latin typeface="Consolas" panose="020B0609020204030204" pitchFamily="49" charset="0"/>
-                <a:cs typeface="Consolas" panose="020B0609020204030204" pitchFamily="49" charset="0"/>
-              </a:rPr>
-              <a:t>Top</a:t>
-            </a:r>
-            <a:r>
-              <a:rPr lang="en-GB" sz="3000" dirty="0"/>
-              <a:t>,</a:t>
-            </a:r>
-            <a:r>
-              <a:rPr lang="en-GB" sz="3000" b="1" dirty="0"/>
-              <a:t> </a:t>
-            </a:r>
-            <a:r>
-              <a:rPr lang="en-GB" sz="3000" b="1" dirty="0">
-                <a:solidFill>
-                  <a:schemeClr val="bg1"/>
-                </a:solidFill>
-                <a:latin typeface="Consolas" panose="020B0609020204030204" pitchFamily="49" charset="0"/>
-                <a:cs typeface="Consolas" panose="020B0609020204030204" pitchFamily="49" charset="0"/>
-              </a:rPr>
-              <a:t>Right</a:t>
-            </a:r>
-            <a:endParaRPr lang="en-BG" sz="3000" b="1" dirty="0">
-              <a:solidFill>
-                <a:schemeClr val="bg1"/>
-              </a:solidFill>
-              <a:latin typeface="Consolas" panose="020B0609020204030204" pitchFamily="49" charset="0"/>
-              <a:cs typeface="Consolas" panose="020B0609020204030204" pitchFamily="49" charset="0"/>
-            </a:endParaRPr>
-          </a:p>
-        </p:txBody>
-      </p:sp>
-      <p:sp>
-        <p:nvSpPr>
-          <p:cNvPr id="4" name="Title 3">
-            <a:extLst>
-              <a:ext uri="{FF2B5EF4-FFF2-40B4-BE49-F238E27FC236}">
-                <a16:creationId xmlns:a16="http://schemas.microsoft.com/office/drawing/2014/main" id="{286DD11E-E935-5D7C-7A01-DE975CB5A48D}"/>
-              </a:ext>
-            </a:extLst>
-          </p:cNvPr>
-          <p:cNvSpPr>
-            <a:spLocks noGrp="1"/>
-          </p:cNvSpPr>
-          <p:nvPr>
-            <p:ph type="title"/>
-          </p:nvPr>
-        </p:nvSpPr>
-        <p:spPr/>
-        <p:txBody>
-          <a:bodyPr/>
-          <a:lstStyle/>
-          <a:p>
-            <a:r>
-              <a:rPr lang="bg-BG" dirty="0"/>
-              <a:t>Допълнителни настройки на формата</a:t>
-            </a:r>
-            <a:endParaRPr lang="en-BG" dirty="0"/>
-          </a:p>
-        </p:txBody>
-      </p:sp>
-    </p:spTree>
-    <p:extLst>
-      <p:ext uri="{BB962C8B-B14F-4D97-AF65-F5344CB8AC3E}">
-        <p14:creationId xmlns:p14="http://schemas.microsoft.com/office/powerpoint/2010/main" val="11392344"/>
-      </p:ext>
-    </p:extLst>
-  </p:cSld>
-  <p:clrMapOvr>
-    <a:masterClrMapping/>
-  </p:clrMapOvr>
-  <mc:AlternateContent xmlns:mc="http://schemas.openxmlformats.org/markup-compatibility/2006" xmlns:p14="http://schemas.microsoft.com/office/powerpoint/2010/main">
-    <mc:Choice Requires="p14">
-      <p:transition spd="slow" p14:dur="2000" advClick="0" advTm="5000"/>
-    </mc:Choice>
-    <mc:Fallback xmlns="">
-      <p:transition spd="slow" advClick="0" advTm="5000"/>
-    </mc:Fallback>
-  </mc:AlternateContent>
-  <p:timing>
-    <p:tnLst>
-      <p:par>
-        <p:cTn id="1" dur="indefinite" restart="never" nodeType="tmRoot">
-          <p:childTnLst>
-            <p:seq concurrent="1" nextAc="seek">
-              <p:cTn id="2" dur="indefinite" nodeType="mainSeq">
-                <p:childTnLst>
-                  <p:par>
-                    <p:cTn id="3" fill="hold">
-                      <p:stCondLst>
-                        <p:cond delay="indefinite"/>
-                        <p:cond evt="onBegin" delay="0">
-                          <p:tn val="2"/>
-                        </p:cond>
-                      </p:stCondLst>
-                      <p:childTnLst>
-                        <p:par>
-                          <p:cTn id="4" fill="hold">
-                            <p:stCondLst>
-                              <p:cond delay="0"/>
-                            </p:stCondLst>
-                            <p:childTnLst>
-                              <p:par>
-                                <p:cTn id="5" presetID="1" presetClass="entr" presetSubtype="0" fill="hold" nodeType="withEffect">
-                                  <p:stCondLst>
-                                    <p:cond delay="0"/>
-                                  </p:stCondLst>
-                                  <p:childTnLst>
-                                    <p:set>
-                                      <p:cBhvr>
-                                        <p:cTn id="6" dur="1" fill="hold">
-                                          <p:stCondLst>
-                                            <p:cond delay="0"/>
-                                          </p:stCondLst>
-                                        </p:cTn>
-                                        <p:tgtEl>
-                                          <p:spTgt spid="3">
-                                            <p:txEl>
-                                              <p:pRg st="1" end="1"/>
-                                            </p:txEl>
-                                          </p:spTgt>
-                                        </p:tgtEl>
-                                        <p:attrNameLst>
-                                          <p:attrName>style.visibility</p:attrName>
-                                        </p:attrNameLst>
-                                      </p:cBhvr>
-                                      <p:to>
-                                        <p:strVal val="visible"/>
-                                      </p:to>
-                                    </p:set>
-                                  </p:childTnLst>
-                                </p:cTn>
-                              </p:par>
-                              <p:par>
-                                <p:cTn id="7" presetID="1" presetClass="entr" presetSubtype="0" fill="hold" nodeType="withEffect">
-                                  <p:stCondLst>
-                                    <p:cond delay="0"/>
-                                  </p:stCondLst>
-                                  <p:childTnLst>
-                                    <p:set>
-                                      <p:cBhvr>
-                                        <p:cTn id="8" dur="1" fill="hold">
-                                          <p:stCondLst>
-                                            <p:cond delay="0"/>
-                                          </p:stCondLst>
-                                        </p:cTn>
-                                        <p:tgtEl>
-                                          <p:spTgt spid="3">
-                                            <p:txEl>
-                                              <p:pRg st="0" end="0"/>
-                                            </p:txEl>
-                                          </p:spTgt>
-                                        </p:tgtEl>
-                                        <p:attrNameLst>
-                                          <p:attrName>style.visibility</p:attrName>
-                                        </p:attrNameLst>
-                                      </p:cBhvr>
-                                      <p:to>
-                                        <p:strVal val="visible"/>
-                                      </p:to>
-                                    </p:set>
-                                  </p:childTnLst>
-                                </p:cTn>
-                              </p:par>
-                            </p:childTnLst>
-                          </p:cTn>
-                        </p:par>
-                      </p:childTnLst>
-                    </p:cTn>
-                  </p:par>
-                  <p:par>
-                    <p:cTn id="9" fill="hold">
-                      <p:stCondLst>
-                        <p:cond delay="indefinite"/>
-                      </p:stCondLst>
-                      <p:childTnLst>
-                        <p:par>
-                          <p:cTn id="10" fill="hold">
-                            <p:stCondLst>
-                              <p:cond delay="0"/>
-                            </p:stCondLst>
-                            <p:childTnLst>
-                              <p:par>
-                                <p:cTn id="11" presetID="1" presetClass="entr" presetSubtype="0" fill="hold" nodeType="clickEffect">
-                                  <p:stCondLst>
-                                    <p:cond delay="0"/>
-                                  </p:stCondLst>
-                                  <p:childTnLst>
-                                    <p:set>
-                                      <p:cBhvr>
-                                        <p:cTn id="12" dur="1" fill="hold">
-                                          <p:stCondLst>
-                                            <p:cond delay="0"/>
-                                          </p:stCondLst>
-                                        </p:cTn>
-                                        <p:tgtEl>
-                                          <p:spTgt spid="3">
-                                            <p:txEl>
-                                              <p:pRg st="2" end="2"/>
-                                            </p:txEl>
-                                          </p:spTgt>
-                                        </p:tgtEl>
-                                        <p:attrNameLst>
-                                          <p:attrName>style.visibility</p:attrName>
-                                        </p:attrNameLst>
-                                      </p:cBhvr>
-                                      <p:to>
-                                        <p:strVal val="visible"/>
-                                      </p:to>
-                                    </p:set>
-                                  </p:childTnLst>
-                                </p:cTn>
-                              </p:par>
-                              <p:par>
-                                <p:cTn id="13" presetID="1" presetClass="entr" presetSubtype="0" fill="hold" nodeType="withEffect">
                                   <p:stCondLst>
                                     <p:cond delay="0"/>
                                   </p:stCondLst>
@@ -16771,15 +15660,743 @@
                                   </p:childTnLst>
                                 </p:cTn>
                               </p:par>
+                            </p:childTnLst>
+                          </p:cTn>
+                        </p:par>
+                      </p:childTnLst>
+                    </p:cTn>
+                  </p:par>
+                  <p:par>
+                    <p:cTn id="23" fill="hold">
+                      <p:stCondLst>
+                        <p:cond delay="indefinite"/>
+                      </p:stCondLst>
+                      <p:childTnLst>
+                        <p:par>
+                          <p:cTn id="24" fill="hold">
+                            <p:stCondLst>
+                              <p:cond delay="0"/>
+                            </p:stCondLst>
+                            <p:childTnLst>
                               <p:par>
-                                <p:cTn id="23" presetID="1" presetClass="entr" presetSubtype="0" fill="hold" nodeType="withEffect">
+                                <p:cTn id="25" presetID="1" presetClass="entr" presetSubtype="0" fill="hold" nodeType="clickEffect">
                                   <p:stCondLst>
                                     <p:cond delay="0"/>
                                   </p:stCondLst>
                                   <p:childTnLst>
                                     <p:set>
                                       <p:cBhvr>
-                                        <p:cTn id="24" dur="1" fill="hold">
+                                        <p:cTn id="26" dur="1" fill="hold">
+                                          <p:stCondLst>
+                                            <p:cond delay="0"/>
+                                          </p:stCondLst>
+                                        </p:cTn>
+                                        <p:tgtEl>
+                                          <p:spTgt spid="3">
+                                            <p:txEl>
+                                              <p:pRg st="6" end="6"/>
+                                            </p:txEl>
+                                          </p:spTgt>
+                                        </p:tgtEl>
+                                        <p:attrNameLst>
+                                          <p:attrName>style.visibility</p:attrName>
+                                        </p:attrNameLst>
+                                      </p:cBhvr>
+                                      <p:to>
+                                        <p:strVal val="visible"/>
+                                      </p:to>
+                                    </p:set>
+                                  </p:childTnLst>
+                                </p:cTn>
+                              </p:par>
+                            </p:childTnLst>
+                          </p:cTn>
+                        </p:par>
+                      </p:childTnLst>
+                    </p:cTn>
+                  </p:par>
+                  <p:par>
+                    <p:cTn id="27" fill="hold">
+                      <p:stCondLst>
+                        <p:cond delay="indefinite"/>
+                      </p:stCondLst>
+                      <p:childTnLst>
+                        <p:par>
+                          <p:cTn id="28" fill="hold">
+                            <p:stCondLst>
+                              <p:cond delay="0"/>
+                            </p:stCondLst>
+                            <p:childTnLst>
+                              <p:par>
+                                <p:cTn id="29" presetID="1" presetClass="entr" presetSubtype="0" fill="hold" nodeType="clickEffect">
+                                  <p:stCondLst>
+                                    <p:cond delay="0"/>
+                                  </p:stCondLst>
+                                  <p:childTnLst>
+                                    <p:set>
+                                      <p:cBhvr>
+                                        <p:cTn id="30" dur="1" fill="hold">
+                                          <p:stCondLst>
+                                            <p:cond delay="0"/>
+                                          </p:stCondLst>
+                                        </p:cTn>
+                                        <p:tgtEl>
+                                          <p:spTgt spid="3">
+                                            <p:txEl>
+                                              <p:pRg st="7" end="7"/>
+                                            </p:txEl>
+                                          </p:spTgt>
+                                        </p:tgtEl>
+                                        <p:attrNameLst>
+                                          <p:attrName>style.visibility</p:attrName>
+                                        </p:attrNameLst>
+                                      </p:cBhvr>
+                                      <p:to>
+                                        <p:strVal val="visible"/>
+                                      </p:to>
+                                    </p:set>
+                                  </p:childTnLst>
+                                </p:cTn>
+                              </p:par>
+                            </p:childTnLst>
+                          </p:cTn>
+                        </p:par>
+                      </p:childTnLst>
+                    </p:cTn>
+                  </p:par>
+                </p:childTnLst>
+              </p:cTn>
+              <p:prevCondLst>
+                <p:cond evt="onPrev" delay="0">
+                  <p:tgtEl>
+                    <p:sldTgt/>
+                  </p:tgtEl>
+                </p:cond>
+              </p:prevCondLst>
+              <p:nextCondLst>
+                <p:cond evt="onNext" delay="0">
+                  <p:tgtEl>
+                    <p:sldTgt/>
+                  </p:tgtEl>
+                </p:cond>
+              </p:nextCondLst>
+            </p:seq>
+          </p:childTnLst>
+        </p:cTn>
+      </p:par>
+    </p:tnLst>
+  </p:timing>
+</p:sld>
+</file>
+
+<file path=ppt/slides/slide23.xml><?xml version="1.0" encoding="utf-8"?>
+<p:sld xmlns:a="http://schemas.openxmlformats.org/drawingml/2006/main" xmlns:r="http://schemas.openxmlformats.org/officeDocument/2006/relationships" xmlns:p="http://schemas.openxmlformats.org/presentationml/2006/main">
+  <p:cSld>
+    <p:spTree>
+      <p:nvGrpSpPr>
+        <p:cNvPr id="1" name=""/>
+        <p:cNvGrpSpPr/>
+        <p:nvPr/>
+      </p:nvGrpSpPr>
+      <p:grpSpPr>
+        <a:xfrm>
+          <a:off x="0" y="0"/>
+          <a:ext cx="0" cy="0"/>
+          <a:chOff x="0" y="0"/>
+          <a:chExt cx="0" cy="0"/>
+        </a:xfrm>
+      </p:grpSpPr>
+      <p:sp>
+        <p:nvSpPr>
+          <p:cNvPr id="2" name="Slide Number Placeholder 1">
+            <a:extLst>
+              <a:ext uri="{FF2B5EF4-FFF2-40B4-BE49-F238E27FC236}">
+                <a16:creationId xmlns:a16="http://schemas.microsoft.com/office/drawing/2014/main" id="{DAC36650-F949-37D6-BCC8-C3C662499100}"/>
+              </a:ext>
+            </a:extLst>
+          </p:cNvPr>
+          <p:cNvSpPr>
+            <a:spLocks noGrp="1"/>
+          </p:cNvSpPr>
+          <p:nvPr>
+            <p:ph type="sldNum" sz="quarter" idx="5"/>
+          </p:nvPr>
+        </p:nvSpPr>
+        <p:spPr/>
+        <p:txBody>
+          <a:bodyPr/>
+          <a:lstStyle/>
+          <a:p>
+            <a:fld id="{2BF067CD-8E6B-4360-9AA8-C5DF2A48A6D1}" type="slidenum">
+              <a:rPr lang="en-US" noProof="0" smtClean="0"/>
+              <a:pPr/>
+              <a:t>23</a:t>
+            </a:fld>
+            <a:endParaRPr lang="en-US" noProof="0" dirty="0"/>
+          </a:p>
+        </p:txBody>
+      </p:sp>
+      <p:sp>
+        <p:nvSpPr>
+          <p:cNvPr id="3" name="Text Placeholder 2">
+            <a:extLst>
+              <a:ext uri="{FF2B5EF4-FFF2-40B4-BE49-F238E27FC236}">
+                <a16:creationId xmlns:a16="http://schemas.microsoft.com/office/drawing/2014/main" id="{4EF421F2-7A25-167C-6544-9FFC407E9F72}"/>
+              </a:ext>
+            </a:extLst>
+          </p:cNvPr>
+          <p:cNvSpPr>
+            <a:spLocks noGrp="1"/>
+          </p:cNvSpPr>
+          <p:nvPr>
+            <p:ph type="body" sz="quarter" idx="10"/>
+          </p:nvPr>
+        </p:nvSpPr>
+        <p:spPr/>
+        <p:txBody>
+          <a:bodyPr/>
+          <a:lstStyle/>
+          <a:p>
+            <a:r>
+              <a:rPr lang="bg-BG" sz="3200" dirty="0"/>
+              <a:t>Задаваме следните </a:t>
+            </a:r>
+            <a:r>
+              <a:rPr lang="bg-BG" sz="3200" b="1" dirty="0"/>
+              <a:t>свойства</a:t>
+            </a:r>
+            <a:r>
+              <a:rPr lang="bg-BG" sz="3200" dirty="0"/>
+              <a:t> на </a:t>
+            </a:r>
+            <a:r>
+              <a:rPr lang="bg-BG" sz="3200" b="1" dirty="0"/>
+              <a:t>формата</a:t>
+            </a:r>
+            <a:r>
+              <a:rPr lang="en-US" sz="3200" dirty="0"/>
+              <a:t>:</a:t>
+            </a:r>
+            <a:endParaRPr lang="en-US" sz="3200" b="1" dirty="0"/>
+          </a:p>
+          <a:p>
+            <a:pPr lvl="1"/>
+            <a:r>
+              <a:rPr lang="en-US" sz="3000" b="1" dirty="0"/>
+              <a:t>StartPosition </a:t>
+            </a:r>
+            <a:r>
+              <a:rPr lang="en-US" sz="3000" dirty="0"/>
+              <a:t>-</a:t>
+            </a:r>
+            <a:r>
+              <a:rPr lang="en-US" sz="3000" b="1" dirty="0"/>
+              <a:t> </a:t>
+            </a:r>
+            <a:r>
+              <a:rPr lang="en-US" sz="3000" b="1" dirty="0">
+                <a:solidFill>
+                  <a:schemeClr val="bg1"/>
+                </a:solidFill>
+                <a:latin typeface="Consolas" panose="020B0609020204030204" pitchFamily="49" charset="0"/>
+                <a:cs typeface="Consolas" panose="020B0609020204030204" pitchFamily="49" charset="0"/>
+              </a:rPr>
+              <a:t>CenterScreen</a:t>
+            </a:r>
+          </a:p>
+          <a:p>
+            <a:r>
+              <a:rPr lang="bg-BG" sz="3200" dirty="0"/>
+              <a:t>Задаваме следните </a:t>
+            </a:r>
+            <a:r>
+              <a:rPr lang="bg-BG" sz="3200" b="1" dirty="0"/>
+              <a:t>свойства </a:t>
+            </a:r>
+            <a:r>
+              <a:rPr lang="bg-BG" sz="3200" dirty="0"/>
+              <a:t>на</a:t>
+            </a:r>
+            <a:r>
+              <a:rPr lang="bg-BG" sz="3200" b="1" dirty="0"/>
+              <a:t> таблицата</a:t>
+            </a:r>
+            <a:r>
+              <a:rPr lang="bg-BG" sz="3200" dirty="0"/>
+              <a:t>:</a:t>
+            </a:r>
+            <a:endParaRPr lang="en-US" sz="3200" dirty="0"/>
+          </a:p>
+          <a:p>
+            <a:pPr lvl="1"/>
+            <a:r>
+              <a:rPr lang="en-US" sz="3000" b="1" dirty="0"/>
+              <a:t>Anchor</a:t>
+            </a:r>
+            <a:r>
+              <a:rPr lang="en-US" sz="3000" dirty="0"/>
+              <a:t> - </a:t>
+            </a:r>
+            <a:r>
+              <a:rPr lang="en-US" sz="3000" b="1" dirty="0">
+                <a:solidFill>
+                  <a:schemeClr val="bg1"/>
+                </a:solidFill>
+                <a:latin typeface="Consolas" panose="020B0609020204030204" pitchFamily="49" charset="0"/>
+                <a:cs typeface="Consolas" panose="020B0609020204030204" pitchFamily="49" charset="0"/>
+              </a:rPr>
+              <a:t>Top</a:t>
+            </a:r>
+            <a:r>
+              <a:rPr lang="en-US" sz="3000" dirty="0"/>
+              <a:t>, </a:t>
+            </a:r>
+            <a:r>
+              <a:rPr lang="en-US" sz="3000" b="1" dirty="0">
+                <a:solidFill>
+                  <a:schemeClr val="bg1"/>
+                </a:solidFill>
+                <a:latin typeface="Consolas" panose="020B0609020204030204" pitchFamily="49" charset="0"/>
+                <a:cs typeface="Consolas" panose="020B0609020204030204" pitchFamily="49" charset="0"/>
+              </a:rPr>
+              <a:t>Bottom</a:t>
+            </a:r>
+            <a:r>
+              <a:rPr lang="en-US" sz="3000" dirty="0"/>
+              <a:t>, </a:t>
+            </a:r>
+            <a:r>
+              <a:rPr lang="en-US" sz="3000" b="1" dirty="0">
+                <a:solidFill>
+                  <a:schemeClr val="bg1"/>
+                </a:solidFill>
+                <a:latin typeface="Consolas" panose="020B0609020204030204" pitchFamily="49" charset="0"/>
+                <a:cs typeface="Consolas" panose="020B0609020204030204" pitchFamily="49" charset="0"/>
+              </a:rPr>
+              <a:t>Left</a:t>
+            </a:r>
+          </a:p>
+          <a:p>
+            <a:pPr lvl="1"/>
+            <a:r>
+              <a:rPr lang="en-US" sz="3000" b="1" dirty="0"/>
+              <a:t>BorderStyle </a:t>
+            </a:r>
+            <a:r>
+              <a:rPr lang="en-US" sz="3000" dirty="0"/>
+              <a:t>-</a:t>
+            </a:r>
+            <a:r>
+              <a:rPr lang="en-US" sz="3000" b="1" dirty="0"/>
+              <a:t> </a:t>
+            </a:r>
+            <a:r>
+              <a:rPr lang="en-US" sz="3000" b="1" dirty="0">
+                <a:solidFill>
+                  <a:schemeClr val="bg1"/>
+                </a:solidFill>
+                <a:latin typeface="Consolas" panose="020B0609020204030204" pitchFamily="49" charset="0"/>
+                <a:cs typeface="Consolas" panose="020B0609020204030204" pitchFamily="49" charset="0"/>
+              </a:rPr>
+              <a:t>Fixed3D</a:t>
+            </a:r>
+          </a:p>
+          <a:p>
+            <a:r>
+              <a:rPr lang="bg-BG" sz="3200" dirty="0"/>
+              <a:t>Задаваме следните </a:t>
+            </a:r>
+            <a:r>
+              <a:rPr lang="bg-BG" sz="3200" b="1" dirty="0"/>
+              <a:t>свойства </a:t>
+            </a:r>
+            <a:r>
+              <a:rPr lang="bg-BG" sz="3200" dirty="0"/>
+              <a:t>на </a:t>
+            </a:r>
+            <a:r>
+              <a:rPr lang="bg-BG" sz="3200" b="1" dirty="0"/>
+              <a:t>бутоните</a:t>
+            </a:r>
+            <a:r>
+              <a:rPr lang="bg-BG" sz="3200" dirty="0"/>
+              <a:t>:</a:t>
+            </a:r>
+            <a:endParaRPr lang="en-US" sz="3200" dirty="0"/>
+          </a:p>
+          <a:p>
+            <a:pPr lvl="1"/>
+            <a:r>
+              <a:rPr lang="en-GB" sz="3000" b="1" dirty="0"/>
+              <a:t>Anchor </a:t>
+            </a:r>
+            <a:r>
+              <a:rPr lang="en-GB" sz="3000" dirty="0"/>
+              <a:t>-</a:t>
+            </a:r>
+            <a:r>
+              <a:rPr lang="en-GB" sz="3000" b="1" dirty="0"/>
+              <a:t> </a:t>
+            </a:r>
+            <a:r>
+              <a:rPr lang="en-GB" sz="3000" b="1" dirty="0">
+                <a:solidFill>
+                  <a:schemeClr val="bg1"/>
+                </a:solidFill>
+                <a:latin typeface="Consolas" panose="020B0609020204030204" pitchFamily="49" charset="0"/>
+                <a:cs typeface="Consolas" panose="020B0609020204030204" pitchFamily="49" charset="0"/>
+              </a:rPr>
+              <a:t>Top</a:t>
+            </a:r>
+            <a:r>
+              <a:rPr lang="en-GB" sz="3000" dirty="0"/>
+              <a:t>,</a:t>
+            </a:r>
+            <a:r>
+              <a:rPr lang="en-GB" sz="3000" b="1" dirty="0"/>
+              <a:t> </a:t>
+            </a:r>
+            <a:r>
+              <a:rPr lang="en-GB" sz="3000" b="1" dirty="0">
+                <a:solidFill>
+                  <a:schemeClr val="bg1"/>
+                </a:solidFill>
+                <a:latin typeface="Consolas" panose="020B0609020204030204" pitchFamily="49" charset="0"/>
+                <a:cs typeface="Consolas" panose="020B0609020204030204" pitchFamily="49" charset="0"/>
+              </a:rPr>
+              <a:t>Right</a:t>
+            </a:r>
+            <a:endParaRPr lang="en-BG" sz="3000" b="1" dirty="0">
+              <a:solidFill>
+                <a:schemeClr val="bg1"/>
+              </a:solidFill>
+              <a:latin typeface="Consolas" panose="020B0609020204030204" pitchFamily="49" charset="0"/>
+              <a:cs typeface="Consolas" panose="020B0609020204030204" pitchFamily="49" charset="0"/>
+            </a:endParaRPr>
+          </a:p>
+        </p:txBody>
+      </p:sp>
+      <p:sp>
+        <p:nvSpPr>
+          <p:cNvPr id="4" name="Title 3">
+            <a:extLst>
+              <a:ext uri="{FF2B5EF4-FFF2-40B4-BE49-F238E27FC236}">
+                <a16:creationId xmlns:a16="http://schemas.microsoft.com/office/drawing/2014/main" id="{286DD11E-E935-5D7C-7A01-DE975CB5A48D}"/>
+              </a:ext>
+            </a:extLst>
+          </p:cNvPr>
+          <p:cNvSpPr>
+            <a:spLocks noGrp="1"/>
+          </p:cNvSpPr>
+          <p:nvPr>
+            <p:ph type="title"/>
+          </p:nvPr>
+        </p:nvSpPr>
+        <p:spPr/>
+        <p:txBody>
+          <a:bodyPr/>
+          <a:lstStyle/>
+          <a:p>
+            <a:r>
+              <a:rPr lang="bg-BG" dirty="0"/>
+              <a:t>Допълнителни настройки на формата</a:t>
+            </a:r>
+            <a:endParaRPr lang="en-BG" dirty="0"/>
+          </a:p>
+        </p:txBody>
+      </p:sp>
+    </p:spTree>
+    <p:extLst>
+      <p:ext uri="{BB962C8B-B14F-4D97-AF65-F5344CB8AC3E}">
+        <p14:creationId xmlns:p14="http://schemas.microsoft.com/office/powerpoint/2010/main" val="11392344"/>
+      </p:ext>
+    </p:extLst>
+  </p:cSld>
+  <p:clrMapOvr>
+    <a:masterClrMapping/>
+  </p:clrMapOvr>
+  <mc:AlternateContent xmlns:mc="http://schemas.openxmlformats.org/markup-compatibility/2006" xmlns:p14="http://schemas.microsoft.com/office/powerpoint/2010/main">
+    <mc:Choice Requires="p14">
+      <p:transition spd="slow" p14:dur="2000" advClick="0" advTm="5000"/>
+    </mc:Choice>
+    <mc:Fallback xmlns="">
+      <p:transition spd="slow" advClick="0" advTm="5000"/>
+    </mc:Fallback>
+  </mc:AlternateContent>
+  <p:timing>
+    <p:tnLst>
+      <p:par>
+        <p:cTn id="1" dur="indefinite" restart="never" nodeType="tmRoot">
+          <p:childTnLst>
+            <p:seq concurrent="1" nextAc="seek">
+              <p:cTn id="2" dur="indefinite" nodeType="mainSeq">
+                <p:childTnLst>
+                  <p:par>
+                    <p:cTn id="3" fill="hold">
+                      <p:stCondLst>
+                        <p:cond delay="indefinite"/>
+                      </p:stCondLst>
+                      <p:childTnLst>
+                        <p:par>
+                          <p:cTn id="4" fill="hold">
+                            <p:stCondLst>
+                              <p:cond delay="0"/>
+                            </p:stCondLst>
+                            <p:childTnLst>
+                              <p:par>
+                                <p:cTn id="5" presetID="1" presetClass="entr" presetSubtype="0" fill="hold" nodeType="clickEffect">
+                                  <p:stCondLst>
+                                    <p:cond delay="0"/>
+                                  </p:stCondLst>
+                                  <p:childTnLst>
+                                    <p:set>
+                                      <p:cBhvr>
+                                        <p:cTn id="6" dur="1" fill="hold">
+                                          <p:stCondLst>
+                                            <p:cond delay="0"/>
+                                          </p:stCondLst>
+                                        </p:cTn>
+                                        <p:tgtEl>
+                                          <p:spTgt spid="3">
+                                            <p:txEl>
+                                              <p:pRg st="1" end="1"/>
+                                            </p:txEl>
+                                          </p:spTgt>
+                                        </p:tgtEl>
+                                        <p:attrNameLst>
+                                          <p:attrName>style.visibility</p:attrName>
+                                        </p:attrNameLst>
+                                      </p:cBhvr>
+                                      <p:to>
+                                        <p:strVal val="visible"/>
+                                      </p:to>
+                                    </p:set>
+                                  </p:childTnLst>
+                                </p:cTn>
+                              </p:par>
+                            </p:childTnLst>
+                          </p:cTn>
+                        </p:par>
+                      </p:childTnLst>
+                    </p:cTn>
+                  </p:par>
+                  <p:par>
+                    <p:cTn id="7" fill="hold">
+                      <p:stCondLst>
+                        <p:cond delay="indefinite"/>
+                      </p:stCondLst>
+                      <p:childTnLst>
+                        <p:par>
+                          <p:cTn id="8" fill="hold">
+                            <p:stCondLst>
+                              <p:cond delay="0"/>
+                            </p:stCondLst>
+                            <p:childTnLst>
+                              <p:par>
+                                <p:cTn id="9" presetID="1" presetClass="entr" presetSubtype="0" fill="hold" nodeType="clickEffect">
+                                  <p:stCondLst>
+                                    <p:cond delay="0"/>
+                                  </p:stCondLst>
+                                  <p:childTnLst>
+                                    <p:set>
+                                      <p:cBhvr>
+                                        <p:cTn id="10" dur="1" fill="hold">
+                                          <p:stCondLst>
+                                            <p:cond delay="0"/>
+                                          </p:stCondLst>
+                                        </p:cTn>
+                                        <p:tgtEl>
+                                          <p:spTgt spid="3">
+                                            <p:txEl>
+                                              <p:pRg st="2" end="2"/>
+                                            </p:txEl>
+                                          </p:spTgt>
+                                        </p:tgtEl>
+                                        <p:attrNameLst>
+                                          <p:attrName>style.visibility</p:attrName>
+                                        </p:attrNameLst>
+                                      </p:cBhvr>
+                                      <p:to>
+                                        <p:strVal val="visible"/>
+                                      </p:to>
+                                    </p:set>
+                                  </p:childTnLst>
+                                </p:cTn>
+                              </p:par>
+                            </p:childTnLst>
+                          </p:cTn>
+                        </p:par>
+                      </p:childTnLst>
+                    </p:cTn>
+                  </p:par>
+                  <p:par>
+                    <p:cTn id="11" fill="hold">
+                      <p:stCondLst>
+                        <p:cond delay="indefinite"/>
+                      </p:stCondLst>
+                      <p:childTnLst>
+                        <p:par>
+                          <p:cTn id="12" fill="hold">
+                            <p:stCondLst>
+                              <p:cond delay="0"/>
+                            </p:stCondLst>
+                            <p:childTnLst>
+                              <p:par>
+                                <p:cTn id="13" presetID="1" presetClass="entr" presetSubtype="0" fill="hold" nodeType="clickEffect">
+                                  <p:stCondLst>
+                                    <p:cond delay="0"/>
+                                  </p:stCondLst>
+                                  <p:childTnLst>
+                                    <p:set>
+                                      <p:cBhvr>
+                                        <p:cTn id="14" dur="1" fill="hold">
+                                          <p:stCondLst>
+                                            <p:cond delay="0"/>
+                                          </p:stCondLst>
+                                        </p:cTn>
+                                        <p:tgtEl>
+                                          <p:spTgt spid="3">
+                                            <p:txEl>
+                                              <p:pRg st="3" end="3"/>
+                                            </p:txEl>
+                                          </p:spTgt>
+                                        </p:tgtEl>
+                                        <p:attrNameLst>
+                                          <p:attrName>style.visibility</p:attrName>
+                                        </p:attrNameLst>
+                                      </p:cBhvr>
+                                      <p:to>
+                                        <p:strVal val="visible"/>
+                                      </p:to>
+                                    </p:set>
+                                  </p:childTnLst>
+                                </p:cTn>
+                              </p:par>
+                            </p:childTnLst>
+                          </p:cTn>
+                        </p:par>
+                      </p:childTnLst>
+                    </p:cTn>
+                  </p:par>
+                  <p:par>
+                    <p:cTn id="15" fill="hold">
+                      <p:stCondLst>
+                        <p:cond delay="indefinite"/>
+                      </p:stCondLst>
+                      <p:childTnLst>
+                        <p:par>
+                          <p:cTn id="16" fill="hold">
+                            <p:stCondLst>
+                              <p:cond delay="0"/>
+                            </p:stCondLst>
+                            <p:childTnLst>
+                              <p:par>
+                                <p:cTn id="17" presetID="1" presetClass="entr" presetSubtype="0" fill="hold" nodeType="clickEffect">
+                                  <p:stCondLst>
+                                    <p:cond delay="0"/>
+                                  </p:stCondLst>
+                                  <p:childTnLst>
+                                    <p:set>
+                                      <p:cBhvr>
+                                        <p:cTn id="18" dur="1" fill="hold">
+                                          <p:stCondLst>
+                                            <p:cond delay="0"/>
+                                          </p:stCondLst>
+                                        </p:cTn>
+                                        <p:tgtEl>
+                                          <p:spTgt spid="3">
+                                            <p:txEl>
+                                              <p:pRg st="4" end="4"/>
+                                            </p:txEl>
+                                          </p:spTgt>
+                                        </p:tgtEl>
+                                        <p:attrNameLst>
+                                          <p:attrName>style.visibility</p:attrName>
+                                        </p:attrNameLst>
+                                      </p:cBhvr>
+                                      <p:to>
+                                        <p:strVal val="visible"/>
+                                      </p:to>
+                                    </p:set>
+                                  </p:childTnLst>
+                                </p:cTn>
+                              </p:par>
+                            </p:childTnLst>
+                          </p:cTn>
+                        </p:par>
+                      </p:childTnLst>
+                    </p:cTn>
+                  </p:par>
+                  <p:par>
+                    <p:cTn id="19" fill="hold">
+                      <p:stCondLst>
+                        <p:cond delay="indefinite"/>
+                      </p:stCondLst>
+                      <p:childTnLst>
+                        <p:par>
+                          <p:cTn id="20" fill="hold">
+                            <p:stCondLst>
+                              <p:cond delay="0"/>
+                            </p:stCondLst>
+                            <p:childTnLst>
+                              <p:par>
+                                <p:cTn id="21" presetID="1" presetClass="entr" presetSubtype="0" fill="hold" nodeType="clickEffect">
+                                  <p:stCondLst>
+                                    <p:cond delay="0"/>
+                                  </p:stCondLst>
+                                  <p:childTnLst>
+                                    <p:set>
+                                      <p:cBhvr>
+                                        <p:cTn id="22" dur="1" fill="hold">
+                                          <p:stCondLst>
+                                            <p:cond delay="0"/>
+                                          </p:stCondLst>
+                                        </p:cTn>
+                                        <p:tgtEl>
+                                          <p:spTgt spid="3">
+                                            <p:txEl>
+                                              <p:pRg st="5" end="5"/>
+                                            </p:txEl>
+                                          </p:spTgt>
+                                        </p:tgtEl>
+                                        <p:attrNameLst>
+                                          <p:attrName>style.visibility</p:attrName>
+                                        </p:attrNameLst>
+                                      </p:cBhvr>
+                                      <p:to>
+                                        <p:strVal val="visible"/>
+                                      </p:to>
+                                    </p:set>
+                                  </p:childTnLst>
+                                </p:cTn>
+                              </p:par>
+                            </p:childTnLst>
+                          </p:cTn>
+                        </p:par>
+                      </p:childTnLst>
+                    </p:cTn>
+                  </p:par>
+                  <p:par>
+                    <p:cTn id="23" fill="hold">
+                      <p:stCondLst>
+                        <p:cond delay="indefinite"/>
+                      </p:stCondLst>
+                      <p:childTnLst>
+                        <p:par>
+                          <p:cTn id="24" fill="hold">
+                            <p:stCondLst>
+                              <p:cond delay="0"/>
+                            </p:stCondLst>
+                            <p:childTnLst>
+                              <p:par>
+                                <p:cTn id="25" presetID="1" presetClass="entr" presetSubtype="0" fill="hold" nodeType="clickEffect">
+                                  <p:stCondLst>
+                                    <p:cond delay="0"/>
+                                  </p:stCondLst>
+                                  <p:childTnLst>
+                                    <p:set>
+                                      <p:cBhvr>
+                                        <p:cTn id="26" dur="1" fill="hold">
                                           <p:stCondLst>
                                             <p:cond delay="0"/>
                                           </p:stCondLst>
@@ -17067,9 +16684,6 @@
                     <p:cTn id="3" fill="hold">
                       <p:stCondLst>
                         <p:cond delay="indefinite"/>
-                        <p:cond evt="onBegin" delay="0">
-                          <p:tn val="2"/>
-                        </p:cond>
                       </p:stCondLst>
                       <p:childTnLst>
                         <p:par>
@@ -17079,7 +16693,7 @@
                             </p:stCondLst>
                             <p:childTnLst>
                               <p:par>
-                                <p:cTn id="5" presetID="1" presetClass="entr" presetSubtype="0" fill="hold" nodeType="withEffect">
+                                <p:cTn id="5" presetID="1" presetClass="entr" presetSubtype="0" fill="hold" nodeType="clickEffect">
                                   <p:stCondLst>
                                     <p:cond delay="0"/>
                                   </p:stCondLst>
@@ -17087,37 +16701,6 @@
                                     <p:set>
                                       <p:cBhvr>
                                         <p:cTn id="6" dur="1" fill="hold">
-                                          <p:stCondLst>
-                                            <p:cond delay="0"/>
-                                          </p:stCondLst>
-                                        </p:cTn>
-                                        <p:tgtEl>
-                                          <p:spTgt spid="3">
-                                            <p:txEl>
-                                              <p:pRg st="0" end="0"/>
-                                            </p:txEl>
-                                          </p:spTgt>
-                                        </p:tgtEl>
-                                        <p:attrNameLst>
-                                          <p:attrName>style.visibility</p:attrName>
-                                        </p:attrNameLst>
-                                      </p:cBhvr>
-                                      <p:to>
-                                        <p:strVal val="visible"/>
-                                      </p:to>
-                                    </p:set>
-                                  </p:childTnLst>
-                                </p:cTn>
-                              </p:par>
-                              <p:par>
-                                <p:cTn id="7" presetID="1" presetClass="entr" presetSubtype="0" fill="hold" nodeType="withEffect">
-                                  <p:stCondLst>
-                                    <p:cond delay="0"/>
-                                  </p:stCondLst>
-                                  <p:childTnLst>
-                                    <p:set>
-                                      <p:cBhvr>
-                                        <p:cTn id="8" dur="1" fill="hold">
                                           <p:stCondLst>
                                             <p:cond delay="0"/>
                                           </p:stCondLst>
@@ -17140,8 +16723,26 @@
                                   </p:childTnLst>
                                 </p:cTn>
                               </p:par>
+                            </p:childTnLst>
+                          </p:cTn>
+                        </p:par>
+                      </p:childTnLst>
+                    </p:cTn>
+                  </p:par>
+                  <p:par>
+                    <p:cTn id="7" fill="hold">
+                      <p:stCondLst>
+                        <p:cond delay="indefinite"/>
+                      </p:stCondLst>
+                      <p:childTnLst>
+                        <p:par>
+                          <p:cTn id="8" fill="hold">
+                            <p:stCondLst>
+                              <p:cond delay="0"/>
+                            </p:stCondLst>
+                            <p:childTnLst>
                               <p:par>
-                                <p:cTn id="9" presetID="1" presetClass="entr" presetSubtype="0" fill="hold" nodeType="withEffect">
+                                <p:cTn id="9" presetID="1" presetClass="entr" presetSubtype="0" fill="hold" nodeType="clickEffect">
                                   <p:stCondLst>
                                     <p:cond delay="0"/>
                                   </p:stCondLst>
@@ -17154,7 +16755,11 @@
                                           </p:stCondLst>
                                         </p:cTn>
                                         <p:tgtEl>
-                                          <p:spTgt spid="7"/>
+                                          <p:spTgt spid="3">
+                                            <p:txEl>
+                                              <p:pRg st="2" end="2"/>
+                                            </p:txEl>
+                                          </p:spTgt>
                                         </p:tgtEl>
                                         <p:attrNameLst>
                                           <p:attrName>style.visibility</p:attrName>
@@ -17194,55 +16799,6 @@
                                     <p:set>
                                       <p:cBhvr>
                                         <p:cTn id="14" dur="1" fill="hold">
-                                          <p:stCondLst>
-                                            <p:cond delay="0"/>
-                                          </p:stCondLst>
-                                        </p:cTn>
-                                        <p:tgtEl>
-                                          <p:spTgt spid="3">
-                                            <p:txEl>
-                                              <p:pRg st="2" end="2"/>
-                                            </p:txEl>
-                                          </p:spTgt>
-                                        </p:tgtEl>
-                                        <p:attrNameLst>
-                                          <p:attrName>style.visibility</p:attrName>
-                                        </p:attrNameLst>
-                                      </p:cBhvr>
-                                      <p:to>
-                                        <p:strVal val="visible"/>
-                                      </p:to>
-                                    </p:set>
-                                  </p:childTnLst>
-                                </p:cTn>
-                              </p:par>
-                            </p:childTnLst>
-                          </p:cTn>
-                        </p:par>
-                      </p:childTnLst>
-                    </p:cTn>
-                  </p:par>
-                  <p:par>
-                    <p:cTn id="15" fill="hold">
-                      <p:stCondLst>
-                        <p:cond delay="indefinite"/>
-                      </p:stCondLst>
-                      <p:childTnLst>
-                        <p:par>
-                          <p:cTn id="16" fill="hold">
-                            <p:stCondLst>
-                              <p:cond delay="0"/>
-                            </p:stCondLst>
-                            <p:childTnLst>
-                              <p:par>
-                                <p:cTn id="17" presetID="1" presetClass="entr" presetSubtype="0" fill="hold" nodeType="clickEffect">
-                                  <p:stCondLst>
-                                    <p:cond delay="0"/>
-                                  </p:stCondLst>
-                                  <p:childTnLst>
-                                    <p:set>
-                                      <p:cBhvr>
-                                        <p:cTn id="18" dur="1" fill="hold">
                                           <p:stCondLst>
                                             <p:cond delay="0"/>
                                           </p:stCondLst>
@@ -17753,9 +17309,6 @@
                     <p:cTn id="3" fill="hold">
                       <p:stCondLst>
                         <p:cond delay="indefinite"/>
-                        <p:cond evt="onBegin" delay="0">
-                          <p:tn val="2"/>
-                        </p:cond>
                       </p:stCondLst>
                       <p:childTnLst>
                         <p:par>
@@ -17765,7 +17318,7 @@
                             </p:stCondLst>
                             <p:childTnLst>
                               <p:par>
-                                <p:cTn id="5" presetID="1" presetClass="entr" presetSubtype="0" fill="hold" nodeType="withEffect">
+                                <p:cTn id="5" presetID="1" presetClass="entr" presetSubtype="0" fill="hold" nodeType="clickEffect">
                                   <p:stCondLst>
                                     <p:cond delay="0"/>
                                   </p:stCondLst>
@@ -17773,33 +17326,6 @@
                                     <p:set>
                                       <p:cBhvr>
                                         <p:cTn id="6" dur="1" fill="hold">
-                                          <p:stCondLst>
-                                            <p:cond delay="0"/>
-                                          </p:stCondLst>
-                                        </p:cTn>
-                                        <p:tgtEl>
-                                          <p:spTgt spid="6"/>
-                                        </p:tgtEl>
-                                        <p:attrNameLst>
-                                          <p:attrName>style.visibility</p:attrName>
-                                        </p:attrNameLst>
-                                      </p:cBhvr>
-                                      <p:to>
-                                        <p:strVal val="visible"/>
-                                      </p:to>
-                                    </p:set>
-                                  </p:childTnLst>
-                                </p:cTn>
-                              </p:par>
-                              <p:par>
-                                <p:cTn id="7" presetID="1" presetClass="entr" presetSubtype="0" fill="hold" nodeType="withEffect">
-                                  <p:stCondLst>
-                                    <p:cond delay="0"/>
-                                  </p:stCondLst>
-                                  <p:childTnLst>
-                                    <p:set>
-                                      <p:cBhvr>
-                                        <p:cTn id="8" dur="1" fill="hold">
                                           <p:stCondLst>
                                             <p:cond delay="0"/>
                                           </p:stCondLst>
@@ -17829,26 +17355,26 @@
                     </p:cTn>
                   </p:par>
                   <p:par>
-                    <p:cTn id="9" fill="hold">
+                    <p:cTn id="7" fill="hold">
                       <p:stCondLst>
                         <p:cond delay="indefinite"/>
                       </p:stCondLst>
                       <p:childTnLst>
                         <p:par>
-                          <p:cTn id="10" fill="hold">
+                          <p:cTn id="8" fill="hold">
                             <p:stCondLst>
                               <p:cond delay="0"/>
                             </p:stCondLst>
                             <p:childTnLst>
                               <p:par>
-                                <p:cTn id="11" presetID="1" presetClass="entr" presetSubtype="0" fill="hold" nodeType="clickEffect">
+                                <p:cTn id="9" presetID="1" presetClass="entr" presetSubtype="0" fill="hold" nodeType="clickEffect">
                                   <p:stCondLst>
                                     <p:cond delay="0"/>
                                   </p:stCondLst>
                                   <p:childTnLst>
                                     <p:set>
                                       <p:cBhvr>
-                                        <p:cTn id="12" dur="1" fill="hold">
+                                        <p:cTn id="10" dur="1" fill="hold">
                                           <p:stCondLst>
                                             <p:cond delay="0"/>
                                           </p:stCondLst>
@@ -17878,26 +17404,26 @@
                     </p:cTn>
                   </p:par>
                   <p:par>
-                    <p:cTn id="13" fill="hold">
+                    <p:cTn id="11" fill="hold">
                       <p:stCondLst>
                         <p:cond delay="indefinite"/>
                       </p:stCondLst>
                       <p:childTnLst>
                         <p:par>
-                          <p:cTn id="14" fill="hold">
+                          <p:cTn id="12" fill="hold">
                             <p:stCondLst>
                               <p:cond delay="0"/>
                             </p:stCondLst>
                             <p:childTnLst>
                               <p:par>
-                                <p:cTn id="15" presetID="1" presetClass="entr" presetSubtype="0" fill="hold" nodeType="clickEffect">
+                                <p:cTn id="13" presetID="1" presetClass="entr" presetSubtype="0" fill="hold" nodeType="clickEffect">
                                   <p:stCondLst>
                                     <p:cond delay="0"/>
                                   </p:stCondLst>
                                   <p:childTnLst>
                                     <p:set>
                                       <p:cBhvr>
-                                        <p:cTn id="16" dur="1" fill="hold">
+                                        <p:cTn id="14" dur="1" fill="hold">
                                           <p:stCondLst>
                                             <p:cond delay="0"/>
                                           </p:stCondLst>
@@ -17927,26 +17453,26 @@
                     </p:cTn>
                   </p:par>
                   <p:par>
-                    <p:cTn id="17" fill="hold">
+                    <p:cTn id="15" fill="hold">
                       <p:stCondLst>
                         <p:cond delay="indefinite"/>
                       </p:stCondLst>
                       <p:childTnLst>
                         <p:par>
-                          <p:cTn id="18" fill="hold">
+                          <p:cTn id="16" fill="hold">
                             <p:stCondLst>
                               <p:cond delay="0"/>
                             </p:stCondLst>
                             <p:childTnLst>
                               <p:par>
-                                <p:cTn id="19" presetID="1" presetClass="entr" presetSubtype="0" fill="hold" nodeType="clickEffect">
+                                <p:cTn id="17" presetID="1" presetClass="entr" presetSubtype="0" fill="hold" nodeType="clickEffect">
                                   <p:stCondLst>
                                     <p:cond delay="0"/>
                                   </p:stCondLst>
                                   <p:childTnLst>
                                     <p:set>
                                       <p:cBhvr>
-                                        <p:cTn id="20" dur="1" fill="hold">
+                                        <p:cTn id="18" dur="1" fill="hold">
                                           <p:stCondLst>
                                             <p:cond delay="0"/>
                                           </p:stCondLst>
@@ -17976,26 +17502,26 @@
                     </p:cTn>
                   </p:par>
                   <p:par>
-                    <p:cTn id="21" fill="hold">
+                    <p:cTn id="19" fill="hold">
                       <p:stCondLst>
                         <p:cond delay="indefinite"/>
                       </p:stCondLst>
                       <p:childTnLst>
                         <p:par>
-                          <p:cTn id="22" fill="hold">
+                          <p:cTn id="20" fill="hold">
                             <p:stCondLst>
                               <p:cond delay="0"/>
                             </p:stCondLst>
                             <p:childTnLst>
                               <p:par>
-                                <p:cTn id="23" presetID="1" presetClass="entr" presetSubtype="0" fill="hold" nodeType="clickEffect">
+                                <p:cTn id="21" presetID="1" presetClass="entr" presetSubtype="0" fill="hold" nodeType="clickEffect">
                                   <p:stCondLst>
                                     <p:cond delay="0"/>
                                   </p:stCondLst>
                                   <p:childTnLst>
                                     <p:set>
                                       <p:cBhvr>
-                                        <p:cTn id="24" dur="1" fill="hold">
+                                        <p:cTn id="22" dur="1" fill="hold">
                                           <p:stCondLst>
                                             <p:cond delay="0"/>
                                           </p:stCondLst>
@@ -18435,9 +17961,6 @@
                     <p:cTn id="3" fill="hold">
                       <p:stCondLst>
                         <p:cond delay="indefinite"/>
-                        <p:cond evt="onBegin" delay="0">
-                          <p:tn val="2"/>
-                        </p:cond>
                       </p:stCondLst>
                       <p:childTnLst>
                         <p:par>
@@ -18447,7 +17970,7 @@
                             </p:stCondLst>
                             <p:childTnLst>
                               <p:par>
-                                <p:cTn id="5" presetID="1" presetClass="entr" presetSubtype="0" fill="hold" nodeType="withEffect">
+                                <p:cTn id="5" presetID="1" presetClass="entr" presetSubtype="0" fill="hold" nodeType="clickEffect">
                                   <p:stCondLst>
                                     <p:cond delay="0"/>
                                   </p:stCondLst>
@@ -18455,82 +17978,6 @@
                                     <p:set>
                                       <p:cBhvr>
                                         <p:cTn id="6" dur="1" fill="hold">
-                                          <p:stCondLst>
-                                            <p:cond delay="0"/>
-                                          </p:stCondLst>
-                                        </p:cTn>
-                                        <p:tgtEl>
-                                          <p:spTgt spid="3">
-                                            <p:txEl>
-                                              <p:pRg st="0" end="0"/>
-                                            </p:txEl>
-                                          </p:spTgt>
-                                        </p:tgtEl>
-                                        <p:attrNameLst>
-                                          <p:attrName>style.visibility</p:attrName>
-                                        </p:attrNameLst>
-                                      </p:cBhvr>
-                                      <p:to>
-                                        <p:strVal val="visible"/>
-                                      </p:to>
-                                    </p:set>
-                                  </p:childTnLst>
-                                </p:cTn>
-                              </p:par>
-                              <p:par>
-                                <p:cTn id="7" presetID="1" presetClass="entr" presetSubtype="0" fill="hold" nodeType="withEffect">
-                                  <p:stCondLst>
-                                    <p:cond delay="0"/>
-                                  </p:stCondLst>
-                                  <p:childTnLst>
-                                    <p:set>
-                                      <p:cBhvr>
-                                        <p:cTn id="8" dur="1" fill="hold">
-                                          <p:stCondLst>
-                                            <p:cond delay="0"/>
-                                          </p:stCondLst>
-                                        </p:cTn>
-                                        <p:tgtEl>
-                                          <p:spTgt spid="6"/>
-                                        </p:tgtEl>
-                                        <p:attrNameLst>
-                                          <p:attrName>style.visibility</p:attrName>
-                                        </p:attrNameLst>
-                                      </p:cBhvr>
-                                      <p:to>
-                                        <p:strVal val="visible"/>
-                                      </p:to>
-                                    </p:set>
-                                  </p:childTnLst>
-                                </p:cTn>
-                              </p:par>
-                            </p:childTnLst>
-                          </p:cTn>
-                        </p:par>
-                      </p:childTnLst>
-                    </p:cTn>
-                  </p:par>
-                  <p:par>
-                    <p:cTn id="9" fill="hold">
-                      <p:stCondLst>
-                        <p:cond delay="indefinite"/>
-                      </p:stCondLst>
-                      <p:childTnLst>
-                        <p:par>
-                          <p:cTn id="10" fill="hold">
-                            <p:stCondLst>
-                              <p:cond delay="0"/>
-                            </p:stCondLst>
-                            <p:childTnLst>
-                              <p:par>
-                                <p:cTn id="11" presetID="1" presetClass="entr" presetSubtype="0" fill="hold" nodeType="clickEffect">
-                                  <p:stCondLst>
-                                    <p:cond delay="0"/>
-                                  </p:stCondLst>
-                                  <p:childTnLst>
-                                    <p:set>
-                                      <p:cBhvr>
-                                        <p:cTn id="12" dur="1" fill="hold">
                                           <p:stCondLst>
                                             <p:cond delay="0"/>
                                           </p:stCondLst>
@@ -18560,26 +18007,26 @@
                     </p:cTn>
                   </p:par>
                   <p:par>
-                    <p:cTn id="13" fill="hold">
+                    <p:cTn id="7" fill="hold">
                       <p:stCondLst>
                         <p:cond delay="indefinite"/>
                       </p:stCondLst>
                       <p:childTnLst>
                         <p:par>
-                          <p:cTn id="14" fill="hold">
+                          <p:cTn id="8" fill="hold">
                             <p:stCondLst>
                               <p:cond delay="0"/>
                             </p:stCondLst>
                             <p:childTnLst>
                               <p:par>
-                                <p:cTn id="15" presetID="1" presetClass="entr" presetSubtype="0" fill="hold" grpId="0" nodeType="clickEffect">
+                                <p:cTn id="9" presetID="1" presetClass="entr" presetSubtype="0" fill="hold" grpId="0" nodeType="clickEffect">
                                   <p:stCondLst>
                                     <p:cond delay="0"/>
                                   </p:stCondLst>
                                   <p:childTnLst>
                                     <p:set>
                                       <p:cBhvr>
-                                        <p:cTn id="16" dur="1" fill="hold">
+                                        <p:cTn id="10" dur="1" fill="hold">
                                           <p:stCondLst>
                                             <p:cond delay="0"/>
                                           </p:stCondLst>
@@ -18598,15 +18045,33 @@
                                   </p:childTnLst>
                                 </p:cTn>
                               </p:par>
+                            </p:childTnLst>
+                          </p:cTn>
+                        </p:par>
+                      </p:childTnLst>
+                    </p:cTn>
+                  </p:par>
+                  <p:par>
+                    <p:cTn id="11" fill="hold">
+                      <p:stCondLst>
+                        <p:cond delay="indefinite"/>
+                      </p:stCondLst>
+                      <p:childTnLst>
+                        <p:par>
+                          <p:cTn id="12" fill="hold">
+                            <p:stCondLst>
+                              <p:cond delay="0"/>
+                            </p:stCondLst>
+                            <p:childTnLst>
                               <p:par>
-                                <p:cTn id="17" presetID="1" presetClass="entr" presetSubtype="0" fill="hold" nodeType="withEffect">
+                                <p:cTn id="13" presetID="1" presetClass="entr" presetSubtype="0" fill="hold" nodeType="clickEffect">
                                   <p:stCondLst>
                                     <p:cond delay="0"/>
                                   </p:stCondLst>
                                   <p:childTnLst>
                                     <p:set>
                                       <p:cBhvr>
-                                        <p:cTn id="18" dur="1" fill="hold">
+                                        <p:cTn id="14" dur="1" fill="hold">
                                           <p:stCondLst>
                                             <p:cond delay="0"/>
                                           </p:stCondLst>
@@ -19090,9 +18555,6 @@
                     <p:cTn id="3" fill="hold">
                       <p:stCondLst>
                         <p:cond delay="indefinite"/>
-                        <p:cond evt="onBegin" delay="0">
-                          <p:tn val="2"/>
-                        </p:cond>
                       </p:stCondLst>
                       <p:childTnLst>
                         <p:par>
@@ -19102,7 +18564,7 @@
                             </p:stCondLst>
                             <p:childTnLst>
                               <p:par>
-                                <p:cTn id="5" presetID="1" presetClass="entr" presetSubtype="0" fill="hold" nodeType="withEffect">
+                                <p:cTn id="5" presetID="1" presetClass="entr" presetSubtype="0" fill="hold" nodeType="clickEffect">
                                   <p:stCondLst>
                                     <p:cond delay="0"/>
                                   </p:stCondLst>
@@ -19110,37 +18572,6 @@
                                     <p:set>
                                       <p:cBhvr>
                                         <p:cTn id="6" dur="1" fill="hold">
-                                          <p:stCondLst>
-                                            <p:cond delay="0"/>
-                                          </p:stCondLst>
-                                        </p:cTn>
-                                        <p:tgtEl>
-                                          <p:spTgt spid="3">
-                                            <p:txEl>
-                                              <p:pRg st="0" end="0"/>
-                                            </p:txEl>
-                                          </p:spTgt>
-                                        </p:tgtEl>
-                                        <p:attrNameLst>
-                                          <p:attrName>style.visibility</p:attrName>
-                                        </p:attrNameLst>
-                                      </p:cBhvr>
-                                      <p:to>
-                                        <p:strVal val="visible"/>
-                                      </p:to>
-                                    </p:set>
-                                  </p:childTnLst>
-                                </p:cTn>
-                              </p:par>
-                              <p:par>
-                                <p:cTn id="7" presetID="1" presetClass="entr" presetSubtype="0" fill="hold" nodeType="withEffect">
-                                  <p:stCondLst>
-                                    <p:cond delay="0"/>
-                                  </p:stCondLst>
-                                  <p:childTnLst>
-                                    <p:set>
-                                      <p:cBhvr>
-                                        <p:cTn id="8" dur="1" fill="hold">
                                           <p:stCondLst>
                                             <p:cond delay="0"/>
                                           </p:stCondLst>
@@ -19159,8 +18590,26 @@
                                   </p:childTnLst>
                                 </p:cTn>
                               </p:par>
+                            </p:childTnLst>
+                          </p:cTn>
+                        </p:par>
+                      </p:childTnLst>
+                    </p:cTn>
+                  </p:par>
+                  <p:par>
+                    <p:cTn id="7" fill="hold">
+                      <p:stCondLst>
+                        <p:cond delay="indefinite"/>
+                      </p:stCondLst>
+                      <p:childTnLst>
+                        <p:par>
+                          <p:cTn id="8" fill="hold">
+                            <p:stCondLst>
+                              <p:cond delay="0"/>
+                            </p:stCondLst>
+                            <p:childTnLst>
                               <p:par>
-                                <p:cTn id="9" presetID="1" presetClass="entr" presetSubtype="0" fill="hold" nodeType="withEffect">
+                                <p:cTn id="9" presetID="1" presetClass="entr" presetSubtype="0" fill="hold" nodeType="clickEffect">
                                   <p:stCondLst>
                                     <p:cond delay="0"/>
                                   </p:stCondLst>
@@ -19235,15 +18684,33 @@
                                   </p:childTnLst>
                                 </p:cTn>
                               </p:par>
+                            </p:childTnLst>
+                          </p:cTn>
+                        </p:par>
+                      </p:childTnLst>
+                    </p:cTn>
+                  </p:par>
+                  <p:par>
+                    <p:cTn id="15" fill="hold">
+                      <p:stCondLst>
+                        <p:cond delay="indefinite"/>
+                      </p:stCondLst>
+                      <p:childTnLst>
+                        <p:par>
+                          <p:cTn id="16" fill="hold">
+                            <p:stCondLst>
+                              <p:cond delay="0"/>
+                            </p:stCondLst>
+                            <p:childTnLst>
                               <p:par>
-                                <p:cTn id="15" presetID="1" presetClass="entr" presetSubtype="0" fill="hold" grpId="0" nodeType="withEffect">
+                                <p:cTn id="17" presetID="1" presetClass="entr" presetSubtype="0" fill="hold" grpId="0" nodeType="clickEffect">
                                   <p:stCondLst>
                                     <p:cond delay="0"/>
                                   </p:stCondLst>
                                   <p:childTnLst>
                                     <p:set>
                                       <p:cBhvr>
-                                        <p:cTn id="16" dur="1" fill="hold">
+                                        <p:cTn id="18" dur="1" fill="hold">
                                           <p:stCondLst>
                                             <p:cond delay="0"/>
                                           </p:stCondLst>
@@ -19804,9 +19271,6 @@
                     <p:cTn id="3" fill="hold">
                       <p:stCondLst>
                         <p:cond delay="indefinite"/>
-                        <p:cond evt="onBegin" delay="0">
-                          <p:tn val="2"/>
-                        </p:cond>
                       </p:stCondLst>
                       <p:childTnLst>
                         <p:par>
@@ -19816,7 +19280,7 @@
                             </p:stCondLst>
                             <p:childTnLst>
                               <p:par>
-                                <p:cTn id="5" presetID="1" presetClass="entr" presetSubtype="0" fill="hold" nodeType="withEffect">
+                                <p:cTn id="5" presetID="1" presetClass="entr" presetSubtype="0" fill="hold" nodeType="clickEffect">
                                   <p:stCondLst>
                                     <p:cond delay="0"/>
                                   </p:stCondLst>
@@ -19824,37 +19288,6 @@
                                     <p:set>
                                       <p:cBhvr>
                                         <p:cTn id="6" dur="1" fill="hold">
-                                          <p:stCondLst>
-                                            <p:cond delay="0"/>
-                                          </p:stCondLst>
-                                        </p:cTn>
-                                        <p:tgtEl>
-                                          <p:spTgt spid="9">
-                                            <p:txEl>
-                                              <p:pRg st="0" end="0"/>
-                                            </p:txEl>
-                                          </p:spTgt>
-                                        </p:tgtEl>
-                                        <p:attrNameLst>
-                                          <p:attrName>style.visibility</p:attrName>
-                                        </p:attrNameLst>
-                                      </p:cBhvr>
-                                      <p:to>
-                                        <p:strVal val="visible"/>
-                                      </p:to>
-                                    </p:set>
-                                  </p:childTnLst>
-                                </p:cTn>
-                              </p:par>
-                              <p:par>
-                                <p:cTn id="7" presetID="1" presetClass="entr" presetSubtype="0" fill="hold" nodeType="withEffect">
-                                  <p:stCondLst>
-                                    <p:cond delay="0"/>
-                                  </p:stCondLst>
-                                  <p:childTnLst>
-                                    <p:set>
-                                      <p:cBhvr>
-                                        <p:cTn id="8" dur="1" fill="hold">
                                           <p:stCondLst>
                                             <p:cond delay="0"/>
                                           </p:stCondLst>
@@ -19877,8 +19310,26 @@
                                   </p:childTnLst>
                                 </p:cTn>
                               </p:par>
+                            </p:childTnLst>
+                          </p:cTn>
+                        </p:par>
+                      </p:childTnLst>
+                    </p:cTn>
+                  </p:par>
+                  <p:par>
+                    <p:cTn id="7" fill="hold">
+                      <p:stCondLst>
+                        <p:cond delay="indefinite"/>
+                      </p:stCondLst>
+                      <p:childTnLst>
+                        <p:par>
+                          <p:cTn id="8" fill="hold">
+                            <p:stCondLst>
+                              <p:cond delay="0"/>
+                            </p:stCondLst>
+                            <p:childTnLst>
                               <p:par>
-                                <p:cTn id="9" presetID="1" presetClass="entr" presetSubtype="0" fill="hold" nodeType="withEffect">
+                                <p:cTn id="9" presetID="1" presetClass="entr" presetSubtype="0" fill="hold" nodeType="clickEffect">
                                   <p:stCondLst>
                                     <p:cond delay="0"/>
                                   </p:stCondLst>
@@ -19891,7 +19342,11 @@
                                           </p:stCondLst>
                                         </p:cTn>
                                         <p:tgtEl>
-                                          <p:spTgt spid="5"/>
+                                          <p:spTgt spid="9">
+                                            <p:txEl>
+                                              <p:pRg st="2" end="2"/>
+                                            </p:txEl>
+                                          </p:spTgt>
                                         </p:tgtEl>
                                         <p:attrNameLst>
                                           <p:attrName>style.visibility</p:attrName>
@@ -19938,7 +19393,7 @@
                                         <p:tgtEl>
                                           <p:spTgt spid="9">
                                             <p:txEl>
-                                              <p:pRg st="2" end="2"/>
+                                              <p:pRg st="3" end="3"/>
                                             </p:txEl>
                                           </p:spTgt>
                                         </p:tgtEl>
@@ -19980,55 +19435,6 @@
                                     <p:set>
                                       <p:cBhvr>
                                         <p:cTn id="18" dur="1" fill="hold">
-                                          <p:stCondLst>
-                                            <p:cond delay="0"/>
-                                          </p:stCondLst>
-                                        </p:cTn>
-                                        <p:tgtEl>
-                                          <p:spTgt spid="9">
-                                            <p:txEl>
-                                              <p:pRg st="3" end="3"/>
-                                            </p:txEl>
-                                          </p:spTgt>
-                                        </p:tgtEl>
-                                        <p:attrNameLst>
-                                          <p:attrName>style.visibility</p:attrName>
-                                        </p:attrNameLst>
-                                      </p:cBhvr>
-                                      <p:to>
-                                        <p:strVal val="visible"/>
-                                      </p:to>
-                                    </p:set>
-                                  </p:childTnLst>
-                                </p:cTn>
-                              </p:par>
-                            </p:childTnLst>
-                          </p:cTn>
-                        </p:par>
-                      </p:childTnLst>
-                    </p:cTn>
-                  </p:par>
-                  <p:par>
-                    <p:cTn id="19" fill="hold">
-                      <p:stCondLst>
-                        <p:cond delay="indefinite"/>
-                      </p:stCondLst>
-                      <p:childTnLst>
-                        <p:par>
-                          <p:cTn id="20" fill="hold">
-                            <p:stCondLst>
-                              <p:cond delay="0"/>
-                            </p:stCondLst>
-                            <p:childTnLst>
-                              <p:par>
-                                <p:cTn id="21" presetID="1" presetClass="entr" presetSubtype="0" fill="hold" nodeType="clickEffect">
-                                  <p:stCondLst>
-                                    <p:cond delay="0"/>
-                                  </p:stCondLst>
-                                  <p:childTnLst>
-                                    <p:set>
-                                      <p:cBhvr>
-                                        <p:cTn id="22" dur="1" fill="hold">
                                           <p:stCondLst>
                                             <p:cond delay="0"/>
                                           </p:stCondLst>
@@ -20411,12 +19817,16 @@
               <a:t> на бутона в главната форма извикваме модалната форма при </a:t>
             </a:r>
             <a:r>
-              <a:rPr lang="en-US" sz="3200" dirty="0"/>
+              <a:rPr lang="en-US" sz="3200" b="1" dirty="0"/>
               <a:t>[OK]</a:t>
             </a:r>
             <a:r>
+              <a:rPr lang="bg-BG" sz="3200" b="1" dirty="0"/>
+              <a:t> </a:t>
+            </a:r>
+            <a:r>
               <a:rPr lang="bg-BG" sz="3200" dirty="0"/>
-              <a:t> добавяме </a:t>
+              <a:t>добавяме </a:t>
             </a:r>
             <a:r>
               <a:rPr lang="bg-BG" sz="3200" b="1" dirty="0">
@@ -20698,118 +20108,6 @@
       <p:transition spd="slow" advClick="0" advTm="5000"/>
     </mc:Fallback>
   </mc:AlternateContent>
-  <p:timing>
-    <p:tnLst>
-      <p:par>
-        <p:cTn id="1" dur="indefinite" restart="never" nodeType="tmRoot">
-          <p:childTnLst>
-            <p:seq concurrent="1" nextAc="seek">
-              <p:cTn id="2" dur="indefinite" nodeType="mainSeq">
-                <p:childTnLst>
-                  <p:par>
-                    <p:cTn id="3" fill="hold">
-                      <p:stCondLst>
-                        <p:cond delay="indefinite"/>
-                        <p:cond evt="onBegin" delay="0">
-                          <p:tn val="2"/>
-                        </p:cond>
-                      </p:stCondLst>
-                      <p:childTnLst>
-                        <p:par>
-                          <p:cTn id="4" fill="hold">
-                            <p:stCondLst>
-                              <p:cond delay="0"/>
-                            </p:stCondLst>
-                            <p:childTnLst>
-                              <p:par>
-                                <p:cTn id="5" presetID="1" presetClass="entr" presetSubtype="0" fill="hold" nodeType="withEffect">
-                                  <p:stCondLst>
-                                    <p:cond delay="0"/>
-                                  </p:stCondLst>
-                                  <p:childTnLst>
-                                    <p:set>
-                                      <p:cBhvr>
-                                        <p:cTn id="6" dur="1" fill="hold">
-                                          <p:stCondLst>
-                                            <p:cond delay="0"/>
-                                          </p:stCondLst>
-                                        </p:cTn>
-                                        <p:tgtEl>
-                                          <p:spTgt spid="9">
-                                            <p:txEl>
-                                              <p:pRg st="0" end="0"/>
-                                            </p:txEl>
-                                          </p:spTgt>
-                                        </p:tgtEl>
-                                        <p:attrNameLst>
-                                          <p:attrName>style.visibility</p:attrName>
-                                        </p:attrNameLst>
-                                      </p:cBhvr>
-                                      <p:to>
-                                        <p:strVal val="visible"/>
-                                      </p:to>
-                                    </p:set>
-                                  </p:childTnLst>
-                                </p:cTn>
-                              </p:par>
-                              <p:par>
-                                <p:cTn id="7" presetID="1" presetClass="entr" presetSubtype="0" fill="hold" grpId="0" nodeType="withEffect">
-                                  <p:stCondLst>
-                                    <p:cond delay="0"/>
-                                  </p:stCondLst>
-                                  <p:childTnLst>
-                                    <p:set>
-                                      <p:cBhvr>
-                                        <p:cTn id="8" dur="1" fill="hold">
-                                          <p:stCondLst>
-                                            <p:cond delay="0"/>
-                                          </p:stCondLst>
-                                        </p:cTn>
-                                        <p:tgtEl>
-                                          <p:spTgt spid="5"/>
-                                        </p:tgtEl>
-                                        <p:attrNameLst>
-                                          <p:attrName>style.visibility</p:attrName>
-                                        </p:attrNameLst>
-                                      </p:cBhvr>
-                                      <p:to>
-                                        <p:strVal val="visible"/>
-                                      </p:to>
-                                    </p:set>
-                                  </p:childTnLst>
-                                </p:cTn>
-                              </p:par>
-                            </p:childTnLst>
-                          </p:cTn>
-                        </p:par>
-                      </p:childTnLst>
-                    </p:cTn>
-                  </p:par>
-                </p:childTnLst>
-              </p:cTn>
-              <p:prevCondLst>
-                <p:cond evt="onPrev" delay="0">
-                  <p:tgtEl>
-                    <p:sldTgt/>
-                  </p:tgtEl>
-                </p:cond>
-              </p:prevCondLst>
-              <p:nextCondLst>
-                <p:cond evt="onNext" delay="0">
-                  <p:tgtEl>
-                    <p:sldTgt/>
-                  </p:tgtEl>
-                </p:cond>
-              </p:nextCondLst>
-            </p:seq>
-          </p:childTnLst>
-        </p:cTn>
-      </p:par>
-    </p:tnLst>
-    <p:bldLst>
-      <p:bldP spid="5" grpId="0" animBg="1"/>
-    </p:bldLst>
-  </p:timing>
 </p:sld>
 </file>
 
@@ -21529,123 +20827,6 @@
       <p:transition spd="slow" advClick="0" advTm="5000"/>
     </mc:Fallback>
   </mc:AlternateContent>
-  <p:timing>
-    <p:tnLst>
-      <p:par>
-        <p:cTn id="1" dur="indefinite" restart="never" nodeType="tmRoot">
-          <p:childTnLst>
-            <p:seq concurrent="1" nextAc="seek">
-              <p:cTn id="2" dur="indefinite" nodeType="mainSeq">
-                <p:childTnLst>
-                  <p:par>
-                    <p:cTn id="3" fill="hold">
-                      <p:stCondLst>
-                        <p:cond delay="indefinite"/>
-                        <p:cond evt="onBegin" delay="0">
-                          <p:tn val="2"/>
-                        </p:cond>
-                      </p:stCondLst>
-                      <p:childTnLst>
-                        <p:par>
-                          <p:cTn id="4" fill="hold">
-                            <p:stCondLst>
-                              <p:cond delay="0"/>
-                            </p:stCondLst>
-                            <p:childTnLst>
-                              <p:par>
-                                <p:cTn id="5" presetID="1" presetClass="entr" presetSubtype="0" fill="hold" nodeType="withEffect" nodePh="1">
-                                  <p:stCondLst>
-                                    <p:cond delay="0"/>
-                                  </p:stCondLst>
-                                  <p:endCondLst>
-                                    <p:cond evt="begin" delay="0">
-                                      <p:tn val="5"/>
-                                    </p:cond>
-                                  </p:endCondLst>
-                                  <p:childTnLst>
-                                    <p:set>
-                                      <p:cBhvr>
-                                        <p:cTn id="6" dur="1" fill="hold">
-                                          <p:stCondLst>
-                                            <p:cond delay="0"/>
-                                          </p:stCondLst>
-                                        </p:cTn>
-                                        <p:tgtEl>
-                                          <p:spTgt spid="9">
-                                            <p:txEl>
-                                              <p:pRg st="0" end="0"/>
-                                            </p:txEl>
-                                          </p:spTgt>
-                                        </p:tgtEl>
-                                        <p:attrNameLst>
-                                          <p:attrName>style.visibility</p:attrName>
-                                        </p:attrNameLst>
-                                      </p:cBhvr>
-                                      <p:to>
-                                        <p:strVal val="visible"/>
-                                      </p:to>
-                                    </p:set>
-                                  </p:childTnLst>
-                                </p:cTn>
-                              </p:par>
-                              <p:par>
-                                <p:cTn id="7" presetID="1" presetClass="entr" presetSubtype="0" fill="hold" grpId="0" nodeType="withEffect">
-                                  <p:stCondLst>
-                                    <p:cond delay="0"/>
-                                  </p:stCondLst>
-                                  <p:childTnLst>
-                                    <p:set>
-                                      <p:cBhvr>
-                                        <p:cTn id="8" dur="1" fill="hold">
-                                          <p:stCondLst>
-                                            <p:cond delay="0"/>
-                                          </p:stCondLst>
-                                        </p:cTn>
-                                        <p:tgtEl>
-                                          <p:spTgt spid="5"/>
-                                        </p:tgtEl>
-                                        <p:attrNameLst>
-                                          <p:attrName>style.visibility</p:attrName>
-                                        </p:attrNameLst>
-                                      </p:cBhvr>
-                                      <p:to>
-                                        <p:strVal val="visible"/>
-                                      </p:to>
-                                    </p:set>
-                                  </p:childTnLst>
-                                </p:cTn>
-                              </p:par>
-                            </p:childTnLst>
-                          </p:cTn>
-                        </p:par>
-                      </p:childTnLst>
-                    </p:cTn>
-                  </p:par>
-                </p:childTnLst>
-              </p:cTn>
-              <p:prevCondLst>
-                <p:cond evt="onPrev" delay="0">
-                  <p:tgtEl>
-                    <p:sldTgt/>
-                  </p:tgtEl>
-                </p:cond>
-              </p:prevCondLst>
-              <p:nextCondLst>
-                <p:cond evt="onNext" delay="0">
-                  <p:tgtEl>
-                    <p:sldTgt/>
-                  </p:tgtEl>
-                </p:cond>
-              </p:nextCondLst>
-            </p:seq>
-          </p:childTnLst>
-        </p:cTn>
-      </p:par>
-    </p:tnLst>
-    <p:bldLst>
-      <p:bldP spid="5" grpId="0" animBg="1"/>
-    </p:bldLst>
-  </p:timing>
 </p:sld>
 </file>
 
@@ -22035,9 +21216,6 @@
                     <p:cTn id="3" fill="hold">
                       <p:stCondLst>
                         <p:cond delay="indefinite"/>
-                        <p:cond evt="onBegin" delay="0">
-                          <p:tn val="2"/>
-                        </p:cond>
                       </p:stCondLst>
                       <p:childTnLst>
                         <p:par>
@@ -22047,7 +21225,7 @@
                             </p:stCondLst>
                             <p:childTnLst>
                               <p:par>
-                                <p:cTn id="5" presetID="1" presetClass="entr" presetSubtype="0" fill="hold" nodeType="withEffect">
+                                <p:cTn id="5" presetID="1" presetClass="entr" presetSubtype="0" fill="hold" nodeType="clickEffect">
                                   <p:stCondLst>
                                     <p:cond delay="0"/>
                                   </p:stCondLst>
@@ -22055,82 +21233,6 @@
                                     <p:set>
                                       <p:cBhvr>
                                         <p:cTn id="6" dur="1" fill="hold">
-                                          <p:stCondLst>
-                                            <p:cond delay="0"/>
-                                          </p:stCondLst>
-                                        </p:cTn>
-                                        <p:tgtEl>
-                                          <p:spTgt spid="3">
-                                            <p:txEl>
-                                              <p:pRg st="0" end="0"/>
-                                            </p:txEl>
-                                          </p:spTgt>
-                                        </p:tgtEl>
-                                        <p:attrNameLst>
-                                          <p:attrName>style.visibility</p:attrName>
-                                        </p:attrNameLst>
-                                      </p:cBhvr>
-                                      <p:to>
-                                        <p:strVal val="visible"/>
-                                      </p:to>
-                                    </p:set>
-                                  </p:childTnLst>
-                                </p:cTn>
-                              </p:par>
-                              <p:par>
-                                <p:cTn id="7" presetID="1" presetClass="entr" presetSubtype="0" fill="hold" nodeType="withEffect">
-                                  <p:stCondLst>
-                                    <p:cond delay="0"/>
-                                  </p:stCondLst>
-                                  <p:childTnLst>
-                                    <p:set>
-                                      <p:cBhvr>
-                                        <p:cTn id="8" dur="1" fill="hold">
-                                          <p:stCondLst>
-                                            <p:cond delay="0"/>
-                                          </p:stCondLst>
-                                        </p:cTn>
-                                        <p:tgtEl>
-                                          <p:spTgt spid="6"/>
-                                        </p:tgtEl>
-                                        <p:attrNameLst>
-                                          <p:attrName>style.visibility</p:attrName>
-                                        </p:attrNameLst>
-                                      </p:cBhvr>
-                                      <p:to>
-                                        <p:strVal val="visible"/>
-                                      </p:to>
-                                    </p:set>
-                                  </p:childTnLst>
-                                </p:cTn>
-                              </p:par>
-                            </p:childTnLst>
-                          </p:cTn>
-                        </p:par>
-                      </p:childTnLst>
-                    </p:cTn>
-                  </p:par>
-                  <p:par>
-                    <p:cTn id="9" fill="hold">
-                      <p:stCondLst>
-                        <p:cond delay="indefinite"/>
-                      </p:stCondLst>
-                      <p:childTnLst>
-                        <p:par>
-                          <p:cTn id="10" fill="hold">
-                            <p:stCondLst>
-                              <p:cond delay="0"/>
-                            </p:stCondLst>
-                            <p:childTnLst>
-                              <p:par>
-                                <p:cTn id="11" presetID="1" presetClass="entr" presetSubtype="0" fill="hold" nodeType="clickEffect">
-                                  <p:stCondLst>
-                                    <p:cond delay="0"/>
-                                  </p:stCondLst>
-                                  <p:childTnLst>
-                                    <p:set>
-                                      <p:cBhvr>
-                                        <p:cTn id="12" dur="1" fill="hold">
                                           <p:stCondLst>
                                             <p:cond delay="0"/>
                                           </p:stCondLst>
@@ -22160,26 +21262,26 @@
                     </p:cTn>
                   </p:par>
                   <p:par>
-                    <p:cTn id="13" fill="hold">
+                    <p:cTn id="7" fill="hold">
                       <p:stCondLst>
                         <p:cond delay="indefinite"/>
                       </p:stCondLst>
                       <p:childTnLst>
                         <p:par>
-                          <p:cTn id="14" fill="hold">
+                          <p:cTn id="8" fill="hold">
                             <p:stCondLst>
                               <p:cond delay="0"/>
                             </p:stCondLst>
                             <p:childTnLst>
                               <p:par>
-                                <p:cTn id="15" presetID="1" presetClass="entr" presetSubtype="0" fill="hold" grpId="0" nodeType="clickEffect">
+                                <p:cTn id="9" presetID="1" presetClass="entr" presetSubtype="0" fill="hold" grpId="0" nodeType="clickEffect">
                                   <p:stCondLst>
                                     <p:cond delay="0"/>
                                   </p:stCondLst>
                                   <p:childTnLst>
                                     <p:set>
                                       <p:cBhvr>
-                                        <p:cTn id="16" dur="1" fill="hold">
+                                        <p:cTn id="10" dur="1" fill="hold">
                                           <p:stCondLst>
                                             <p:cond delay="0"/>
                                           </p:stCondLst>
@@ -22198,15 +21300,33 @@
                                   </p:childTnLst>
                                 </p:cTn>
                               </p:par>
+                            </p:childTnLst>
+                          </p:cTn>
+                        </p:par>
+                      </p:childTnLst>
+                    </p:cTn>
+                  </p:par>
+                  <p:par>
+                    <p:cTn id="11" fill="hold">
+                      <p:stCondLst>
+                        <p:cond delay="indefinite"/>
+                      </p:stCondLst>
+                      <p:childTnLst>
+                        <p:par>
+                          <p:cTn id="12" fill="hold">
+                            <p:stCondLst>
+                              <p:cond delay="0"/>
+                            </p:stCondLst>
+                            <p:childTnLst>
                               <p:par>
-                                <p:cTn id="17" presetID="1" presetClass="entr" presetSubtype="0" fill="hold" nodeType="withEffect">
+                                <p:cTn id="13" presetID="1" presetClass="entr" presetSubtype="0" fill="hold" nodeType="clickEffect">
                                   <p:stCondLst>
                                     <p:cond delay="0"/>
                                   </p:stCondLst>
                                   <p:childTnLst>
                                     <p:set>
                                       <p:cBhvr>
-                                        <p:cTn id="18" dur="1" fill="hold">
+                                        <p:cTn id="14" dur="1" fill="hold">
                                           <p:stCondLst>
                                             <p:cond delay="0"/>
                                           </p:stCondLst>
@@ -22820,9 +21940,6 @@
                     <p:cTn id="3" fill="hold">
                       <p:stCondLst>
                         <p:cond delay="indefinite"/>
-                        <p:cond evt="onBegin" delay="0">
-                          <p:tn val="2"/>
-                        </p:cond>
                       </p:stCondLst>
                       <p:childTnLst>
                         <p:par>
@@ -22832,7 +21949,7 @@
                             </p:stCondLst>
                             <p:childTnLst>
                               <p:par>
-                                <p:cTn id="5" presetID="1" presetClass="entr" presetSubtype="0" fill="hold" nodeType="withEffect">
+                                <p:cTn id="5" presetID="1" presetClass="entr" presetSubtype="0" fill="hold" nodeType="clickEffect">
                                   <p:stCondLst>
                                     <p:cond delay="0"/>
                                   </p:stCondLst>
@@ -22840,37 +21957,6 @@
                                     <p:set>
                                       <p:cBhvr>
                                         <p:cTn id="6" dur="1" fill="hold">
-                                          <p:stCondLst>
-                                            <p:cond delay="0"/>
-                                          </p:stCondLst>
-                                        </p:cTn>
-                                        <p:tgtEl>
-                                          <p:spTgt spid="3">
-                                            <p:txEl>
-                                              <p:pRg st="0" end="0"/>
-                                            </p:txEl>
-                                          </p:spTgt>
-                                        </p:tgtEl>
-                                        <p:attrNameLst>
-                                          <p:attrName>style.visibility</p:attrName>
-                                        </p:attrNameLst>
-                                      </p:cBhvr>
-                                      <p:to>
-                                        <p:strVal val="visible"/>
-                                      </p:to>
-                                    </p:set>
-                                  </p:childTnLst>
-                                </p:cTn>
-                              </p:par>
-                              <p:par>
-                                <p:cTn id="7" presetID="1" presetClass="entr" presetSubtype="0" fill="hold" nodeType="withEffect">
-                                  <p:stCondLst>
-                                    <p:cond delay="0"/>
-                                  </p:stCondLst>
-                                  <p:childTnLst>
-                                    <p:set>
-                                      <p:cBhvr>
-                                        <p:cTn id="8" dur="1" fill="hold">
                                           <p:stCondLst>
                                             <p:cond delay="0"/>
                                           </p:stCondLst>
@@ -22889,8 +21975,26 @@
                                   </p:childTnLst>
                                 </p:cTn>
                               </p:par>
+                            </p:childTnLst>
+                          </p:cTn>
+                        </p:par>
+                      </p:childTnLst>
+                    </p:cTn>
+                  </p:par>
+                  <p:par>
+                    <p:cTn id="7" fill="hold">
+                      <p:stCondLst>
+                        <p:cond delay="indefinite"/>
+                      </p:stCondLst>
+                      <p:childTnLst>
+                        <p:par>
+                          <p:cTn id="8" fill="hold">
+                            <p:stCondLst>
+                              <p:cond delay="0"/>
+                            </p:stCondLst>
+                            <p:childTnLst>
                               <p:par>
-                                <p:cTn id="9" presetID="1" presetClass="entr" presetSubtype="0" fill="hold" nodeType="withEffect">
+                                <p:cTn id="9" presetID="1" presetClass="entr" presetSubtype="0" fill="hold" nodeType="clickEffect">
                                   <p:stCondLst>
                                     <p:cond delay="0"/>
                                   </p:stCondLst>
@@ -22965,21 +22069,43 @@
                                   </p:childTnLst>
                                 </p:cTn>
                               </p:par>
+                            </p:childTnLst>
+                          </p:cTn>
+                        </p:par>
+                      </p:childTnLst>
+                    </p:cTn>
+                  </p:par>
+                  <p:par>
+                    <p:cTn id="15" fill="hold">
+                      <p:stCondLst>
+                        <p:cond delay="indefinite"/>
+                      </p:stCondLst>
+                      <p:childTnLst>
+                        <p:par>
+                          <p:cTn id="16" fill="hold">
+                            <p:stCondLst>
+                              <p:cond delay="0"/>
+                            </p:stCondLst>
+                            <p:childTnLst>
                               <p:par>
-                                <p:cTn id="15" presetID="1" presetClass="entr" presetSubtype="0" fill="hold" grpId="0" nodeType="withEffect">
+                                <p:cTn id="17" presetID="1" presetClass="entr" presetSubtype="0" fill="hold" nodeType="clickEffect">
                                   <p:stCondLst>
                                     <p:cond delay="0"/>
                                   </p:stCondLst>
                                   <p:childTnLst>
                                     <p:set>
                                       <p:cBhvr>
-                                        <p:cTn id="16" dur="1" fill="hold">
+                                        <p:cTn id="18" dur="1" fill="hold">
                                           <p:stCondLst>
                                             <p:cond delay="0"/>
                                           </p:stCondLst>
                                         </p:cTn>
                                         <p:tgtEl>
-                                          <p:spTgt spid="5"/>
+                                          <p:spTgt spid="3">
+                                            <p:txEl>
+                                              <p:pRg st="5" end="5"/>
+                                            </p:txEl>
+                                          </p:spTgt>
                                         </p:tgtEl>
                                         <p:attrNameLst>
                                           <p:attrName>style.visibility</p:attrName>
@@ -22999,36 +22125,32 @@
                     </p:cTn>
                   </p:par>
                   <p:par>
-                    <p:cTn id="17" fill="hold">
+                    <p:cTn id="19" fill="hold">
                       <p:stCondLst>
                         <p:cond delay="indefinite"/>
                       </p:stCondLst>
                       <p:childTnLst>
                         <p:par>
-                          <p:cTn id="18" fill="hold">
+                          <p:cTn id="20" fill="hold">
                             <p:stCondLst>
                               <p:cond delay="0"/>
                             </p:stCondLst>
                             <p:childTnLst>
                               <p:par>
-                                <p:cTn id="19" presetID="1" presetClass="entr" presetSubtype="0" fill="hold" nodeType="clickEffect">
+                                <p:cTn id="21" presetID="1" presetClass="entr" presetSubtype="0" fill="hold" grpId="0" nodeType="clickEffect">
                                   <p:stCondLst>
                                     <p:cond delay="0"/>
                                   </p:stCondLst>
                                   <p:childTnLst>
                                     <p:set>
                                       <p:cBhvr>
-                                        <p:cTn id="20" dur="1" fill="hold">
+                                        <p:cTn id="22" dur="1" fill="hold">
                                           <p:stCondLst>
                                             <p:cond delay="0"/>
                                           </p:stCondLst>
                                         </p:cTn>
                                         <p:tgtEl>
-                                          <p:spTgt spid="3">
-                                            <p:txEl>
-                                              <p:pRg st="5" end="5"/>
-                                            </p:txEl>
-                                          </p:spTgt>
+                                          <p:spTgt spid="5"/>
                                         </p:tgtEl>
                                         <p:attrNameLst>
                                           <p:attrName>style.visibility</p:attrName>
@@ -23582,9 +22704,6 @@
                     <p:cTn id="3" fill="hold">
                       <p:stCondLst>
                         <p:cond delay="indefinite"/>
-                        <p:cond evt="onBegin" delay="0">
-                          <p:tn val="2"/>
-                        </p:cond>
                       </p:stCondLst>
                       <p:childTnLst>
                         <p:par>
@@ -23594,7 +22713,7 @@
                             </p:stCondLst>
                             <p:childTnLst>
                               <p:par>
-                                <p:cTn id="5" presetID="1" presetClass="entr" presetSubtype="0" fill="hold" nodeType="withEffect">
+                                <p:cTn id="5" presetID="1" presetClass="entr" presetSubtype="0" fill="hold" nodeType="clickEffect">
                                   <p:stCondLst>
                                     <p:cond delay="0"/>
                                   </p:stCondLst>
@@ -23602,37 +22721,6 @@
                                     <p:set>
                                       <p:cBhvr>
                                         <p:cTn id="6" dur="1" fill="hold">
-                                          <p:stCondLst>
-                                            <p:cond delay="0"/>
-                                          </p:stCondLst>
-                                        </p:cTn>
-                                        <p:tgtEl>
-                                          <p:spTgt spid="9">
-                                            <p:txEl>
-                                              <p:pRg st="0" end="0"/>
-                                            </p:txEl>
-                                          </p:spTgt>
-                                        </p:tgtEl>
-                                        <p:attrNameLst>
-                                          <p:attrName>style.visibility</p:attrName>
-                                        </p:attrNameLst>
-                                      </p:cBhvr>
-                                      <p:to>
-                                        <p:strVal val="visible"/>
-                                      </p:to>
-                                    </p:set>
-                                  </p:childTnLst>
-                                </p:cTn>
-                              </p:par>
-                              <p:par>
-                                <p:cTn id="7" presetID="1" presetClass="entr" presetSubtype="0" fill="hold" nodeType="withEffect">
-                                  <p:stCondLst>
-                                    <p:cond delay="0"/>
-                                  </p:stCondLst>
-                                  <p:childTnLst>
-                                    <p:set>
-                                      <p:cBhvr>
-                                        <p:cTn id="8" dur="1" fill="hold">
                                           <p:stCondLst>
                                             <p:cond delay="0"/>
                                           </p:stCondLst>
@@ -23655,8 +22743,26 @@
                                   </p:childTnLst>
                                 </p:cTn>
                               </p:par>
+                            </p:childTnLst>
+                          </p:cTn>
+                        </p:par>
+                      </p:childTnLst>
+                    </p:cTn>
+                  </p:par>
+                  <p:par>
+                    <p:cTn id="7" fill="hold">
+                      <p:stCondLst>
+                        <p:cond delay="indefinite"/>
+                      </p:stCondLst>
+                      <p:childTnLst>
+                        <p:par>
+                          <p:cTn id="8" fill="hold">
+                            <p:stCondLst>
+                              <p:cond delay="0"/>
+                            </p:stCondLst>
+                            <p:childTnLst>
                               <p:par>
-                                <p:cTn id="9" presetID="1" presetClass="entr" presetSubtype="0" fill="hold" nodeType="withEffect">
+                                <p:cTn id="9" presetID="1" presetClass="entr" presetSubtype="0" fill="hold" nodeType="clickEffect">
                                   <p:stCondLst>
                                     <p:cond delay="0"/>
                                   </p:stCondLst>
@@ -23669,7 +22775,11 @@
                                           </p:stCondLst>
                                         </p:cTn>
                                         <p:tgtEl>
-                                          <p:spTgt spid="5"/>
+                                          <p:spTgt spid="9">
+                                            <p:txEl>
+                                              <p:pRg st="2" end="2"/>
+                                            </p:txEl>
+                                          </p:spTgt>
                                         </p:tgtEl>
                                         <p:attrNameLst>
                                           <p:attrName>style.visibility</p:attrName>
@@ -23716,7 +22826,7 @@
                                         <p:tgtEl>
                                           <p:spTgt spid="9">
                                             <p:txEl>
-                                              <p:pRg st="2" end="2"/>
+                                              <p:pRg st="3" end="3"/>
                                             </p:txEl>
                                           </p:spTgt>
                                         </p:tgtEl>
@@ -23758,55 +22868,6 @@
                                     <p:set>
                                       <p:cBhvr>
                                         <p:cTn id="18" dur="1" fill="hold">
-                                          <p:stCondLst>
-                                            <p:cond delay="0"/>
-                                          </p:stCondLst>
-                                        </p:cTn>
-                                        <p:tgtEl>
-                                          <p:spTgt spid="9">
-                                            <p:txEl>
-                                              <p:pRg st="3" end="3"/>
-                                            </p:txEl>
-                                          </p:spTgt>
-                                        </p:tgtEl>
-                                        <p:attrNameLst>
-                                          <p:attrName>style.visibility</p:attrName>
-                                        </p:attrNameLst>
-                                      </p:cBhvr>
-                                      <p:to>
-                                        <p:strVal val="visible"/>
-                                      </p:to>
-                                    </p:set>
-                                  </p:childTnLst>
-                                </p:cTn>
-                              </p:par>
-                            </p:childTnLst>
-                          </p:cTn>
-                        </p:par>
-                      </p:childTnLst>
-                    </p:cTn>
-                  </p:par>
-                  <p:par>
-                    <p:cTn id="19" fill="hold">
-                      <p:stCondLst>
-                        <p:cond delay="indefinite"/>
-                      </p:stCondLst>
-                      <p:childTnLst>
-                        <p:par>
-                          <p:cTn id="20" fill="hold">
-                            <p:stCondLst>
-                              <p:cond delay="0"/>
-                            </p:stCondLst>
-                            <p:childTnLst>
-                              <p:par>
-                                <p:cTn id="21" presetID="1" presetClass="entr" presetSubtype="0" fill="hold" nodeType="clickEffect">
-                                  <p:stCondLst>
-                                    <p:cond delay="0"/>
-                                  </p:stCondLst>
-                                  <p:childTnLst>
-                                    <p:set>
-                                      <p:cBhvr>
-                                        <p:cTn id="22" dur="1" fill="hold">
                                           <p:stCondLst>
                                             <p:cond delay="0"/>
                                           </p:stCondLst>
@@ -24178,15 +23239,31 @@
           <a:p>
             <a:r>
               <a:rPr lang="bg-BG" sz="2600" dirty="0"/>
-              <a:t>Извикваме формата за редактиране на град и при </a:t>
-            </a:r>
-            <a:r>
-              <a:rPr lang="en-US" sz="2600" dirty="0"/>
+              <a:t>Извикваме формата за </a:t>
+            </a:r>
+            <a:r>
+              <a:rPr lang="bg-BG" sz="2600" b="1" dirty="0"/>
+              <a:t>редактиране на град </a:t>
+            </a:r>
+            <a:r>
+              <a:rPr lang="bg-BG" sz="2600" dirty="0"/>
+              <a:t>и при </a:t>
+            </a:r>
+            <a:r>
+              <a:rPr lang="en-US" sz="2600" b="1" dirty="0"/>
               <a:t>[OK] </a:t>
             </a:r>
             <a:r>
               <a:rPr lang="bg-BG" sz="2600" dirty="0"/>
-              <a:t>променяме в БД:</a:t>
+              <a:t>променяме в </a:t>
+            </a:r>
+            <a:r>
+              <a:rPr lang="bg-BG" sz="2600" b="1" dirty="0"/>
+              <a:t>БД</a:t>
+            </a:r>
+            <a:r>
+              <a:rPr lang="bg-BG" sz="2600" dirty="0"/>
+              <a:t>:</a:t>
             </a:r>
           </a:p>
         </p:txBody>
@@ -24576,118 +23653,6 @@
       <p:transition spd="slow" advClick="0" advTm="5000"/>
     </mc:Fallback>
   </mc:AlternateContent>
-  <p:timing>
-    <p:tnLst>
-      <p:par>
-        <p:cTn id="1" dur="indefinite" restart="never" nodeType="tmRoot">
-          <p:childTnLst>
-            <p:seq concurrent="1" nextAc="seek">
-              <p:cTn id="2" dur="indefinite" nodeType="mainSeq">
-                <p:childTnLst>
-                  <p:par>
-                    <p:cTn id="3" fill="hold">
-                      <p:stCondLst>
-                        <p:cond delay="indefinite"/>
-                        <p:cond evt="onBegin" delay="0">
-                          <p:tn val="2"/>
-                        </p:cond>
-                      </p:stCondLst>
-                      <p:childTnLst>
-                        <p:par>
-                          <p:cTn id="4" fill="hold">
-                            <p:stCondLst>
-                              <p:cond delay="0"/>
-                            </p:stCondLst>
-                            <p:childTnLst>
-                              <p:par>
-                                <p:cTn id="5" presetID="1" presetClass="entr" presetSubtype="0" fill="hold" nodeType="withEffect">
-                                  <p:stCondLst>
-                                    <p:cond delay="0"/>
-                                  </p:stCondLst>
-                                  <p:childTnLst>
-                                    <p:set>
-                                      <p:cBhvr>
-                                        <p:cTn id="6" dur="1" fill="hold">
-                                          <p:stCondLst>
-                                            <p:cond delay="0"/>
-                                          </p:stCondLst>
-                                        </p:cTn>
-                                        <p:tgtEl>
-                                          <p:spTgt spid="9">
-                                            <p:txEl>
-                                              <p:pRg st="0" end="0"/>
-                                            </p:txEl>
-                                          </p:spTgt>
-                                        </p:tgtEl>
-                                        <p:attrNameLst>
-                                          <p:attrName>style.visibility</p:attrName>
-                                        </p:attrNameLst>
-                                      </p:cBhvr>
-                                      <p:to>
-                                        <p:strVal val="visible"/>
-                                      </p:to>
-                                    </p:set>
-                                  </p:childTnLst>
-                                </p:cTn>
-                              </p:par>
-                              <p:par>
-                                <p:cTn id="7" presetID="1" presetClass="entr" presetSubtype="0" fill="hold" grpId="0" nodeType="withEffect">
-                                  <p:stCondLst>
-                                    <p:cond delay="0"/>
-                                  </p:stCondLst>
-                                  <p:childTnLst>
-                                    <p:set>
-                                      <p:cBhvr>
-                                        <p:cTn id="8" dur="1" fill="hold">
-                                          <p:stCondLst>
-                                            <p:cond delay="0"/>
-                                          </p:stCondLst>
-                                        </p:cTn>
-                                        <p:tgtEl>
-                                          <p:spTgt spid="5"/>
-                                        </p:tgtEl>
-                                        <p:attrNameLst>
-                                          <p:attrName>style.visibility</p:attrName>
-                                        </p:attrNameLst>
-                                      </p:cBhvr>
-                                      <p:to>
-                                        <p:strVal val="visible"/>
-                                      </p:to>
-                                    </p:set>
-                                  </p:childTnLst>
-                                </p:cTn>
-                              </p:par>
-                            </p:childTnLst>
-                          </p:cTn>
-                        </p:par>
-                      </p:childTnLst>
-                    </p:cTn>
-                  </p:par>
-                </p:childTnLst>
-              </p:cTn>
-              <p:prevCondLst>
-                <p:cond evt="onPrev" delay="0">
-                  <p:tgtEl>
-                    <p:sldTgt/>
-                  </p:tgtEl>
-                </p:cond>
-              </p:prevCondLst>
-              <p:nextCondLst>
-                <p:cond evt="onNext" delay="0">
-                  <p:tgtEl>
-                    <p:sldTgt/>
-                  </p:tgtEl>
-                </p:cond>
-              </p:nextCondLst>
-            </p:seq>
-          </p:childTnLst>
-        </p:cTn>
-      </p:par>
-    </p:tnLst>
-    <p:bldLst>
-      <p:bldP spid="5" grpId="0" animBg="1"/>
-    </p:bldLst>
-  </p:timing>
 </p:sld>
 </file>
 
@@ -25288,123 +24253,6 @@
       <p:transition spd="slow" advClick="0" advTm="5000"/>
     </mc:Fallback>
   </mc:AlternateContent>
-  <p:timing>
-    <p:tnLst>
-      <p:par>
-        <p:cTn id="1" dur="indefinite" restart="never" nodeType="tmRoot">
-          <p:childTnLst>
-            <p:seq concurrent="1" nextAc="seek">
-              <p:cTn id="2" dur="indefinite" nodeType="mainSeq">
-                <p:childTnLst>
-                  <p:par>
-                    <p:cTn id="3" fill="hold">
-                      <p:stCondLst>
-                        <p:cond delay="indefinite"/>
-                        <p:cond evt="onBegin" delay="0">
-                          <p:tn val="2"/>
-                        </p:cond>
-                      </p:stCondLst>
-                      <p:childTnLst>
-                        <p:par>
-                          <p:cTn id="4" fill="hold">
-                            <p:stCondLst>
-                              <p:cond delay="0"/>
-                            </p:stCondLst>
-                            <p:childTnLst>
-                              <p:par>
-                                <p:cTn id="5" presetID="1" presetClass="entr" presetSubtype="0" fill="hold" nodeType="withEffect" nodePh="1">
-                                  <p:stCondLst>
-                                    <p:cond delay="0"/>
-                                  </p:stCondLst>
-                                  <p:endCondLst>
-                                    <p:cond evt="begin" delay="0">
-                                      <p:tn val="5"/>
-                                    </p:cond>
-                                  </p:endCondLst>
-                                  <p:childTnLst>
-                                    <p:set>
-                                      <p:cBhvr>
-                                        <p:cTn id="6" dur="1" fill="hold">
-                                          <p:stCondLst>
-                                            <p:cond delay="0"/>
-                                          </p:stCondLst>
-                                        </p:cTn>
-                                        <p:tgtEl>
-                                          <p:spTgt spid="9">
-                                            <p:txEl>
-                                              <p:pRg st="0" end="0"/>
-                                            </p:txEl>
-                                          </p:spTgt>
-                                        </p:tgtEl>
-                                        <p:attrNameLst>
-                                          <p:attrName>style.visibility</p:attrName>
-                                        </p:attrNameLst>
-                                      </p:cBhvr>
-                                      <p:to>
-                                        <p:strVal val="visible"/>
-                                      </p:to>
-                                    </p:set>
-                                  </p:childTnLst>
-                                </p:cTn>
-                              </p:par>
-                              <p:par>
-                                <p:cTn id="7" presetID="1" presetClass="entr" presetSubtype="0" fill="hold" grpId="0" nodeType="withEffect">
-                                  <p:stCondLst>
-                                    <p:cond delay="0"/>
-                                  </p:stCondLst>
-                                  <p:childTnLst>
-                                    <p:set>
-                                      <p:cBhvr>
-                                        <p:cTn id="8" dur="1" fill="hold">
-                                          <p:stCondLst>
-                                            <p:cond delay="0"/>
-                                          </p:stCondLst>
-                                        </p:cTn>
-                                        <p:tgtEl>
-                                          <p:spTgt spid="5"/>
-                                        </p:tgtEl>
-                                        <p:attrNameLst>
-                                          <p:attrName>style.visibility</p:attrName>
-                                        </p:attrNameLst>
-                                      </p:cBhvr>
-                                      <p:to>
-                                        <p:strVal val="visible"/>
-                                      </p:to>
-                                    </p:set>
-                                  </p:childTnLst>
-                                </p:cTn>
-                              </p:par>
-                            </p:childTnLst>
-                          </p:cTn>
-                        </p:par>
-                      </p:childTnLst>
-                    </p:cTn>
-                  </p:par>
-                </p:childTnLst>
-              </p:cTn>
-              <p:prevCondLst>
-                <p:cond evt="onPrev" delay="0">
-                  <p:tgtEl>
-                    <p:sldTgt/>
-                  </p:tgtEl>
-                </p:cond>
-              </p:prevCondLst>
-              <p:nextCondLst>
-                <p:cond evt="onNext" delay="0">
-                  <p:tgtEl>
-                    <p:sldTgt/>
-                  </p:tgtEl>
-                </p:cond>
-              </p:nextCondLst>
-            </p:seq>
-          </p:childTnLst>
-        </p:cTn>
-      </p:par>
-    </p:tnLst>
-    <p:bldLst>
-      <p:bldP spid="5" grpId="0" animBg="1"/>
-    </p:bldLst>
-  </p:timing>
 </p:sld>
 </file>
 
@@ -25794,9 +24642,6 @@
                     <p:cTn id="3" fill="hold">
                       <p:stCondLst>
                         <p:cond delay="indefinite"/>
-                        <p:cond evt="onBegin" delay="0">
-                          <p:tn val="2"/>
-                        </p:cond>
                       </p:stCondLst>
                       <p:childTnLst>
                         <p:par>
@@ -25806,7 +24651,7 @@
                             </p:stCondLst>
                             <p:childTnLst>
                               <p:par>
-                                <p:cTn id="5" presetID="1" presetClass="entr" presetSubtype="0" fill="hold" nodeType="withEffect">
+                                <p:cTn id="5" presetID="1" presetClass="entr" presetSubtype="0" fill="hold" nodeType="clickEffect">
                                   <p:stCondLst>
                                     <p:cond delay="0"/>
                                   </p:stCondLst>
@@ -25814,82 +24659,6 @@
                                     <p:set>
                                       <p:cBhvr>
                                         <p:cTn id="6" dur="1" fill="hold">
-                                          <p:stCondLst>
-                                            <p:cond delay="0"/>
-                                          </p:stCondLst>
-                                        </p:cTn>
-                                        <p:tgtEl>
-                                          <p:spTgt spid="3">
-                                            <p:txEl>
-                                              <p:pRg st="0" end="0"/>
-                                            </p:txEl>
-                                          </p:spTgt>
-                                        </p:tgtEl>
-                                        <p:attrNameLst>
-                                          <p:attrName>style.visibility</p:attrName>
-                                        </p:attrNameLst>
-                                      </p:cBhvr>
-                                      <p:to>
-                                        <p:strVal val="visible"/>
-                                      </p:to>
-                                    </p:set>
-                                  </p:childTnLst>
-                                </p:cTn>
-                              </p:par>
-                              <p:par>
-                                <p:cTn id="7" presetID="1" presetClass="entr" presetSubtype="0" fill="hold" nodeType="withEffect">
-                                  <p:stCondLst>
-                                    <p:cond delay="0"/>
-                                  </p:stCondLst>
-                                  <p:childTnLst>
-                                    <p:set>
-                                      <p:cBhvr>
-                                        <p:cTn id="8" dur="1" fill="hold">
-                                          <p:stCondLst>
-                                            <p:cond delay="0"/>
-                                          </p:stCondLst>
-                                        </p:cTn>
-                                        <p:tgtEl>
-                                          <p:spTgt spid="6"/>
-                                        </p:tgtEl>
-                                        <p:attrNameLst>
-                                          <p:attrName>style.visibility</p:attrName>
-                                        </p:attrNameLst>
-                                      </p:cBhvr>
-                                      <p:to>
-                                        <p:strVal val="visible"/>
-                                      </p:to>
-                                    </p:set>
-                                  </p:childTnLst>
-                                </p:cTn>
-                              </p:par>
-                            </p:childTnLst>
-                          </p:cTn>
-                        </p:par>
-                      </p:childTnLst>
-                    </p:cTn>
-                  </p:par>
-                  <p:par>
-                    <p:cTn id="9" fill="hold">
-                      <p:stCondLst>
-                        <p:cond delay="indefinite"/>
-                      </p:stCondLst>
-                      <p:childTnLst>
-                        <p:par>
-                          <p:cTn id="10" fill="hold">
-                            <p:stCondLst>
-                              <p:cond delay="0"/>
-                            </p:stCondLst>
-                            <p:childTnLst>
-                              <p:par>
-                                <p:cTn id="11" presetID="1" presetClass="entr" presetSubtype="0" fill="hold" nodeType="clickEffect">
-                                  <p:stCondLst>
-                                    <p:cond delay="0"/>
-                                  </p:stCondLst>
-                                  <p:childTnLst>
-                                    <p:set>
-                                      <p:cBhvr>
-                                        <p:cTn id="12" dur="1" fill="hold">
                                           <p:stCondLst>
                                             <p:cond delay="0"/>
                                           </p:stCondLst>
@@ -25919,26 +24688,26 @@
                     </p:cTn>
                   </p:par>
                   <p:par>
-                    <p:cTn id="13" fill="hold">
+                    <p:cTn id="7" fill="hold">
                       <p:stCondLst>
                         <p:cond delay="indefinite"/>
                       </p:stCondLst>
                       <p:childTnLst>
                         <p:par>
-                          <p:cTn id="14" fill="hold">
+                          <p:cTn id="8" fill="hold">
                             <p:stCondLst>
                               <p:cond delay="0"/>
                             </p:stCondLst>
                             <p:childTnLst>
                               <p:par>
-                                <p:cTn id="15" presetID="1" presetClass="entr" presetSubtype="0" fill="hold" grpId="0" nodeType="clickEffect">
+                                <p:cTn id="9" presetID="1" presetClass="entr" presetSubtype="0" fill="hold" grpId="0" nodeType="clickEffect">
                                   <p:stCondLst>
                                     <p:cond delay="0"/>
                                   </p:stCondLst>
                                   <p:childTnLst>
                                     <p:set>
                                       <p:cBhvr>
-                                        <p:cTn id="16" dur="1" fill="hold">
+                                        <p:cTn id="10" dur="1" fill="hold">
                                           <p:stCondLst>
                                             <p:cond delay="0"/>
                                           </p:stCondLst>
@@ -25957,15 +24726,33 @@
                                   </p:childTnLst>
                                 </p:cTn>
                               </p:par>
+                            </p:childTnLst>
+                          </p:cTn>
+                        </p:par>
+                      </p:childTnLst>
+                    </p:cTn>
+                  </p:par>
+                  <p:par>
+                    <p:cTn id="11" fill="hold">
+                      <p:stCondLst>
+                        <p:cond delay="indefinite"/>
+                      </p:stCondLst>
+                      <p:childTnLst>
+                        <p:par>
+                          <p:cTn id="12" fill="hold">
+                            <p:stCondLst>
+                              <p:cond delay="0"/>
+                            </p:stCondLst>
+                            <p:childTnLst>
                               <p:par>
-                                <p:cTn id="17" presetID="1" presetClass="entr" presetSubtype="0" fill="hold" nodeType="withEffect">
+                                <p:cTn id="13" presetID="1" presetClass="entr" presetSubtype="0" fill="hold" nodeType="clickEffect">
                                   <p:stCondLst>
                                     <p:cond delay="0"/>
                                   </p:stCondLst>
                                   <p:childTnLst>
                                     <p:set>
                                       <p:cBhvr>
-                                        <p:cTn id="18" dur="1" fill="hold">
+                                        <p:cTn id="14" dur="1" fill="hold">
                                           <p:stCondLst>
                                             <p:cond delay="0"/>
                                           </p:stCondLst>
@@ -26466,9 +25253,6 @@
                     <p:cTn id="3" fill="hold">
                       <p:stCondLst>
                         <p:cond delay="indefinite"/>
-                        <p:cond evt="onBegin" delay="0">
-                          <p:tn val="2"/>
-                        </p:cond>
                       </p:stCondLst>
                       <p:childTnLst>
                         <p:par>
@@ -26478,7 +25262,7 @@
                             </p:stCondLst>
                             <p:childTnLst>
                               <p:par>
-                                <p:cTn id="5" presetID="1" presetClass="entr" presetSubtype="0" fill="hold" nodeType="withEffect">
+                                <p:cTn id="5" presetID="1" presetClass="entr" presetSubtype="0" fill="hold" nodeType="clickEffect">
                                   <p:stCondLst>
                                     <p:cond delay="0"/>
                                   </p:stCondLst>
@@ -26486,37 +25270,6 @@
                                     <p:set>
                                       <p:cBhvr>
                                         <p:cTn id="6" dur="1" fill="hold">
-                                          <p:stCondLst>
-                                            <p:cond delay="0"/>
-                                          </p:stCondLst>
-                                        </p:cTn>
-                                        <p:tgtEl>
-                                          <p:spTgt spid="3">
-                                            <p:txEl>
-                                              <p:pRg st="0" end="0"/>
-                                            </p:txEl>
-                                          </p:spTgt>
-                                        </p:tgtEl>
-                                        <p:attrNameLst>
-                                          <p:attrName>style.visibility</p:attrName>
-                                        </p:attrNameLst>
-                                      </p:cBhvr>
-                                      <p:to>
-                                        <p:strVal val="visible"/>
-                                      </p:to>
-                                    </p:set>
-                                  </p:childTnLst>
-                                </p:cTn>
-                              </p:par>
-                              <p:par>
-                                <p:cTn id="7" presetID="1" presetClass="entr" presetSubtype="0" fill="hold" nodeType="withEffect">
-                                  <p:stCondLst>
-                                    <p:cond delay="0"/>
-                                  </p:stCondLst>
-                                  <p:childTnLst>
-                                    <p:set>
-                                      <p:cBhvr>
-                                        <p:cTn id="8" dur="1" fill="hold">
                                           <p:stCondLst>
                                             <p:cond delay="0"/>
                                           </p:stCondLst>
@@ -26535,8 +25288,26 @@
                                   </p:childTnLst>
                                 </p:cTn>
                               </p:par>
+                            </p:childTnLst>
+                          </p:cTn>
+                        </p:par>
+                      </p:childTnLst>
+                    </p:cTn>
+                  </p:par>
+                  <p:par>
+                    <p:cTn id="7" fill="hold">
+                      <p:stCondLst>
+                        <p:cond delay="indefinite"/>
+                      </p:stCondLst>
+                      <p:childTnLst>
+                        <p:par>
+                          <p:cTn id="8" fill="hold">
+                            <p:stCondLst>
+                              <p:cond delay="0"/>
+                            </p:stCondLst>
+                            <p:childTnLst>
                               <p:par>
-                                <p:cTn id="9" presetID="1" presetClass="entr" presetSubtype="0" fill="hold" nodeType="withEffect">
+                                <p:cTn id="9" presetID="1" presetClass="entr" presetSubtype="0" fill="hold" nodeType="clickEffect">
                                   <p:stCondLst>
                                     <p:cond delay="0"/>
                                   </p:stCondLst>
@@ -26611,15 +25382,33 @@
                                   </p:childTnLst>
                                 </p:cTn>
                               </p:par>
+                            </p:childTnLst>
+                          </p:cTn>
+                        </p:par>
+                      </p:childTnLst>
+                    </p:cTn>
+                  </p:par>
+                  <p:par>
+                    <p:cTn id="15" fill="hold">
+                      <p:stCondLst>
+                        <p:cond delay="indefinite"/>
+                      </p:stCondLst>
+                      <p:childTnLst>
+                        <p:par>
+                          <p:cTn id="16" fill="hold">
+                            <p:stCondLst>
+                              <p:cond delay="0"/>
+                            </p:stCondLst>
+                            <p:childTnLst>
                               <p:par>
-                                <p:cTn id="15" presetID="1" presetClass="entr" presetSubtype="0" fill="hold" grpId="0" nodeType="withEffect">
+                                <p:cTn id="17" presetID="1" presetClass="entr" presetSubtype="0" fill="hold" grpId="0" nodeType="clickEffect">
                                   <p:stCondLst>
                                     <p:cond delay="0"/>
                                   </p:stCondLst>
                                   <p:childTnLst>
                                     <p:set>
                                       <p:cBhvr>
-                                        <p:cTn id="16" dur="1" fill="hold">
+                                        <p:cTn id="18" dur="1" fill="hold">
                                           <p:stCondLst>
                                             <p:cond delay="0"/>
                                           </p:stCondLst>
@@ -27225,7 +26014,7 @@
         </p:blipFill>
         <p:spPr>
           <a:xfrm>
-            <a:off x="6276000" y="1841550"/>
+            <a:off x="6276000" y="1959819"/>
             <a:ext cx="4995000" cy="1885866"/>
           </a:xfrm>
           <a:prstGeom prst="rect">
@@ -27312,9 +26101,6 @@
                     <p:cTn id="3" fill="hold">
                       <p:stCondLst>
                         <p:cond delay="indefinite"/>
-                        <p:cond evt="onBegin" delay="0">
-                          <p:tn val="2"/>
-                        </p:cond>
                       </p:stCondLst>
                       <p:childTnLst>
                         <p:par>
@@ -27324,7 +26110,7 @@
                             </p:stCondLst>
                             <p:childTnLst>
                               <p:par>
-                                <p:cTn id="5" presetID="1" presetClass="entr" presetSubtype="0" fill="hold" nodeType="withEffect">
+                                <p:cTn id="5" presetID="1" presetClass="entr" presetSubtype="0" fill="hold" nodeType="clickEffect">
                                   <p:stCondLst>
                                     <p:cond delay="0"/>
                                   </p:stCondLst>
@@ -27339,7 +26125,7 @@
                                         <p:tgtEl>
                                           <p:spTgt spid="9">
                                             <p:txEl>
-                                              <p:pRg st="0" end="0"/>
+                                              <p:pRg st="1" end="1"/>
                                             </p:txEl>
                                           </p:spTgt>
                                         </p:tgtEl>
@@ -27354,35 +26140,26 @@
                                   </p:childTnLst>
                                 </p:cTn>
                               </p:par>
+                            </p:childTnLst>
+                          </p:cTn>
+                        </p:par>
+                      </p:childTnLst>
+                    </p:cTn>
+                  </p:par>
+                  <p:par>
+                    <p:cTn id="7" fill="hold">
+                      <p:stCondLst>
+                        <p:cond delay="indefinite"/>
+                      </p:stCondLst>
+                      <p:childTnLst>
+                        <p:par>
+                          <p:cTn id="8" fill="hold">
+                            <p:stCondLst>
+                              <p:cond delay="0"/>
+                            </p:stCondLst>
+                            <p:childTnLst>
                               <p:par>
-                                <p:cTn id="7" presetID="1" presetClass="entr" presetSubtype="0" fill="hold" nodeType="withEffect">
-                                  <p:stCondLst>
-                                    <p:cond delay="0"/>
-                                  </p:stCondLst>
-                                  <p:childTnLst>
-                                    <p:set>
-                                      <p:cBhvr>
-                                        <p:cTn id="8" dur="1" fill="hold">
-                                          <p:stCondLst>
-                                            <p:cond delay="0"/>
-                                          </p:stCondLst>
-                                        </p:cTn>
-                                        <p:tgtEl>
-                                          <p:spTgt spid="6"/>
-                                        </p:tgtEl>
-                                        <p:attrNameLst>
-                                          <p:attrName>style.visibility</p:attrName>
-                                        </p:attrNameLst>
-                                      </p:cBhvr>
-                                      <p:to>
-                                        <p:strVal val="visible"/>
-                                      </p:to>
-                                    </p:set>
-                                  </p:childTnLst>
-                                </p:cTn>
-                              </p:par>
-                              <p:par>
-                                <p:cTn id="9" presetID="1" presetClass="entr" presetSubtype="0" fill="hold" nodeType="withEffect">
+                                <p:cTn id="9" presetID="1" presetClass="entr" presetSubtype="0" fill="hold" nodeType="clickEffect">
                                   <p:stCondLst>
                                     <p:cond delay="0"/>
                                   </p:stCondLst>
@@ -27397,7 +26174,7 @@
                                         <p:tgtEl>
                                           <p:spTgt spid="9">
                                             <p:txEl>
-                                              <p:pRg st="1" end="1"/>
+                                              <p:pRg st="2" end="2"/>
                                             </p:txEl>
                                           </p:spTgt>
                                         </p:tgtEl>
@@ -27446,7 +26223,7 @@
                                         <p:tgtEl>
                                           <p:spTgt spid="9">
                                             <p:txEl>
-                                              <p:pRg st="2" end="2"/>
+                                              <p:pRg st="3" end="3"/>
                                             </p:txEl>
                                           </p:spTgt>
                                         </p:tgtEl>
@@ -27495,7 +26272,7 @@
                                         <p:tgtEl>
                                           <p:spTgt spid="9">
                                             <p:txEl>
-                                              <p:pRg st="3" end="3"/>
+                                              <p:pRg st="4" end="4"/>
                                             </p:txEl>
                                           </p:spTgt>
                                         </p:tgtEl>
@@ -27544,7 +26321,7 @@
                                         <p:tgtEl>
                                           <p:spTgt spid="9">
                                             <p:txEl>
-                                              <p:pRg st="4" end="4"/>
+                                              <p:pRg st="5" end="5"/>
                                             </p:txEl>
                                           </p:spTgt>
                                         </p:tgtEl>
@@ -27593,7 +26370,7 @@
                                         <p:tgtEl>
                                           <p:spTgt spid="9">
                                             <p:txEl>
-                                              <p:pRg st="5" end="5"/>
+                                              <p:pRg st="6" end="6"/>
                                             </p:txEl>
                                           </p:spTgt>
                                         </p:tgtEl>
@@ -27622,37 +26399,6 @@
                                           </p:stCondLst>
                                         </p:cTn>
                                         <p:tgtEl>
-                                          <p:spTgt spid="9">
-                                            <p:txEl>
-                                              <p:pRg st="6" end="6"/>
-                                            </p:txEl>
-                                          </p:spTgt>
-                                        </p:tgtEl>
-                                        <p:attrNameLst>
-                                          <p:attrName>style.visibility</p:attrName>
-                                        </p:attrNameLst>
-                                      </p:cBhvr>
-                                      <p:to>
-                                        <p:strVal val="visible"/>
-                                      </p:to>
-                                    </p:set>
-                                  </p:childTnLst>
-                                </p:cTn>
-                              </p:par>
-                              <p:par>
-                                <p:cTn id="29" presetID="1" presetClass="entr" presetSubtype="0" fill="hold" nodeType="withEffect">
-                                  <p:stCondLst>
-                                    <p:cond delay="0"/>
-                                  </p:stCondLst>
-                                  <p:childTnLst>
-                                    <p:set>
-                                      <p:cBhvr>
-                                        <p:cTn id="30" dur="1" fill="hold">
-                                          <p:stCondLst>
-                                            <p:cond delay="0"/>
-                                          </p:stCondLst>
-                                        </p:cTn>
-                                        <p:tgtEl>
                                           <p:spTgt spid="7"/>
                                         </p:tgtEl>
                                         <p:attrNameLst>
@@ -27673,26 +26419,26 @@
                     </p:cTn>
                   </p:par>
                   <p:par>
-                    <p:cTn id="31" fill="hold">
+                    <p:cTn id="29" fill="hold">
                       <p:stCondLst>
                         <p:cond delay="indefinite"/>
                       </p:stCondLst>
                       <p:childTnLst>
                         <p:par>
-                          <p:cTn id="32" fill="hold">
+                          <p:cTn id="30" fill="hold">
                             <p:stCondLst>
                               <p:cond delay="0"/>
                             </p:stCondLst>
                             <p:childTnLst>
                               <p:par>
-                                <p:cTn id="33" presetID="1" presetClass="entr" presetSubtype="0" fill="hold" nodeType="clickEffect">
+                                <p:cTn id="31" presetID="1" presetClass="entr" presetSubtype="0" fill="hold" nodeType="clickEffect">
                                   <p:stCondLst>
                                     <p:cond delay="0"/>
                                   </p:stCondLst>
                                   <p:childTnLst>
                                     <p:set>
                                       <p:cBhvr>
-                                        <p:cTn id="34" dur="1" fill="hold">
+                                        <p:cTn id="32" dur="1" fill="hold">
                                           <p:stCondLst>
                                             <p:cond delay="0"/>
                                           </p:stCondLst>
@@ -28061,12 +26807,16 @@
           </a:lstStyle>
           <a:p>
             <a:r>
+              <a:rPr lang="bg-BG" sz="2600" dirty="0"/>
+              <a:t>Извикваме формата за </a:t>
+            </a:r>
+            <a:r>
               <a:rPr lang="bg-BG" sz="2600" b="1" dirty="0"/>
-              <a:t>Извикваме формата </a:t>
+              <a:t>изтриване на град </a:t>
             </a:r>
             <a:r>
               <a:rPr lang="bg-BG" sz="2600" dirty="0"/>
-              <a:t>за изтриване на град и при </a:t>
+              <a:t>и при </a:t>
             </a:r>
             <a:r>
               <a:rPr lang="en-US" sz="2600" b="1" dirty="0"/>
@@ -28074,7 +26824,15 @@
             </a:r>
             <a:r>
               <a:rPr lang="bg-BG" sz="2600" dirty="0"/>
-              <a:t> изтриваме града от БД:</a:t>
+              <a:t> изтриваме града от </a:t>
+            </a:r>
+            <a:r>
+              <a:rPr lang="bg-BG" sz="2600" b="1" dirty="0"/>
+              <a:t>БД</a:t>
+            </a:r>
+            <a:r>
+              <a:rPr lang="bg-BG" sz="2600" dirty="0"/>
+              <a:t>:</a:t>
             </a:r>
           </a:p>
         </p:txBody>
@@ -28444,118 +27202,6 @@
       <p:transition spd="slow" advClick="0" advTm="5000"/>
     </mc:Fallback>
   </mc:AlternateContent>
-  <p:timing>
-    <p:tnLst>
-      <p:par>
-        <p:cTn id="1" dur="indefinite" restart="never" nodeType="tmRoot">
-          <p:childTnLst>
-            <p:seq concurrent="1" nextAc="seek">
-              <p:cTn id="2" dur="indefinite" nodeType="mainSeq">
-                <p:childTnLst>
-                  <p:par>
-                    <p:cTn id="3" fill="hold">
-                      <p:stCondLst>
-                        <p:cond delay="indefinite"/>
-                        <p:cond evt="onBegin" delay="0">
-                          <p:tn val="2"/>
-                        </p:cond>
-                      </p:stCondLst>
-                      <p:childTnLst>
-                        <p:par>
-                          <p:cTn id="4" fill="hold">
-                            <p:stCondLst>
-                              <p:cond delay="0"/>
-                            </p:stCondLst>
-                            <p:childTnLst>
-                              <p:par>
-                                <p:cTn id="5" presetID="1" presetClass="entr" presetSubtype="0" fill="hold" nodeType="withEffect">
-                                  <p:stCondLst>
-                                    <p:cond delay="0"/>
-                                  </p:stCondLst>
-                                  <p:childTnLst>
-                                    <p:set>
-                                      <p:cBhvr>
-                                        <p:cTn id="6" dur="1" fill="hold">
-                                          <p:stCondLst>
-                                            <p:cond delay="0"/>
-                                          </p:stCondLst>
-                                        </p:cTn>
-                                        <p:tgtEl>
-                                          <p:spTgt spid="9">
-                                            <p:txEl>
-                                              <p:pRg st="0" end="0"/>
-                                            </p:txEl>
-                                          </p:spTgt>
-                                        </p:tgtEl>
-                                        <p:attrNameLst>
-                                          <p:attrName>style.visibility</p:attrName>
-                                        </p:attrNameLst>
-                                      </p:cBhvr>
-                                      <p:to>
-                                        <p:strVal val="visible"/>
-                                      </p:to>
-                                    </p:set>
-                                  </p:childTnLst>
-                                </p:cTn>
-                              </p:par>
-                              <p:par>
-                                <p:cTn id="7" presetID="1" presetClass="entr" presetSubtype="0" fill="hold" grpId="0" nodeType="withEffect">
-                                  <p:stCondLst>
-                                    <p:cond delay="0"/>
-                                  </p:stCondLst>
-                                  <p:childTnLst>
-                                    <p:set>
-                                      <p:cBhvr>
-                                        <p:cTn id="8" dur="1" fill="hold">
-                                          <p:stCondLst>
-                                            <p:cond delay="0"/>
-                                          </p:stCondLst>
-                                        </p:cTn>
-                                        <p:tgtEl>
-                                          <p:spTgt spid="5"/>
-                                        </p:tgtEl>
-                                        <p:attrNameLst>
-                                          <p:attrName>style.visibility</p:attrName>
-                                        </p:attrNameLst>
-                                      </p:cBhvr>
-                                      <p:to>
-                                        <p:strVal val="visible"/>
-                                      </p:to>
-                                    </p:set>
-                                  </p:childTnLst>
-                                </p:cTn>
-                              </p:par>
-                            </p:childTnLst>
-                          </p:cTn>
-                        </p:par>
-                      </p:childTnLst>
-                    </p:cTn>
-                  </p:par>
-                </p:childTnLst>
-              </p:cTn>
-              <p:prevCondLst>
-                <p:cond evt="onPrev" delay="0">
-                  <p:tgtEl>
-                    <p:sldTgt/>
-                  </p:tgtEl>
-                </p:cond>
-              </p:prevCondLst>
-              <p:nextCondLst>
-                <p:cond evt="onNext" delay="0">
-                  <p:tgtEl>
-                    <p:sldTgt/>
-                  </p:tgtEl>
-                </p:cond>
-              </p:nextCondLst>
-            </p:seq>
-          </p:childTnLst>
-        </p:cTn>
-      </p:par>
-    </p:tnLst>
-    <p:bldLst>
-      <p:bldP spid="5" grpId="0" animBg="1"/>
-    </p:bldLst>
-  </p:timing>
 </p:sld>
 </file>
 
@@ -28807,9 +27453,6 @@
                     <p:cTn id="3" fill="hold">
                       <p:stCondLst>
                         <p:cond delay="indefinite"/>
-                        <p:cond evt="onBegin" delay="0">
-                          <p:tn val="2"/>
-                        </p:cond>
                       </p:stCondLst>
                       <p:childTnLst>
                         <p:par>
@@ -28819,7 +27462,7 @@
                             </p:stCondLst>
                             <p:childTnLst>
                               <p:par>
-                                <p:cTn id="5" presetID="1" presetClass="entr" presetSubtype="0" fill="hold" nodeType="withEffect">
+                                <p:cTn id="5" presetID="1" presetClass="entr" presetSubtype="0" fill="hold" nodeType="clickEffect">
                                   <p:stCondLst>
                                     <p:cond delay="0"/>
                                   </p:stCondLst>
@@ -28827,82 +27470,6 @@
                                     <p:set>
                                       <p:cBhvr>
                                         <p:cTn id="6" dur="1" fill="hold">
-                                          <p:stCondLst>
-                                            <p:cond delay="0"/>
-                                          </p:stCondLst>
-                                        </p:cTn>
-                                        <p:tgtEl>
-                                          <p:spTgt spid="3">
-                                            <p:txEl>
-                                              <p:pRg st="0" end="0"/>
-                                            </p:txEl>
-                                          </p:spTgt>
-                                        </p:tgtEl>
-                                        <p:attrNameLst>
-                                          <p:attrName>style.visibility</p:attrName>
-                                        </p:attrNameLst>
-                                      </p:cBhvr>
-                                      <p:to>
-                                        <p:strVal val="visible"/>
-                                      </p:to>
-                                    </p:set>
-                                  </p:childTnLst>
-                                </p:cTn>
-                              </p:par>
-                              <p:par>
-                                <p:cTn id="7" presetID="1" presetClass="entr" presetSubtype="0" fill="hold" nodeType="withEffect">
-                                  <p:stCondLst>
-                                    <p:cond delay="0"/>
-                                  </p:stCondLst>
-                                  <p:childTnLst>
-                                    <p:set>
-                                      <p:cBhvr>
-                                        <p:cTn id="8" dur="1" fill="hold">
-                                          <p:stCondLst>
-                                            <p:cond delay="0"/>
-                                          </p:stCondLst>
-                                        </p:cTn>
-                                        <p:tgtEl>
-                                          <p:spTgt spid="6"/>
-                                        </p:tgtEl>
-                                        <p:attrNameLst>
-                                          <p:attrName>style.visibility</p:attrName>
-                                        </p:attrNameLst>
-                                      </p:cBhvr>
-                                      <p:to>
-                                        <p:strVal val="visible"/>
-                                      </p:to>
-                                    </p:set>
-                                  </p:childTnLst>
-                                </p:cTn>
-                              </p:par>
-                            </p:childTnLst>
-                          </p:cTn>
-                        </p:par>
-                      </p:childTnLst>
-                    </p:cTn>
-                  </p:par>
-                  <p:par>
-                    <p:cTn id="9" fill="hold">
-                      <p:stCondLst>
-                        <p:cond delay="indefinite"/>
-                      </p:stCondLst>
-                      <p:childTnLst>
-                        <p:par>
-                          <p:cTn id="10" fill="hold">
-                            <p:stCondLst>
-                              <p:cond delay="0"/>
-                            </p:stCondLst>
-                            <p:childTnLst>
-                              <p:par>
-                                <p:cTn id="11" presetID="1" presetClass="entr" presetSubtype="0" fill="hold" nodeType="clickEffect">
-                                  <p:stCondLst>
-                                    <p:cond delay="0"/>
-                                  </p:stCondLst>
-                                  <p:childTnLst>
-                                    <p:set>
-                                      <p:cBhvr>
-                                        <p:cTn id="12" dur="1" fill="hold">
                                           <p:stCondLst>
                                             <p:cond delay="0"/>
                                           </p:stCondLst>
@@ -28932,26 +27499,26 @@
                     </p:cTn>
                   </p:par>
                   <p:par>
-                    <p:cTn id="13" fill="hold">
+                    <p:cTn id="7" fill="hold">
                       <p:stCondLst>
                         <p:cond delay="indefinite"/>
                       </p:stCondLst>
                       <p:childTnLst>
                         <p:par>
-                          <p:cTn id="14" fill="hold">
+                          <p:cTn id="8" fill="hold">
                             <p:stCondLst>
                               <p:cond delay="0"/>
                             </p:stCondLst>
                             <p:childTnLst>
                               <p:par>
-                                <p:cTn id="15" presetID="1" presetClass="entr" presetSubtype="0" fill="hold" nodeType="clickEffect">
+                                <p:cTn id="9" presetID="1" presetClass="entr" presetSubtype="0" fill="hold" nodeType="clickEffect">
                                   <p:stCondLst>
                                     <p:cond delay="0"/>
                                   </p:stCondLst>
                                   <p:childTnLst>
                                     <p:set>
                                       <p:cBhvr>
-                                        <p:cTn id="16" dur="1" fill="hold">
+                                        <p:cTn id="10" dur="1" fill="hold">
                                           <p:stCondLst>
                                             <p:cond delay="0"/>
                                           </p:stCondLst>
@@ -28981,26 +27548,26 @@
                     </p:cTn>
                   </p:par>
                   <p:par>
-                    <p:cTn id="17" fill="hold">
+                    <p:cTn id="11" fill="hold">
                       <p:stCondLst>
                         <p:cond delay="indefinite"/>
                       </p:stCondLst>
                       <p:childTnLst>
                         <p:par>
-                          <p:cTn id="18" fill="hold">
+                          <p:cTn id="12" fill="hold">
                             <p:stCondLst>
                               <p:cond delay="0"/>
                             </p:stCondLst>
                             <p:childTnLst>
                               <p:par>
-                                <p:cTn id="19" presetID="1" presetClass="entr" presetSubtype="0" fill="hold" nodeType="clickEffect">
+                                <p:cTn id="13" presetID="1" presetClass="entr" presetSubtype="0" fill="hold" nodeType="clickEffect">
                                   <p:stCondLst>
                                     <p:cond delay="0"/>
                                   </p:stCondLst>
                                   <p:childTnLst>
                                     <p:set>
                                       <p:cBhvr>
-                                        <p:cTn id="20" dur="1" fill="hold">
+                                        <p:cTn id="14" dur="1" fill="hold">
                                           <p:stCondLst>
                                             <p:cond delay="0"/>
                                           </p:stCondLst>
@@ -29584,123 +28151,6 @@
       <p:transition spd="slow" advClick="0" advTm="5000"/>
     </mc:Fallback>
   </mc:AlternateContent>
-  <p:timing>
-    <p:tnLst>
-      <p:par>
-        <p:cTn id="1" dur="indefinite" restart="never" nodeType="tmRoot">
-          <p:childTnLst>
-            <p:seq concurrent="1" nextAc="seek">
-              <p:cTn id="2" dur="indefinite" nodeType="mainSeq">
-                <p:childTnLst>
-                  <p:par>
-                    <p:cTn id="3" fill="hold">
-                      <p:stCondLst>
-                        <p:cond delay="indefinite"/>
-                        <p:cond evt="onBegin" delay="0">
-                          <p:tn val="2"/>
-                        </p:cond>
-                      </p:stCondLst>
-                      <p:childTnLst>
-                        <p:par>
-                          <p:cTn id="4" fill="hold">
-                            <p:stCondLst>
-                              <p:cond delay="0"/>
-                            </p:stCondLst>
-                            <p:childTnLst>
-                              <p:par>
-                                <p:cTn id="5" presetID="1" presetClass="entr" presetSubtype="0" fill="hold" nodeType="withEffect" nodePh="1">
-                                  <p:stCondLst>
-                                    <p:cond delay="0"/>
-                                  </p:stCondLst>
-                                  <p:endCondLst>
-                                    <p:cond evt="begin" delay="0">
-                                      <p:tn val="5"/>
-                                    </p:cond>
-                                  </p:endCondLst>
-                                  <p:childTnLst>
-                                    <p:set>
-                                      <p:cBhvr>
-                                        <p:cTn id="6" dur="1" fill="hold">
-                                          <p:stCondLst>
-                                            <p:cond delay="0"/>
-                                          </p:stCondLst>
-                                        </p:cTn>
-                                        <p:tgtEl>
-                                          <p:spTgt spid="9">
-                                            <p:txEl>
-                                              <p:pRg st="0" end="0"/>
-                                            </p:txEl>
-                                          </p:spTgt>
-                                        </p:tgtEl>
-                                        <p:attrNameLst>
-                                          <p:attrName>style.visibility</p:attrName>
-                                        </p:attrNameLst>
-                                      </p:cBhvr>
-                                      <p:to>
-                                        <p:strVal val="visible"/>
-                                      </p:to>
-                                    </p:set>
-                                  </p:childTnLst>
-                                </p:cTn>
-                              </p:par>
-                              <p:par>
-                                <p:cTn id="7" presetID="1" presetClass="entr" presetSubtype="0" fill="hold" grpId="0" nodeType="withEffect">
-                                  <p:stCondLst>
-                                    <p:cond delay="0"/>
-                                  </p:stCondLst>
-                                  <p:childTnLst>
-                                    <p:set>
-                                      <p:cBhvr>
-                                        <p:cTn id="8" dur="1" fill="hold">
-                                          <p:stCondLst>
-                                            <p:cond delay="0"/>
-                                          </p:stCondLst>
-                                        </p:cTn>
-                                        <p:tgtEl>
-                                          <p:spTgt spid="5"/>
-                                        </p:tgtEl>
-                                        <p:attrNameLst>
-                                          <p:attrName>style.visibility</p:attrName>
-                                        </p:attrNameLst>
-                                      </p:cBhvr>
-                                      <p:to>
-                                        <p:strVal val="visible"/>
-                                      </p:to>
-                                    </p:set>
-                                  </p:childTnLst>
-                                </p:cTn>
-                              </p:par>
-                            </p:childTnLst>
-                          </p:cTn>
-                        </p:par>
-                      </p:childTnLst>
-                    </p:cTn>
-                  </p:par>
-                </p:childTnLst>
-              </p:cTn>
-              <p:prevCondLst>
-                <p:cond evt="onPrev" delay="0">
-                  <p:tgtEl>
-                    <p:sldTgt/>
-                  </p:tgtEl>
-                </p:cond>
-              </p:prevCondLst>
-              <p:nextCondLst>
-                <p:cond evt="onNext" delay="0">
-                  <p:tgtEl>
-                    <p:sldTgt/>
-                  </p:tgtEl>
-                </p:cond>
-              </p:nextCondLst>
-            </p:seq>
-          </p:childTnLst>
-        </p:cTn>
-      </p:par>
-    </p:tnLst>
-    <p:bldLst>
-      <p:bldP spid="5" grpId="0" animBg="1"/>
-    </p:bldLst>
-  </p:timing>
 </p:sld>
 </file>
 
@@ -29777,18 +28227,22 @@
               <a:t>Стартираме приложението с </a:t>
             </a:r>
             <a:r>
+              <a:rPr lang="en-US" b="1" dirty="0"/>
+              <a:t>[</a:t>
+            </a:r>
+            <a:r>
               <a:rPr lang="en-US" b="1" dirty="0">
                 <a:solidFill>
                   <a:schemeClr val="bg1"/>
                 </a:solidFill>
               </a:rPr>
-              <a:t>[Ctrl + F5]</a:t>
-            </a:r>
-            <a:endParaRPr lang="bg-BG" b="1" dirty="0">
-              <a:solidFill>
-                <a:schemeClr val="bg1"/>
-              </a:solidFill>
-            </a:endParaRPr>
+              <a:t>Ctrl + F5</a:t>
+            </a:r>
+            <a:r>
+              <a:rPr lang="en-US" b="1" dirty="0"/>
+              <a:t>]</a:t>
+            </a:r>
+            <a:endParaRPr lang="bg-BG" b="1" dirty="0"/>
           </a:p>
           <a:p>
             <a:r>
@@ -30244,9 +28698,6 @@
                     <p:cTn id="3" fill="hold">
                       <p:stCondLst>
                         <p:cond delay="indefinite"/>
-                        <p:cond evt="onBegin" delay="0">
-                          <p:tn val="2"/>
-                        </p:cond>
                       </p:stCondLst>
                       <p:childTnLst>
                         <p:par>
@@ -30256,95 +28707,14 @@
                             </p:stCondLst>
                             <p:childTnLst>
                               <p:par>
-                                <p:cTn id="5" presetID="1" presetClass="entr" presetSubtype="0" fill="hold" nodeType="withEffect" nodePh="1">
-                                  <p:stCondLst>
-                                    <p:cond delay="0"/>
-                                  </p:stCondLst>
-                                  <p:endCondLst>
-                                    <p:cond evt="begin" delay="0">
-                                      <p:tn val="5"/>
-                                    </p:cond>
-                                  </p:endCondLst>
-                                  <p:childTnLst>
-                                    <p:set>
-                                      <p:cBhvr>
-                                        <p:cTn id="6" dur="1" fill="hold">
-                                          <p:stCondLst>
-                                            <p:cond delay="0"/>
-                                          </p:stCondLst>
-                                        </p:cTn>
-                                        <p:tgtEl>
-                                          <p:spTgt spid="9">
-                                            <p:txEl>
-                                              <p:pRg st="0" end="0"/>
-                                            </p:txEl>
-                                          </p:spTgt>
-                                        </p:tgtEl>
-                                        <p:attrNameLst>
-                                          <p:attrName>style.visibility</p:attrName>
-                                        </p:attrNameLst>
-                                      </p:cBhvr>
-                                      <p:to>
-                                        <p:strVal val="visible"/>
-                                      </p:to>
-                                    </p:set>
-                                  </p:childTnLst>
-                                </p:cTn>
-                              </p:par>
-                              <p:par>
-                                <p:cTn id="7" presetID="1" presetClass="entr" presetSubtype="0" fill="hold" nodeType="withEffect">
+                                <p:cTn id="5" presetID="1" presetClass="entr" presetSubtype="0" fill="hold" nodeType="clickEffect">
                                   <p:stCondLst>
                                     <p:cond delay="0"/>
                                   </p:stCondLst>
                                   <p:childTnLst>
                                     <p:set>
                                       <p:cBhvr>
-                                        <p:cTn id="8" dur="1" fill="hold">
-                                          <p:stCondLst>
-                                            <p:cond delay="0"/>
-                                          </p:stCondLst>
-                                        </p:cTn>
-                                        <p:tgtEl>
-                                          <p:spTgt spid="6"/>
-                                        </p:tgtEl>
-                                        <p:attrNameLst>
-                                          <p:attrName>style.visibility</p:attrName>
-                                        </p:attrNameLst>
-                                      </p:cBhvr>
-                                      <p:to>
-                                        <p:strVal val="visible"/>
-                                      </p:to>
-                                    </p:set>
-                                  </p:childTnLst>
-                                </p:cTn>
-                              </p:par>
-                            </p:childTnLst>
-                          </p:cTn>
-                        </p:par>
-                      </p:childTnLst>
-                    </p:cTn>
-                  </p:par>
-                  <p:par>
-                    <p:cTn id="9" fill="hold">
-                      <p:stCondLst>
-                        <p:cond delay="indefinite"/>
-                      </p:stCondLst>
-                      <p:childTnLst>
-                        <p:par>
-                          <p:cTn id="10" fill="hold">
-                            <p:stCondLst>
-                              <p:cond delay="0"/>
-                            </p:stCondLst>
-                            <p:childTnLst>
-                              <p:par>
-                                <p:cTn id="11" presetID="1" presetClass="entr" presetSubtype="0" fill="hold" nodeType="clickEffect">
-                                  <p:stCondLst>
-                                    <p:cond delay="0"/>
-                                  </p:stCondLst>
-                                  <p:childTnLst>
-                                    <p:set>
-                                      <p:cBhvr>
-                                        <p:cTn id="12" dur="1" fill="hold">
+                                        <p:cTn id="6" dur="1" fill="hold">
                                           <p:stCondLst>
                                             <p:cond delay="0"/>
                                           </p:stCondLst>
@@ -30374,26 +28744,26 @@
                     </p:cTn>
                   </p:par>
                   <p:par>
-                    <p:cTn id="13" fill="hold">
+                    <p:cTn id="7" fill="hold">
                       <p:stCondLst>
                         <p:cond delay="indefinite"/>
                       </p:stCondLst>
                       <p:childTnLst>
                         <p:par>
-                          <p:cTn id="14" fill="hold">
+                          <p:cTn id="8" fill="hold">
                             <p:stCondLst>
                               <p:cond delay="0"/>
                             </p:stCondLst>
                             <p:childTnLst>
                               <p:par>
-                                <p:cTn id="15" presetID="1" presetClass="entr" presetSubtype="0" fill="hold" grpId="0" nodeType="clickEffect">
+                                <p:cTn id="9" presetID="1" presetClass="entr" presetSubtype="0" fill="hold" grpId="0" nodeType="clickEffect">
                                   <p:stCondLst>
                                     <p:cond delay="0"/>
                                   </p:stCondLst>
                                   <p:childTnLst>
                                     <p:set>
                                       <p:cBhvr>
-                                        <p:cTn id="16" dur="1" fill="hold">
+                                        <p:cTn id="10" dur="1" fill="hold">
                                           <p:stCondLst>
                                             <p:cond delay="0"/>
                                           </p:stCondLst>
@@ -30412,15 +28782,33 @@
                                   </p:childTnLst>
                                 </p:cTn>
                               </p:par>
+                            </p:childTnLst>
+                          </p:cTn>
+                        </p:par>
+                      </p:childTnLst>
+                    </p:cTn>
+                  </p:par>
+                  <p:par>
+                    <p:cTn id="11" fill="hold">
+                      <p:stCondLst>
+                        <p:cond delay="indefinite"/>
+                      </p:stCondLst>
+                      <p:childTnLst>
+                        <p:par>
+                          <p:cTn id="12" fill="hold">
+                            <p:stCondLst>
+                              <p:cond delay="0"/>
+                            </p:stCondLst>
+                            <p:childTnLst>
                               <p:par>
-                                <p:cTn id="17" presetID="1" presetClass="entr" presetSubtype="0" fill="hold" nodeType="withEffect">
+                                <p:cTn id="13" presetID="1" presetClass="entr" presetSubtype="0" fill="hold" nodeType="clickEffect">
                                   <p:stCondLst>
                                     <p:cond delay="0"/>
                                   </p:stCondLst>
                                   <p:childTnLst>
                                     <p:set>
                                       <p:cBhvr>
-                                        <p:cTn id="18" dur="1" fill="hold">
+                                        <p:cTn id="14" dur="1" fill="hold">
                                           <p:stCondLst>
                                             <p:cond delay="0"/>
                                           </p:stCondLst>
@@ -30994,9 +29382,6 @@
                     <p:cTn id="3" fill="hold">
                       <p:stCondLst>
                         <p:cond delay="indefinite"/>
-                        <p:cond evt="onBegin" delay="0">
-                          <p:tn val="2"/>
-                        </p:cond>
                       </p:stCondLst>
                       <p:childTnLst>
                         <p:par>
@@ -31006,15 +29391,10 @@
                             </p:stCondLst>
                             <p:childTnLst>
                               <p:par>
-                                <p:cTn id="5" presetID="1" presetClass="entr" presetSubtype="0" fill="hold" nodeType="withEffect" nodePh="1">
+                                <p:cTn id="5" presetID="1" presetClass="entr" presetSubtype="0" fill="hold" grpId="0" nodeType="clickEffect">
                                   <p:stCondLst>
                                     <p:cond delay="0"/>
                                   </p:stCondLst>
-                                  <p:endCondLst>
-                                    <p:cond evt="begin" delay="0">
-                                      <p:tn val="5"/>
-                                    </p:cond>
-                                  </p:endCondLst>
                                   <p:childTnLst>
                                     <p:set>
                                       <p:cBhvr>
@@ -31024,38 +29404,7 @@
                                           </p:stCondLst>
                                         </p:cTn>
                                         <p:tgtEl>
-                                          <p:spTgt spid="9">
-                                            <p:txEl>
-                                              <p:pRg st="0" end="0"/>
-                                            </p:txEl>
-                                          </p:spTgt>
-                                        </p:tgtEl>
-                                        <p:attrNameLst>
-                                          <p:attrName>style.visibility</p:attrName>
-                                        </p:attrNameLst>
-                                      </p:cBhvr>
-                                      <p:to>
-                                        <p:strVal val="visible"/>
-                                      </p:to>
-                                    </p:set>
-                                  </p:childTnLst>
-                                </p:cTn>
-                              </p:par>
-                              <p:par>
-                                <p:cTn id="7" presetID="1" presetClass="entr" presetSubtype="0" fill="hold" nodeType="withEffect">
-                                  <p:stCondLst>
-                                    <p:cond delay="0"/>
-                                  </p:stCondLst>
-                                  <p:childTnLst>
-                                    <p:set>
-                                      <p:cBhvr>
-                                        <p:cTn id="8" dur="1" fill="hold">
-                                          <p:stCondLst>
-                                            <p:cond delay="0"/>
-                                          </p:stCondLst>
-                                        </p:cTn>
-                                        <p:tgtEl>
-                                          <p:spTgt spid="6"/>
+                                          <p:spTgt spid="5"/>
                                         </p:tgtEl>
                                         <p:attrNameLst>
                                           <p:attrName>style.visibility</p:attrName>
@@ -31075,53 +29424,26 @@
                     </p:cTn>
                   </p:par>
                   <p:par>
-                    <p:cTn id="9" fill="hold">
+                    <p:cTn id="7" fill="hold">
                       <p:stCondLst>
                         <p:cond delay="indefinite"/>
                       </p:stCondLst>
                       <p:childTnLst>
                         <p:par>
-                          <p:cTn id="10" fill="hold">
+                          <p:cTn id="8" fill="hold">
                             <p:stCondLst>
                               <p:cond delay="0"/>
                             </p:stCondLst>
                             <p:childTnLst>
                               <p:par>
-                                <p:cTn id="11" presetID="1" presetClass="entr" presetSubtype="0" fill="hold" grpId="0" nodeType="clickEffect">
+                                <p:cTn id="9" presetID="1" presetClass="entr" presetSubtype="0" fill="hold" nodeType="clickEffect">
                                   <p:stCondLst>
                                     <p:cond delay="0"/>
                                   </p:stCondLst>
                                   <p:childTnLst>
                                     <p:set>
                                       <p:cBhvr>
-                                        <p:cTn id="12" dur="1" fill="hold">
-                                          <p:stCondLst>
-                                            <p:cond delay="0"/>
-                                          </p:stCondLst>
-                                        </p:cTn>
-                                        <p:tgtEl>
-                                          <p:spTgt spid="5"/>
-                                        </p:tgtEl>
-                                        <p:attrNameLst>
-                                          <p:attrName>style.visibility</p:attrName>
-                                        </p:attrNameLst>
-                                      </p:cBhvr>
-                                      <p:to>
-                                        <p:strVal val="visible"/>
-                                      </p:to>
-                                    </p:set>
-                                  </p:childTnLst>
-                                </p:cTn>
-                              </p:par>
-                              <p:par>
-                                <p:cTn id="13" presetID="1" presetClass="entr" presetSubtype="0" fill="hold" nodeType="withEffect">
-                                  <p:stCondLst>
-                                    <p:cond delay="0"/>
-                                  </p:stCondLst>
-                                  <p:childTnLst>
-                                    <p:set>
-                                      <p:cBhvr>
-                                        <p:cTn id="14" dur="1" fill="hold">
+                                        <p:cTn id="10" dur="1" fill="hold">
                                           <p:stCondLst>
                                             <p:cond delay="0"/>
                                           </p:stCondLst>
@@ -31687,9 +30009,6 @@
                     <p:cTn id="3" fill="hold">
                       <p:stCondLst>
                         <p:cond delay="indefinite"/>
-                        <p:cond evt="onBegin" delay="0">
-                          <p:tn val="2"/>
-                        </p:cond>
                       </p:stCondLst>
                       <p:childTnLst>
                         <p:par>
@@ -31699,15 +30018,10 @@
                             </p:stCondLst>
                             <p:childTnLst>
                               <p:par>
-                                <p:cTn id="5" presetID="1" presetClass="entr" presetSubtype="0" fill="hold" nodeType="withEffect" nodePh="1">
+                                <p:cTn id="5" presetID="1" presetClass="entr" presetSubtype="0" fill="hold" grpId="0" nodeType="clickEffect">
                                   <p:stCondLst>
                                     <p:cond delay="0"/>
                                   </p:stCondLst>
-                                  <p:endCondLst>
-                                    <p:cond evt="begin" delay="0">
-                                      <p:tn val="5"/>
-                                    </p:cond>
-                                  </p:endCondLst>
                                   <p:childTnLst>
                                     <p:set>
                                       <p:cBhvr>
@@ -31717,38 +30031,7 @@
                                           </p:stCondLst>
                                         </p:cTn>
                                         <p:tgtEl>
-                                          <p:spTgt spid="9">
-                                            <p:txEl>
-                                              <p:pRg st="0" end="0"/>
-                                            </p:txEl>
-                                          </p:spTgt>
-                                        </p:tgtEl>
-                                        <p:attrNameLst>
-                                          <p:attrName>style.visibility</p:attrName>
-                                        </p:attrNameLst>
-                                      </p:cBhvr>
-                                      <p:to>
-                                        <p:strVal val="visible"/>
-                                      </p:to>
-                                    </p:set>
-                                  </p:childTnLst>
-                                </p:cTn>
-                              </p:par>
-                              <p:par>
-                                <p:cTn id="7" presetID="1" presetClass="entr" presetSubtype="0" fill="hold" nodeType="withEffect">
-                                  <p:stCondLst>
-                                    <p:cond delay="0"/>
-                                  </p:stCondLst>
-                                  <p:childTnLst>
-                                    <p:set>
-                                      <p:cBhvr>
-                                        <p:cTn id="8" dur="1" fill="hold">
-                                          <p:stCondLst>
-                                            <p:cond delay="0"/>
-                                          </p:stCondLst>
-                                        </p:cTn>
-                                        <p:tgtEl>
-                                          <p:spTgt spid="6"/>
+                                          <p:spTgt spid="5"/>
                                         </p:tgtEl>
                                         <p:attrNameLst>
                                           <p:attrName>style.visibility</p:attrName>
@@ -31768,53 +30051,26 @@
                     </p:cTn>
                   </p:par>
                   <p:par>
-                    <p:cTn id="9" fill="hold">
+                    <p:cTn id="7" fill="hold">
                       <p:stCondLst>
                         <p:cond delay="indefinite"/>
                       </p:stCondLst>
                       <p:childTnLst>
                         <p:par>
-                          <p:cTn id="10" fill="hold">
+                          <p:cTn id="8" fill="hold">
                             <p:stCondLst>
                               <p:cond delay="0"/>
                             </p:stCondLst>
                             <p:childTnLst>
                               <p:par>
-                                <p:cTn id="11" presetID="1" presetClass="entr" presetSubtype="0" fill="hold" grpId="0" nodeType="clickEffect">
+                                <p:cTn id="9" presetID="1" presetClass="entr" presetSubtype="0" fill="hold" nodeType="clickEffect">
                                   <p:stCondLst>
                                     <p:cond delay="0"/>
                                   </p:stCondLst>
                                   <p:childTnLst>
                                     <p:set>
                                       <p:cBhvr>
-                                        <p:cTn id="12" dur="1" fill="hold">
-                                          <p:stCondLst>
-                                            <p:cond delay="0"/>
-                                          </p:stCondLst>
-                                        </p:cTn>
-                                        <p:tgtEl>
-                                          <p:spTgt spid="5"/>
-                                        </p:tgtEl>
-                                        <p:attrNameLst>
-                                          <p:attrName>style.visibility</p:attrName>
-                                        </p:attrNameLst>
-                                      </p:cBhvr>
-                                      <p:to>
-                                        <p:strVal val="visible"/>
-                                      </p:to>
-                                    </p:set>
-                                  </p:childTnLst>
-                                </p:cTn>
-                              </p:par>
-                              <p:par>
-                                <p:cTn id="13" presetID="1" presetClass="entr" presetSubtype="0" fill="hold" nodeType="withEffect">
-                                  <p:stCondLst>
-                                    <p:cond delay="0"/>
-                                  </p:stCondLst>
-                                  <p:childTnLst>
-                                    <p:set>
-                                      <p:cBhvr>
-                                        <p:cTn id="14" dur="1" fill="hold">
+                                        <p:cTn id="10" dur="1" fill="hold">
                                           <p:stCondLst>
                                             <p:cond delay="0"/>
                                           </p:stCondLst>
@@ -32633,9 +30889,6 @@
                     <p:cTn id="3" fill="hold">
                       <p:stCondLst>
                         <p:cond delay="indefinite"/>
-                        <p:cond evt="onBegin" delay="0">
-                          <p:tn val="2"/>
-                        </p:cond>
                       </p:stCondLst>
                       <p:childTnLst>
                         <p:par>
@@ -32645,7 +30898,7 @@
                             </p:stCondLst>
                             <p:childTnLst>
                               <p:par>
-                                <p:cTn id="5" presetID="1" presetClass="entr" presetSubtype="0" fill="hold" nodeType="withEffect">
+                                <p:cTn id="5" presetID="1" presetClass="entr" presetSubtype="0" fill="hold" nodeType="clickEffect">
                                   <p:stCondLst>
                                     <p:cond delay="0"/>
                                   </p:stCondLst>
@@ -32653,37 +30906,6 @@
                                     <p:set>
                                       <p:cBhvr>
                                         <p:cTn id="6" dur="1" fill="hold">
-                                          <p:stCondLst>
-                                            <p:cond delay="0"/>
-                                          </p:stCondLst>
-                                        </p:cTn>
-                                        <p:tgtEl>
-                                          <p:spTgt spid="14">
-                                            <p:txEl>
-                                              <p:pRg st="0" end="0"/>
-                                            </p:txEl>
-                                          </p:spTgt>
-                                        </p:tgtEl>
-                                        <p:attrNameLst>
-                                          <p:attrName>style.visibility</p:attrName>
-                                        </p:attrNameLst>
-                                      </p:cBhvr>
-                                      <p:to>
-                                        <p:strVal val="visible"/>
-                                      </p:to>
-                                    </p:set>
-                                  </p:childTnLst>
-                                </p:cTn>
-                              </p:par>
-                              <p:par>
-                                <p:cTn id="7" presetID="1" presetClass="entr" presetSubtype="0" fill="hold" nodeType="withEffect">
-                                  <p:stCondLst>
-                                    <p:cond delay="0"/>
-                                  </p:stCondLst>
-                                  <p:childTnLst>
-                                    <p:set>
-                                      <p:cBhvr>
-                                        <p:cTn id="8" dur="1" fill="hold">
                                           <p:stCondLst>
                                             <p:cond delay="0"/>
                                           </p:stCondLst>
@@ -32713,26 +30935,26 @@
                     </p:cTn>
                   </p:par>
                   <p:par>
-                    <p:cTn id="9" fill="hold">
+                    <p:cTn id="7" fill="hold">
                       <p:stCondLst>
                         <p:cond delay="indefinite"/>
                       </p:stCondLst>
                       <p:childTnLst>
                         <p:par>
-                          <p:cTn id="10" fill="hold">
+                          <p:cTn id="8" fill="hold">
                             <p:stCondLst>
                               <p:cond delay="0"/>
                             </p:stCondLst>
                             <p:childTnLst>
                               <p:par>
-                                <p:cTn id="11" presetID="1" presetClass="entr" presetSubtype="0" fill="hold" nodeType="clickEffect">
+                                <p:cTn id="9" presetID="1" presetClass="entr" presetSubtype="0" fill="hold" nodeType="clickEffect">
                                   <p:stCondLst>
                                     <p:cond delay="0"/>
                                   </p:stCondLst>
                                   <p:childTnLst>
                                     <p:set>
                                       <p:cBhvr>
-                                        <p:cTn id="12" dur="1" fill="hold">
+                                        <p:cTn id="10" dur="1" fill="hold">
                                           <p:stCondLst>
                                             <p:cond delay="0"/>
                                           </p:stCondLst>
@@ -32762,26 +30984,26 @@
                     </p:cTn>
                   </p:par>
                   <p:par>
-                    <p:cTn id="13" fill="hold">
+                    <p:cTn id="11" fill="hold">
                       <p:stCondLst>
                         <p:cond delay="indefinite"/>
                       </p:stCondLst>
                       <p:childTnLst>
                         <p:par>
-                          <p:cTn id="14" fill="hold">
+                          <p:cTn id="12" fill="hold">
                             <p:stCondLst>
                               <p:cond delay="0"/>
                             </p:stCondLst>
                             <p:childTnLst>
                               <p:par>
-                                <p:cTn id="15" presetID="1" presetClass="entr" presetSubtype="0" fill="hold" nodeType="clickEffect">
+                                <p:cTn id="13" presetID="1" presetClass="entr" presetSubtype="0" fill="hold" nodeType="clickEffect">
                                   <p:stCondLst>
                                     <p:cond delay="0"/>
                                   </p:stCondLst>
                                   <p:childTnLst>
                                     <p:set>
                                       <p:cBhvr>
-                                        <p:cTn id="16" dur="1" fill="hold">
+                                        <p:cTn id="14" dur="1" fill="hold">
                                           <p:stCondLst>
                                             <p:cond delay="0"/>
                                           </p:stCondLst>
@@ -32804,8 +31026,26 @@
                                   </p:childTnLst>
                                 </p:cTn>
                               </p:par>
+                            </p:childTnLst>
+                          </p:cTn>
+                        </p:par>
+                      </p:childTnLst>
+                    </p:cTn>
+                  </p:par>
+                  <p:par>
+                    <p:cTn id="15" fill="hold">
+                      <p:stCondLst>
+                        <p:cond delay="indefinite"/>
+                      </p:stCondLst>
+                      <p:childTnLst>
+                        <p:par>
+                          <p:cTn id="16" fill="hold">
+                            <p:stCondLst>
+                              <p:cond delay="0"/>
+                            </p:stCondLst>
+                            <p:childTnLst>
                               <p:par>
-                                <p:cTn id="17" presetID="1" presetClass="entr" presetSubtype="0" fill="hold" nodeType="withEffect">
+                                <p:cTn id="17" presetID="1" presetClass="entr" presetSubtype="0" fill="hold" nodeType="clickEffect">
                                   <p:stCondLst>
                                     <p:cond delay="0"/>
                                   </p:stCondLst>
@@ -33106,7 +31346,7 @@
 </file>
 
 <file path=ppt/slides/slide46.xml><?xml version="1.0" encoding="utf-8"?>
-<p:sld xmlns:a="http://schemas.openxmlformats.org/drawingml/2006/main" xmlns:r="http://schemas.openxmlformats.org/officeDocument/2006/relationships" xmlns:p="http://schemas.openxmlformats.org/presentationml/2006/main">
+<p:sld xmlns:a="http://schemas.openxmlformats.org/drawingml/2006/main" xmlns:r="http://schemas.openxmlformats.org/officeDocument/2006/relationships" xmlns:p="http://schemas.openxmlformats.org/presentationml/2006/main" show="0">
   <p:cSld>
     <p:spTree>
       <p:nvGrpSpPr>
@@ -33477,11 +31717,11 @@
   <p:clrMapOvr>
     <a:masterClrMapping/>
   </p:clrMapOvr>
-  <mc:AlternateContent xmlns:mc="http://schemas.openxmlformats.org/markup-compatibility/2006" xmlns:p14="http://schemas.microsoft.com/office/powerpoint/2010/main">
-    <mc:Choice Requires="p14">
+  <mc:AlternateContent xmlns:mc="http://schemas.openxmlformats.org/markup-compatibility/2006">
+    <mc:Choice xmlns:p14="http://schemas.microsoft.com/office/powerpoint/2010/main" Requires="p14">
       <p:transition spd="slow" p14:dur="2000" advClick="0" advTm="5000"/>
     </mc:Choice>
-    <mc:Fallback xmlns="">
+    <mc:Fallback>
       <p:transition spd="slow" advClick="0" advTm="5000"/>
     </mc:Fallback>
   </mc:AlternateContent>
@@ -34302,9 +32542,6 @@
                     <p:cTn id="3" fill="hold">
                       <p:stCondLst>
                         <p:cond delay="indefinite"/>
-                        <p:cond evt="onBegin" delay="0">
-                          <p:tn val="2"/>
-                        </p:cond>
                       </p:stCondLst>
                       <p:childTnLst>
                         <p:par>
@@ -34314,7 +32551,7 @@
                             </p:stCondLst>
                             <p:childTnLst>
                               <p:par>
-                                <p:cTn id="5" presetID="1" presetClass="entr" presetSubtype="0" fill="hold" nodeType="withEffect">
+                                <p:cTn id="5" presetID="1" presetClass="entr" presetSubtype="0" fill="hold" grpId="0" nodeType="clickEffect">
                                   <p:stCondLst>
                                     <p:cond delay="0"/>
                                   </p:stCondLst>
@@ -34322,485 +32559,6 @@
                                     <p:set>
                                       <p:cBhvr>
                                         <p:cTn id="6" dur="1" fill="hold">
-                                          <p:stCondLst>
-                                            <p:cond delay="0"/>
-                                          </p:stCondLst>
-                                        </p:cTn>
-                                        <p:tgtEl>
-                                          <p:spTgt spid="3">
-                                            <p:txEl>
-                                              <p:pRg st="0" end="0"/>
-                                            </p:txEl>
-                                          </p:spTgt>
-                                        </p:tgtEl>
-                                        <p:attrNameLst>
-                                          <p:attrName>style.visibility</p:attrName>
-                                        </p:attrNameLst>
-                                      </p:cBhvr>
-                                      <p:to>
-                                        <p:strVal val="visible"/>
-                                      </p:to>
-                                    </p:set>
-                                  </p:childTnLst>
-                                </p:cTn>
-                              </p:par>
-                              <p:par>
-                                <p:cTn id="7" presetID="1" presetClass="entr" presetSubtype="0" fill="hold" grpId="0" nodeType="withEffect">
-                                  <p:stCondLst>
-                                    <p:cond delay="0"/>
-                                  </p:stCondLst>
-                                  <p:childTnLst>
-                                    <p:set>
-                                      <p:cBhvr>
-                                        <p:cTn id="8" dur="1" fill="hold">
-                                          <p:stCondLst>
-                                            <p:cond delay="0"/>
-                                          </p:stCondLst>
-                                        </p:cTn>
-                                        <p:tgtEl>
-                                          <p:spTgt spid="5"/>
-                                        </p:tgtEl>
-                                        <p:attrNameLst>
-                                          <p:attrName>style.visibility</p:attrName>
-                                        </p:attrNameLst>
-                                      </p:cBhvr>
-                                      <p:to>
-                                        <p:strVal val="visible"/>
-                                      </p:to>
-                                    </p:set>
-                                  </p:childTnLst>
-                                </p:cTn>
-                              </p:par>
-                              <p:par>
-                                <p:cTn id="9" presetID="1" presetClass="entr" presetSubtype="0" fill="hold" nodeType="withEffect">
-                                  <p:stCondLst>
-                                    <p:cond delay="0"/>
-                                  </p:stCondLst>
-                                  <p:childTnLst>
-                                    <p:set>
-                                      <p:cBhvr>
-                                        <p:cTn id="10" dur="1" fill="hold">
-                                          <p:stCondLst>
-                                            <p:cond delay="0"/>
-                                          </p:stCondLst>
-                                        </p:cTn>
-                                        <p:tgtEl>
-                                          <p:spTgt spid="5">
-                                            <p:txEl>
-                                              <p:pRg st="0" end="0"/>
-                                            </p:txEl>
-                                          </p:spTgt>
-                                        </p:tgtEl>
-                                        <p:attrNameLst>
-                                          <p:attrName>style.visibility</p:attrName>
-                                        </p:attrNameLst>
-                                      </p:cBhvr>
-                                      <p:to>
-                                        <p:strVal val="visible"/>
-                                      </p:to>
-                                    </p:set>
-                                  </p:childTnLst>
-                                </p:cTn>
-                              </p:par>
-                              <p:par>
-                                <p:cTn id="11" presetID="1" presetClass="entr" presetSubtype="0" fill="hold" nodeType="withEffect">
-                                  <p:stCondLst>
-                                    <p:cond delay="0"/>
-                                  </p:stCondLst>
-                                  <p:childTnLst>
-                                    <p:set>
-                                      <p:cBhvr>
-                                        <p:cTn id="12" dur="1" fill="hold">
-                                          <p:stCondLst>
-                                            <p:cond delay="0"/>
-                                          </p:stCondLst>
-                                        </p:cTn>
-                                        <p:tgtEl>
-                                          <p:spTgt spid="5">
-                                            <p:txEl>
-                                              <p:pRg st="1" end="1"/>
-                                            </p:txEl>
-                                          </p:spTgt>
-                                        </p:tgtEl>
-                                        <p:attrNameLst>
-                                          <p:attrName>style.visibility</p:attrName>
-                                        </p:attrNameLst>
-                                      </p:cBhvr>
-                                      <p:to>
-                                        <p:strVal val="visible"/>
-                                      </p:to>
-                                    </p:set>
-                                  </p:childTnLst>
-                                </p:cTn>
-                              </p:par>
-                              <p:par>
-                                <p:cTn id="13" presetID="1" presetClass="entr" presetSubtype="0" fill="hold" nodeType="withEffect">
-                                  <p:stCondLst>
-                                    <p:cond delay="0"/>
-                                  </p:stCondLst>
-                                  <p:childTnLst>
-                                    <p:set>
-                                      <p:cBhvr>
-                                        <p:cTn id="14" dur="1" fill="hold">
-                                          <p:stCondLst>
-                                            <p:cond delay="0"/>
-                                          </p:stCondLst>
-                                        </p:cTn>
-                                        <p:tgtEl>
-                                          <p:spTgt spid="5">
-                                            <p:txEl>
-                                              <p:pRg st="2" end="2"/>
-                                            </p:txEl>
-                                          </p:spTgt>
-                                        </p:tgtEl>
-                                        <p:attrNameLst>
-                                          <p:attrName>style.visibility</p:attrName>
-                                        </p:attrNameLst>
-                                      </p:cBhvr>
-                                      <p:to>
-                                        <p:strVal val="visible"/>
-                                      </p:to>
-                                    </p:set>
-                                  </p:childTnLst>
-                                </p:cTn>
-                              </p:par>
-                              <p:par>
-                                <p:cTn id="15" presetID="1" presetClass="entr" presetSubtype="0" fill="hold" nodeType="withEffect">
-                                  <p:stCondLst>
-                                    <p:cond delay="0"/>
-                                  </p:stCondLst>
-                                  <p:childTnLst>
-                                    <p:set>
-                                      <p:cBhvr>
-                                        <p:cTn id="16" dur="1" fill="hold">
-                                          <p:stCondLst>
-                                            <p:cond delay="0"/>
-                                          </p:stCondLst>
-                                        </p:cTn>
-                                        <p:tgtEl>
-                                          <p:spTgt spid="5">
-                                            <p:txEl>
-                                              <p:pRg st="3" end="3"/>
-                                            </p:txEl>
-                                          </p:spTgt>
-                                        </p:tgtEl>
-                                        <p:attrNameLst>
-                                          <p:attrName>style.visibility</p:attrName>
-                                        </p:attrNameLst>
-                                      </p:cBhvr>
-                                      <p:to>
-                                        <p:strVal val="visible"/>
-                                      </p:to>
-                                    </p:set>
-                                  </p:childTnLst>
-                                </p:cTn>
-                              </p:par>
-                              <p:par>
-                                <p:cTn id="17" presetID="1" presetClass="entr" presetSubtype="0" fill="hold" nodeType="withEffect">
-                                  <p:stCondLst>
-                                    <p:cond delay="0"/>
-                                  </p:stCondLst>
-                                  <p:childTnLst>
-                                    <p:set>
-                                      <p:cBhvr>
-                                        <p:cTn id="18" dur="1" fill="hold">
-                                          <p:stCondLst>
-                                            <p:cond delay="0"/>
-                                          </p:stCondLst>
-                                        </p:cTn>
-                                        <p:tgtEl>
-                                          <p:spTgt spid="5">
-                                            <p:txEl>
-                                              <p:pRg st="4" end="4"/>
-                                            </p:txEl>
-                                          </p:spTgt>
-                                        </p:tgtEl>
-                                        <p:attrNameLst>
-                                          <p:attrName>style.visibility</p:attrName>
-                                        </p:attrNameLst>
-                                      </p:cBhvr>
-                                      <p:to>
-                                        <p:strVal val="visible"/>
-                                      </p:to>
-                                    </p:set>
-                                  </p:childTnLst>
-                                </p:cTn>
-                              </p:par>
-                              <p:par>
-                                <p:cTn id="19" presetID="1" presetClass="entr" presetSubtype="0" fill="hold" nodeType="withEffect">
-                                  <p:stCondLst>
-                                    <p:cond delay="0"/>
-                                  </p:stCondLst>
-                                  <p:childTnLst>
-                                    <p:set>
-                                      <p:cBhvr>
-                                        <p:cTn id="20" dur="1" fill="hold">
-                                          <p:stCondLst>
-                                            <p:cond delay="0"/>
-                                          </p:stCondLst>
-                                        </p:cTn>
-                                        <p:tgtEl>
-                                          <p:spTgt spid="5">
-                                            <p:txEl>
-                                              <p:pRg st="5" end="5"/>
-                                            </p:txEl>
-                                          </p:spTgt>
-                                        </p:tgtEl>
-                                        <p:attrNameLst>
-                                          <p:attrName>style.visibility</p:attrName>
-                                        </p:attrNameLst>
-                                      </p:cBhvr>
-                                      <p:to>
-                                        <p:strVal val="visible"/>
-                                      </p:to>
-                                    </p:set>
-                                  </p:childTnLst>
-                                </p:cTn>
-                              </p:par>
-                              <p:par>
-                                <p:cTn id="21" presetID="1" presetClass="entr" presetSubtype="0" fill="hold" nodeType="withEffect">
-                                  <p:stCondLst>
-                                    <p:cond delay="0"/>
-                                  </p:stCondLst>
-                                  <p:childTnLst>
-                                    <p:set>
-                                      <p:cBhvr>
-                                        <p:cTn id="22" dur="1" fill="hold">
-                                          <p:stCondLst>
-                                            <p:cond delay="0"/>
-                                          </p:stCondLst>
-                                        </p:cTn>
-                                        <p:tgtEl>
-                                          <p:spTgt spid="5">
-                                            <p:txEl>
-                                              <p:pRg st="6" end="6"/>
-                                            </p:txEl>
-                                          </p:spTgt>
-                                        </p:tgtEl>
-                                        <p:attrNameLst>
-                                          <p:attrName>style.visibility</p:attrName>
-                                        </p:attrNameLst>
-                                      </p:cBhvr>
-                                      <p:to>
-                                        <p:strVal val="visible"/>
-                                      </p:to>
-                                    </p:set>
-                                  </p:childTnLst>
-                                </p:cTn>
-                              </p:par>
-                              <p:par>
-                                <p:cTn id="23" presetID="1" presetClass="entr" presetSubtype="0" fill="hold" nodeType="withEffect">
-                                  <p:stCondLst>
-                                    <p:cond delay="0"/>
-                                  </p:stCondLst>
-                                  <p:childTnLst>
-                                    <p:set>
-                                      <p:cBhvr>
-                                        <p:cTn id="24" dur="1" fill="hold">
-                                          <p:stCondLst>
-                                            <p:cond delay="0"/>
-                                          </p:stCondLst>
-                                        </p:cTn>
-                                        <p:tgtEl>
-                                          <p:spTgt spid="5">
-                                            <p:txEl>
-                                              <p:pRg st="7" end="7"/>
-                                            </p:txEl>
-                                          </p:spTgt>
-                                        </p:tgtEl>
-                                        <p:attrNameLst>
-                                          <p:attrName>style.visibility</p:attrName>
-                                        </p:attrNameLst>
-                                      </p:cBhvr>
-                                      <p:to>
-                                        <p:strVal val="visible"/>
-                                      </p:to>
-                                    </p:set>
-                                  </p:childTnLst>
-                                </p:cTn>
-                              </p:par>
-                              <p:par>
-                                <p:cTn id="25" presetID="1" presetClass="entr" presetSubtype="0" fill="hold" nodeType="withEffect">
-                                  <p:stCondLst>
-                                    <p:cond delay="0"/>
-                                  </p:stCondLst>
-                                  <p:childTnLst>
-                                    <p:set>
-                                      <p:cBhvr>
-                                        <p:cTn id="26" dur="1" fill="hold">
-                                          <p:stCondLst>
-                                            <p:cond delay="0"/>
-                                          </p:stCondLst>
-                                        </p:cTn>
-                                        <p:tgtEl>
-                                          <p:spTgt spid="5">
-                                            <p:txEl>
-                                              <p:pRg st="8" end="8"/>
-                                            </p:txEl>
-                                          </p:spTgt>
-                                        </p:tgtEl>
-                                        <p:attrNameLst>
-                                          <p:attrName>style.visibility</p:attrName>
-                                        </p:attrNameLst>
-                                      </p:cBhvr>
-                                      <p:to>
-                                        <p:strVal val="visible"/>
-                                      </p:to>
-                                    </p:set>
-                                  </p:childTnLst>
-                                </p:cTn>
-                              </p:par>
-                              <p:par>
-                                <p:cTn id="27" presetID="1" presetClass="entr" presetSubtype="0" fill="hold" nodeType="withEffect">
-                                  <p:stCondLst>
-                                    <p:cond delay="0"/>
-                                  </p:stCondLst>
-                                  <p:childTnLst>
-                                    <p:set>
-                                      <p:cBhvr>
-                                        <p:cTn id="28" dur="1" fill="hold">
-                                          <p:stCondLst>
-                                            <p:cond delay="0"/>
-                                          </p:stCondLst>
-                                        </p:cTn>
-                                        <p:tgtEl>
-                                          <p:spTgt spid="5">
-                                            <p:txEl>
-                                              <p:pRg st="10" end="10"/>
-                                            </p:txEl>
-                                          </p:spTgt>
-                                        </p:tgtEl>
-                                        <p:attrNameLst>
-                                          <p:attrName>style.visibility</p:attrName>
-                                        </p:attrNameLst>
-                                      </p:cBhvr>
-                                      <p:to>
-                                        <p:strVal val="visible"/>
-                                      </p:to>
-                                    </p:set>
-                                  </p:childTnLst>
-                                </p:cTn>
-                              </p:par>
-                              <p:par>
-                                <p:cTn id="29" presetID="1" presetClass="entr" presetSubtype="0" fill="hold" nodeType="withEffect">
-                                  <p:stCondLst>
-                                    <p:cond delay="0"/>
-                                  </p:stCondLst>
-                                  <p:childTnLst>
-                                    <p:set>
-                                      <p:cBhvr>
-                                        <p:cTn id="30" dur="1" fill="hold">
-                                          <p:stCondLst>
-                                            <p:cond delay="0"/>
-                                          </p:stCondLst>
-                                        </p:cTn>
-                                        <p:tgtEl>
-                                          <p:spTgt spid="5">
-                                            <p:txEl>
-                                              <p:pRg st="11" end="11"/>
-                                            </p:txEl>
-                                          </p:spTgt>
-                                        </p:tgtEl>
-                                        <p:attrNameLst>
-                                          <p:attrName>style.visibility</p:attrName>
-                                        </p:attrNameLst>
-                                      </p:cBhvr>
-                                      <p:to>
-                                        <p:strVal val="visible"/>
-                                      </p:to>
-                                    </p:set>
-                                  </p:childTnLst>
-                                </p:cTn>
-                              </p:par>
-                              <p:par>
-                                <p:cTn id="31" presetID="1" presetClass="entr" presetSubtype="0" fill="hold" nodeType="withEffect">
-                                  <p:stCondLst>
-                                    <p:cond delay="0"/>
-                                  </p:stCondLst>
-                                  <p:childTnLst>
-                                    <p:set>
-                                      <p:cBhvr>
-                                        <p:cTn id="32" dur="1" fill="hold">
-                                          <p:stCondLst>
-                                            <p:cond delay="0"/>
-                                          </p:stCondLst>
-                                        </p:cTn>
-                                        <p:tgtEl>
-                                          <p:spTgt spid="5">
-                                            <p:txEl>
-                                              <p:pRg st="12" end="12"/>
-                                            </p:txEl>
-                                          </p:spTgt>
-                                        </p:tgtEl>
-                                        <p:attrNameLst>
-                                          <p:attrName>style.visibility</p:attrName>
-                                        </p:attrNameLst>
-                                      </p:cBhvr>
-                                      <p:to>
-                                        <p:strVal val="visible"/>
-                                      </p:to>
-                                    </p:set>
-                                  </p:childTnLst>
-                                </p:cTn>
-                              </p:par>
-                              <p:par>
-                                <p:cTn id="33" presetID="1" presetClass="entr" presetSubtype="0" fill="hold" nodeType="withEffect">
-                                  <p:stCondLst>
-                                    <p:cond delay="0"/>
-                                  </p:stCondLst>
-                                  <p:childTnLst>
-                                    <p:set>
-                                      <p:cBhvr>
-                                        <p:cTn id="34" dur="1" fill="hold">
-                                          <p:stCondLst>
-                                            <p:cond delay="0"/>
-                                          </p:stCondLst>
-                                        </p:cTn>
-                                        <p:tgtEl>
-                                          <p:spTgt spid="5">
-                                            <p:txEl>
-                                              <p:pRg st="13" end="13"/>
-                                            </p:txEl>
-                                          </p:spTgt>
-                                        </p:tgtEl>
-                                        <p:attrNameLst>
-                                          <p:attrName>style.visibility</p:attrName>
-                                        </p:attrNameLst>
-                                      </p:cBhvr>
-                                      <p:to>
-                                        <p:strVal val="visible"/>
-                                      </p:to>
-                                    </p:set>
-                                  </p:childTnLst>
-                                </p:cTn>
-                              </p:par>
-                            </p:childTnLst>
-                          </p:cTn>
-                        </p:par>
-                      </p:childTnLst>
-                    </p:cTn>
-                  </p:par>
-                  <p:par>
-                    <p:cTn id="35" fill="hold">
-                      <p:stCondLst>
-                        <p:cond delay="indefinite"/>
-                      </p:stCondLst>
-                      <p:childTnLst>
-                        <p:par>
-                          <p:cTn id="36" fill="hold">
-                            <p:stCondLst>
-                              <p:cond delay="0"/>
-                            </p:stCondLst>
-                            <p:childTnLst>
-                              <p:par>
-                                <p:cTn id="37" presetID="1" presetClass="entr" presetSubtype="0" fill="hold" grpId="0" nodeType="clickEffect">
-                                  <p:stCondLst>
-                                    <p:cond delay="0"/>
-                                  </p:stCondLst>
-                                  <p:childTnLst>
-                                    <p:set>
-                                      <p:cBhvr>
-                                        <p:cTn id="38" dur="1" fill="hold">
                                           <p:stCondLst>
                                             <p:cond delay="0"/>
                                           </p:stCondLst>
@@ -34826,26 +32584,26 @@
                     </p:cTn>
                   </p:par>
                   <p:par>
-                    <p:cTn id="39" fill="hold">
+                    <p:cTn id="7" fill="hold">
                       <p:stCondLst>
                         <p:cond delay="indefinite"/>
                       </p:stCondLst>
                       <p:childTnLst>
                         <p:par>
-                          <p:cTn id="40" fill="hold">
+                          <p:cTn id="8" fill="hold">
                             <p:stCondLst>
                               <p:cond delay="0"/>
                             </p:stCondLst>
                             <p:childTnLst>
                               <p:par>
-                                <p:cTn id="41" presetID="1" presetClass="entr" presetSubtype="0" fill="hold" grpId="0" nodeType="clickEffect">
+                                <p:cTn id="9" presetID="1" presetClass="entr" presetSubtype="0" fill="hold" grpId="0" nodeType="clickEffect">
                                   <p:stCondLst>
                                     <p:cond delay="0"/>
                                   </p:stCondLst>
                                   <p:childTnLst>
                                     <p:set>
                                       <p:cBhvr>
-                                        <p:cTn id="42" dur="1" fill="hold">
+                                        <p:cTn id="10" dur="1" fill="hold">
                                           <p:stCondLst>
                                             <p:cond delay="0"/>
                                           </p:stCondLst>
@@ -34871,26 +32629,26 @@
                     </p:cTn>
                   </p:par>
                   <p:par>
-                    <p:cTn id="43" fill="hold">
+                    <p:cTn id="11" fill="hold">
                       <p:stCondLst>
                         <p:cond delay="indefinite"/>
                       </p:stCondLst>
                       <p:childTnLst>
                         <p:par>
-                          <p:cTn id="44" fill="hold">
+                          <p:cTn id="12" fill="hold">
                             <p:stCondLst>
                               <p:cond delay="0"/>
                             </p:stCondLst>
                             <p:childTnLst>
                               <p:par>
-                                <p:cTn id="45" presetID="1" presetClass="entr" presetSubtype="0" fill="hold" grpId="0" nodeType="clickEffect">
+                                <p:cTn id="13" presetID="1" presetClass="entr" presetSubtype="0" fill="hold" grpId="0" nodeType="clickEffect">
                                   <p:stCondLst>
                                     <p:cond delay="0"/>
                                   </p:stCondLst>
                                   <p:childTnLst>
                                     <p:set>
                                       <p:cBhvr>
-                                        <p:cTn id="46" dur="1" fill="hold">
+                                        <p:cTn id="14" dur="1" fill="hold">
                                           <p:stCondLst>
                                             <p:cond delay="0"/>
                                           </p:stCondLst>
@@ -34937,7 +32695,6 @@
       </p:par>
     </p:tnLst>
     <p:bldLst>
-      <p:bldP spid="5" grpId="0" animBg="1"/>
       <p:bldP spid="6" grpId="0" animBg="1"/>
       <p:bldP spid="7" grpId="0" animBg="1"/>
       <p:bldP spid="9" grpId="0" animBg="1"/>
@@ -35733,9 +33490,6 @@
                     <p:cTn id="3" fill="hold">
                       <p:stCondLst>
                         <p:cond delay="indefinite"/>
-                        <p:cond evt="onBegin" delay="0">
-                          <p:tn val="2"/>
-                        </p:cond>
                       </p:stCondLst>
                       <p:childTnLst>
                         <p:par>
@@ -35745,7 +33499,7 @@
                             </p:stCondLst>
                             <p:childTnLst>
                               <p:par>
-                                <p:cTn id="5" presetID="1" presetClass="entr" presetSubtype="0" fill="hold" nodeType="withEffect">
+                                <p:cTn id="5" presetID="1" presetClass="entr" presetSubtype="0" fill="hold" nodeType="clickEffect">
                                   <p:stCondLst>
                                     <p:cond delay="0"/>
                                   </p:stCondLst>
@@ -35760,7 +33514,7 @@
                                         <p:tgtEl>
                                           <p:spTgt spid="3">
                                             <p:txEl>
-                                              <p:pRg st="0" end="0"/>
+                                              <p:pRg st="1" end="1"/>
                                             </p:txEl>
                                           </p:spTgt>
                                         </p:tgtEl>
@@ -35775,35 +33529,26 @@
                                   </p:childTnLst>
                                 </p:cTn>
                               </p:par>
+                            </p:childTnLst>
+                          </p:cTn>
+                        </p:par>
+                      </p:childTnLst>
+                    </p:cTn>
+                  </p:par>
+                  <p:par>
+                    <p:cTn id="7" fill="hold">
+                      <p:stCondLst>
+                        <p:cond delay="indefinite"/>
+                      </p:stCondLst>
+                      <p:childTnLst>
+                        <p:par>
+                          <p:cTn id="8" fill="hold">
+                            <p:stCondLst>
+                              <p:cond delay="0"/>
+                            </p:stCondLst>
+                            <p:childTnLst>
                               <p:par>
-                                <p:cTn id="7" presetID="1" presetClass="entr" presetSubtype="0" fill="hold" grpId="0" nodeType="withEffect">
-                                  <p:stCondLst>
-                                    <p:cond delay="0"/>
-                                  </p:stCondLst>
-                                  <p:childTnLst>
-                                    <p:set>
-                                      <p:cBhvr>
-                                        <p:cTn id="8" dur="1" fill="hold">
-                                          <p:stCondLst>
-                                            <p:cond delay="0"/>
-                                          </p:stCondLst>
-                                        </p:cTn>
-                                        <p:tgtEl>
-                                          <p:spTgt spid="8"/>
-                                        </p:tgtEl>
-                                        <p:attrNameLst>
-                                          <p:attrName>style.visibility</p:attrName>
-                                        </p:attrNameLst>
-                                      </p:cBhvr>
-                                      <p:to>
-                                        <p:strVal val="visible"/>
-                                      </p:to>
-                                    </p:set>
-                                  </p:childTnLst>
-                                </p:cTn>
-                              </p:par>
-                              <p:par>
-                                <p:cTn id="9" presetID="1" presetClass="entr" presetSubtype="0" fill="hold" nodeType="withEffect">
+                                <p:cTn id="9" presetID="1" presetClass="entr" presetSubtype="0" fill="hold" nodeType="clickEffect">
                                   <p:stCondLst>
                                     <p:cond delay="0"/>
                                   </p:stCondLst>
@@ -35818,7 +33563,7 @@
                                         <p:tgtEl>
                                           <p:spTgt spid="3">
                                             <p:txEl>
-                                              <p:pRg st="1" end="1"/>
+                                              <p:pRg st="2" end="2"/>
                                             </p:txEl>
                                           </p:spTgt>
                                         </p:tgtEl>
@@ -35852,7 +33597,7 @@
                             </p:stCondLst>
                             <p:childTnLst>
                               <p:par>
-                                <p:cTn id="13" presetID="1" presetClass="entr" presetSubtype="0" fill="hold" nodeType="clickEffect">
+                                <p:cTn id="13" presetID="1" presetClass="entr" presetSubtype="0" fill="hold" grpId="0" nodeType="clickEffect">
                                   <p:stCondLst>
                                     <p:cond delay="0"/>
                                   </p:stCondLst>
@@ -35865,11 +33610,7 @@
                                           </p:stCondLst>
                                         </p:cTn>
                                         <p:tgtEl>
-                                          <p:spTgt spid="3">
-                                            <p:txEl>
-                                              <p:pRg st="2" end="2"/>
-                                            </p:txEl>
-                                          </p:spTgt>
+                                          <p:spTgt spid="8"/>
                                         </p:tgtEl>
                                         <p:attrNameLst>
                                           <p:attrName>style.visibility</p:attrName>
@@ -36908,9 +34649,6 @@
                     <p:cTn id="3" fill="hold">
                       <p:stCondLst>
                         <p:cond delay="indefinite"/>
-                        <p:cond evt="onBegin" delay="0">
-                          <p:tn val="2"/>
-                        </p:cond>
                       </p:stCondLst>
                       <p:childTnLst>
                         <p:par>
@@ -36920,7 +34658,7 @@
                             </p:stCondLst>
                             <p:childTnLst>
                               <p:par>
-                                <p:cTn id="5" presetID="1" presetClass="entr" presetSubtype="0" fill="hold" nodeType="withEffect">
+                                <p:cTn id="5" presetID="1" presetClass="entr" presetSubtype="0" fill="hold" nodeType="clickEffect">
                                   <p:stCondLst>
                                     <p:cond delay="0"/>
                                   </p:stCondLst>
@@ -36928,82 +34666,6 @@
                                     <p:set>
                                       <p:cBhvr>
                                         <p:cTn id="6" dur="1" fill="hold">
-                                          <p:stCondLst>
-                                            <p:cond delay="0"/>
-                                          </p:stCondLst>
-                                        </p:cTn>
-                                        <p:tgtEl>
-                                          <p:spTgt spid="3">
-                                            <p:txEl>
-                                              <p:pRg st="0" end="0"/>
-                                            </p:txEl>
-                                          </p:spTgt>
-                                        </p:tgtEl>
-                                        <p:attrNameLst>
-                                          <p:attrName>style.visibility</p:attrName>
-                                        </p:attrNameLst>
-                                      </p:cBhvr>
-                                      <p:to>
-                                        <p:strVal val="visible"/>
-                                      </p:to>
-                                    </p:set>
-                                  </p:childTnLst>
-                                </p:cTn>
-                              </p:par>
-                              <p:par>
-                                <p:cTn id="7" presetID="1" presetClass="entr" presetSubtype="0" fill="hold" grpId="0" nodeType="withEffect">
-                                  <p:stCondLst>
-                                    <p:cond delay="0"/>
-                                  </p:stCondLst>
-                                  <p:childTnLst>
-                                    <p:set>
-                                      <p:cBhvr>
-                                        <p:cTn id="8" dur="1" fill="hold">
-                                          <p:stCondLst>
-                                            <p:cond delay="0"/>
-                                          </p:stCondLst>
-                                        </p:cTn>
-                                        <p:tgtEl>
-                                          <p:spTgt spid="5"/>
-                                        </p:tgtEl>
-                                        <p:attrNameLst>
-                                          <p:attrName>style.visibility</p:attrName>
-                                        </p:attrNameLst>
-                                      </p:cBhvr>
-                                      <p:to>
-                                        <p:strVal val="visible"/>
-                                      </p:to>
-                                    </p:set>
-                                  </p:childTnLst>
-                                </p:cTn>
-                              </p:par>
-                            </p:childTnLst>
-                          </p:cTn>
-                        </p:par>
-                      </p:childTnLst>
-                    </p:cTn>
-                  </p:par>
-                  <p:par>
-                    <p:cTn id="9" fill="hold">
-                      <p:stCondLst>
-                        <p:cond delay="indefinite"/>
-                      </p:stCondLst>
-                      <p:childTnLst>
-                        <p:par>
-                          <p:cTn id="10" fill="hold">
-                            <p:stCondLst>
-                              <p:cond delay="0"/>
-                            </p:stCondLst>
-                            <p:childTnLst>
-                              <p:par>
-                                <p:cTn id="11" presetID="1" presetClass="entr" presetSubtype="0" fill="hold" nodeType="clickEffect">
-                                  <p:stCondLst>
-                                    <p:cond delay="0"/>
-                                  </p:stCondLst>
-                                  <p:childTnLst>
-                                    <p:set>
-                                      <p:cBhvr>
-                                        <p:cTn id="12" dur="1" fill="hold">
                                           <p:stCondLst>
                                             <p:cond delay="0"/>
                                           </p:stCondLst>
@@ -37033,26 +34695,71 @@
                     </p:cTn>
                   </p:par>
                   <p:par>
-                    <p:cTn id="13" fill="hold">
+                    <p:cTn id="7" fill="hold">
                       <p:stCondLst>
                         <p:cond delay="indefinite"/>
                       </p:stCondLst>
                       <p:childTnLst>
                         <p:par>
-                          <p:cTn id="14" fill="hold">
+                          <p:cTn id="8" fill="hold">
                             <p:stCondLst>
                               <p:cond delay="0"/>
                             </p:stCondLst>
                             <p:childTnLst>
                               <p:par>
-                                <p:cTn id="15" presetID="1" presetClass="entr" presetSubtype="0" fill="hold" grpId="0" nodeType="clickEffect">
+                                <p:cTn id="9" presetID="1" presetClass="entr" presetSubtype="0" fill="hold" grpId="0" nodeType="clickEffect">
                                   <p:stCondLst>
                                     <p:cond delay="0"/>
                                   </p:stCondLst>
                                   <p:childTnLst>
                                     <p:set>
                                       <p:cBhvr>
-                                        <p:cTn id="16" dur="1" fill="hold">
+                                        <p:cTn id="10" dur="1" fill="hold">
+                                          <p:stCondLst>
+                                            <p:cond delay="0"/>
+                                          </p:stCondLst>
+                                        </p:cTn>
+                                        <p:tgtEl>
+                                          <p:spTgt spid="5"/>
+                                        </p:tgtEl>
+                                        <p:attrNameLst>
+                                          <p:attrName>style.visibility</p:attrName>
+                                        </p:attrNameLst>
+                                      </p:cBhvr>
+                                      <p:to>
+                                        <p:strVal val="visible"/>
+                                      </p:to>
+                                    </p:set>
+                                  </p:childTnLst>
+                                </p:cTn>
+                              </p:par>
+                            </p:childTnLst>
+                          </p:cTn>
+                        </p:par>
+                      </p:childTnLst>
+                    </p:cTn>
+                  </p:par>
+                  <p:par>
+                    <p:cTn id="11" fill="hold">
+                      <p:stCondLst>
+                        <p:cond delay="indefinite"/>
+                      </p:stCondLst>
+                      <p:childTnLst>
+                        <p:par>
+                          <p:cTn id="12" fill="hold">
+                            <p:stCondLst>
+                              <p:cond delay="0"/>
+                            </p:stCondLst>
+                            <p:childTnLst>
+                              <p:par>
+                                <p:cTn id="13" presetID="1" presetClass="entr" presetSubtype="0" fill="hold" grpId="0" nodeType="clickEffect">
+                                  <p:stCondLst>
+                                    <p:cond delay="0"/>
+                                  </p:stCondLst>
+                                  <p:childTnLst>
+                                    <p:set>
+                                      <p:cBhvr>
+                                        <p:cTn id="14" dur="1" fill="hold">
                                           <p:stCondLst>
                                             <p:cond delay="0"/>
                                           </p:stCondLst>
@@ -37078,26 +34785,26 @@
                     </p:cTn>
                   </p:par>
                   <p:par>
-                    <p:cTn id="17" fill="hold">
+                    <p:cTn id="15" fill="hold">
                       <p:stCondLst>
                         <p:cond delay="indefinite"/>
                       </p:stCondLst>
                       <p:childTnLst>
                         <p:par>
-                          <p:cTn id="18" fill="hold">
+                          <p:cTn id="16" fill="hold">
                             <p:stCondLst>
                               <p:cond delay="0"/>
                             </p:stCondLst>
                             <p:childTnLst>
                               <p:par>
-                                <p:cTn id="19" presetID="1" presetClass="entr" presetSubtype="0" fill="hold" grpId="0" nodeType="clickEffect">
+                                <p:cTn id="17" presetID="1" presetClass="entr" presetSubtype="0" fill="hold" grpId="0" nodeType="clickEffect">
                                   <p:stCondLst>
                                     <p:cond delay="0"/>
                                   </p:stCondLst>
                                   <p:childTnLst>
                                     <p:set>
                                       <p:cBhvr>
-                                        <p:cTn id="20" dur="1" fill="hold">
+                                        <p:cTn id="18" dur="1" fill="hold">
                                           <p:stCondLst>
                                             <p:cond delay="0"/>
                                           </p:stCondLst>
@@ -37123,26 +34830,26 @@
                     </p:cTn>
                   </p:par>
                   <p:par>
-                    <p:cTn id="21" fill="hold">
+                    <p:cTn id="19" fill="hold">
                       <p:stCondLst>
                         <p:cond delay="indefinite"/>
                       </p:stCondLst>
                       <p:childTnLst>
                         <p:par>
-                          <p:cTn id="22" fill="hold">
+                          <p:cTn id="20" fill="hold">
                             <p:stCondLst>
                               <p:cond delay="0"/>
                             </p:stCondLst>
                             <p:childTnLst>
                               <p:par>
-                                <p:cTn id="23" presetID="1" presetClass="entr" presetSubtype="0" fill="hold" grpId="0" nodeType="clickEffect">
+                                <p:cTn id="21" presetID="1" presetClass="entr" presetSubtype="0" fill="hold" grpId="0" nodeType="clickEffect">
                                   <p:stCondLst>
                                     <p:cond delay="0"/>
                                   </p:stCondLst>
                                   <p:childTnLst>
                                     <p:set>
                                       <p:cBhvr>
-                                        <p:cTn id="24" dur="1" fill="hold">
+                                        <p:cTn id="22" dur="1" fill="hold">
                                           <p:stCondLst>
                                             <p:cond delay="0"/>
                                           </p:stCondLst>
@@ -37646,9 +35353,6 @@
                     <p:cTn id="3" fill="hold">
                       <p:stCondLst>
                         <p:cond delay="indefinite"/>
-                        <p:cond evt="onBegin" delay="0">
-                          <p:tn val="2"/>
-                        </p:cond>
                       </p:stCondLst>
                       <p:childTnLst>
                         <p:par>
@@ -37658,7 +35362,7 @@
                             </p:stCondLst>
                             <p:childTnLst>
                               <p:par>
-                                <p:cTn id="5" presetID="1" presetClass="entr" presetSubtype="0" fill="hold" nodeType="withEffect">
+                                <p:cTn id="5" presetID="1" presetClass="entr" presetSubtype="0" fill="hold" nodeType="clickEffect">
                                   <p:stCondLst>
                                     <p:cond delay="0"/>
                                   </p:stCondLst>
@@ -37666,86 +35370,6 @@
                                     <p:set>
                                       <p:cBhvr>
                                         <p:cTn id="6" dur="1" fill="hold">
-                                          <p:stCondLst>
-                                            <p:cond delay="0"/>
-                                          </p:stCondLst>
-                                        </p:cTn>
-                                        <p:tgtEl>
-                                          <p:spTgt spid="3">
-                                            <p:txEl>
-                                              <p:pRg st="0" end="0"/>
-                                            </p:txEl>
-                                          </p:spTgt>
-                                        </p:tgtEl>
-                                        <p:attrNameLst>
-                                          <p:attrName>style.visibility</p:attrName>
-                                        </p:attrNameLst>
-                                      </p:cBhvr>
-                                      <p:to>
-                                        <p:strVal val="visible"/>
-                                      </p:to>
-                                    </p:set>
-                                  </p:childTnLst>
-                                </p:cTn>
-                              </p:par>
-                              <p:par>
-                                <p:cTn id="7" presetID="1" presetClass="entr" presetSubtype="0" fill="hold" nodeType="withEffect">
-                                  <p:stCondLst>
-                                    <p:cond delay="0"/>
-                                  </p:stCondLst>
-                                  <p:childTnLst>
-                                    <p:set>
-                                      <p:cBhvr>
-                                        <p:cTn id="8" dur="1" fill="hold">
-                                          <p:stCondLst>
-                                            <p:cond delay="0"/>
-                                          </p:stCondLst>
-                                        </p:cTn>
-                                        <p:tgtEl>
-                                          <p:spTgt spid="5">
-                                            <p:txEl>
-                                              <p:pRg st="0" end="0"/>
-                                            </p:txEl>
-                                          </p:spTgt>
-                                        </p:tgtEl>
-                                        <p:attrNameLst>
-                                          <p:attrName>style.visibility</p:attrName>
-                                        </p:attrNameLst>
-                                      </p:cBhvr>
-                                      <p:to>
-                                        <p:strVal val="visible"/>
-                                      </p:to>
-                                    </p:set>
-                                  </p:childTnLst>
-                                </p:cTn>
-                              </p:par>
-                            </p:childTnLst>
-                          </p:cTn>
-                        </p:par>
-                      </p:childTnLst>
-                    </p:cTn>
-                  </p:par>
-                  <p:par>
-                    <p:cTn id="9" fill="hold">
-                      <p:stCondLst>
-                        <p:cond delay="indefinite"/>
-                      </p:stCondLst>
-                      <p:childTnLst>
-                        <p:par>
-                          <p:cTn id="10" fill="hold">
-                            <p:stCondLst>
-                              <p:cond delay="0"/>
-                            </p:stCondLst>
-                            <p:childTnLst>
-                              <p:par>
-                                <p:cTn id="11" presetID="1" presetClass="entr" presetSubtype="0" fill="hold" nodeType="clickEffect">
-                                  <p:stCondLst>
-                                    <p:cond delay="0"/>
-                                  </p:stCondLst>
-                                  <p:childTnLst>
-                                    <p:set>
-                                      <p:cBhvr>
-                                        <p:cTn id="12" dur="1" fill="hold">
                                           <p:stCondLst>
                                             <p:cond delay="0"/>
                                           </p:stCondLst>
@@ -37775,26 +35399,26 @@
                     </p:cTn>
                   </p:par>
                   <p:par>
-                    <p:cTn id="13" fill="hold">
+                    <p:cTn id="7" fill="hold">
                       <p:stCondLst>
                         <p:cond delay="indefinite"/>
                       </p:stCondLst>
                       <p:childTnLst>
                         <p:par>
-                          <p:cTn id="14" fill="hold">
+                          <p:cTn id="8" fill="hold">
                             <p:stCondLst>
                               <p:cond delay="0"/>
                             </p:stCondLst>
                             <p:childTnLst>
                               <p:par>
-                                <p:cTn id="15" presetID="1" presetClass="entr" presetSubtype="0" fill="hold" nodeType="clickEffect">
+                                <p:cTn id="9" presetID="1" presetClass="entr" presetSubtype="0" fill="hold" nodeType="clickEffect">
                                   <p:stCondLst>
                                     <p:cond delay="0"/>
                                   </p:stCondLst>
                                   <p:childTnLst>
                                     <p:set>
                                       <p:cBhvr>
-                                        <p:cTn id="16" dur="1" fill="hold">
+                                        <p:cTn id="10" dur="1" fill="hold">
                                           <p:stCondLst>
                                             <p:cond delay="0"/>
                                           </p:stCondLst>
@@ -37824,26 +35448,26 @@
                     </p:cTn>
                   </p:par>
                   <p:par>
-                    <p:cTn id="17" fill="hold">
+                    <p:cTn id="11" fill="hold">
                       <p:stCondLst>
                         <p:cond delay="indefinite"/>
                       </p:stCondLst>
                       <p:childTnLst>
                         <p:par>
-                          <p:cTn id="18" fill="hold">
+                          <p:cTn id="12" fill="hold">
                             <p:stCondLst>
                               <p:cond delay="0"/>
                             </p:stCondLst>
                             <p:childTnLst>
                               <p:par>
-                                <p:cTn id="19" presetID="1" presetClass="entr" presetSubtype="0" fill="hold" nodeType="clickEffect">
+                                <p:cTn id="13" presetID="1" presetClass="entr" presetSubtype="0" fill="hold" nodeType="clickEffect">
                                   <p:stCondLst>
                                     <p:cond delay="0"/>
                                   </p:stCondLst>
                                   <p:childTnLst>
                                     <p:set>
                                       <p:cBhvr>
-                                        <p:cTn id="20" dur="1" fill="hold">
+                                        <p:cTn id="14" dur="1" fill="hold">
                                           <p:stCondLst>
                                             <p:cond delay="0"/>
                                           </p:stCondLst>
@@ -37873,26 +35497,26 @@
                     </p:cTn>
                   </p:par>
                   <p:par>
-                    <p:cTn id="21" fill="hold">
+                    <p:cTn id="15" fill="hold">
                       <p:stCondLst>
                         <p:cond delay="indefinite"/>
                       </p:stCondLst>
                       <p:childTnLst>
                         <p:par>
-                          <p:cTn id="22" fill="hold">
+                          <p:cTn id="16" fill="hold">
                             <p:stCondLst>
                               <p:cond delay="0"/>
                             </p:stCondLst>
                             <p:childTnLst>
                               <p:par>
-                                <p:cTn id="23" presetID="1" presetClass="entr" presetSubtype="0" fill="hold" nodeType="clickEffect">
+                                <p:cTn id="17" presetID="1" presetClass="entr" presetSubtype="0" fill="hold" nodeType="clickEffect">
                                   <p:stCondLst>
                                     <p:cond delay="0"/>
                                   </p:stCondLst>
                                   <p:childTnLst>
                                     <p:set>
                                       <p:cBhvr>
-                                        <p:cTn id="24" dur="1" fill="hold">
+                                        <p:cTn id="18" dur="1" fill="hold">
                                           <p:stCondLst>
                                             <p:cond delay="0"/>
                                           </p:stCondLst>

--- a/Courses/Software-Sciences/Module-4-Information-Systems-New/06-CRUD-with-EF-and-Windows-Forms/06-CRUD-with-EF-Core-and-Windows-Forms.pptx
+++ b/Courses/Software-Sciences/Module-4-Information-Systems-New/06-CRUD-with-EF-and-Windows-Forms/06-CRUD-with-EF-Core-and-Windows-Forms.pptx
@@ -341,7 +341,7 @@
           <a:p>
             <a:fld id="{4E087215-0C8F-4762-A664-737A353EC9A4}" type="datetimeFigureOut">
               <a:rPr lang="bg-BG" smtClean="0"/>
-              <a:t>10.09.24 г.</a:t>
+              <a:t>17.09.24 г.</a:t>
             </a:fld>
             <a:endParaRPr lang="bg-BG"/>
           </a:p>
@@ -537,7 +537,7 @@
           <a:p>
             <a:fld id="{72D84649-876A-46C9-8472-14CB09C070D8}" type="datetimeFigureOut">
               <a:rPr lang="en-US" smtClean="0"/>
-              <a:t>9/10/24</a:t>
+              <a:t>9/17/24</a:t>
             </a:fld>
             <a:endParaRPr lang="en-US"/>
           </a:p>
@@ -13525,8 +13525,12 @@
               <a:t>​</a:t>
             </a:r>
             <a:r>
+              <a:rPr lang="bg-BG" b="1" dirty="0"/>
+              <a:t>Примерно приложение</a:t>
+            </a:r>
+            <a:r>
               <a:rPr lang="bg-BG" dirty="0"/>
-              <a:t>Примерно приложение:</a:t>
+              <a:t>:</a:t>
             </a:r>
             <a:r>
               <a:rPr lang="en-US" dirty="0"/>
@@ -31717,11 +31721,11 @@
   <p:clrMapOvr>
     <a:masterClrMapping/>
   </p:clrMapOvr>
-  <mc:AlternateContent xmlns:mc="http://schemas.openxmlformats.org/markup-compatibility/2006">
-    <mc:Choice xmlns:p14="http://schemas.microsoft.com/office/powerpoint/2010/main" Requires="p14">
+  <mc:AlternateContent xmlns:mc="http://schemas.openxmlformats.org/markup-compatibility/2006" xmlns:p14="http://schemas.microsoft.com/office/powerpoint/2010/main">
+    <mc:Choice Requires="p14">
       <p:transition spd="slow" p14:dur="2000" advClick="0" advTm="5000"/>
     </mc:Choice>
-    <mc:Fallback>
+    <mc:Fallback xmlns="">
       <p:transition spd="slow" advClick="0" advTm="5000"/>
     </mc:Fallback>
   </mc:AlternateContent>

--- a/Courses/Software-Sciences/Module-4-Information-Systems-New/06-CRUD-with-EF-and-Windows-Forms/06-CRUD-with-EF-Core-and-Windows-Forms.pptx
+++ b/Courses/Software-Sciences/Module-4-Information-Systems-New/06-CRUD-with-EF-and-Windows-Forms/06-CRUD-with-EF-Core-and-Windows-Forms.pptx
@@ -14189,16 +14189,24 @@
                 <a:latin typeface="Consolas" panose="020B0609020204030204" pitchFamily="49" charset="0"/>
                 <a:cs typeface="Consolas" panose="020B0609020204030204" pitchFamily="49" charset="0"/>
               </a:rPr>
-              <a:t>private Town[] LoadTownsFromDb()</a:t>
-            </a:r>
-          </a:p>
-          <a:p>
+              <a:t>private Town[] </a:t>
+            </a:r>
+            <a:r>
+              <a:rPr lang="en-GB" b="1" dirty="0">
+                <a:solidFill>
+                  <a:schemeClr val="bg1"/>
+                </a:solidFill>
+                <a:latin typeface="Consolas" panose="020B0609020204030204" pitchFamily="49" charset="0"/>
+                <a:cs typeface="Consolas" panose="020B0609020204030204" pitchFamily="49" charset="0"/>
+              </a:rPr>
+              <a:t>LoadTownsFromDb</a:t>
+            </a:r>
             <a:r>
               <a:rPr lang="en-GB" b="1" dirty="0">
                 <a:latin typeface="Consolas" panose="020B0609020204030204" pitchFamily="49" charset="0"/>
                 <a:cs typeface="Consolas" panose="020B0609020204030204" pitchFamily="49" charset="0"/>
               </a:rPr>
-              <a:t>{</a:t>
+              <a:t>()</a:t>
             </a:r>
           </a:p>
           <a:p>
@@ -14207,43 +14215,43 @@
                 <a:latin typeface="Consolas" panose="020B0609020204030204" pitchFamily="49" charset="0"/>
                 <a:cs typeface="Consolas" panose="020B0609020204030204" pitchFamily="49" charset="0"/>
               </a:rPr>
-              <a:t>    using (var db = new </a:t>
-            </a:r>
-            <a:r>
-              <a:rPr lang="en-US" b="1" dirty="0">
-                <a:solidFill>
-                  <a:schemeClr val="bg1"/>
-                </a:solidFill>
-                <a:latin typeface="Consolas" panose="020B0609020204030204" pitchFamily="49" charset="0"/>
-                <a:cs typeface="Consolas" panose="020B0609020204030204" pitchFamily="49" charset="0"/>
-              </a:rPr>
-              <a:t>Towns</a:t>
-            </a:r>
-            <a:r>
-              <a:rPr lang="en-GB" b="1" dirty="0">
-                <a:solidFill>
-                  <a:schemeClr val="bg1"/>
-                </a:solidFill>
-                <a:latin typeface="Consolas" panose="020B0609020204030204" pitchFamily="49" charset="0"/>
-                <a:cs typeface="Consolas" panose="020B0609020204030204" pitchFamily="49" charset="0"/>
-              </a:rPr>
-              <a:t>DbContext</a:t>
-            </a:r>
+              <a:t>{</a:t>
+            </a:r>
+          </a:p>
+          <a:p>
             <a:r>
               <a:rPr lang="en-GB" b="1" dirty="0">
                 <a:latin typeface="Consolas" panose="020B0609020204030204" pitchFamily="49" charset="0"/>
                 <a:cs typeface="Consolas" panose="020B0609020204030204" pitchFamily="49" charset="0"/>
               </a:rPr>
-              <a:t>())</a:t>
-            </a:r>
-          </a:p>
-          <a:p>
+              <a:t>    using (var db = new </a:t>
+            </a:r>
+            <a:r>
+              <a:rPr lang="en-US" b="1" dirty="0">
+                <a:solidFill>
+                  <a:schemeClr val="bg1"/>
+                </a:solidFill>
+                <a:latin typeface="Consolas" panose="020B0609020204030204" pitchFamily="49" charset="0"/>
+                <a:cs typeface="Consolas" panose="020B0609020204030204" pitchFamily="49" charset="0"/>
+              </a:rPr>
+              <a:t>Towns</a:t>
+            </a:r>
+            <a:r>
+              <a:rPr lang="en-GB" b="1" dirty="0">
+                <a:solidFill>
+                  <a:schemeClr val="bg1"/>
+                </a:solidFill>
+                <a:latin typeface="Consolas" panose="020B0609020204030204" pitchFamily="49" charset="0"/>
+                <a:cs typeface="Consolas" panose="020B0609020204030204" pitchFamily="49" charset="0"/>
+              </a:rPr>
+              <a:t>DbContext</a:t>
+            </a:r>
             <a:r>
               <a:rPr lang="en-GB" b="1" dirty="0">
                 <a:latin typeface="Consolas" panose="020B0609020204030204" pitchFamily="49" charset="0"/>
                 <a:cs typeface="Consolas" panose="020B0609020204030204" pitchFamily="49" charset="0"/>
               </a:rPr>
-              <a:t>    {</a:t>
+              <a:t>())</a:t>
             </a:r>
           </a:p>
           <a:p>
@@ -14252,7 +14260,33 @@
                 <a:latin typeface="Consolas" panose="020B0609020204030204" pitchFamily="49" charset="0"/>
                 <a:cs typeface="Consolas" panose="020B0609020204030204" pitchFamily="49" charset="0"/>
               </a:rPr>
-              <a:t>        return db.Towns.ToArray();</a:t>
+              <a:t>    {</a:t>
+            </a:r>
+          </a:p>
+          <a:p>
+            <a:r>
+              <a:rPr lang="en-GB" b="1" dirty="0">
+                <a:latin typeface="Consolas" panose="020B0609020204030204" pitchFamily="49" charset="0"/>
+                <a:cs typeface="Consolas" panose="020B0609020204030204" pitchFamily="49" charset="0"/>
+              </a:rPr>
+              <a:t>        return db.</a:t>
+            </a:r>
+            <a:r>
+              <a:rPr lang="en-GB" b="1" dirty="0">
+                <a:solidFill>
+                  <a:schemeClr val="bg1"/>
+                </a:solidFill>
+                <a:latin typeface="Consolas" panose="020B0609020204030204" pitchFamily="49" charset="0"/>
+                <a:cs typeface="Consolas" panose="020B0609020204030204" pitchFamily="49" charset="0"/>
+              </a:rPr>
+              <a:t>Towns</a:t>
+            </a:r>
+            <a:r>
+              <a:rPr lang="en-GB" b="1" dirty="0">
+                <a:latin typeface="Consolas" panose="020B0609020204030204" pitchFamily="49" charset="0"/>
+                <a:cs typeface="Consolas" panose="020B0609020204030204" pitchFamily="49" charset="0"/>
+              </a:rPr>
+              <a:t>.ToArray();</a:t>
             </a:r>
           </a:p>
           <a:p>
@@ -14728,7 +14762,24 @@
                 <a:latin typeface="Consolas" panose="020B0609020204030204" pitchFamily="49" charset="0"/>
                 <a:cs typeface="Consolas" panose="020B0609020204030204" pitchFamily="49" charset="0"/>
               </a:rPr>
-              <a:t>private void ReloadTowns()</a:t>
+              <a:t>private void </a:t>
+            </a:r>
+            <a:r>
+              <a:rPr lang="en-GB" sz="2400" b="1" dirty="0">
+                <a:solidFill>
+                  <a:schemeClr val="bg1"/>
+                </a:solidFill>
+                <a:latin typeface="Consolas" panose="020B0609020204030204" pitchFamily="49" charset="0"/>
+                <a:cs typeface="Consolas" panose="020B0609020204030204" pitchFamily="49" charset="0"/>
+              </a:rPr>
+              <a:t>ReloadTowns</a:t>
+            </a:r>
+            <a:r>
+              <a:rPr lang="en-GB" sz="2400" b="1" dirty="0">
+                <a:latin typeface="Consolas" panose="020B0609020204030204" pitchFamily="49" charset="0"/>
+                <a:cs typeface="Consolas" panose="020B0609020204030204" pitchFamily="49" charset="0"/>
+              </a:rPr>
+              <a:t>()</a:t>
             </a:r>
           </a:p>
           <a:p>
@@ -14869,7 +14920,24 @@
                 <a:latin typeface="Consolas" panose="020B0609020204030204" pitchFamily="49" charset="0"/>
                 <a:cs typeface="Consolas" panose="020B0609020204030204" pitchFamily="49" charset="0"/>
               </a:rPr>
-              <a:t>private void FormTowns_Load(object sender, EventArgs e)</a:t>
+              <a:t>private void </a:t>
+            </a:r>
+            <a:r>
+              <a:rPr lang="en-GB" sz="2400" b="1" dirty="0">
+                <a:solidFill>
+                  <a:schemeClr val="bg1"/>
+                </a:solidFill>
+                <a:latin typeface="Consolas" panose="020B0609020204030204" pitchFamily="49" charset="0"/>
+                <a:cs typeface="Consolas" panose="020B0609020204030204" pitchFamily="49" charset="0"/>
+              </a:rPr>
+              <a:t>FormTowns_Load</a:t>
+            </a:r>
+            <a:r>
+              <a:rPr lang="en-GB" sz="2400" b="1" dirty="0">
+                <a:latin typeface="Consolas" panose="020B0609020204030204" pitchFamily="49" charset="0"/>
+                <a:cs typeface="Consolas" panose="020B0609020204030204" pitchFamily="49" charset="0"/>
+              </a:rPr>
+              <a:t>(object sender, EventArgs e)</a:t>
             </a:r>
           </a:p>
           <a:p>

--- a/Courses/Software-Sciences/Module-4-Information-Systems-New/06-CRUD-with-EF-and-Windows-Forms/06-CRUD-with-EF-Core-and-Windows-Forms.pptx
+++ b/Courses/Software-Sciences/Module-4-Information-Systems-New/06-CRUD-with-EF-and-Windows-Forms/06-CRUD-with-EF-Core-and-Windows-Forms.pptx
@@ -341,7 +341,7 @@
           <a:p>
             <a:fld id="{4E087215-0C8F-4762-A664-737A353EC9A4}" type="datetimeFigureOut">
               <a:rPr lang="bg-BG" smtClean="0"/>
-              <a:t>17.09.24 г.</a:t>
+              <a:t>29.09.24 г.</a:t>
             </a:fld>
             <a:endParaRPr lang="bg-BG"/>
           </a:p>
@@ -537,7 +537,7 @@
           <a:p>
             <a:fld id="{72D84649-876A-46C9-8472-14CB09C070D8}" type="datetimeFigureOut">
               <a:rPr lang="en-US" smtClean="0"/>
-              <a:t>9/17/24</a:t>
+              <a:t>9/29/24</a:t>
             </a:fld>
             <a:endParaRPr lang="en-US"/>
           </a:p>
@@ -10060,9 +10060,9 @@
             <a:r>
               <a:rPr lang="en-US" sz="2000" b="1" noProof="1">
                 <a:solidFill>
-                  <a:schemeClr val="bg1">
-                    <a:lumMod val="40000"/>
-                    <a:lumOff val="60000"/>
+                  <a:schemeClr val="accent1">
+                    <a:lumMod val="60000"/>
+                    <a:lumOff val="40000"/>
                   </a:schemeClr>
                 </a:solidFill>
               </a:rPr>
@@ -30686,11 +30686,7 @@
               <a:t>Модални</a:t>
             </a:r>
             <a:r>
-              <a:rPr lang="bg-BG" sz="3200" dirty="0"/>
-              <a:t> </a:t>
-            </a:r>
-            <a:r>
-              <a:rPr lang="bg-BG" sz="3200" b="1" dirty="0">
+              <a:rPr lang="bg-BG" sz="3200" dirty="0">
                 <a:solidFill>
                   <a:schemeClr val="accent1">
                     <a:lumMod val="60000"/>
@@ -30698,11 +30694,33 @@
                   </a:schemeClr>
                 </a:solidFill>
               </a:rPr>
+              <a:t> </a:t>
+            </a:r>
+            <a:r>
+              <a:rPr lang="bg-BG" sz="3200" b="1" dirty="0">
+                <a:solidFill>
+                  <a:schemeClr val="accent1">
+                    <a:lumMod val="60000"/>
+                    <a:lumOff val="40000"/>
+                  </a:schemeClr>
+                </a:solidFill>
+              </a:rPr>
               <a:t>форми</a:t>
             </a:r>
             <a:r>
+              <a:rPr lang="bg-BG" sz="3200" dirty="0">
+                <a:solidFill>
+                  <a:schemeClr val="accent1">
+                    <a:lumMod val="60000"/>
+                    <a:lumOff val="40000"/>
+                  </a:schemeClr>
+                </a:solidFill>
+              </a:rPr>
+              <a:t> </a:t>
+            </a:r>
+            <a:r>
               <a:rPr lang="bg-BG" sz="3200" dirty="0"/>
-              <a:t> в </a:t>
+              <a:t>в </a:t>
             </a:r>
             <a:r>
               <a:rPr lang="en-GB" sz="3200" b="1" dirty="0"/>

--- a/Courses/Software-Sciences/Module-4-Information-Systems-New/06-CRUD-with-EF-and-Windows-Forms/06-CRUD-with-EF-Core-and-Windows-Forms.pptx
+++ b/Courses/Software-Sciences/Module-4-Information-Systems-New/06-CRUD-with-EF-and-Windows-Forms/06-CRUD-with-EF-Core-and-Windows-Forms.pptx
@@ -8190,15 +8190,31 @@
           <a:p>
             <a:pPr lvl="1"/>
             <a:r>
+              <a:rPr lang="bg-BG" sz="2600" b="1" dirty="0"/>
+              <a:t>Визуализация</a:t>
+            </a:r>
+            <a:r>
               <a:rPr lang="bg-BG" sz="2600" dirty="0"/>
-              <a:t>Визуализация на данни</a:t>
+              <a:t> на данни</a:t>
             </a:r>
           </a:p>
           <a:p>
             <a:pPr lvl="1"/>
             <a:r>
+              <a:rPr lang="bg-BG" sz="2600" b="1" dirty="0"/>
+              <a:t>Въвеждане</a:t>
+            </a:r>
+            <a:r>
               <a:rPr lang="bg-BG" sz="2600" dirty="0"/>
-              <a:t>Въвеждане и редактиране на данни</a:t>
+              <a:t> и </a:t>
+            </a:r>
+            <a:r>
+              <a:rPr lang="bg-BG" sz="2600" b="1" dirty="0"/>
+              <a:t>редактиране</a:t>
+            </a:r>
+            <a:r>
+              <a:rPr lang="bg-BG" sz="2600" dirty="0"/>
+              <a:t> на данни</a:t>
             </a:r>
           </a:p>
           <a:p>
@@ -32382,7 +32398,10 @@
             <a:r>
               <a:rPr lang="en-US" sz="2399" b="1" noProof="1">
                 <a:solidFill>
-                  <a:schemeClr val="accent1"/>
+                  <a:schemeClr val="accent1">
+                    <a:lumMod val="60000"/>
+                    <a:lumOff val="40000"/>
+                  </a:schemeClr>
                 </a:solidFill>
               </a:rPr>
               <a:t>SQL</a:t>
@@ -32489,13 +32508,24 @@
             <a:r>
               <a:rPr lang="en-US" sz="2399" b="1" noProof="1">
                 <a:solidFill>
+                  <a:schemeClr val="accent1">
+                    <a:lumMod val="60000"/>
+                    <a:lumOff val="40000"/>
+                  </a:schemeClr>
+                </a:solidFill>
+              </a:rPr>
+              <a:t>Project</a:t>
+            </a:r>
+            <a:r>
+              <a:rPr lang="en-US" sz="2399" b="1" noProof="1">
+                <a:solidFill>
                   <a:schemeClr val="bg1">
                     <a:lumMod val="60000"/>
                     <a:lumOff val="40000"/>
                   </a:schemeClr>
                 </a:solidFill>
               </a:rPr>
-              <a:t>Project </a:t>
+              <a:t> </a:t>
             </a:r>
             <a:r>
               <a:rPr lang="bg-BG" sz="2399" b="1" noProof="1">
@@ -32591,7 +32621,7 @@
             <a:r>
               <a:rPr lang="en-US" sz="2399" b="1" noProof="1">
                 <a:solidFill>
-                  <a:schemeClr val="bg1">
+                  <a:schemeClr val="accent1">
                     <a:lumMod val="60000"/>
                     <a:lumOff val="40000"/>
                   </a:schemeClr>
@@ -33443,7 +33473,10 @@
             <a:r>
               <a:rPr lang="en-US" sz="2399" b="1" noProof="1">
                 <a:solidFill>
-                  <a:schemeClr val="accent1"/>
+                  <a:schemeClr val="accent1">
+                    <a:lumMod val="60000"/>
+                    <a:lumOff val="40000"/>
+                  </a:schemeClr>
                 </a:solidFill>
               </a:rPr>
               <a:t>SQL UPDATE</a:t>
@@ -33521,7 +33554,10 @@
             <a:r>
               <a:rPr lang="en-US" sz="2399" b="1" noProof="1">
                 <a:solidFill>
-                  <a:schemeClr val="accent1"/>
+                  <a:schemeClr val="accent1">
+                    <a:lumMod val="60000"/>
+                    <a:lumOff val="40000"/>
+                  </a:schemeClr>
                 </a:solidFill>
               </a:rPr>
               <a:t>SELECT</a:t>
@@ -34460,42 +34496,59 @@
             <a:r>
               <a:rPr lang="bg-BG" sz="2000" b="1" noProof="1">
                 <a:solidFill>
+                  <a:schemeClr val="accent1">
+                    <a:lumMod val="60000"/>
+                    <a:lumOff val="40000"/>
+                  </a:schemeClr>
+                </a:solidFill>
+              </a:rPr>
+              <a:t>обекта</a:t>
+            </a:r>
+            <a:r>
+              <a:rPr lang="bg-BG" sz="2000" b="1" noProof="1">
+                <a:solidFill>
+                  <a:schemeClr val="bg2"/>
+                </a:solidFill>
+              </a:rPr>
+              <a:t> за </a:t>
+            </a:r>
+            <a:r>
+              <a:rPr lang="bg-BG" sz="2000" b="1" noProof="1">
+                <a:solidFill>
+                  <a:schemeClr val="accent1">
+                    <a:lumMod val="60000"/>
+                    <a:lumOff val="40000"/>
+                  </a:schemeClr>
+                </a:solidFill>
+              </a:rPr>
+              <a:t>изтриване</a:t>
+            </a:r>
+            <a:r>
+              <a:rPr lang="bg-BG" sz="2000" b="1" noProof="1">
+                <a:solidFill>
+                  <a:schemeClr val="bg2"/>
+                </a:solidFill>
+              </a:rPr>
+              <a:t> при </a:t>
+            </a:r>
+            <a:r>
+              <a:rPr lang="bg-BG" sz="2000" b="1" noProof="1">
+                <a:solidFill>
+                  <a:schemeClr val="accent1">
+                    <a:lumMod val="60000"/>
+                    <a:lumOff val="40000"/>
+                  </a:schemeClr>
+                </a:solidFill>
+              </a:rPr>
+              <a:t>следващото</a:t>
+            </a:r>
+            <a:r>
+              <a:rPr lang="bg-BG" sz="2000" b="1" noProof="1">
+                <a:solidFill>
                   <a:schemeClr val="accent1"/>
                 </a:solidFill>
               </a:rPr>
-              <a:t>обекта</a:t>
-            </a:r>
-            <a:r>
-              <a:rPr lang="bg-BG" sz="2000" b="1" noProof="1">
-                <a:solidFill>
-                  <a:schemeClr val="bg2"/>
-                </a:solidFill>
-              </a:rPr>
-              <a:t> за </a:t>
-            </a:r>
-            <a:r>
-              <a:rPr lang="bg-BG" sz="2000" b="1" noProof="1">
-                <a:solidFill>
-                  <a:schemeClr val="accent1"/>
-                </a:solidFill>
-              </a:rPr>
-              <a:t>изтриване</a:t>
-            </a:r>
-            <a:r>
-              <a:rPr lang="bg-BG" sz="2000" b="1" noProof="1">
-                <a:solidFill>
-                  <a:schemeClr val="bg2"/>
-                </a:solidFill>
-              </a:rPr>
-              <a:t> при </a:t>
-            </a:r>
-            <a:r>
-              <a:rPr lang="bg-BG" sz="2000" b="1" noProof="1">
-                <a:solidFill>
-                  <a:schemeClr val="accent1"/>
-                </a:solidFill>
-              </a:rPr>
-              <a:t>следващото </a:t>
+              <a:t> </a:t>
             </a:r>
             <a:r>
               <a:rPr lang="bg-BG" sz="2000" b="1" noProof="1">
@@ -34591,7 +34644,10 @@
             <a:r>
               <a:rPr lang="en-US" sz="2199" b="1" noProof="1">
                 <a:solidFill>
-                  <a:schemeClr val="accent1"/>
+                  <a:schemeClr val="accent1">
+                    <a:lumMod val="60000"/>
+                    <a:lumOff val="40000"/>
+                  </a:schemeClr>
                 </a:solidFill>
               </a:rPr>
               <a:t>SQL DELETE</a:t>
@@ -34677,7 +34733,10 @@
             <a:r>
               <a:rPr lang="en-US" sz="2000" b="1" noProof="1">
                 <a:solidFill>
-                  <a:schemeClr val="accent1"/>
+                  <a:schemeClr val="accent1">
+                    <a:lumMod val="60000"/>
+                    <a:lumOff val="40000"/>
+                  </a:schemeClr>
                 </a:solidFill>
               </a:rPr>
               <a:t>EmployeesProjects</a:t>
@@ -34701,7 +34760,10 @@
             <a:r>
               <a:rPr lang="en-US" sz="2000" b="1" noProof="1">
                 <a:solidFill>
-                  <a:schemeClr val="accent1"/>
+                  <a:schemeClr val="accent1">
+                    <a:lumMod val="60000"/>
+                    <a:lumOff val="40000"/>
+                  </a:schemeClr>
                 </a:solidFill>
               </a:rPr>
               <a:t>ProjectId</a:t>
@@ -35514,9 +35576,9 @@
                                           </p:stCondLst>
                                         </p:cTn>
                                         <p:tgtEl>
-                                          <p:spTgt spid="3">
+                                          <p:spTgt spid="5">
                                             <p:txEl>
-                                              <p:pRg st="2" end="2"/>
+                                              <p:pRg st="1" end="1"/>
                                             </p:txEl>
                                           </p:spTgt>
                                         </p:tgtEl>
@@ -35563,9 +35625,9 @@
                                           </p:stCondLst>
                                         </p:cTn>
                                         <p:tgtEl>
-                                          <p:spTgt spid="5">
+                                          <p:spTgt spid="3">
                                             <p:txEl>
-                                              <p:pRg st="1" end="1"/>
+                                              <p:pRg st="2" end="2"/>
                                             </p:txEl>
                                           </p:spTgt>
                                         </p:tgtEl>

--- a/Courses/Software-Sciences/Module-4-Information-Systems-New/06-CRUD-with-EF-and-Windows-Forms/06-CRUD-with-EF-Core-and-Windows-Forms.pptx
+++ b/Courses/Software-Sciences/Module-4-Information-Systems-New/06-CRUD-with-EF-and-Windows-Forms/06-CRUD-with-EF-Core-and-Windows-Forms.pptx
@@ -247,6 +247,49 @@
 </p:presentation>
 </file>
 
+<file path=ppt/commentAuthors.xml><?xml version="1.0" encoding="utf-8"?>
+<p:cmAuthorLst xmlns:a="http://schemas.openxmlformats.org/drawingml/2006/main" xmlns:r="http://schemas.openxmlformats.org/officeDocument/2006/relationships" xmlns:p="http://schemas.openxmlformats.org/presentationml/2006/main">
+  <p:cmAuthor id="1" name="PC" initials="P" lastIdx="2" clrIdx="0">
+    <p:extLst>
+      <p:ext uri="{19B8F6BF-5375-455C-9EA6-DF929625EA0E}">
+        <p15:presenceInfo xmlns:p15="http://schemas.microsoft.com/office/powerpoint/2012/main" userId="PC" providerId="None"/>
+      </p:ext>
+    </p:extLst>
+  </p:cmAuthor>
+</p:cmAuthorLst>
+</file>
+
+<file path=ppt/comments/comment1.xml><?xml version="1.0" encoding="utf-8"?>
+<p:cmLst xmlns:a="http://schemas.openxmlformats.org/drawingml/2006/main" xmlns:r="http://schemas.openxmlformats.org/officeDocument/2006/relationships" xmlns:p="http://schemas.openxmlformats.org/presentationml/2006/main">
+  <p:cm authorId="1" dt="2024-10-02T18:58:24.827" idx="1">
+    <p:pos x="10" y="10"/>
+    <p:text>Не съм сигурен, но последното балонче не трябва ли да сочи към dbContext.SaveChanges()?</p:text>
+    <p:extLst>
+      <p:ext uri="{C676402C-5697-4E1C-873F-D02D1690AC5C}">
+        <p15:threadingInfo xmlns:p15="http://schemas.microsoft.com/office/powerpoint/2012/main" timeZoneBias="-180"/>
+      </p:ext>
+    </p:extLst>
+  </p:cm>
+</p:cmLst>
+</file>
+
+<file path=ppt/comments/comment2.xml><?xml version="1.0" encoding="utf-8"?>
+<p:cmLst xmlns:a="http://schemas.openxmlformats.org/drawingml/2006/main" xmlns:r="http://schemas.openxmlformats.org/officeDocument/2006/relationships" xmlns:p="http://schemas.openxmlformats.org/presentationml/2006/main">
+  <p:cm authorId="1" dt="2024-10-02T19:04:52.527" idx="2">
+    <p:pos x="10" y="10"/>
+    <p:text>"Не пипат по БД" може да се изрази по "формален" начин, например:
+"Не извършват операции върху базата данни."
+"Не променят състоянието на базата данни."
+"Не взаимодействат с базата данни."</p:text>
+    <p:extLst>
+      <p:ext uri="{C676402C-5697-4E1C-873F-D02D1690AC5C}">
+        <p15:threadingInfo xmlns:p15="http://schemas.microsoft.com/office/powerpoint/2012/main" timeZoneBias="-180"/>
+      </p:ext>
+    </p:extLst>
+  </p:cm>
+</p:cmLst>
+</file>
+
 <file path=ppt/handoutMasters/handoutMaster1.xml><?xml version="1.0" encoding="utf-8"?>
 <p:handoutMaster xmlns:a="http://schemas.openxmlformats.org/drawingml/2006/main" xmlns:r="http://schemas.openxmlformats.org/officeDocument/2006/relationships" xmlns:p="http://schemas.openxmlformats.org/presentationml/2006/main">
   <p:cSld>
@@ -341,7 +384,7 @@
           <a:p>
             <a:fld id="{4E087215-0C8F-4762-A664-737A353EC9A4}" type="datetimeFigureOut">
               <a:rPr lang="bg-BG" smtClean="0"/>
-              <a:t>29.09.24 г.</a:t>
+              <a:t>2.10.2024 г.</a:t>
             </a:fld>
             <a:endParaRPr lang="bg-BG"/>
           </a:p>
@@ -537,7 +580,7 @@
           <a:p>
             <a:fld id="{72D84649-876A-46C9-8472-14CB09C070D8}" type="datetimeFigureOut">
               <a:rPr lang="en-US" smtClean="0"/>
-              <a:t>9/29/24</a:t>
+              <a:t>10/2/2024</a:t>
             </a:fld>
             <a:endParaRPr lang="en-US"/>
           </a:p>
@@ -8093,6 +8136,13 @@
       <p:transition spd="slow" advClick="0" advTm="5000"/>
     </mc:Fallback>
   </mc:AlternateContent>
+  <p:timing>
+    <p:tnLst>
+      <p:par>
+        <p:cTn id="1" dur="indefinite" restart="never" nodeType="tmRoot"/>
+      </p:par>
+    </p:tnLst>
+  </p:timing>
 </p:sld>
 </file>
 
@@ -8312,7 +8362,7 @@
           <p:nvPr/>
         </p:nvPicPr>
         <p:blipFill>
-          <a:blip r:embed="rId2">
+          <a:blip r:embed="rId2" cstate="hqprint">
             <a:extLst>
               <a:ext uri="{28A0092B-C50C-407E-A947-70E740481C1C}">
                 <a14:useLocalDpi xmlns:a14="http://schemas.microsoft.com/office/drawing/2010/main" val="0"/>
@@ -9713,7 +9763,19 @@
             </a:r>
             <a:r>
               <a:rPr lang="en-US" sz="3200" b="1" dirty="0"/>
-              <a:t>[OK]</a:t>
+              <a:t>[</a:t>
+            </a:r>
+            <a:r>
+              <a:rPr lang="en-US" sz="3200" b="1" dirty="0">
+                <a:solidFill>
+                  <a:schemeClr val="bg1"/>
+                </a:solidFill>
+              </a:rPr>
+              <a:t>OK</a:t>
+            </a:r>
+            <a:r>
+              <a:rPr lang="en-US" sz="3200" b="1" dirty="0"/>
+              <a:t>]</a:t>
             </a:r>
             <a:r>
               <a:rPr lang="en-US" sz="3200" dirty="0"/>
@@ -9725,7 +9787,19 @@
             </a:r>
             <a:r>
               <a:rPr lang="en-US" sz="3200" b="1" dirty="0"/>
-              <a:t>[Cancel]</a:t>
+              <a:t>[</a:t>
+            </a:r>
+            <a:r>
+              <a:rPr lang="en-US" sz="3200" b="1" dirty="0">
+                <a:solidFill>
+                  <a:schemeClr val="bg1"/>
+                </a:solidFill>
+              </a:rPr>
+              <a:t>Cancel</a:t>
+            </a:r>
+            <a:r>
+              <a:rPr lang="en-US" sz="3200" b="1" dirty="0"/>
+              <a:t>]</a:t>
             </a:r>
             <a:r>
               <a:rPr lang="en-US" sz="3200" dirty="0"/>
@@ -11097,6 +11171,13 @@
       <p:transition spd="slow" advClick="0" advTm="5000"/>
     </mc:Fallback>
   </mc:AlternateContent>
+  <p:timing>
+    <p:tnLst>
+      <p:par>
+        <p:cTn id="1" dur="indefinite" restart="never" nodeType="tmRoot"/>
+      </p:par>
+    </p:tnLst>
+  </p:timing>
 </p:sld>
 </file>
 
@@ -11255,6 +11336,13 @@
       <p:transition spd="slow" advClick="0" advTm="5000"/>
     </mc:Fallback>
   </mc:AlternateContent>
+  <p:timing>
+    <p:tnLst>
+      <p:par>
+        <p:cTn id="1" dur="indefinite" restart="never" nodeType="tmRoot"/>
+      </p:par>
+    </p:tnLst>
+  </p:timing>
 </p:sld>
 </file>
 
@@ -13223,6 +13311,13 @@
       <p:transition spd="slow" advClick="0" advTm="5000"/>
     </mc:Fallback>
   </mc:AlternateContent>
+  <p:timing>
+    <p:tnLst>
+      <p:par>
+        <p:cTn id="1" dur="indefinite" restart="never" nodeType="tmRoot"/>
+      </p:par>
+    </p:tnLst>
+  </p:timing>
 </p:sld>
 </file>
 
@@ -18315,7 +18410,19 @@
             </a:r>
             <a:r>
               <a:rPr lang="en-US" sz="3200" b="1" dirty="0"/>
-              <a:t>[OK]</a:t>
+              <a:t>[</a:t>
+            </a:r>
+            <a:r>
+              <a:rPr lang="en-US" sz="3200" b="1" dirty="0">
+                <a:solidFill>
+                  <a:schemeClr val="bg1"/>
+                </a:solidFill>
+              </a:rPr>
+              <a:t>OK</a:t>
+            </a:r>
+            <a:r>
+              <a:rPr lang="en-US" sz="3200" b="1" dirty="0"/>
+              <a:t>]</a:t>
             </a:r>
             <a:r>
               <a:rPr lang="en-US" sz="3200" dirty="0"/>
@@ -18327,7 +18434,19 @@
             </a:r>
             <a:r>
               <a:rPr lang="en-US" sz="3200" b="1" dirty="0"/>
-              <a:t>[Cancel]</a:t>
+              <a:t>[</a:t>
+            </a:r>
+            <a:r>
+              <a:rPr lang="en-US" sz="3200" b="1" dirty="0">
+                <a:solidFill>
+                  <a:schemeClr val="bg1"/>
+                </a:solidFill>
+              </a:rPr>
+              <a:t>Cancel</a:t>
+            </a:r>
+            <a:r>
+              <a:rPr lang="en-US" sz="3200" b="1" dirty="0"/>
+              <a:t>]</a:t>
             </a:r>
             <a:r>
               <a:rPr lang="en-US" sz="3200" dirty="0"/>
@@ -19906,7 +20025,19 @@
             </a:r>
             <a:r>
               <a:rPr lang="en-US" sz="3200" b="1" dirty="0"/>
-              <a:t>[OK]</a:t>
+              <a:t>[</a:t>
+            </a:r>
+            <a:r>
+              <a:rPr lang="en-US" sz="3200" b="1" dirty="0">
+                <a:solidFill>
+                  <a:schemeClr val="bg1"/>
+                </a:solidFill>
+              </a:rPr>
+              <a:t>OK</a:t>
+            </a:r>
+            <a:r>
+              <a:rPr lang="en-US" sz="3200" b="1" dirty="0"/>
+              <a:t>]</a:t>
             </a:r>
             <a:r>
               <a:rPr lang="bg-BG" sz="3200" b="1" dirty="0"/>
@@ -20196,6 +20327,13 @@
       <p:transition spd="slow" advClick="0" advTm="5000"/>
     </mc:Fallback>
   </mc:AlternateContent>
+  <p:timing>
+    <p:tnLst>
+      <p:par>
+        <p:cTn id="1" dur="indefinite" restart="never" nodeType="tmRoot"/>
+      </p:par>
+    </p:tnLst>
+  </p:timing>
 </p:sld>
 </file>
 
@@ -20356,6 +20494,13 @@
       <p:transition spd="slow" advClick="0" advTm="5000"/>
     </mc:Fallback>
   </mc:AlternateContent>
+  <p:timing>
+    <p:tnLst>
+      <p:par>
+        <p:cTn id="1" dur="indefinite" restart="never" nodeType="tmRoot"/>
+      </p:par>
+    </p:tnLst>
+  </p:timing>
 </p:sld>
 </file>
 
@@ -20915,6 +21060,13 @@
       <p:transition spd="slow" advClick="0" advTm="5000"/>
     </mc:Fallback>
   </mc:AlternateContent>
+  <p:timing>
+    <p:tnLst>
+      <p:par>
+        <p:cTn id="1" dur="indefinite" restart="never" nodeType="tmRoot"/>
+      </p:par>
+    </p:tnLst>
+  </p:timing>
 </p:sld>
 </file>
 
@@ -23339,7 +23491,19 @@
             </a:r>
             <a:r>
               <a:rPr lang="en-US" sz="2600" b="1" dirty="0"/>
-              <a:t>[OK] </a:t>
+              <a:t>[</a:t>
+            </a:r>
+            <a:r>
+              <a:rPr lang="en-US" sz="2600" b="1" dirty="0">
+                <a:solidFill>
+                  <a:schemeClr val="bg1"/>
+                </a:solidFill>
+              </a:rPr>
+              <a:t>OK</a:t>
+            </a:r>
+            <a:r>
+              <a:rPr lang="en-US" sz="2600" b="1" dirty="0"/>
+              <a:t>] </a:t>
             </a:r>
             <a:r>
               <a:rPr lang="bg-BG" sz="2600" dirty="0"/>
@@ -23741,6 +23905,13 @@
       <p:transition spd="slow" advClick="0" advTm="5000"/>
     </mc:Fallback>
   </mc:AlternateContent>
+  <p:timing>
+    <p:tnLst>
+      <p:par>
+        <p:cTn id="1" dur="indefinite" restart="never" nodeType="tmRoot"/>
+      </p:par>
+    </p:tnLst>
+  </p:timing>
 </p:sld>
 </file>
 
@@ -24341,6 +24512,13 @@
       <p:transition spd="slow" advClick="0" advTm="5000"/>
     </mc:Fallback>
   </mc:AlternateContent>
+  <p:timing>
+    <p:tnLst>
+      <p:par>
+        <p:cTn id="1" dur="indefinite" restart="never" nodeType="tmRoot"/>
+      </p:par>
+    </p:tnLst>
+  </p:timing>
 </p:sld>
 </file>
 
@@ -26908,7 +27086,19 @@
             </a:r>
             <a:r>
               <a:rPr lang="en-US" sz="2600" b="1" dirty="0"/>
-              <a:t>[OK]</a:t>
+              <a:t>[</a:t>
+            </a:r>
+            <a:r>
+              <a:rPr lang="en-US" sz="2600" b="1" dirty="0">
+                <a:solidFill>
+                  <a:schemeClr val="bg1"/>
+                </a:solidFill>
+              </a:rPr>
+              <a:t>OK</a:t>
+            </a:r>
+            <a:r>
+              <a:rPr lang="en-US" sz="2600" b="1" dirty="0"/>
+              <a:t>]</a:t>
             </a:r>
             <a:r>
               <a:rPr lang="bg-BG" sz="2600" dirty="0"/>
@@ -27290,6 +27480,13 @@
       <p:transition spd="slow" advClick="0" advTm="5000"/>
     </mc:Fallback>
   </mc:AlternateContent>
+  <p:timing>
+    <p:tnLst>
+      <p:par>
+        <p:cTn id="1" dur="indefinite" restart="never" nodeType="tmRoot"/>
+      </p:par>
+    </p:tnLst>
+  </p:timing>
 </p:sld>
 </file>
 
@@ -28239,6 +28436,13 @@
       <p:transition spd="slow" advClick="0" advTm="5000"/>
     </mc:Fallback>
   </mc:AlternateContent>
+  <p:timing>
+    <p:tnLst>
+      <p:par>
+        <p:cTn id="1" dur="indefinite" restart="never" nodeType="tmRoot"/>
+      </p:par>
+    </p:tnLst>
+  </p:timing>
 </p:sld>
 </file>
 
@@ -31375,7 +31579,7 @@
                 <a:hlinkClick r:id="rId3">
                   <a:extLst>
                     <a:ext uri="{A12FA001-AC4F-418D-AE19-62706E023703}">
-                      <ahyp:hlinkClr xmlns:ahyp="http://schemas.microsoft.com/office/drawing/2018/hyperlinkcolor" val="tx"/>
+                      <ahyp:hlinkClr xmlns:ahyp="http://schemas.microsoft.com/office/drawing/2018/hyperlinkcolor" xmlns="" val="tx"/>
                     </a:ext>
                   </a:extLst>
                 </a:hlinkClick>
@@ -31448,6 +31652,13 @@
       <p:transition spd="slow" advClick="0" advTm="5000"/>
     </mc:Fallback>
   </mc:AlternateContent>
+  <p:timing>
+    <p:tnLst>
+      <p:par>
+        <p:cTn id="1" dur="indefinite" restart="never" nodeType="tmRoot"/>
+      </p:par>
+    </p:tnLst>
+  </p:timing>
 </p:sld>
 </file>
 
@@ -35149,7 +35360,7 @@
           <p:nvPr/>
         </p:nvPicPr>
         <p:blipFill>
-          <a:blip r:embed="rId3">
+          <a:blip r:embed="rId3" cstate="hqprint">
             <a:extLst>
               <a:ext uri="{28A0092B-C50C-407E-A947-70E740481C1C}">
                 <a14:useLocalDpi xmlns:a14="http://schemas.microsoft.com/office/drawing/2010/main" val="0"/>
@@ -35188,6 +35399,13 @@
       <p:transition spd="slow" advClick="0" advTm="5000"/>
     </mc:Fallback>
   </mc:AlternateContent>
+  <p:timing>
+    <p:tnLst>
+      <p:par>
+        <p:cTn id="1" dur="indefinite" restart="never" nodeType="tmRoot"/>
+      </p:par>
+    </p:tnLst>
+  </p:timing>
 </p:sld>
 </file>
 
@@ -35343,7 +35561,7 @@
         </p:nvSpPr>
         <p:spPr>
           <a:xfrm>
-            <a:off x="190402" y="1195931"/>
+            <a:off x="66000" y="1195931"/>
             <a:ext cx="5770598" cy="4957073"/>
           </a:xfrm>
         </p:spPr>

--- a/Courses/Software-Sciences/Module-4-Information-Systems-New/06-CRUD-with-EF-and-Windows-Forms/06-CRUD-with-EF-Core-and-Windows-Forms.pptx
+++ b/Courses/Software-Sciences/Module-4-Information-Systems-New/06-CRUD-with-EF-and-Windows-Forms/06-CRUD-with-EF-Core-and-Windows-Forms.pptx
@@ -259,37 +259,6 @@
 </p:cmAuthorLst>
 </file>
 
-<file path=ppt/comments/comment1.xml><?xml version="1.0" encoding="utf-8"?>
-<p:cmLst xmlns:a="http://schemas.openxmlformats.org/drawingml/2006/main" xmlns:r="http://schemas.openxmlformats.org/officeDocument/2006/relationships" xmlns:p="http://schemas.openxmlformats.org/presentationml/2006/main">
-  <p:cm authorId="1" dt="2024-10-02T18:58:24.827" idx="1">
-    <p:pos x="10" y="10"/>
-    <p:text>Не съм сигурен, но последното балонче не трябва ли да сочи към dbContext.SaveChanges()?</p:text>
-    <p:extLst>
-      <p:ext uri="{C676402C-5697-4E1C-873F-D02D1690AC5C}">
-        <p15:threadingInfo xmlns:p15="http://schemas.microsoft.com/office/powerpoint/2012/main" timeZoneBias="-180"/>
-      </p:ext>
-    </p:extLst>
-  </p:cm>
-</p:cmLst>
-</file>
-
-<file path=ppt/comments/comment2.xml><?xml version="1.0" encoding="utf-8"?>
-<p:cmLst xmlns:a="http://schemas.openxmlformats.org/drawingml/2006/main" xmlns:r="http://schemas.openxmlformats.org/officeDocument/2006/relationships" xmlns:p="http://schemas.openxmlformats.org/presentationml/2006/main">
-  <p:cm authorId="1" dt="2024-10-02T19:04:52.527" idx="2">
-    <p:pos x="10" y="10"/>
-    <p:text>"Не пипат по БД" може да се изрази по "формален" начин, например:
-"Не извършват операции върху базата данни."
-"Не променят състоянието на базата данни."
-"Не взаимодействат с базата данни."</p:text>
-    <p:extLst>
-      <p:ext uri="{C676402C-5697-4E1C-873F-D02D1690AC5C}">
-        <p15:threadingInfo xmlns:p15="http://schemas.microsoft.com/office/powerpoint/2012/main" timeZoneBias="-180"/>
-      </p:ext>
-    </p:extLst>
-  </p:cm>
-</p:cmLst>
-</file>
-
 <file path=ppt/handoutMasters/handoutMaster1.xml><?xml version="1.0" encoding="utf-8"?>
 <p:handoutMaster xmlns:a="http://schemas.openxmlformats.org/drawingml/2006/main" xmlns:r="http://schemas.openxmlformats.org/officeDocument/2006/relationships" xmlns:p="http://schemas.openxmlformats.org/presentationml/2006/main">
   <p:cSld>
@@ -384,7 +353,7 @@
           <a:p>
             <a:fld id="{4E087215-0C8F-4762-A664-737A353EC9A4}" type="datetimeFigureOut">
               <a:rPr lang="bg-BG" smtClean="0"/>
-              <a:t>2.10.2024 г.</a:t>
+              <a:t>3.10.24 г.</a:t>
             </a:fld>
             <a:endParaRPr lang="bg-BG"/>
           </a:p>
@@ -580,7 +549,7 @@
           <a:p>
             <a:fld id="{72D84649-876A-46C9-8472-14CB09C070D8}" type="datetimeFigureOut">
               <a:rPr lang="en-US" smtClean="0"/>
-              <a:t>10/2/2024</a:t>
+              <a:t>10/3/24</a:t>
             </a:fld>
             <a:endParaRPr lang="en-US"/>
           </a:p>
@@ -8136,13 +8105,6 @@
       <p:transition spd="slow" advClick="0" advTm="5000"/>
     </mc:Fallback>
   </mc:AlternateContent>
-  <p:timing>
-    <p:tnLst>
-      <p:par>
-        <p:cTn id="1" dur="indefinite" restart="never" nodeType="tmRoot"/>
-      </p:par>
-    </p:tnLst>
-  </p:timing>
 </p:sld>
 </file>
 
@@ -11171,13 +11133,6 @@
       <p:transition spd="slow" advClick="0" advTm="5000"/>
     </mc:Fallback>
   </mc:AlternateContent>
-  <p:timing>
-    <p:tnLst>
-      <p:par>
-        <p:cTn id="1" dur="indefinite" restart="never" nodeType="tmRoot"/>
-      </p:par>
-    </p:tnLst>
-  </p:timing>
 </p:sld>
 </file>
 
@@ -11336,13 +11291,6 @@
       <p:transition spd="slow" advClick="0" advTm="5000"/>
     </mc:Fallback>
   </mc:AlternateContent>
-  <p:timing>
-    <p:tnLst>
-      <p:par>
-        <p:cTn id="1" dur="indefinite" restart="never" nodeType="tmRoot"/>
-      </p:par>
-    </p:tnLst>
-  </p:timing>
 </p:sld>
 </file>
 
@@ -13311,13 +13259,6 @@
       <p:transition spd="slow" advClick="0" advTm="5000"/>
     </mc:Fallback>
   </mc:AlternateContent>
-  <p:timing>
-    <p:tnLst>
-      <p:par>
-        <p:cTn id="1" dur="indefinite" restart="never" nodeType="tmRoot"/>
-      </p:par>
-    </p:tnLst>
-  </p:timing>
 </p:sld>
 </file>
 
@@ -17408,14 +17349,26 @@
             </a:r>
             <a:r>
               <a:rPr lang="bg-BG" sz="3400" b="1" dirty="0"/>
-              <a:t>не пипат по базата данни</a:t>
+              <a:t>не извършват операции върху БД</a:t>
             </a:r>
           </a:p>
           <a:p>
             <a:pPr lvl="1"/>
             <a:r>
               <a:rPr lang="bg-BG" sz="3200" dirty="0"/>
-              <a:t>В базата данни промените ги прави главната (извикващата) форма</a:t>
+              <a:t>В БД промените ги прави </a:t>
+            </a:r>
+            <a:r>
+              <a:rPr lang="bg-BG" sz="3200" b="1" dirty="0"/>
+              <a:t>главната</a:t>
+            </a:r>
+            <a:r>
+              <a:rPr lang="bg-BG" sz="3200" dirty="0"/>
+              <a:t> </a:t>
+            </a:r>
+            <a:r>
+              <a:rPr lang="bg-BG" sz="3200" b="1" dirty="0"/>
+              <a:t>(извикващата) форма</a:t>
             </a:r>
           </a:p>
         </p:txBody>
@@ -20327,13 +20280,6 @@
       <p:transition spd="slow" advClick="0" advTm="5000"/>
     </mc:Fallback>
   </mc:AlternateContent>
-  <p:timing>
-    <p:tnLst>
-      <p:par>
-        <p:cTn id="1" dur="indefinite" restart="never" nodeType="tmRoot"/>
-      </p:par>
-    </p:tnLst>
-  </p:timing>
 </p:sld>
 </file>
 
@@ -20494,13 +20440,6 @@
       <p:transition spd="slow" advClick="0" advTm="5000"/>
     </mc:Fallback>
   </mc:AlternateContent>
-  <p:timing>
-    <p:tnLst>
-      <p:par>
-        <p:cTn id="1" dur="indefinite" restart="never" nodeType="tmRoot"/>
-      </p:par>
-    </p:tnLst>
-  </p:timing>
 </p:sld>
 </file>
 
@@ -21060,13 +20999,6 @@
       <p:transition spd="slow" advClick="0" advTm="5000"/>
     </mc:Fallback>
   </mc:AlternateContent>
-  <p:timing>
-    <p:tnLst>
-      <p:par>
-        <p:cTn id="1" dur="indefinite" restart="never" nodeType="tmRoot"/>
-      </p:par>
-    </p:tnLst>
-  </p:timing>
 </p:sld>
 </file>
 
@@ -23905,13 +23837,6 @@
       <p:transition spd="slow" advClick="0" advTm="5000"/>
     </mc:Fallback>
   </mc:AlternateContent>
-  <p:timing>
-    <p:tnLst>
-      <p:par>
-        <p:cTn id="1" dur="indefinite" restart="never" nodeType="tmRoot"/>
-      </p:par>
-    </p:tnLst>
-  </p:timing>
 </p:sld>
 </file>
 
@@ -24512,13 +24437,6 @@
       <p:transition spd="slow" advClick="0" advTm="5000"/>
     </mc:Fallback>
   </mc:AlternateContent>
-  <p:timing>
-    <p:tnLst>
-      <p:par>
-        <p:cTn id="1" dur="indefinite" restart="never" nodeType="tmRoot"/>
-      </p:par>
-    </p:tnLst>
-  </p:timing>
 </p:sld>
 </file>
 
@@ -27480,13 +27398,6 @@
       <p:transition spd="slow" advClick="0" advTm="5000"/>
     </mc:Fallback>
   </mc:AlternateContent>
-  <p:timing>
-    <p:tnLst>
-      <p:par>
-        <p:cTn id="1" dur="indefinite" restart="never" nodeType="tmRoot"/>
-      </p:par>
-    </p:tnLst>
-  </p:timing>
 </p:sld>
 </file>
 
@@ -28436,13 +28347,6 @@
       <p:transition spd="slow" advClick="0" advTm="5000"/>
     </mc:Fallback>
   </mc:AlternateContent>
-  <p:timing>
-    <p:tnLst>
-      <p:par>
-        <p:cTn id="1" dur="indefinite" restart="never" nodeType="tmRoot"/>
-      </p:par>
-    </p:tnLst>
-  </p:timing>
 </p:sld>
 </file>
 
@@ -31579,7 +31483,7 @@
                 <a:hlinkClick r:id="rId3">
                   <a:extLst>
                     <a:ext uri="{A12FA001-AC4F-418D-AE19-62706E023703}">
-                      <ahyp:hlinkClr xmlns:ahyp="http://schemas.microsoft.com/office/drawing/2018/hyperlinkcolor" xmlns="" val="tx"/>
+                      <ahyp:hlinkClr xmlns:ahyp="http://schemas.microsoft.com/office/drawing/2018/hyperlinkcolor" val="tx"/>
                     </a:ext>
                   </a:extLst>
                 </a:hlinkClick>
@@ -31652,13 +31556,6 @@
       <p:transition spd="slow" advClick="0" advTm="5000"/>
     </mc:Fallback>
   </mc:AlternateContent>
-  <p:timing>
-    <p:tnLst>
-      <p:par>
-        <p:cTn id="1" dur="indefinite" restart="never" nodeType="tmRoot"/>
-      </p:par>
-    </p:tnLst>
-  </p:timing>
 </p:sld>
 </file>
 
@@ -32536,8 +32433,8 @@
           </a:xfrm>
           <a:prstGeom prst="wedgeRoundRectCallout">
             <a:avLst>
-              <a:gd name="adj1" fmla="val -62784"/>
-              <a:gd name="adj2" fmla="val -57241"/>
+              <a:gd name="adj1" fmla="val -66044"/>
+              <a:gd name="adj2" fmla="val -32959"/>
               <a:gd name="adj3" fmla="val 16667"/>
             </a:avLst>
           </a:prstGeom>
@@ -35399,13 +35296,6 @@
       <p:transition spd="slow" advClick="0" advTm="5000"/>
     </mc:Fallback>
   </mc:AlternateContent>
-  <p:timing>
-    <p:tnLst>
-      <p:par>
-        <p:cTn id="1" dur="indefinite" restart="never" nodeType="tmRoot"/>
-      </p:par>
-    </p:tnLst>
-  </p:timing>
 </p:sld>
 </file>
 

--- a/Courses/Software-Sciences/Module-4-Information-Systems-New/06-CRUD-with-EF-and-Windows-Forms/06-CRUD-with-EF-Core-and-Windows-Forms.pptx
+++ b/Courses/Software-Sciences/Module-4-Information-Systems-New/06-CRUD-with-EF-and-Windows-Forms/06-CRUD-with-EF-Core-and-Windows-Forms.pptx
@@ -13468,16 +13468,8 @@
           <a:p>
             <a:pPr lvl="1"/>
             <a:r>
-              <a:rPr lang="bg-BG" dirty="0"/>
-              <a:t>Какво е </a:t>
-            </a:r>
-            <a:r>
               <a:rPr lang="en-US" b="1" dirty="0"/>
               <a:t>CRUD</a:t>
-            </a:r>
-            <a:r>
-              <a:rPr lang="en-US" dirty="0"/>
-              <a:t>?</a:t>
             </a:r>
             <a:endParaRPr lang="en-GB" dirty="0"/>
           </a:p>

--- a/Courses/Software-Sciences/Module-4-Information-Systems-New/06-CRUD-with-EF-and-Windows-Forms/06-CRUD-with-EF-Core-and-Windows-Forms.pptx
+++ b/Courses/Software-Sciences/Module-4-Information-Systems-New/06-CRUD-with-EF-and-Windows-Forms/06-CRUD-with-EF-Core-and-Windows-Forms.pptx
@@ -353,7 +353,7 @@
           <a:p>
             <a:fld id="{4E087215-0C8F-4762-A664-737A353EC9A4}" type="datetimeFigureOut">
               <a:rPr lang="bg-BG" smtClean="0"/>
-              <a:t>3.10.24 г.</a:t>
+              <a:t>7.11.24 г.</a:t>
             </a:fld>
             <a:endParaRPr lang="bg-BG"/>
           </a:p>
@@ -549,7 +549,7 @@
           <a:p>
             <a:fld id="{72D84649-876A-46C9-8472-14CB09C070D8}" type="datetimeFigureOut">
               <a:rPr lang="en-US" smtClean="0"/>
-              <a:t>10/3/24</a:t>
+              <a:t>11/7/24</a:t>
             </a:fld>
             <a:endParaRPr lang="en-US"/>
           </a:p>
@@ -9124,7 +9124,7 @@
             <a:pPr lvl="1"/>
             <a:r>
               <a:rPr lang="bg-BG" sz="3000" dirty="0"/>
-              <a:t>Примерно, полета за добавяне на нов град</a:t>
+              <a:t>Например полета за добавяне на нов град</a:t>
             </a:r>
           </a:p>
           <a:p>

--- a/Courses/Software-Sciences/Module-4-Information-Systems-New/06-CRUD-with-EF-and-Windows-Forms/06-CRUD-with-EF-Core-and-Windows-Forms.pptx
+++ b/Courses/Software-Sciences/Module-4-Information-Systems-New/06-CRUD-with-EF-and-Windows-Forms/06-CRUD-with-EF-Core-and-Windows-Forms.pptx
@@ -353,7 +353,7 @@
           <a:p>
             <a:fld id="{4E087215-0C8F-4762-A664-737A353EC9A4}" type="datetimeFigureOut">
               <a:rPr lang="bg-BG" smtClean="0"/>
-              <a:t>7.11.24 г.</a:t>
+              <a:t>14.11.24 г.</a:t>
             </a:fld>
             <a:endParaRPr lang="bg-BG"/>
           </a:p>
@@ -549,7 +549,7 @@
           <a:p>
             <a:fld id="{72D84649-876A-46C9-8472-14CB09C070D8}" type="datetimeFigureOut">
               <a:rPr lang="en-US" smtClean="0"/>
-              <a:t>11/7/24</a:t>
+              <a:t>11/14/24</a:t>
             </a:fld>
             <a:endParaRPr lang="en-US"/>
           </a:p>
@@ -13461,7 +13461,7 @@
             </a:r>
             <a:r>
               <a:rPr lang="en-GB" b="1" dirty="0"/>
-              <a:t>EF Core</a:t>
+              <a:t>Entity Framework Core</a:t>
             </a:r>
             <a:endParaRPr lang="bg-BG" b="1" dirty="0"/>
           </a:p>

--- a/Courses/Software-Sciences/Module-4-Information-Systems-New/06-CRUD-with-EF-and-Windows-Forms/06-CRUD-with-EF-Core-and-Windows-Forms.pptx
+++ b/Courses/Software-Sciences/Module-4-Information-Systems-New/06-CRUD-with-EF-and-Windows-Forms/06-CRUD-with-EF-Core-and-Windows-Forms.pptx
@@ -353,7 +353,7 @@
           <a:p>
             <a:fld id="{4E087215-0C8F-4762-A664-737A353EC9A4}" type="datetimeFigureOut">
               <a:rPr lang="bg-BG" smtClean="0"/>
-              <a:t>14.11.24 г.</a:t>
+              <a:t>20.11.24 г.</a:t>
             </a:fld>
             <a:endParaRPr lang="bg-BG"/>
           </a:p>
@@ -549,7 +549,7 @@
           <a:p>
             <a:fld id="{72D84649-876A-46C9-8472-14CB09C070D8}" type="datetimeFigureOut">
               <a:rPr lang="en-US" smtClean="0"/>
-              <a:t>11/14/24</a:t>
+              <a:t>11/20/24</a:t>
             </a:fld>
             <a:endParaRPr lang="en-US"/>
           </a:p>
@@ -32206,7 +32206,41 @@
                 <a:latin typeface="Consolas" pitchFamily="49" charset="0"/>
                 <a:cs typeface="Consolas" pitchFamily="49" charset="0"/>
               </a:rPr>
-              <a:t>        var project = new Project()</a:t>
+              <a:t>        var </a:t>
+            </a:r>
+            <a:r>
+              <a:rPr lang="en-US" sz="2000" b="1" noProof="1">
+                <a:solidFill>
+                  <a:schemeClr val="bg1"/>
+                </a:solidFill>
+                <a:latin typeface="Consolas" pitchFamily="49" charset="0"/>
+                <a:cs typeface="Consolas" pitchFamily="49" charset="0"/>
+              </a:rPr>
+              <a:t>project</a:t>
+            </a:r>
+            <a:r>
+              <a:rPr lang="en-US" sz="2000" b="1" noProof="1">
+                <a:latin typeface="Consolas" pitchFamily="49" charset="0"/>
+                <a:cs typeface="Consolas" pitchFamily="49" charset="0"/>
+              </a:rPr>
+              <a:t> = new </a:t>
+            </a:r>
+            <a:r>
+              <a:rPr lang="en-US" sz="2000" b="1" noProof="1">
+                <a:solidFill>
+                  <a:schemeClr val="bg1"/>
+                </a:solidFill>
+                <a:latin typeface="Consolas" pitchFamily="49" charset="0"/>
+                <a:cs typeface="Consolas" pitchFamily="49" charset="0"/>
+              </a:rPr>
+              <a:t>Project</a:t>
+            </a:r>
+            <a:r>
+              <a:rPr lang="en-US" sz="2000" b="1" noProof="1">
+                <a:latin typeface="Consolas" pitchFamily="49" charset="0"/>
+                <a:cs typeface="Consolas" pitchFamily="49" charset="0"/>
+              </a:rPr>
+              <a:t>()</a:t>
             </a:r>
           </a:p>
           <a:p>
@@ -32242,7 +32276,24 @@
                 <a:latin typeface="Consolas" pitchFamily="49" charset="0"/>
                 <a:cs typeface="Consolas" pitchFamily="49" charset="0"/>
               </a:rPr>
-              <a:t>            Name = "Our Newest Project",</a:t>
+              <a:t>            </a:t>
+            </a:r>
+            <a:r>
+              <a:rPr lang="en-US" sz="2000" b="1" noProof="1">
+                <a:solidFill>
+                  <a:schemeClr val="bg1"/>
+                </a:solidFill>
+                <a:latin typeface="Consolas" pitchFamily="49" charset="0"/>
+                <a:cs typeface="Consolas" pitchFamily="49" charset="0"/>
+              </a:rPr>
+              <a:t>Name</a:t>
+            </a:r>
+            <a:r>
+              <a:rPr lang="en-US" sz="2000" b="1" noProof="1">
+                <a:latin typeface="Consolas" pitchFamily="49" charset="0"/>
+                <a:cs typeface="Consolas" pitchFamily="49" charset="0"/>
+              </a:rPr>
+              <a:t> = "Our Newest Project",</a:t>
             </a:r>
           </a:p>
           <a:p>
@@ -32260,7 +32311,24 @@
                 <a:latin typeface="Consolas" pitchFamily="49" charset="0"/>
                 <a:cs typeface="Consolas" pitchFamily="49" charset="0"/>
               </a:rPr>
-              <a:t>            StartDate = new DateTime(2021, 1, 1),</a:t>
+              <a:t>            </a:t>
+            </a:r>
+            <a:r>
+              <a:rPr lang="en-US" sz="2000" b="1" noProof="1">
+                <a:solidFill>
+                  <a:schemeClr val="bg1"/>
+                </a:solidFill>
+                <a:latin typeface="Consolas" pitchFamily="49" charset="0"/>
+                <a:cs typeface="Consolas" pitchFamily="49" charset="0"/>
+              </a:rPr>
+              <a:t>StartDate</a:t>
+            </a:r>
+            <a:r>
+              <a:rPr lang="en-US" sz="2000" b="1" noProof="1">
+                <a:latin typeface="Consolas" pitchFamily="49" charset="0"/>
+                <a:cs typeface="Consolas" pitchFamily="49" charset="0"/>
+              </a:rPr>
+              <a:t> = new DateTime(2021, 1, 1),</a:t>
             </a:r>
           </a:p>
           <a:p>
@@ -33311,7 +33379,41 @@
                 <a:latin typeface="Consolas" pitchFamily="49" charset="0"/>
                 <a:cs typeface="Consolas" pitchFamily="49" charset="0"/>
               </a:rPr>
-              <a:t>        Employee employee = dbContext.Employees.FirstOrDefault();</a:t>
+              <a:t>        Employee </a:t>
+            </a:r>
+            <a:r>
+              <a:rPr lang="en-US" b="1" noProof="1">
+                <a:solidFill>
+                  <a:schemeClr val="bg1"/>
+                </a:solidFill>
+                <a:latin typeface="Consolas" pitchFamily="49" charset="0"/>
+                <a:cs typeface="Consolas" pitchFamily="49" charset="0"/>
+              </a:rPr>
+              <a:t>employee</a:t>
+            </a:r>
+            <a:r>
+              <a:rPr lang="en-US" b="1" noProof="1">
+                <a:latin typeface="Consolas" pitchFamily="49" charset="0"/>
+                <a:cs typeface="Consolas" pitchFamily="49" charset="0"/>
+              </a:rPr>
+              <a:t> = dbContext.Employees.</a:t>
+            </a:r>
+            <a:r>
+              <a:rPr lang="en-US" b="1" noProof="1">
+                <a:solidFill>
+                  <a:schemeClr val="bg1"/>
+                </a:solidFill>
+                <a:latin typeface="Consolas" pitchFamily="49" charset="0"/>
+                <a:cs typeface="Consolas" pitchFamily="49" charset="0"/>
+              </a:rPr>
+              <a:t>FirstOrDefault</a:t>
+            </a:r>
+            <a:r>
+              <a:rPr lang="en-US" b="1" noProof="1">
+                <a:latin typeface="Consolas" pitchFamily="49" charset="0"/>
+                <a:cs typeface="Consolas" pitchFamily="49" charset="0"/>
+              </a:rPr>
+              <a:t>();</a:t>
             </a:r>
           </a:p>
           <a:p>
@@ -33329,7 +33431,24 @@
                 <a:latin typeface="Consolas" pitchFamily="49" charset="0"/>
                 <a:cs typeface="Consolas" pitchFamily="49" charset="0"/>
               </a:rPr>
-              <a:t>        if (employee != null)</a:t>
+              <a:t>        if (</a:t>
+            </a:r>
+            <a:r>
+              <a:rPr lang="en-US" b="1" noProof="1">
+                <a:solidFill>
+                  <a:schemeClr val="bg1"/>
+                </a:solidFill>
+                <a:latin typeface="Consolas" pitchFamily="49" charset="0"/>
+                <a:cs typeface="Consolas" pitchFamily="49" charset="0"/>
+              </a:rPr>
+              <a:t>employee</a:t>
+            </a:r>
+            <a:r>
+              <a:rPr lang="en-US" b="1" noProof="1">
+                <a:latin typeface="Consolas" pitchFamily="49" charset="0"/>
+                <a:cs typeface="Consolas" pitchFamily="49" charset="0"/>
+              </a:rPr>
+              <a:t> != null)</a:t>
             </a:r>
           </a:p>
           <a:p>
@@ -33365,7 +33484,41 @@
                 <a:latin typeface="Consolas" pitchFamily="49" charset="0"/>
                 <a:cs typeface="Consolas" pitchFamily="49" charset="0"/>
               </a:rPr>
-              <a:t>            employee.FirstName = "Alex";</a:t>
+              <a:t>            </a:t>
+            </a:r>
+            <a:r>
+              <a:rPr lang="en-US" b="1" noProof="1">
+                <a:solidFill>
+                  <a:schemeClr val="bg1"/>
+                </a:solidFill>
+                <a:latin typeface="Consolas" pitchFamily="49" charset="0"/>
+                <a:cs typeface="Consolas" pitchFamily="49" charset="0"/>
+              </a:rPr>
+              <a:t>employee</a:t>
+            </a:r>
+            <a:r>
+              <a:rPr lang="en-US" b="1" noProof="1">
+                <a:latin typeface="Consolas" pitchFamily="49" charset="0"/>
+                <a:cs typeface="Consolas" pitchFamily="49" charset="0"/>
+              </a:rPr>
+              <a:t>.</a:t>
+            </a:r>
+            <a:r>
+              <a:rPr lang="en-US" b="1" noProof="1">
+                <a:solidFill>
+                  <a:schemeClr val="bg1"/>
+                </a:solidFill>
+                <a:latin typeface="Consolas" pitchFamily="49" charset="0"/>
+                <a:cs typeface="Consolas" pitchFamily="49" charset="0"/>
+              </a:rPr>
+              <a:t>FirstName</a:t>
+            </a:r>
+            <a:r>
+              <a:rPr lang="en-US" b="1" noProof="1">
+                <a:latin typeface="Consolas" pitchFamily="49" charset="0"/>
+                <a:cs typeface="Consolas" pitchFamily="49" charset="0"/>
+              </a:rPr>
+              <a:t> = "Alex";</a:t>
             </a:r>
           </a:p>
           <a:p>
@@ -33418,7 +33571,41 @@
                 <a:latin typeface="Consolas" pitchFamily="49" charset="0"/>
                 <a:cs typeface="Consolas" pitchFamily="49" charset="0"/>
               </a:rPr>
-              <a:t>            return employee.FirstName;</a:t>
+              <a:t>            return </a:t>
+            </a:r>
+            <a:r>
+              <a:rPr lang="en-US" b="1" noProof="1">
+                <a:solidFill>
+                  <a:schemeClr val="bg1"/>
+                </a:solidFill>
+                <a:latin typeface="Consolas" pitchFamily="49" charset="0"/>
+                <a:cs typeface="Consolas" pitchFamily="49" charset="0"/>
+              </a:rPr>
+              <a:t>employee</a:t>
+            </a:r>
+            <a:r>
+              <a:rPr lang="en-US" b="1" noProof="1">
+                <a:latin typeface="Consolas" pitchFamily="49" charset="0"/>
+                <a:cs typeface="Consolas" pitchFamily="49" charset="0"/>
+              </a:rPr>
+              <a:t>.</a:t>
+            </a:r>
+            <a:r>
+              <a:rPr lang="en-US" b="1" noProof="1">
+                <a:solidFill>
+                  <a:schemeClr val="bg1"/>
+                </a:solidFill>
+                <a:latin typeface="Consolas" pitchFamily="49" charset="0"/>
+                <a:cs typeface="Consolas" pitchFamily="49" charset="0"/>
+              </a:rPr>
+              <a:t>FirstName</a:t>
+            </a:r>
+            <a:r>
+              <a:rPr lang="en-US" b="1" noProof="1">
+                <a:latin typeface="Consolas" pitchFamily="49" charset="0"/>
+                <a:cs typeface="Consolas" pitchFamily="49" charset="0"/>
+              </a:rPr>
+              <a:t>;</a:t>
             </a:r>
           </a:p>
           <a:p>
@@ -34300,7 +34487,41 @@
                 <a:latin typeface="Consolas" pitchFamily="49" charset="0"/>
                 <a:cs typeface="Consolas" pitchFamily="49" charset="0"/>
               </a:rPr>
-              <a:t>        Project project = dbContext.Projects.FirstOrDefault();</a:t>
+              <a:t>        Project </a:t>
+            </a:r>
+            <a:r>
+              <a:rPr lang="en-US" sz="2000" b="1" noProof="1">
+                <a:solidFill>
+                  <a:schemeClr val="bg1"/>
+                </a:solidFill>
+                <a:latin typeface="Consolas" pitchFamily="49" charset="0"/>
+                <a:cs typeface="Consolas" pitchFamily="49" charset="0"/>
+              </a:rPr>
+              <a:t>project</a:t>
+            </a:r>
+            <a:r>
+              <a:rPr lang="en-US" sz="2000" b="1" noProof="1">
+                <a:latin typeface="Consolas" pitchFamily="49" charset="0"/>
+                <a:cs typeface="Consolas" pitchFamily="49" charset="0"/>
+              </a:rPr>
+              <a:t> = dbContext.Projects.</a:t>
+            </a:r>
+            <a:r>
+              <a:rPr lang="en-US" sz="2000" b="1" noProof="1">
+                <a:solidFill>
+                  <a:schemeClr val="bg1"/>
+                </a:solidFill>
+                <a:latin typeface="Consolas" pitchFamily="49" charset="0"/>
+                <a:cs typeface="Consolas" pitchFamily="49" charset="0"/>
+              </a:rPr>
+              <a:t>FirstOrDefault</a:t>
+            </a:r>
+            <a:r>
+              <a:rPr lang="en-US" sz="2000" b="1" noProof="1">
+                <a:latin typeface="Consolas" pitchFamily="49" charset="0"/>
+                <a:cs typeface="Consolas" pitchFamily="49" charset="0"/>
+              </a:rPr>
+              <a:t>();</a:t>
             </a:r>
           </a:p>
           <a:p>
@@ -34321,7 +34542,24 @@
                 <a:latin typeface="Consolas" pitchFamily="49" charset="0"/>
                 <a:cs typeface="Consolas" pitchFamily="49" charset="0"/>
               </a:rPr>
-              <a:t>        var entitiesWithProject = dbContext.EmployeesProjects</a:t>
+              <a:t>        var </a:t>
+            </a:r>
+            <a:r>
+              <a:rPr lang="en-US" sz="2000" b="1" noProof="1">
+                <a:solidFill>
+                  <a:schemeClr val="bg1"/>
+                </a:solidFill>
+                <a:latin typeface="Consolas" pitchFamily="49" charset="0"/>
+                <a:cs typeface="Consolas" pitchFamily="49" charset="0"/>
+              </a:rPr>
+              <a:t>entitiesWithProject</a:t>
+            </a:r>
+            <a:r>
+              <a:rPr lang="en-US" sz="2000" b="1" noProof="1">
+                <a:latin typeface="Consolas" pitchFamily="49" charset="0"/>
+                <a:cs typeface="Consolas" pitchFamily="49" charset="0"/>
+              </a:rPr>
+              <a:t> = dbContext.EmployeesProjects</a:t>
             </a:r>
           </a:p>
           <a:p>
@@ -34342,7 +34580,41 @@
                 <a:latin typeface="Consolas" pitchFamily="49" charset="0"/>
                 <a:cs typeface="Consolas" pitchFamily="49" charset="0"/>
               </a:rPr>
-              <a:t>           .Where(x =&gt; x.ProjectId == project.ProjectId).ToList();</a:t>
+              <a:t>           .</a:t>
+            </a:r>
+            <a:r>
+              <a:rPr lang="en-US" sz="2000" b="1" noProof="1">
+                <a:solidFill>
+                  <a:schemeClr val="bg1"/>
+                </a:solidFill>
+                <a:latin typeface="Consolas" pitchFamily="49" charset="0"/>
+                <a:cs typeface="Consolas" pitchFamily="49" charset="0"/>
+              </a:rPr>
+              <a:t>Where</a:t>
+            </a:r>
+            <a:r>
+              <a:rPr lang="en-US" sz="2000" b="1" noProof="1">
+                <a:latin typeface="Consolas" pitchFamily="49" charset="0"/>
+                <a:cs typeface="Consolas" pitchFamily="49" charset="0"/>
+              </a:rPr>
+              <a:t>(x =&gt; x.ProjectId == </a:t>
+            </a:r>
+            <a:r>
+              <a:rPr lang="en-US" sz="2000" b="1" noProof="1">
+                <a:solidFill>
+                  <a:schemeClr val="bg1"/>
+                </a:solidFill>
+                <a:latin typeface="Consolas" pitchFamily="49" charset="0"/>
+                <a:cs typeface="Consolas" pitchFamily="49" charset="0"/>
+              </a:rPr>
+              <a:t>project</a:t>
+            </a:r>
+            <a:r>
+              <a:rPr lang="en-US" sz="2000" b="1" noProof="1">
+                <a:latin typeface="Consolas" pitchFamily="49" charset="0"/>
+                <a:cs typeface="Consolas" pitchFamily="49" charset="0"/>
+              </a:rPr>
+              <a:t>.ProjectId).ToList();</a:t>
             </a:r>
           </a:p>
           <a:p>
@@ -34373,14 +34645,14 @@
                 <a:latin typeface="Consolas" pitchFamily="49" charset="0"/>
                 <a:cs typeface="Consolas" pitchFamily="49" charset="0"/>
               </a:rPr>
-              <a:t>RemoveRange</a:t>
+              <a:t>RemoveRange(entitiesWithProject)</a:t>
             </a:r>
             <a:r>
               <a:rPr lang="en-US" sz="2000" b="1" noProof="1">
                 <a:latin typeface="Consolas" pitchFamily="49" charset="0"/>
                 <a:cs typeface="Consolas" pitchFamily="49" charset="0"/>
               </a:rPr>
-              <a:t>(entitiesWithProject);</a:t>
+              <a:t>;</a:t>
             </a:r>
           </a:p>
           <a:p>
@@ -34411,14 +34683,14 @@
                 <a:latin typeface="Consolas" pitchFamily="49" charset="0"/>
                 <a:cs typeface="Consolas" pitchFamily="49" charset="0"/>
               </a:rPr>
-              <a:t>Remove</a:t>
+              <a:t>Remove(project)</a:t>
             </a:r>
             <a:r>
               <a:rPr lang="en-US" sz="2000" b="1" noProof="1">
                 <a:latin typeface="Consolas" pitchFamily="49" charset="0"/>
                 <a:cs typeface="Consolas" pitchFamily="49" charset="0"/>
               </a:rPr>
-              <a:t>(project);</a:t>
+              <a:t>;</a:t>
             </a:r>
           </a:p>
           <a:p>

--- a/Courses/Software-Sciences/Module-4-Information-Systems-New/06-CRUD-with-EF-and-Windows-Forms/06-CRUD-with-EF-Core-and-Windows-Forms.pptx
+++ b/Courses/Software-Sciences/Module-4-Information-Systems-New/06-CRUD-with-EF-and-Windows-Forms/06-CRUD-with-EF-Core-and-Windows-Forms.pptx
@@ -353,7 +353,7 @@
           <a:p>
             <a:fld id="{4E087215-0C8F-4762-A664-737A353EC9A4}" type="datetimeFigureOut">
               <a:rPr lang="bg-BG" smtClean="0"/>
-              <a:t>20.11.24 г.</a:t>
+              <a:t>17.12.24 г.</a:t>
             </a:fld>
             <a:endParaRPr lang="bg-BG"/>
           </a:p>
@@ -549,7 +549,7 @@
           <a:p>
             <a:fld id="{72D84649-876A-46C9-8472-14CB09C070D8}" type="datetimeFigureOut">
               <a:rPr lang="en-US" smtClean="0"/>
-              <a:t>11/20/24</a:t>
+              <a:t>12/17/24</a:t>
             </a:fld>
             <a:endParaRPr lang="en-US"/>
           </a:p>
@@ -14233,7 +14233,7 @@
                 <a:latin typeface="Consolas" panose="020B0609020204030204" pitchFamily="49" charset="0"/>
                 <a:cs typeface="Consolas" panose="020B0609020204030204" pitchFamily="49" charset="0"/>
               </a:rPr>
-              <a:t>private Town[] </a:t>
+              <a:t>private List&lt;Town&gt; </a:t>
             </a:r>
             <a:r>
               <a:rPr lang="en-GB" b="1" dirty="0">
@@ -14313,24 +14313,38 @@
                 <a:latin typeface="Consolas" panose="020B0609020204030204" pitchFamily="49" charset="0"/>
                 <a:cs typeface="Consolas" panose="020B0609020204030204" pitchFamily="49" charset="0"/>
               </a:rPr>
-              <a:t>        return db.</a:t>
-            </a:r>
-            <a:r>
-              <a:rPr lang="en-GB" b="1" dirty="0">
-                <a:solidFill>
-                  <a:schemeClr val="bg1"/>
-                </a:solidFill>
+              <a:t>        return </a:t>
+            </a:r>
+            <a:r>
+              <a:rPr lang="en-GB" b="1" dirty="0" err="1">
                 <a:latin typeface="Consolas" panose="020B0609020204030204" pitchFamily="49" charset="0"/>
                 <a:cs typeface="Consolas" panose="020B0609020204030204" pitchFamily="49" charset="0"/>
               </a:rPr>
+              <a:t>db.</a:t>
+            </a:r>
+            <a:r>
+              <a:rPr lang="en-GB" b="1" dirty="0" err="1">
+                <a:solidFill>
+                  <a:schemeClr val="bg1"/>
+                </a:solidFill>
+                <a:latin typeface="Consolas" panose="020B0609020204030204" pitchFamily="49" charset="0"/>
+                <a:cs typeface="Consolas" panose="020B0609020204030204" pitchFamily="49" charset="0"/>
+              </a:rPr>
               <a:t>Towns</a:t>
+            </a:r>
+            <a:r>
+              <a:rPr lang="en-GB" b="1" dirty="0" err="1">
+                <a:latin typeface="Consolas" panose="020B0609020204030204" pitchFamily="49" charset="0"/>
+                <a:cs typeface="Consolas" panose="020B0609020204030204" pitchFamily="49" charset="0"/>
+              </a:rPr>
+              <a:t>.ToList</a:t>
             </a:r>
             <a:r>
               <a:rPr lang="en-GB" b="1" dirty="0">
                 <a:latin typeface="Consolas" panose="020B0609020204030204" pitchFamily="49" charset="0"/>
                 <a:cs typeface="Consolas" panose="020B0609020204030204" pitchFamily="49" charset="0"/>
               </a:rPr>
-              <a:t>.ToArray();</a:t>
+              <a:t>();</a:t>
             </a:r>
           </a:p>
           <a:p>

--- a/Courses/Software-Sciences/Module-4-Information-Systems-New/06-CRUD-with-EF-and-Windows-Forms/06-CRUD-with-EF-Core-and-Windows-Forms.pptx
+++ b/Courses/Software-Sciences/Module-4-Information-Systems-New/06-CRUD-with-EF-and-Windows-Forms/06-CRUD-with-EF-Core-and-Windows-Forms.pptx
@@ -353,7 +353,7 @@
           <a:p>
             <a:fld id="{4E087215-0C8F-4762-A664-737A353EC9A4}" type="datetimeFigureOut">
               <a:rPr lang="bg-BG" smtClean="0"/>
-              <a:t>17.12.24 г.</a:t>
+              <a:t>19.12.24 г.</a:t>
             </a:fld>
             <a:endParaRPr lang="bg-BG"/>
           </a:p>
@@ -549,7 +549,7 @@
           <a:p>
             <a:fld id="{72D84649-876A-46C9-8472-14CB09C070D8}" type="datetimeFigureOut">
               <a:rPr lang="en-US" smtClean="0"/>
-              <a:t>12/17/24</a:t>
+              <a:t>12/19/24</a:t>
             </a:fld>
             <a:endParaRPr lang="en-US"/>
           </a:p>
@@ -8171,7 +8171,12 @@
             <p:ph type="body" sz="quarter" idx="10"/>
           </p:nvPr>
         </p:nvSpPr>
-        <p:spPr/>
+        <p:spPr>
+          <a:xfrm>
+            <a:off x="190402" y="1196125"/>
+            <a:ext cx="7075598" cy="5528766"/>
+          </a:xfrm>
+        </p:spPr>
         <p:txBody>
           <a:bodyPr>
             <a:normAutofit/>
@@ -8179,7 +8184,7 @@
           <a:lstStyle/>
           <a:p>
             <a:r>
-              <a:rPr lang="bg-BG" sz="2800" b="1" dirty="0">
+              <a:rPr lang="bg-BG" sz="3000" b="1" dirty="0">
                 <a:solidFill>
                   <a:schemeClr val="bg1"/>
                 </a:solidFill>
@@ -8187,86 +8192,86 @@
               <a:t>Добра практика </a:t>
             </a:r>
             <a:r>
+              <a:rPr lang="bg-BG" sz="3000" dirty="0"/>
+              <a:t>е </a:t>
+            </a:r>
+            <a:r>
+              <a:rPr lang="bg-BG" sz="3000" b="1" dirty="0"/>
+              <a:t>модалните форми </a:t>
+            </a:r>
+            <a:r>
+              <a:rPr lang="bg-BG" sz="3000" dirty="0"/>
+              <a:t>да се ползват за:</a:t>
+            </a:r>
+          </a:p>
+          <a:p>
+            <a:pPr lvl="1"/>
+            <a:r>
+              <a:rPr lang="bg-BG" sz="2800" b="1" dirty="0"/>
+              <a:t>Визуализация</a:t>
+            </a:r>
+            <a:r>
               <a:rPr lang="bg-BG" sz="2800" dirty="0"/>
-              <a:t>е </a:t>
-            </a:r>
+              <a:t> на данни</a:t>
+            </a:r>
+          </a:p>
+          <a:p>
+            <a:pPr lvl="1"/>
             <a:r>
               <a:rPr lang="bg-BG" sz="2800" b="1" dirty="0"/>
-              <a:t>модалните форми </a:t>
+              <a:t>Въвеждане</a:t>
             </a:r>
             <a:r>
               <a:rPr lang="bg-BG" sz="2800" dirty="0"/>
-              <a:t>да се ползват за:</a:t>
+              <a:t> и </a:t>
+            </a:r>
+            <a:r>
+              <a:rPr lang="bg-BG" sz="2800" b="1" dirty="0"/>
+              <a:t>редактиране</a:t>
+            </a:r>
+            <a:r>
+              <a:rPr lang="bg-BG" sz="2800" dirty="0"/>
+              <a:t> на данни</a:t>
+            </a:r>
+          </a:p>
+          <a:p>
+            <a:r>
+              <a:rPr lang="bg-BG" sz="3000" b="1" dirty="0"/>
+              <a:t>Избягвайте да слагате бизнес логика</a:t>
+            </a:r>
+            <a:r>
+              <a:rPr lang="bg-BG" sz="3000" dirty="0"/>
+              <a:t> в модалните форми!</a:t>
             </a:r>
           </a:p>
           <a:p>
             <a:pPr lvl="1"/>
             <a:r>
-              <a:rPr lang="bg-BG" sz="2600" b="1" dirty="0"/>
-              <a:t>Визуализация</a:t>
-            </a:r>
-            <a:r>
-              <a:rPr lang="bg-BG" sz="2600" dirty="0"/>
-              <a:t> на данни</a:t>
-            </a:r>
-          </a:p>
-          <a:p>
-            <a:pPr lvl="1"/>
-            <a:r>
-              <a:rPr lang="bg-BG" sz="2600" b="1" dirty="0"/>
-              <a:t>Въвеждане</a:t>
-            </a:r>
-            <a:r>
-              <a:rPr lang="bg-BG" sz="2600" dirty="0"/>
-              <a:t> и </a:t>
-            </a:r>
-            <a:r>
-              <a:rPr lang="bg-BG" sz="2600" b="1" dirty="0"/>
-              <a:t>редактиране</a:t>
-            </a:r>
-            <a:r>
-              <a:rPr lang="bg-BG" sz="2600" dirty="0"/>
-              <a:t> на данни</a:t>
-            </a:r>
-          </a:p>
-          <a:p>
+              <a:rPr lang="bg-BG" sz="2800" dirty="0"/>
+              <a:t>Съберете </a:t>
+            </a:r>
             <a:r>
               <a:rPr lang="bg-BG" sz="2800" b="1" dirty="0"/>
-              <a:t>Избягвайте да слагате бизнес логика</a:t>
+              <a:t>данните</a:t>
             </a:r>
             <a:r>
               <a:rPr lang="bg-BG" sz="2800" dirty="0"/>
-              <a:t> в модалните форми!</a:t>
-            </a:r>
-          </a:p>
-          <a:p>
-            <a:pPr lvl="1"/>
-            <a:r>
-              <a:rPr lang="bg-BG" sz="2600" dirty="0"/>
-              <a:t>Съберете </a:t>
-            </a:r>
-            <a:r>
-              <a:rPr lang="bg-BG" sz="2600" b="1" dirty="0"/>
-              <a:t>данните</a:t>
-            </a:r>
-            <a:r>
-              <a:rPr lang="bg-BG" sz="2600" dirty="0"/>
               <a:t> от потребителя и ги обработете в </a:t>
             </a:r>
             <a:r>
-              <a:rPr lang="bg-BG" sz="2600" b="1" dirty="0"/>
+              <a:rPr lang="bg-BG" sz="2800" b="1" dirty="0"/>
               <a:t>извикващата</a:t>
             </a:r>
             <a:r>
-              <a:rPr lang="bg-BG" sz="2600" dirty="0"/>
+              <a:rPr lang="bg-BG" sz="2800" dirty="0"/>
               <a:t> </a:t>
             </a:r>
             <a:r>
-              <a:rPr lang="bg-BG" sz="2600" b="1" dirty="0"/>
+              <a:rPr lang="bg-BG" sz="2800" b="1" dirty="0"/>
               <a:t>форма</a:t>
             </a:r>
             <a:r>
-              <a:rPr lang="bg-BG" sz="2600" dirty="0"/>
+              <a:rPr lang="bg-BG" sz="2800" dirty="0"/>
               <a:t> (главната форма на приложението)</a:t>
             </a:r>
           </a:p>
@@ -8337,8 +8342,8 @@
         </p:blipFill>
         <p:spPr>
           <a:xfrm>
-            <a:off x="6591000" y="3955754"/>
-            <a:ext cx="4500000" cy="2638593"/>
+            <a:off x="7207152" y="2610508"/>
+            <a:ext cx="4604727" cy="2700000"/>
           </a:xfrm>
           <a:prstGeom prst="rect">
             <a:avLst/>
@@ -9091,11 +9096,11 @@
           <a:lstStyle/>
           <a:p>
             <a:r>
-              <a:rPr lang="bg-BG" sz="3200" dirty="0"/>
+              <a:rPr lang="bg-BG" sz="3400" dirty="0"/>
               <a:t>Добавяме </a:t>
             </a:r>
             <a:r>
-              <a:rPr lang="bg-BG" sz="3200" b="1" dirty="0">
+              <a:rPr lang="bg-BG" sz="3400" b="1" dirty="0">
                 <a:solidFill>
                   <a:schemeClr val="bg1"/>
                 </a:solidFill>
@@ -9103,18 +9108,18 @@
               <a:t>полета</a:t>
             </a:r>
             <a:r>
-              <a:rPr lang="bg-BG" sz="3200" dirty="0"/>
+              <a:rPr lang="bg-BG" sz="3400" dirty="0"/>
               <a:t> за </a:t>
             </a:r>
             <a:r>
-              <a:rPr lang="bg-BG" sz="3200" b="1" dirty="0">
+              <a:rPr lang="bg-BG" sz="3400" b="1" dirty="0">
                 <a:solidFill>
                   <a:schemeClr val="bg1"/>
                 </a:solidFill>
               </a:rPr>
               <a:t>въвеждане на данни</a:t>
             </a:r>
-            <a:endParaRPr lang="en-US" sz="3200" b="1" dirty="0">
+            <a:endParaRPr lang="en-US" sz="3400" b="1" dirty="0">
               <a:solidFill>
                 <a:schemeClr val="bg1"/>
               </a:solidFill>
@@ -9123,17 +9128,17 @@
           <a:p>
             <a:pPr lvl="1"/>
             <a:r>
-              <a:rPr lang="bg-BG" sz="3000" dirty="0"/>
+              <a:rPr lang="bg-BG" sz="3200" dirty="0"/>
               <a:t>Например полета за добавяне на нов град</a:t>
             </a:r>
           </a:p>
           <a:p>
             <a:r>
-              <a:rPr lang="bg-BG" sz="3200" dirty="0"/>
+              <a:rPr lang="bg-BG" sz="3400" dirty="0"/>
               <a:t>Променяме </a:t>
             </a:r>
             <a:r>
-              <a:rPr lang="bg-BG" sz="3200" b="1" dirty="0">
+              <a:rPr lang="bg-BG" sz="3400" b="1" dirty="0">
                 <a:solidFill>
                   <a:schemeClr val="bg1"/>
                 </a:solidFill>
@@ -9141,18 +9146,18 @@
               <a:t>заглавията </a:t>
             </a:r>
             <a:r>
-              <a:rPr lang="bg-BG" sz="3200" dirty="0"/>
+              <a:rPr lang="bg-BG" sz="3400" dirty="0"/>
               <a:t>и</a:t>
             </a:r>
             <a:r>
-              <a:rPr lang="bg-BG" sz="3200" b="1" dirty="0">
+              <a:rPr lang="bg-BG" sz="3400" b="1" dirty="0">
                 <a:solidFill>
                   <a:schemeClr val="bg1"/>
                 </a:solidFill>
               </a:rPr>
               <a:t> имената</a:t>
             </a:r>
-            <a:endParaRPr lang="en-US" sz="3200" b="1" dirty="0">
+            <a:endParaRPr lang="en-US" sz="3400" b="1" dirty="0">
               <a:solidFill>
                 <a:schemeClr val="bg1"/>
               </a:solidFill>
@@ -10797,7 +10802,31 @@
           <a:p>
             <a:r>
               <a:rPr lang="bg-BG" sz="3200" dirty="0"/>
-              <a:t>Извикваме модалната форма при натискане на даден бутон:</a:t>
+              <a:t>Извикваме </a:t>
+            </a:r>
+            <a:r>
+              <a:rPr lang="bg-BG" sz="3200" b="1" dirty="0"/>
+              <a:t>модалната форма </a:t>
+            </a:r>
+            <a:r>
+              <a:rPr lang="bg-BG" sz="3200" dirty="0"/>
+              <a:t>при </a:t>
+            </a:r>
+            <a:r>
+              <a:rPr lang="bg-BG" sz="3200" b="1" dirty="0"/>
+              <a:t>натискане</a:t>
+            </a:r>
+            <a:r>
+              <a:rPr lang="bg-BG" sz="3200" dirty="0"/>
+              <a:t> на даден </a:t>
+            </a:r>
+            <a:r>
+              <a:rPr lang="bg-BG" sz="3200" b="1" dirty="0"/>
+              <a:t>бутон</a:t>
+            </a:r>
+            <a:r>
+              <a:rPr lang="bg-BG" sz="3200" dirty="0"/>
+              <a:t>:</a:t>
             </a:r>
           </a:p>
         </p:txBody>
@@ -14313,38 +14342,24 @@
                 <a:latin typeface="Consolas" panose="020B0609020204030204" pitchFamily="49" charset="0"/>
                 <a:cs typeface="Consolas" panose="020B0609020204030204" pitchFamily="49" charset="0"/>
               </a:rPr>
-              <a:t>        return </a:t>
-            </a:r>
-            <a:r>
-              <a:rPr lang="en-GB" b="1" dirty="0" err="1">
+              <a:t>        return db.</a:t>
+            </a:r>
+            <a:r>
+              <a:rPr lang="en-GB" b="1" dirty="0">
+                <a:solidFill>
+                  <a:schemeClr val="bg1"/>
+                </a:solidFill>
                 <a:latin typeface="Consolas" panose="020B0609020204030204" pitchFamily="49" charset="0"/>
                 <a:cs typeface="Consolas" panose="020B0609020204030204" pitchFamily="49" charset="0"/>
               </a:rPr>
-              <a:t>db.</a:t>
-            </a:r>
-            <a:r>
-              <a:rPr lang="en-GB" b="1" dirty="0" err="1">
-                <a:solidFill>
-                  <a:schemeClr val="bg1"/>
-                </a:solidFill>
-                <a:latin typeface="Consolas" panose="020B0609020204030204" pitchFamily="49" charset="0"/>
-                <a:cs typeface="Consolas" panose="020B0609020204030204" pitchFamily="49" charset="0"/>
-              </a:rPr>
               <a:t>Towns</a:t>
-            </a:r>
-            <a:r>
-              <a:rPr lang="en-GB" b="1" dirty="0" err="1">
-                <a:latin typeface="Consolas" panose="020B0609020204030204" pitchFamily="49" charset="0"/>
-                <a:cs typeface="Consolas" panose="020B0609020204030204" pitchFamily="49" charset="0"/>
-              </a:rPr>
-              <a:t>.ToList</a:t>
             </a:r>
             <a:r>
               <a:rPr lang="en-GB" b="1" dirty="0">
                 <a:latin typeface="Consolas" panose="020B0609020204030204" pitchFamily="49" charset="0"/>
                 <a:cs typeface="Consolas" panose="020B0609020204030204" pitchFamily="49" charset="0"/>
               </a:rPr>
-              <a:t>();</a:t>
+              <a:t>.ToList();</a:t>
             </a:r>
           </a:p>
           <a:p>
@@ -17793,11 +17808,11 @@
           <a:lstStyle/>
           <a:p>
             <a:r>
-              <a:rPr lang="bg-BG" sz="3200" dirty="0"/>
+              <a:rPr lang="bg-BG" sz="3400" dirty="0"/>
               <a:t>Добавяме </a:t>
             </a:r>
             <a:r>
-              <a:rPr lang="bg-BG" sz="3200" b="1" dirty="0">
+              <a:rPr lang="bg-BG" sz="3400" b="1" dirty="0">
                 <a:solidFill>
                   <a:schemeClr val="bg1"/>
                 </a:solidFill>
@@ -17805,11 +17820,11 @@
               <a:t>контроли</a:t>
             </a:r>
             <a:r>
-              <a:rPr lang="bg-BG" sz="3200" dirty="0"/>
+              <a:rPr lang="bg-BG" sz="3400" dirty="0"/>
               <a:t> за </a:t>
             </a:r>
             <a:r>
-              <a:rPr lang="bg-BG" sz="3200" b="1" dirty="0">
+              <a:rPr lang="bg-BG" sz="3400" b="1" dirty="0">
                 <a:solidFill>
                   <a:schemeClr val="bg1"/>
                 </a:solidFill>
@@ -17817,30 +17832,30 @@
               <a:t>създаване</a:t>
             </a:r>
             <a:r>
-              <a:rPr lang="bg-BG" sz="3200" dirty="0"/>
+              <a:rPr lang="bg-BG" sz="3400" dirty="0"/>
               <a:t> на </a:t>
             </a:r>
             <a:r>
-              <a:rPr lang="bg-BG" sz="3200" b="1" dirty="0"/>
+              <a:rPr lang="bg-BG" sz="3400" b="1" dirty="0"/>
               <a:t>нов</a:t>
             </a:r>
             <a:r>
-              <a:rPr lang="bg-BG" sz="3200" dirty="0"/>
+              <a:rPr lang="bg-BG" sz="3400" dirty="0"/>
               <a:t> </a:t>
             </a:r>
             <a:r>
-              <a:rPr lang="bg-BG" sz="3200" b="1" dirty="0"/>
+              <a:rPr lang="bg-BG" sz="3400" b="1" dirty="0"/>
               <a:t>град</a:t>
             </a:r>
-            <a:endParaRPr lang="en-US" sz="3200" b="1" dirty="0"/>
-          </a:p>
-          <a:p>
-            <a:r>
-              <a:rPr lang="bg-BG" sz="3200" dirty="0"/>
+            <a:endParaRPr lang="en-US" sz="3400" b="1" dirty="0"/>
+          </a:p>
+          <a:p>
+            <a:r>
+              <a:rPr lang="bg-BG" sz="3400" dirty="0"/>
               <a:t>Променяме </a:t>
             </a:r>
             <a:r>
-              <a:rPr lang="bg-BG" sz="3200" b="1" dirty="0">
+              <a:rPr lang="bg-BG" sz="3400" b="1" dirty="0">
                 <a:solidFill>
                   <a:schemeClr val="bg1"/>
                 </a:solidFill>
@@ -17848,18 +17863,18 @@
               <a:t>заглавията </a:t>
             </a:r>
             <a:r>
-              <a:rPr lang="bg-BG" sz="3200" dirty="0"/>
+              <a:rPr lang="bg-BG" sz="3400" dirty="0"/>
               <a:t>и</a:t>
             </a:r>
             <a:r>
-              <a:rPr lang="bg-BG" sz="3200" b="1" dirty="0">
+              <a:rPr lang="bg-BG" sz="3400" b="1" dirty="0">
                 <a:solidFill>
                   <a:schemeClr val="bg1"/>
                 </a:solidFill>
               </a:rPr>
               <a:t> имената</a:t>
             </a:r>
-            <a:endParaRPr lang="en-US" sz="3200" b="1" dirty="0">
+            <a:endParaRPr lang="en-US" sz="3400" b="1" dirty="0">
               <a:solidFill>
                 <a:schemeClr val="bg1"/>
               </a:solidFill>
@@ -19254,38 +19269,38 @@
           </a:lstStyle>
           <a:p>
             <a:r>
-              <a:rPr lang="bg-BG" sz="3200" dirty="0"/>
+              <a:rPr lang="bg-BG" sz="3400" dirty="0"/>
               <a:t>Задаваме следните </a:t>
             </a:r>
             <a:r>
-              <a:rPr lang="bg-BG" sz="3200" b="1" dirty="0"/>
+              <a:rPr lang="bg-BG" sz="3400" b="1" dirty="0"/>
               <a:t>свойства</a:t>
             </a:r>
             <a:r>
-              <a:rPr lang="bg-BG" sz="3200" dirty="0"/>
+              <a:rPr lang="bg-BG" sz="3400" dirty="0"/>
               <a:t> на </a:t>
             </a:r>
             <a:r>
-              <a:rPr lang="bg-BG" sz="3200" b="1" dirty="0"/>
+              <a:rPr lang="bg-BG" sz="3400" b="1" dirty="0"/>
               <a:t>формата</a:t>
             </a:r>
             <a:r>
+              <a:rPr lang="en-US" sz="3400" dirty="0"/>
+              <a:t>:</a:t>
+            </a:r>
+          </a:p>
+          <a:p>
+            <a:pPr lvl="1"/>
+            <a:r>
+              <a:rPr lang="en-US" sz="3200" b="1" dirty="0"/>
+              <a:t>StartPosition </a:t>
+            </a:r>
+            <a:r>
               <a:rPr lang="en-US" sz="3200" dirty="0"/>
-              <a:t>:</a:t>
-            </a:r>
-          </a:p>
-          <a:p>
-            <a:pPr lvl="1"/>
-            <a:r>
-              <a:rPr lang="en-US" sz="3000" b="1" dirty="0"/>
-              <a:t>StartPosition </a:t>
-            </a:r>
-            <a:r>
-              <a:rPr lang="en-US" sz="3000" dirty="0"/>
               <a:t>- </a:t>
             </a:r>
             <a:r>
-              <a:rPr lang="en-US" sz="3000" b="1" dirty="0">
+              <a:rPr lang="en-US" sz="3200" b="1" dirty="0">
                 <a:solidFill>
                   <a:schemeClr val="bg1"/>
                 </a:solidFill>
@@ -19298,15 +19313,15 @@
           <a:p>
             <a:pPr lvl="1"/>
             <a:r>
-              <a:rPr lang="en-US" sz="3000" b="1" dirty="0"/>
+              <a:rPr lang="en-US" sz="3200" b="1" dirty="0"/>
               <a:t>FormBorderStyle</a:t>
             </a:r>
             <a:r>
-              <a:rPr lang="en-US" sz="3000" dirty="0"/>
+              <a:rPr lang="en-US" sz="3200" dirty="0"/>
               <a:t> - </a:t>
             </a:r>
             <a:r>
-              <a:rPr lang="en-US" sz="3000" b="1" dirty="0">
+              <a:rPr lang="en-US" sz="3200" b="1" dirty="0">
                 <a:solidFill>
                   <a:schemeClr val="bg1"/>
                 </a:solidFill>
@@ -19319,15 +19334,15 @@
           <a:p>
             <a:pPr lvl="1"/>
             <a:r>
-              <a:rPr lang="en-US" sz="3000" b="1" dirty="0"/>
+              <a:rPr lang="en-US" sz="3200" b="1" dirty="0"/>
               <a:t>MaximizeBox</a:t>
             </a:r>
             <a:r>
-              <a:rPr lang="en-US" sz="3000" dirty="0"/>
+              <a:rPr lang="en-US" sz="3200" dirty="0"/>
               <a:t> - </a:t>
             </a:r>
             <a:r>
-              <a:rPr lang="en-US" sz="3000" b="1" dirty="0">
+              <a:rPr lang="en-US" sz="3200" b="1" dirty="0">
                 <a:solidFill>
                   <a:schemeClr val="bg1"/>
                 </a:solidFill>
@@ -19340,15 +19355,15 @@
           <a:p>
             <a:pPr lvl="1"/>
             <a:r>
-              <a:rPr lang="en-US" sz="3000" b="1" dirty="0"/>
+              <a:rPr lang="en-US" sz="3200" b="1" dirty="0"/>
               <a:t>MinimizeBox</a:t>
             </a:r>
             <a:r>
-              <a:rPr lang="en-US" sz="3000" dirty="0"/>
+              <a:rPr lang="en-US" sz="3200" dirty="0"/>
               <a:t> - </a:t>
             </a:r>
             <a:r>
-              <a:rPr lang="en-US" sz="3000" b="1" dirty="0">
+              <a:rPr lang="en-US" sz="3200" b="1" dirty="0">
                 <a:solidFill>
                   <a:schemeClr val="bg1"/>
                 </a:solidFill>
@@ -19357,7 +19372,7 @@
               </a:rPr>
               <a:t>False</a:t>
             </a:r>
-            <a:endParaRPr lang="bg-BG" sz="2800" dirty="0">
+            <a:endParaRPr lang="bg-BG" sz="3200" dirty="0">
               <a:latin typeface="Consolas" panose="020B0609020204030204" pitchFamily="49" charset="0"/>
               <a:cs typeface="Consolas" panose="020B0609020204030204" pitchFamily="49" charset="0"/>
             </a:endParaRPr>
@@ -21084,11 +21099,11 @@
           <a:lstStyle/>
           <a:p>
             <a:r>
-              <a:rPr lang="bg-BG" sz="3200" dirty="0"/>
+              <a:rPr lang="bg-BG" sz="3400" dirty="0"/>
               <a:t>Добавяме </a:t>
             </a:r>
             <a:r>
-              <a:rPr lang="bg-BG" sz="3200" b="1" dirty="0">
+              <a:rPr lang="bg-BG" sz="3400" b="1" dirty="0">
                 <a:solidFill>
                   <a:schemeClr val="bg1"/>
                 </a:solidFill>
@@ -21096,11 +21111,11 @@
               <a:t>контроли</a:t>
             </a:r>
             <a:r>
-              <a:rPr lang="bg-BG" sz="3200" dirty="0"/>
+              <a:rPr lang="bg-BG" sz="3400" dirty="0"/>
               <a:t> за </a:t>
             </a:r>
             <a:r>
-              <a:rPr lang="bg-BG" sz="3200" b="1" dirty="0">
+              <a:rPr lang="bg-BG" sz="3400" b="1" dirty="0">
                 <a:solidFill>
                   <a:schemeClr val="bg1"/>
                 </a:solidFill>
@@ -21108,30 +21123,30 @@
               <a:t>редактиране</a:t>
             </a:r>
             <a:r>
-              <a:rPr lang="bg-BG" sz="3200" dirty="0"/>
+              <a:rPr lang="bg-BG" sz="3400" dirty="0"/>
               <a:t> на </a:t>
             </a:r>
             <a:r>
-              <a:rPr lang="bg-BG" sz="3200" b="1" dirty="0"/>
+              <a:rPr lang="bg-BG" sz="3400" b="1" dirty="0"/>
               <a:t>съществуващ</a:t>
             </a:r>
             <a:r>
-              <a:rPr lang="bg-BG" sz="3200" dirty="0"/>
+              <a:rPr lang="bg-BG" sz="3400" dirty="0"/>
               <a:t> </a:t>
             </a:r>
             <a:r>
-              <a:rPr lang="bg-BG" sz="3200" b="1" dirty="0"/>
+              <a:rPr lang="bg-BG" sz="3400" b="1" dirty="0"/>
               <a:t>град</a:t>
             </a:r>
-            <a:endParaRPr lang="en-US" sz="3200" b="1" dirty="0"/>
-          </a:p>
-          <a:p>
-            <a:r>
-              <a:rPr lang="bg-BG" sz="3200" dirty="0"/>
+            <a:endParaRPr lang="en-US" sz="3400" b="1" dirty="0"/>
+          </a:p>
+          <a:p>
+            <a:r>
+              <a:rPr lang="bg-BG" sz="3400" dirty="0"/>
               <a:t>Променяме </a:t>
             </a:r>
             <a:r>
-              <a:rPr lang="bg-BG" sz="3200" b="1" dirty="0">
+              <a:rPr lang="bg-BG" sz="3400" b="1" dirty="0">
                 <a:solidFill>
                   <a:schemeClr val="bg1"/>
                 </a:solidFill>
@@ -21139,18 +21154,18 @@
               <a:t>заглавията </a:t>
             </a:r>
             <a:r>
-              <a:rPr lang="bg-BG" sz="3200" dirty="0"/>
+              <a:rPr lang="bg-BG" sz="3400" dirty="0"/>
               <a:t>и</a:t>
             </a:r>
             <a:r>
-              <a:rPr lang="bg-BG" sz="3200" b="1" dirty="0">
+              <a:rPr lang="bg-BG" sz="3400" b="1" dirty="0">
                 <a:solidFill>
                   <a:schemeClr val="bg1"/>
                 </a:solidFill>
               </a:rPr>
               <a:t> имената</a:t>
             </a:r>
-            <a:endParaRPr lang="en-US" sz="3200" b="1" dirty="0">
+            <a:endParaRPr lang="en-US" sz="3400" b="1" dirty="0">
               <a:solidFill>
                 <a:schemeClr val="bg1"/>
               </a:solidFill>
@@ -21720,7 +21735,7 @@
             </a:r>
             <a:r>
               <a:rPr lang="bg-BG" sz="2400" dirty="0"/>
-              <a:t> подаване </a:t>
+              <a:t> подаваме </a:t>
             </a:r>
             <a:r>
               <a:rPr lang="bg-BG" sz="2400" b="1" dirty="0"/>
@@ -22700,38 +22715,38 @@
           </a:lstStyle>
           <a:p>
             <a:r>
-              <a:rPr lang="bg-BG" sz="3200" dirty="0"/>
+              <a:rPr lang="bg-BG" sz="3400" dirty="0"/>
               <a:t>Задаваме следните </a:t>
             </a:r>
             <a:r>
-              <a:rPr lang="bg-BG" sz="3200" b="1" dirty="0"/>
+              <a:rPr lang="bg-BG" sz="3400" b="1" dirty="0"/>
               <a:t>свойства</a:t>
             </a:r>
             <a:r>
-              <a:rPr lang="bg-BG" sz="3200" dirty="0"/>
+              <a:rPr lang="bg-BG" sz="3400" dirty="0"/>
               <a:t> на </a:t>
             </a:r>
             <a:r>
-              <a:rPr lang="bg-BG" sz="3200" b="1" dirty="0"/>
+              <a:rPr lang="bg-BG" sz="3400" b="1" dirty="0"/>
               <a:t>формата</a:t>
             </a:r>
             <a:r>
+              <a:rPr lang="en-US" sz="3400" dirty="0"/>
+              <a:t>:</a:t>
+            </a:r>
+          </a:p>
+          <a:p>
+            <a:pPr lvl="1"/>
+            <a:r>
+              <a:rPr lang="en-US" sz="3200" b="1" dirty="0"/>
+              <a:t>StartPosition </a:t>
+            </a:r>
+            <a:r>
               <a:rPr lang="en-US" sz="3200" dirty="0"/>
-              <a:t>:</a:t>
-            </a:r>
-          </a:p>
-          <a:p>
-            <a:pPr lvl="1"/>
-            <a:r>
-              <a:rPr lang="en-US" sz="3000" b="1" dirty="0"/>
-              <a:t>StartPosition </a:t>
-            </a:r>
-            <a:r>
-              <a:rPr lang="en-US" sz="3000" dirty="0"/>
               <a:t>- </a:t>
             </a:r>
             <a:r>
-              <a:rPr lang="en-US" sz="3000" b="1" dirty="0">
+              <a:rPr lang="en-US" sz="3200" b="1" dirty="0">
                 <a:solidFill>
                   <a:schemeClr val="bg1"/>
                 </a:solidFill>
@@ -22744,15 +22759,15 @@
           <a:p>
             <a:pPr lvl="1"/>
             <a:r>
-              <a:rPr lang="en-US" sz="3000" b="1" dirty="0"/>
+              <a:rPr lang="en-US" sz="3200" b="1" dirty="0"/>
               <a:t>FormBorderStyle</a:t>
             </a:r>
             <a:r>
-              <a:rPr lang="en-US" sz="3000" dirty="0"/>
+              <a:rPr lang="en-US" sz="3200" dirty="0"/>
               <a:t> - </a:t>
             </a:r>
             <a:r>
-              <a:rPr lang="en-US" sz="3000" b="1" dirty="0">
+              <a:rPr lang="en-US" sz="3200" b="1" dirty="0">
                 <a:solidFill>
                   <a:schemeClr val="bg1"/>
                 </a:solidFill>
@@ -22765,15 +22780,15 @@
           <a:p>
             <a:pPr lvl="1"/>
             <a:r>
-              <a:rPr lang="en-US" sz="3000" b="1" dirty="0"/>
+              <a:rPr lang="en-US" sz="3200" b="1" dirty="0"/>
               <a:t>MaximizeBox</a:t>
             </a:r>
             <a:r>
-              <a:rPr lang="en-US" sz="3000" dirty="0"/>
+              <a:rPr lang="en-US" sz="3200" dirty="0"/>
               <a:t> - </a:t>
             </a:r>
             <a:r>
-              <a:rPr lang="en-US" sz="3000" b="1" dirty="0">
+              <a:rPr lang="en-US" sz="3200" b="1" dirty="0">
                 <a:solidFill>
                   <a:schemeClr val="bg1"/>
                 </a:solidFill>
@@ -22786,15 +22801,15 @@
           <a:p>
             <a:pPr lvl="1"/>
             <a:r>
-              <a:rPr lang="en-US" sz="3000" b="1" dirty="0"/>
+              <a:rPr lang="en-US" sz="3200" b="1" dirty="0"/>
               <a:t>MinimizeBox</a:t>
             </a:r>
             <a:r>
-              <a:rPr lang="en-US" sz="3000" dirty="0"/>
+              <a:rPr lang="en-US" sz="3200" dirty="0"/>
               <a:t> - </a:t>
             </a:r>
             <a:r>
-              <a:rPr lang="en-US" sz="3000" b="1" dirty="0">
+              <a:rPr lang="en-US" sz="3200" b="1" dirty="0">
                 <a:solidFill>
                   <a:schemeClr val="bg1"/>
                 </a:solidFill>
@@ -22803,7 +22818,7 @@
               </a:rPr>
               <a:t>False</a:t>
             </a:r>
-            <a:endParaRPr lang="bg-BG" sz="2800" dirty="0">
+            <a:endParaRPr lang="bg-BG" sz="3200" dirty="0">
               <a:latin typeface="Consolas" panose="020B0609020204030204" pitchFamily="49" charset="0"/>
               <a:cs typeface="Consolas" panose="020B0609020204030204" pitchFamily="49" charset="0"/>
             </a:endParaRPr>
@@ -24522,11 +24537,11 @@
           <a:lstStyle/>
           <a:p>
             <a:r>
-              <a:rPr lang="bg-BG" sz="3200" dirty="0"/>
+              <a:rPr lang="bg-BG" sz="3400" dirty="0"/>
               <a:t>Добавяме </a:t>
             </a:r>
             <a:r>
-              <a:rPr lang="bg-BG" sz="3200" b="1" dirty="0">
+              <a:rPr lang="bg-BG" sz="3400" b="1" dirty="0">
                 <a:solidFill>
                   <a:schemeClr val="bg1"/>
                 </a:solidFill>
@@ -24534,11 +24549,11 @@
               <a:t>контроли</a:t>
             </a:r>
             <a:r>
-              <a:rPr lang="bg-BG" sz="3200" dirty="0"/>
+              <a:rPr lang="bg-BG" sz="3400" dirty="0"/>
               <a:t> за </a:t>
             </a:r>
             <a:r>
-              <a:rPr lang="bg-BG" sz="3200" b="1" dirty="0">
+              <a:rPr lang="bg-BG" sz="3400" b="1" dirty="0">
                 <a:solidFill>
                   <a:schemeClr val="bg1"/>
                 </a:solidFill>
@@ -24546,30 +24561,30 @@
               <a:t>изтриване</a:t>
             </a:r>
             <a:r>
-              <a:rPr lang="bg-BG" sz="3200" dirty="0"/>
+              <a:rPr lang="bg-BG" sz="3400" dirty="0"/>
               <a:t> на </a:t>
             </a:r>
             <a:r>
-              <a:rPr lang="bg-BG" sz="3200" b="1" dirty="0"/>
+              <a:rPr lang="bg-BG" sz="3400" b="1" dirty="0"/>
               <a:t>съществуващ</a:t>
             </a:r>
             <a:r>
-              <a:rPr lang="bg-BG" sz="3200" dirty="0"/>
+              <a:rPr lang="bg-BG" sz="3400" dirty="0"/>
               <a:t> </a:t>
             </a:r>
             <a:r>
-              <a:rPr lang="bg-BG" sz="3200" b="1" dirty="0"/>
+              <a:rPr lang="bg-BG" sz="3400" b="1" dirty="0"/>
               <a:t>ред</a:t>
             </a:r>
-            <a:endParaRPr lang="en-US" sz="3200" b="1" dirty="0"/>
-          </a:p>
-          <a:p>
-            <a:r>
-              <a:rPr lang="bg-BG" sz="3200" dirty="0"/>
+            <a:endParaRPr lang="en-US" sz="3400" b="1" dirty="0"/>
+          </a:p>
+          <a:p>
+            <a:r>
+              <a:rPr lang="bg-BG" sz="3400" dirty="0"/>
               <a:t>Променяме </a:t>
             </a:r>
             <a:r>
-              <a:rPr lang="bg-BG" sz="3200" b="1" dirty="0">
+              <a:rPr lang="bg-BG" sz="3400" b="1" dirty="0">
                 <a:solidFill>
                   <a:schemeClr val="bg1"/>
                 </a:solidFill>
@@ -24577,18 +24592,18 @@
               <a:t>заглавията </a:t>
             </a:r>
             <a:r>
-              <a:rPr lang="bg-BG" sz="3200" dirty="0"/>
+              <a:rPr lang="bg-BG" sz="3400" dirty="0"/>
               <a:t>и</a:t>
             </a:r>
             <a:r>
-              <a:rPr lang="bg-BG" sz="3200" b="1" dirty="0">
+              <a:rPr lang="bg-BG" sz="3400" b="1" dirty="0">
                 <a:solidFill>
                   <a:schemeClr val="bg1"/>
                 </a:solidFill>
               </a:rPr>
               <a:t> имената</a:t>
             </a:r>
-            <a:endParaRPr lang="en-US" sz="3200" b="1" dirty="0">
+            <a:endParaRPr lang="en-US" sz="3400" b="1" dirty="0">
               <a:solidFill>
                 <a:schemeClr val="bg1"/>
               </a:solidFill>
@@ -32098,8 +32113,8 @@
         </p:nvSpPr>
         <p:spPr>
           <a:xfrm>
-            <a:off x="446129" y="2124853"/>
-            <a:ext cx="11306901" cy="4401205"/>
+            <a:off x="334183" y="1823408"/>
+            <a:ext cx="11306901" cy="4832092"/>
           </a:xfrm>
           <a:prstGeom prst="rect">
             <a:avLst/>
@@ -32136,7 +32151,7 @@
               <a:buSzPct val="70000"/>
             </a:pPr>
             <a:r>
-              <a:rPr lang="en-US" sz="2000" b="1" noProof="1">
+              <a:rPr lang="en-US" sz="2200" b="1" noProof="1">
                 <a:latin typeface="Consolas" pitchFamily="49" charset="0"/>
                 <a:cs typeface="Consolas" pitchFamily="49" charset="0"/>
               </a:rPr>
@@ -32154,13 +32169,13 @@
               <a:buSzPct val="70000"/>
             </a:pPr>
             <a:r>
-              <a:rPr lang="en-US" sz="2000" b="1" noProof="1">
+              <a:rPr lang="en-US" sz="2200" b="1" noProof="1">
                 <a:latin typeface="Consolas" pitchFamily="49" charset="0"/>
                 <a:cs typeface="Consolas" pitchFamily="49" charset="0"/>
               </a:rPr>
               <a:t>{</a:t>
             </a:r>
-            <a:endParaRPr lang="bg-BG" sz="2000" b="1" noProof="1">
+            <a:endParaRPr lang="bg-BG" sz="2200" b="1" noProof="1">
               <a:latin typeface="Consolas" pitchFamily="49" charset="0"/>
               <a:cs typeface="Consolas" pitchFamily="49" charset="0"/>
             </a:endParaRPr>
@@ -32176,13 +32191,13 @@
               <a:buSzPct val="70000"/>
             </a:pPr>
             <a:r>
-              <a:rPr lang="en-US" sz="2000" b="1" noProof="1">
+              <a:rPr lang="en-US" sz="2200" b="1" noProof="1">
                 <a:latin typeface="Consolas" pitchFamily="49" charset="0"/>
                 <a:cs typeface="Consolas" pitchFamily="49" charset="0"/>
               </a:rPr>
               <a:t>    using (var dbContext = new SoftUniContext())</a:t>
             </a:r>
-            <a:endParaRPr lang="bg-BG" sz="2000" b="1" noProof="1">
+            <a:endParaRPr lang="bg-BG" sz="2200" b="1" noProof="1">
               <a:latin typeface="Consolas" pitchFamily="49" charset="0"/>
               <a:cs typeface="Consolas" pitchFamily="49" charset="0"/>
             </a:endParaRPr>
@@ -32198,7 +32213,7 @@
               <a:buSzPct val="70000"/>
             </a:pPr>
             <a:r>
-              <a:rPr lang="en-US" sz="2000" b="1" noProof="1">
+              <a:rPr lang="en-US" sz="2200" b="1" noProof="1">
                 <a:latin typeface="Consolas" pitchFamily="49" charset="0"/>
                 <a:cs typeface="Consolas" pitchFamily="49" charset="0"/>
               </a:rPr>
@@ -32216,14 +32231,14 @@
               <a:buSzPct val="70000"/>
             </a:pPr>
             <a:r>
-              <a:rPr lang="en-US" sz="2000" b="1" noProof="1">
+              <a:rPr lang="en-US" sz="2200" b="1" noProof="1">
                 <a:latin typeface="Consolas" pitchFamily="49" charset="0"/>
                 <a:cs typeface="Consolas" pitchFamily="49" charset="0"/>
               </a:rPr>
               <a:t>        var </a:t>
             </a:r>
             <a:r>
-              <a:rPr lang="en-US" sz="2000" b="1" noProof="1">
+              <a:rPr lang="en-US" sz="2200" b="1" noProof="1">
                 <a:solidFill>
                   <a:schemeClr val="bg1"/>
                 </a:solidFill>
@@ -32233,14 +32248,14 @@
               <a:t>project</a:t>
             </a:r>
             <a:r>
-              <a:rPr lang="en-US" sz="2000" b="1" noProof="1">
+              <a:rPr lang="en-US" sz="2200" b="1" noProof="1">
                 <a:latin typeface="Consolas" pitchFamily="49" charset="0"/>
                 <a:cs typeface="Consolas" pitchFamily="49" charset="0"/>
               </a:rPr>
               <a:t> = new </a:t>
             </a:r>
             <a:r>
-              <a:rPr lang="en-US" sz="2000" b="1" noProof="1">
+              <a:rPr lang="en-US" sz="2200" b="1" noProof="1">
                 <a:solidFill>
                   <a:schemeClr val="bg1"/>
                 </a:solidFill>
@@ -32250,7 +32265,7 @@
               <a:t>Project</a:t>
             </a:r>
             <a:r>
-              <a:rPr lang="en-US" sz="2000" b="1" noProof="1">
+              <a:rPr lang="en-US" sz="2200" b="1" noProof="1">
                 <a:latin typeface="Consolas" pitchFamily="49" charset="0"/>
                 <a:cs typeface="Consolas" pitchFamily="49" charset="0"/>
               </a:rPr>
@@ -32268,7 +32283,7 @@
               <a:buSzPct val="70000"/>
             </a:pPr>
             <a:r>
-              <a:rPr lang="en-US" sz="2000" b="1" noProof="1">
+              <a:rPr lang="en-US" sz="2200" b="1" noProof="1">
                 <a:latin typeface="Consolas" pitchFamily="49" charset="0"/>
                 <a:cs typeface="Consolas" pitchFamily="49" charset="0"/>
               </a:rPr>
@@ -32286,14 +32301,14 @@
               <a:buSzPct val="70000"/>
             </a:pPr>
             <a:r>
-              <a:rPr lang="en-US" sz="2000" b="1" noProof="1">
+              <a:rPr lang="en-US" sz="2200" b="1" noProof="1">
                 <a:latin typeface="Consolas" pitchFamily="49" charset="0"/>
                 <a:cs typeface="Consolas" pitchFamily="49" charset="0"/>
               </a:rPr>
               <a:t>            </a:t>
             </a:r>
             <a:r>
-              <a:rPr lang="en-US" sz="2000" b="1" noProof="1">
+              <a:rPr lang="en-US" sz="2200" b="1" noProof="1">
                 <a:solidFill>
                   <a:schemeClr val="bg1"/>
                 </a:solidFill>
@@ -32303,7 +32318,7 @@
               <a:t>Name</a:t>
             </a:r>
             <a:r>
-              <a:rPr lang="en-US" sz="2000" b="1" noProof="1">
+              <a:rPr lang="en-US" sz="2200" b="1" noProof="1">
                 <a:latin typeface="Consolas" pitchFamily="49" charset="0"/>
                 <a:cs typeface="Consolas" pitchFamily="49" charset="0"/>
               </a:rPr>
@@ -32321,14 +32336,14 @@
               <a:buSzPct val="70000"/>
             </a:pPr>
             <a:r>
-              <a:rPr lang="en-US" sz="2000" b="1" noProof="1">
+              <a:rPr lang="en-US" sz="2200" b="1" noProof="1">
                 <a:latin typeface="Consolas" pitchFamily="49" charset="0"/>
                 <a:cs typeface="Consolas" pitchFamily="49" charset="0"/>
               </a:rPr>
               <a:t>            </a:t>
             </a:r>
             <a:r>
-              <a:rPr lang="en-US" sz="2000" b="1" noProof="1">
+              <a:rPr lang="en-US" sz="2200" b="1" noProof="1">
                 <a:solidFill>
                   <a:schemeClr val="bg1"/>
                 </a:solidFill>
@@ -32338,7 +32353,7 @@
               <a:t>StartDate</a:t>
             </a:r>
             <a:r>
-              <a:rPr lang="en-US" sz="2000" b="1" noProof="1">
+              <a:rPr lang="en-US" sz="2200" b="1" noProof="1">
                 <a:latin typeface="Consolas" pitchFamily="49" charset="0"/>
                 <a:cs typeface="Consolas" pitchFamily="49" charset="0"/>
               </a:rPr>
@@ -32356,7 +32371,7 @@
               <a:buSzPct val="70000"/>
             </a:pPr>
             <a:r>
-              <a:rPr lang="en-US" sz="2000" b="1" noProof="1">
+              <a:rPr lang="en-US" sz="2200" b="1" noProof="1">
                 <a:latin typeface="Consolas" pitchFamily="49" charset="0"/>
                 <a:cs typeface="Consolas" pitchFamily="49" charset="0"/>
               </a:rPr>
@@ -32373,7 +32388,7 @@
               </a:buClr>
               <a:buSzPct val="70000"/>
             </a:pPr>
-            <a:endParaRPr lang="en-US" sz="2000" b="1" noProof="1">
+            <a:endParaRPr lang="en-US" sz="2200" b="1" noProof="1">
               <a:latin typeface="Consolas" pitchFamily="49" charset="0"/>
               <a:cs typeface="Consolas" pitchFamily="49" charset="0"/>
             </a:endParaRPr>
@@ -32389,14 +32404,14 @@
               <a:buSzPct val="70000"/>
             </a:pPr>
             <a:r>
-              <a:rPr lang="en-US" sz="2000" b="1" noProof="1">
+              <a:rPr lang="en-US" sz="2200" b="1" noProof="1">
                 <a:latin typeface="Consolas" pitchFamily="49" charset="0"/>
                 <a:cs typeface="Consolas" pitchFamily="49" charset="0"/>
               </a:rPr>
               <a:t>        dbContext.Projects.</a:t>
             </a:r>
             <a:r>
-              <a:rPr lang="en-US" sz="2000" b="1" noProof="1">
+              <a:rPr lang="en-US" sz="2200" b="1" noProof="1">
                 <a:solidFill>
                   <a:schemeClr val="bg1"/>
                 </a:solidFill>
@@ -32406,7 +32421,7 @@
               <a:t>Add(project)</a:t>
             </a:r>
             <a:r>
-              <a:rPr lang="en-US" sz="2000" b="1" noProof="1">
+              <a:rPr lang="en-US" sz="2200" b="1" noProof="1">
                 <a:latin typeface="Consolas" pitchFamily="49" charset="0"/>
                 <a:cs typeface="Consolas" pitchFamily="49" charset="0"/>
               </a:rPr>
@@ -32424,14 +32439,14 @@
               <a:buSzPct val="70000"/>
             </a:pPr>
             <a:r>
-              <a:rPr lang="en-US" sz="2000" b="1" noProof="1">
+              <a:rPr lang="en-US" sz="2200" b="1" noProof="1">
                 <a:latin typeface="Consolas" pitchFamily="49" charset="0"/>
                 <a:cs typeface="Consolas" pitchFamily="49" charset="0"/>
               </a:rPr>
               <a:t>        dbContext.</a:t>
             </a:r>
             <a:r>
-              <a:rPr lang="en-US" sz="2000" b="1" noProof="1">
+              <a:rPr lang="en-US" sz="2200" b="1" noProof="1">
                 <a:solidFill>
                   <a:schemeClr val="bg1"/>
                 </a:solidFill>
@@ -32441,7 +32456,7 @@
               <a:t>SaveChanges()</a:t>
             </a:r>
             <a:r>
-              <a:rPr lang="en-US" sz="2000" b="1" noProof="1">
+              <a:rPr lang="en-US" sz="2200" b="1" noProof="1">
                 <a:latin typeface="Consolas" pitchFamily="49" charset="0"/>
                 <a:cs typeface="Consolas" pitchFamily="49" charset="0"/>
               </a:rPr>
@@ -32459,7 +32474,7 @@
               <a:buSzPct val="70000"/>
             </a:pPr>
             <a:r>
-              <a:rPr lang="en-US" sz="2000" b="1" noProof="1">
+              <a:rPr lang="en-US" sz="2200" b="1" noProof="1">
                 <a:latin typeface="Consolas" pitchFamily="49" charset="0"/>
                 <a:cs typeface="Consolas" pitchFamily="49" charset="0"/>
               </a:rPr>
@@ -32477,7 +32492,7 @@
               <a:buSzPct val="70000"/>
             </a:pPr>
             <a:r>
-              <a:rPr lang="en-US" sz="2000" b="1" noProof="1">
+              <a:rPr lang="en-US" sz="2200" b="1" noProof="1">
                 <a:latin typeface="Consolas" pitchFamily="49" charset="0"/>
                 <a:cs typeface="Consolas" pitchFamily="49" charset="0"/>
               </a:rPr>
@@ -32502,7 +32517,7 @@
         </p:nvSpPr>
         <p:spPr bwMode="auto">
           <a:xfrm>
-            <a:off x="6088569" y="5650355"/>
+            <a:off x="6182442" y="5661875"/>
             <a:ext cx="4278558" cy="510609"/>
           </a:xfrm>
           <a:prstGeom prst="wedgeRoundRectCallout">
@@ -32628,7 +32643,7 @@
         </p:nvSpPr>
         <p:spPr bwMode="auto">
           <a:xfrm>
-            <a:off x="6336581" y="3041418"/>
+            <a:off x="6672488" y="2969455"/>
             <a:ext cx="2475186" cy="919090"/>
           </a:xfrm>
           <a:prstGeom prst="wedgeRoundRectCallout">
@@ -32680,7 +32695,7 @@
           <a:p>
             <a:pPr algn="ctr" eaLnBrk="0" hangingPunct="0"/>
             <a:r>
-              <a:rPr lang="bg-BG" sz="2399" b="1" noProof="1">
+              <a:rPr lang="bg-BG" sz="2400" b="1" noProof="1">
                 <a:solidFill>
                   <a:schemeClr val="bg2"/>
                 </a:solidFill>
@@ -32688,7 +32703,7 @@
               <a:t>Създаваме нов </a:t>
             </a:r>
             <a:r>
-              <a:rPr lang="en-US" sz="2399" b="1" noProof="1">
+              <a:rPr lang="en-US" sz="2400" b="1" noProof="1">
                 <a:solidFill>
                   <a:schemeClr val="accent1">
                     <a:lumMod val="60000"/>
@@ -32699,7 +32714,7 @@
               <a:t>Project</a:t>
             </a:r>
             <a:r>
-              <a:rPr lang="en-US" sz="2399" b="1" noProof="1">
+              <a:rPr lang="en-US" sz="2400" b="1" noProof="1">
                 <a:solidFill>
                   <a:schemeClr val="bg1">
                     <a:lumMod val="60000"/>
@@ -32710,14 +32725,14 @@
               <a:t> </a:t>
             </a:r>
             <a:r>
-              <a:rPr lang="bg-BG" sz="2399" b="1" noProof="1">
+              <a:rPr lang="bg-BG" sz="2400" b="1" noProof="1">
                 <a:solidFill>
                   <a:schemeClr val="bg2"/>
                 </a:solidFill>
               </a:rPr>
               <a:t>обект</a:t>
             </a:r>
-            <a:endParaRPr lang="en-US" sz="2399" b="1" noProof="1">
+            <a:endParaRPr lang="en-US" sz="2400" b="1" noProof="1">
               <a:solidFill>
                 <a:schemeClr val="bg2"/>
               </a:solidFill>
@@ -32741,7 +32756,7 @@
         </p:nvSpPr>
         <p:spPr bwMode="auto">
           <a:xfrm>
-            <a:off x="6672488" y="4940913"/>
+            <a:off x="7008395" y="4900514"/>
             <a:ext cx="4278558" cy="510609"/>
           </a:xfrm>
           <a:prstGeom prst="wedgeRoundRectCallout">

--- a/Courses/Software-Sciences/Module-4-Information-Systems-New/06-CRUD-with-EF-and-Windows-Forms/06-CRUD-with-EF-Core-and-Windows-Forms.pptx
+++ b/Courses/Software-Sciences/Module-4-Information-Systems-New/06-CRUD-with-EF-and-Windows-Forms/06-CRUD-with-EF-Core-and-Windows-Forms.pptx
@@ -353,7 +353,7 @@
           <a:p>
             <a:fld id="{4E087215-0C8F-4762-A664-737A353EC9A4}" type="datetimeFigureOut">
               <a:rPr lang="bg-BG" smtClean="0"/>
-              <a:t>19.12.24 г.</a:t>
+              <a:t>23.12.2024 г.</a:t>
             </a:fld>
             <a:endParaRPr lang="bg-BG"/>
           </a:p>
@@ -549,7 +549,7 @@
           <a:p>
             <a:fld id="{72D84649-876A-46C9-8472-14CB09C070D8}" type="datetimeFigureOut">
               <a:rPr lang="en-US" smtClean="0"/>
-              <a:t>12/19/24</a:t>
+              <a:t>12/23/2024</a:t>
             </a:fld>
             <a:endParaRPr lang="en-US"/>
           </a:p>
@@ -16972,6 +16972,51 @@
                       </p:childTnLst>
                     </p:cTn>
                   </p:par>
+                  <p:par>
+                    <p:cTn id="15" fill="hold">
+                      <p:stCondLst>
+                        <p:cond delay="indefinite"/>
+                      </p:stCondLst>
+                      <p:childTnLst>
+                        <p:par>
+                          <p:cTn id="16" fill="hold">
+                            <p:stCondLst>
+                              <p:cond delay="0"/>
+                            </p:stCondLst>
+                            <p:childTnLst>
+                              <p:par>
+                                <p:cTn id="17" presetID="1" presetClass="entr" presetSubtype="0" fill="hold" nodeType="clickEffect">
+                                  <p:stCondLst>
+                                    <p:cond delay="0"/>
+                                  </p:stCondLst>
+                                  <p:childTnLst>
+                                    <p:set>
+                                      <p:cBhvr>
+                                        <p:cTn id="18" dur="1" fill="hold">
+                                          <p:stCondLst>
+                                            <p:cond delay="0"/>
+                                          </p:stCondLst>
+                                        </p:cTn>
+                                        <p:tgtEl>
+                                          <p:spTgt spid="7"/>
+                                        </p:tgtEl>
+                                        <p:attrNameLst>
+                                          <p:attrName>style.visibility</p:attrName>
+                                        </p:attrNameLst>
+                                      </p:cBhvr>
+                                      <p:to>
+                                        <p:strVal val="visible"/>
+                                      </p:to>
+                                    </p:set>
+                                  </p:childTnLst>
+                                </p:cTn>
+                              </p:par>
+                            </p:childTnLst>
+                          </p:cTn>
+                        </p:par>
+                      </p:childTnLst>
+                    </p:cTn>
+                  </p:par>
                 </p:childTnLst>
               </p:cTn>
               <p:prevCondLst>
@@ -24196,7 +24241,7 @@
         <p:spPr>
           <a:xfrm>
             <a:off x="518236" y="1314000"/>
-            <a:ext cx="11155528" cy="4524315"/>
+            <a:ext cx="11155528" cy="5262979"/>
           </a:xfrm>
           <a:prstGeom prst="rect">
             <a:avLst/>
@@ -24229,7 +24274,7 @@
               </a:lnSpc>
             </a:pPr>
             <a:r>
-              <a:rPr lang="en-GB" sz="2400" b="1" noProof="1">
+              <a:rPr lang="en-GB" sz="2800" b="1" noProof="1">
                 <a:latin typeface="Consolas" panose="020B0609020204030204" pitchFamily="49" charset="0"/>
               </a:rPr>
               <a:t>private void EditTown(Town town)</a:t>
@@ -24242,7 +24287,7 @@
               </a:lnSpc>
             </a:pPr>
             <a:r>
-              <a:rPr lang="en-GB" sz="2400" b="1" noProof="1">
+              <a:rPr lang="en-GB" sz="2800" b="1" noProof="1">
                 <a:latin typeface="Consolas" panose="020B0609020204030204" pitchFamily="49" charset="0"/>
               </a:rPr>
               <a:t>{</a:t>
@@ -24255,13 +24300,13 @@
               </a:lnSpc>
             </a:pPr>
             <a:r>
-              <a:rPr lang="en-GB" sz="2400" b="1" noProof="1">
+              <a:rPr lang="en-GB" sz="2800" b="1" noProof="1">
                 <a:latin typeface="Consolas" panose="020B0609020204030204" pitchFamily="49" charset="0"/>
               </a:rPr>
               <a:t>    using (var dbContext = new </a:t>
             </a:r>
             <a:r>
-              <a:rPr lang="en-GB" sz="2400" b="1" noProof="1">
+              <a:rPr lang="en-GB" sz="2800" b="1" noProof="1">
                 <a:solidFill>
                   <a:schemeClr val="bg1"/>
                 </a:solidFill>
@@ -24270,7 +24315,7 @@
               <a:t>TownsDbContext</a:t>
             </a:r>
             <a:r>
-              <a:rPr lang="en-GB" sz="2400" b="1" noProof="1">
+              <a:rPr lang="en-GB" sz="2800" b="1" noProof="1">
                 <a:latin typeface="Consolas" panose="020B0609020204030204" pitchFamily="49" charset="0"/>
               </a:rPr>
               <a:t>())</a:t>
@@ -24283,7 +24328,7 @@
               </a:lnSpc>
             </a:pPr>
             <a:r>
-              <a:rPr lang="en-GB" sz="2400" b="1" noProof="1">
+              <a:rPr lang="en-GB" sz="2800" b="1" noProof="1">
                 <a:latin typeface="Consolas" panose="020B0609020204030204" pitchFamily="49" charset="0"/>
               </a:rPr>
               <a:t>    {</a:t>
@@ -24296,7 +24341,7 @@
               </a:lnSpc>
             </a:pPr>
             <a:r>
-              <a:rPr lang="en-GB" sz="2400" b="1" noProof="1">
+              <a:rPr lang="en-GB" sz="2800" b="1" noProof="1">
                 <a:latin typeface="Consolas" panose="020B0609020204030204" pitchFamily="49" charset="0"/>
               </a:rPr>
               <a:t>        if (town != null)</a:t>
@@ -24309,7 +24354,7 @@
               </a:lnSpc>
             </a:pPr>
             <a:r>
-              <a:rPr lang="en-GB" sz="2400" b="1" noProof="1">
+              <a:rPr lang="en-GB" sz="2800" b="1" noProof="1">
                 <a:latin typeface="Consolas" panose="020B0609020204030204" pitchFamily="49" charset="0"/>
               </a:rPr>
               <a:t>        {</a:t>
@@ -24322,13 +24367,13 @@
               </a:lnSpc>
             </a:pPr>
             <a:r>
-              <a:rPr lang="en-GB" sz="2400" b="1" noProof="1">
+              <a:rPr lang="en-GB" sz="2800" b="1" noProof="1">
                 <a:latin typeface="Consolas" panose="020B0609020204030204" pitchFamily="49" charset="0"/>
               </a:rPr>
               <a:t>            dbContext.Towns.</a:t>
             </a:r>
             <a:r>
-              <a:rPr lang="en-GB" sz="2400" b="1" noProof="1">
+              <a:rPr lang="en-GB" sz="2800" b="1" noProof="1">
                 <a:solidFill>
                   <a:schemeClr val="bg1"/>
                 </a:solidFill>
@@ -24337,12 +24382,12 @@
               <a:t>FirstOrDefault</a:t>
             </a:r>
             <a:r>
-              <a:rPr lang="en-GB" sz="2400" b="1" noProof="1">
+              <a:rPr lang="en-GB" sz="2800" b="1" noProof="1">
                 <a:latin typeface="Consolas" panose="020B0609020204030204" pitchFamily="49" charset="0"/>
               </a:rPr>
               <a:t>(</a:t>
             </a:r>
-            <a:endParaRPr lang="bg-BG" sz="2400" b="1" noProof="1">
+            <a:endParaRPr lang="bg-BG" sz="2800" b="1" noProof="1">
               <a:latin typeface="Consolas" panose="020B0609020204030204" pitchFamily="49" charset="0"/>
             </a:endParaRPr>
           </a:p>
@@ -24353,19 +24398,19 @@
               </a:lnSpc>
             </a:pPr>
             <a:r>
-              <a:rPr lang="en-GB" sz="2400" b="1" noProof="1">
+              <a:rPr lang="en-GB" sz="2800" b="1" noProof="1">
                 <a:latin typeface="Consolas" panose="020B0609020204030204" pitchFamily="49" charset="0"/>
               </a:rPr>
               <a:t>            </a:t>
             </a:r>
             <a:r>
-              <a:rPr lang="bg-BG" sz="2400" b="1" noProof="1">
+              <a:rPr lang="bg-BG" sz="2800" b="1" noProof="1">
                 <a:latin typeface="Consolas" panose="020B0609020204030204" pitchFamily="49" charset="0"/>
               </a:rPr>
               <a:t>    </a:t>
             </a:r>
             <a:r>
-              <a:rPr lang="en-GB" sz="2400" b="1" noProof="1">
+              <a:rPr lang="en-GB" sz="2800" b="1" noProof="1">
                 <a:latin typeface="Consolas" panose="020B0609020204030204" pitchFamily="49" charset="0"/>
               </a:rPr>
               <a:t>t =&gt; t.Id == town.Id).Name = town.Name;</a:t>
@@ -24378,13 +24423,13 @@
               </a:lnSpc>
             </a:pPr>
             <a:r>
-              <a:rPr lang="en-GB" sz="2400" b="1" noProof="1">
+              <a:rPr lang="en-GB" sz="2800" b="1" noProof="1">
                 <a:latin typeface="Consolas" panose="020B0609020204030204" pitchFamily="49" charset="0"/>
               </a:rPr>
               <a:t>            dbContext.</a:t>
             </a:r>
             <a:r>
-              <a:rPr lang="en-GB" sz="2400" b="1" noProof="1">
+              <a:rPr lang="en-GB" sz="2800" b="1" noProof="1">
                 <a:solidFill>
                   <a:schemeClr val="bg1"/>
                 </a:solidFill>
@@ -24393,7 +24438,7 @@
               <a:t>SaveChanges</a:t>
             </a:r>
             <a:r>
-              <a:rPr lang="en-GB" sz="2400" b="1" noProof="1">
+              <a:rPr lang="en-GB" sz="2800" b="1" noProof="1">
                 <a:latin typeface="Consolas" panose="020B0609020204030204" pitchFamily="49" charset="0"/>
               </a:rPr>
               <a:t>();</a:t>
@@ -24406,7 +24451,7 @@
               </a:lnSpc>
             </a:pPr>
             <a:r>
-              <a:rPr lang="en-GB" sz="2400" b="1" noProof="1">
+              <a:rPr lang="en-GB" sz="2800" b="1" noProof="1">
                 <a:latin typeface="Consolas" panose="020B0609020204030204" pitchFamily="49" charset="0"/>
               </a:rPr>
               <a:t>        }           </a:t>
@@ -24419,7 +24464,7 @@
               </a:lnSpc>
             </a:pPr>
             <a:r>
-              <a:rPr lang="en-GB" sz="2400" b="1" noProof="1">
+              <a:rPr lang="en-GB" sz="2800" b="1" noProof="1">
                 <a:latin typeface="Consolas" panose="020B0609020204030204" pitchFamily="49" charset="0"/>
               </a:rPr>
               <a:t>    }</a:t>
@@ -24432,7 +24477,7 @@
               </a:lnSpc>
             </a:pPr>
             <a:r>
-              <a:rPr lang="en-GB" sz="2400" b="1" noProof="1">
+              <a:rPr lang="en-GB" sz="2800" b="1" noProof="1">
                 <a:latin typeface="Consolas" panose="020B0609020204030204" pitchFamily="49" charset="0"/>
               </a:rPr>
               <a:t>}</a:t>
@@ -24777,8 +24822,8 @@
         </p:nvSpPr>
         <p:spPr>
           <a:xfrm>
-            <a:off x="5526257" y="3763034"/>
-            <a:ext cx="1024441" cy="698928"/>
+            <a:off x="5707379" y="3874515"/>
+            <a:ext cx="659743" cy="475966"/>
           </a:xfrm>
           <a:prstGeom prst="rightArrow">
             <a:avLst/>
@@ -27493,7 +27538,7 @@
             <a:r>
               <a:rPr lang="en-GB" b="1" dirty="0">
                 <a:solidFill>
-                  <a:schemeClr val="bg1"/>
+                  <a:srgbClr val="66BB6A"/>
                 </a:solidFill>
               </a:rPr>
               <a:t>C</a:t>
@@ -27512,7 +27557,7 @@
             <a:r>
               <a:rPr lang="en-GB" b="1" dirty="0">
                 <a:solidFill>
-                  <a:schemeClr val="bg1"/>
+                  <a:srgbClr val="FCC020"/>
                 </a:solidFill>
               </a:rPr>
               <a:t>R</a:t>
@@ -27531,7 +27576,7 @@
             <a:r>
               <a:rPr lang="en-GB" b="1" dirty="0">
                 <a:solidFill>
-                  <a:schemeClr val="bg1"/>
+                  <a:srgbClr val="64B5F6"/>
                 </a:solidFill>
               </a:rPr>
               <a:t>U</a:t>
@@ -27550,7 +27595,7 @@
             <a:r>
               <a:rPr lang="en-GB" b="1" dirty="0">
                 <a:solidFill>
-                  <a:schemeClr val="bg1"/>
+                  <a:srgbClr val="FF5656"/>
                 </a:solidFill>
               </a:rPr>
               <a:t>D</a:t>

--- a/Courses/Software-Sciences/Module-4-Information-Systems-New/06-CRUD-with-EF-and-Windows-Forms/06-CRUD-with-EF-Core-and-Windows-Forms.pptx
+++ b/Courses/Software-Sciences/Module-4-Information-Systems-New/06-CRUD-with-EF-and-Windows-Forms/06-CRUD-with-EF-Core-and-Windows-Forms.pptx
@@ -353,7 +353,7 @@
           <a:p>
             <a:fld id="{4E087215-0C8F-4762-A664-737A353EC9A4}" type="datetimeFigureOut">
               <a:rPr lang="bg-BG" smtClean="0"/>
-              <a:t>23.12.2024 г.</a:t>
+              <a:t>31.12.2024 г.</a:t>
             </a:fld>
             <a:endParaRPr lang="bg-BG"/>
           </a:p>
@@ -549,7 +549,7 @@
           <a:p>
             <a:fld id="{72D84649-876A-46C9-8472-14CB09C070D8}" type="datetimeFigureOut">
               <a:rPr lang="en-US" smtClean="0"/>
-              <a:t>12/23/2024</a:t>
+              <a:t>12/31/2024</a:t>
             </a:fld>
             <a:endParaRPr lang="en-US"/>
           </a:p>
@@ -21891,7 +21891,7 @@
         <p:spPr>
           <a:xfrm>
             <a:off x="656863" y="4642341"/>
-            <a:ext cx="11090346" cy="1846659"/>
+            <a:ext cx="11090346" cy="2031325"/>
           </a:xfrm>
           <a:prstGeom prst="rect">
             <a:avLst/>
@@ -21919,7 +21919,7 @@
           <a:lstStyle/>
           <a:p>
             <a:r>
-              <a:rPr lang="en-GB" sz="1600" b="1" dirty="0">
+              <a:rPr lang="en-GB" b="1" dirty="0">
                 <a:latin typeface="Consolas" panose="020B0609020204030204" pitchFamily="49" charset="0"/>
                 <a:cs typeface="Consolas" panose="020B0609020204030204" pitchFamily="49" charset="0"/>
               </a:rPr>
@@ -21928,7 +21928,7 @@
           </a:p>
           <a:p>
             <a:r>
-              <a:rPr lang="en-GB" sz="1600" b="1" dirty="0">
+              <a:rPr lang="en-GB" b="1" dirty="0">
                 <a:latin typeface="Consolas" panose="020B0609020204030204" pitchFamily="49" charset="0"/>
                 <a:cs typeface="Consolas" panose="020B0609020204030204" pitchFamily="49" charset="0"/>
               </a:rPr>
@@ -21937,7 +21937,7 @@
           </a:p>
           <a:p>
             <a:r>
-              <a:rPr lang="en-GB" sz="1600" b="1" dirty="0">
+              <a:rPr lang="en-GB" b="1" dirty="0">
                 <a:latin typeface="Consolas" panose="020B0609020204030204" pitchFamily="49" charset="0"/>
                 <a:cs typeface="Consolas" panose="020B0609020204030204" pitchFamily="49" charset="0"/>
               </a:rPr>
@@ -21946,14 +21946,14 @@
           </a:p>
           <a:p>
             <a:r>
-              <a:rPr lang="en-GB" sz="1600" b="1" dirty="0">
+              <a:rPr lang="en-GB" b="1" dirty="0">
                 <a:latin typeface="Consolas" panose="020B0609020204030204" pitchFamily="49" charset="0"/>
                 <a:cs typeface="Consolas" panose="020B0609020204030204" pitchFamily="49" charset="0"/>
               </a:rPr>
               <a:t>    this.</a:t>
             </a:r>
             <a:r>
-              <a:rPr lang="en-GB" sz="1600" b="1" dirty="0">
+              <a:rPr lang="en-GB" b="1" dirty="0">
                 <a:solidFill>
                   <a:schemeClr val="bg1"/>
                 </a:solidFill>
@@ -21963,14 +21963,14 @@
               <a:t>textBoxTownName</a:t>
             </a:r>
             <a:r>
-              <a:rPr lang="en-GB" sz="1600" b="1" dirty="0">
+              <a:rPr lang="en-GB" b="1" dirty="0">
                 <a:latin typeface="Consolas" panose="020B0609020204030204" pitchFamily="49" charset="0"/>
                 <a:cs typeface="Consolas" panose="020B0609020204030204" pitchFamily="49" charset="0"/>
               </a:rPr>
               <a:t>.</a:t>
             </a:r>
             <a:r>
-              <a:rPr lang="en-GB" sz="1600" b="1" dirty="0">
+              <a:rPr lang="en-GB" b="1" dirty="0">
                 <a:solidFill>
                   <a:schemeClr val="bg1"/>
                 </a:solidFill>
@@ -21980,7 +21980,7 @@
               <a:t>Text</a:t>
             </a:r>
             <a:r>
-              <a:rPr lang="en-GB" sz="1600" b="1" dirty="0">
+              <a:rPr lang="en-GB" b="1" dirty="0">
                 <a:latin typeface="Consolas" panose="020B0609020204030204" pitchFamily="49" charset="0"/>
                 <a:cs typeface="Consolas" panose="020B0609020204030204" pitchFamily="49" charset="0"/>
               </a:rPr>
@@ -21989,7 +21989,7 @@
           </a:p>
           <a:p>
             <a:r>
-              <a:rPr lang="en-GB" sz="1600" b="1" dirty="0">
+              <a:rPr lang="en-GB" b="1" dirty="0">
                 <a:latin typeface="Consolas" panose="020B0609020204030204" pitchFamily="49" charset="0"/>
                 <a:cs typeface="Consolas" panose="020B0609020204030204" pitchFamily="49" charset="0"/>
               </a:rPr>
@@ -21997,21 +21997,21 @@
             </a:r>
           </a:p>
           <a:p>
-            <a:endParaRPr lang="en-GB" sz="1600" b="1" dirty="0">
+            <a:endParaRPr lang="en-GB" b="1" dirty="0">
               <a:latin typeface="Consolas" panose="020B0609020204030204" pitchFamily="49" charset="0"/>
               <a:cs typeface="Consolas" panose="020B0609020204030204" pitchFamily="49" charset="0"/>
             </a:endParaRPr>
           </a:p>
           <a:p>
             <a:r>
-              <a:rPr lang="en-GB" sz="1600" b="1" dirty="0">
+              <a:rPr lang="en-GB" b="1" dirty="0">
                 <a:latin typeface="Consolas" panose="020B0609020204030204" pitchFamily="49" charset="0"/>
                 <a:cs typeface="Consolas" panose="020B0609020204030204" pitchFamily="49" charset="0"/>
               </a:rPr>
               <a:t>public string </a:t>
             </a:r>
             <a:r>
-              <a:rPr lang="en-GB" sz="1600" b="1" dirty="0">
+              <a:rPr lang="en-GB" b="1" dirty="0">
                 <a:solidFill>
                   <a:schemeClr val="bg1"/>
                 </a:solidFill>
@@ -22021,14 +22021,14 @@
               <a:t>TownName</a:t>
             </a:r>
             <a:r>
-              <a:rPr lang="en-GB" sz="1600" b="1" dirty="0">
+              <a:rPr lang="en-GB" b="1" dirty="0">
                 <a:latin typeface="Consolas" panose="020B0609020204030204" pitchFamily="49" charset="0"/>
                 <a:cs typeface="Consolas" panose="020B0609020204030204" pitchFamily="49" charset="0"/>
               </a:rPr>
               <a:t> =&gt; this.</a:t>
             </a:r>
             <a:r>
-              <a:rPr lang="en-GB" sz="1600" b="1" dirty="0">
+              <a:rPr lang="en-GB" b="1" dirty="0">
                 <a:solidFill>
                   <a:schemeClr val="bg1"/>
                 </a:solidFill>
@@ -22038,14 +22038,14 @@
               <a:t>textBoxTownName</a:t>
             </a:r>
             <a:r>
-              <a:rPr lang="en-GB" sz="1600" b="1" dirty="0">
+              <a:rPr lang="en-GB" b="1" dirty="0">
                 <a:latin typeface="Consolas" panose="020B0609020204030204" pitchFamily="49" charset="0"/>
                 <a:cs typeface="Consolas" panose="020B0609020204030204" pitchFamily="49" charset="0"/>
               </a:rPr>
               <a:t>.</a:t>
             </a:r>
             <a:r>
-              <a:rPr lang="en-GB" sz="1600" b="1" dirty="0">
+              <a:rPr lang="en-GB" b="1" dirty="0">
                 <a:solidFill>
                   <a:schemeClr val="bg1"/>
                 </a:solidFill>
@@ -22055,7 +22055,7 @@
               <a:t>Text</a:t>
             </a:r>
             <a:r>
-              <a:rPr lang="en-GB" sz="1600" b="1" dirty="0">
+              <a:rPr lang="en-GB" b="1" dirty="0">
                 <a:latin typeface="Consolas" panose="020B0609020204030204" pitchFamily="49" charset="0"/>
                 <a:cs typeface="Consolas" panose="020B0609020204030204" pitchFamily="49" charset="0"/>
               </a:rPr>
@@ -25281,8 +25281,8 @@
         </p:nvSpPr>
         <p:spPr>
           <a:xfrm>
-            <a:off x="682438" y="4801213"/>
-            <a:ext cx="11090346" cy="1477328"/>
+            <a:off x="682438" y="4715712"/>
+            <a:ext cx="11090346" cy="1938992"/>
           </a:xfrm>
           <a:prstGeom prst="rect">
             <a:avLst/>
@@ -25310,7 +25310,7 @@
           <a:lstStyle/>
           <a:p>
             <a:r>
-              <a:rPr lang="en-GB" b="1" dirty="0">
+              <a:rPr lang="en-GB" sz="2400" b="1" dirty="0">
                 <a:latin typeface="Consolas" panose="020B0609020204030204" pitchFamily="49" charset="0"/>
                 <a:cs typeface="Consolas" panose="020B0609020204030204" pitchFamily="49" charset="0"/>
               </a:rPr>
@@ -25319,7 +25319,7 @@
           </a:p>
           <a:p>
             <a:r>
-              <a:rPr lang="en-GB" b="1" dirty="0">
+              <a:rPr lang="en-GB" sz="2400" b="1" dirty="0">
                 <a:latin typeface="Consolas" panose="020B0609020204030204" pitchFamily="49" charset="0"/>
                 <a:cs typeface="Consolas" panose="020B0609020204030204" pitchFamily="49" charset="0"/>
               </a:rPr>
@@ -25328,7 +25328,7 @@
           </a:p>
           <a:p>
             <a:r>
-              <a:rPr lang="en-GB" b="1" dirty="0">
+              <a:rPr lang="en-GB" sz="2400" b="1" dirty="0">
                 <a:latin typeface="Consolas" panose="020B0609020204030204" pitchFamily="49" charset="0"/>
                 <a:cs typeface="Consolas" panose="020B0609020204030204" pitchFamily="49" charset="0"/>
               </a:rPr>
@@ -25337,14 +25337,14 @@
           </a:p>
           <a:p>
             <a:r>
-              <a:rPr lang="en-GB" b="1" dirty="0">
+              <a:rPr lang="en-GB" sz="2400" b="1" dirty="0">
                 <a:latin typeface="Consolas" panose="020B0609020204030204" pitchFamily="49" charset="0"/>
                 <a:cs typeface="Consolas" panose="020B0609020204030204" pitchFamily="49" charset="0"/>
               </a:rPr>
               <a:t>    this.</a:t>
             </a:r>
             <a:r>
-              <a:rPr lang="en-GB" b="1" dirty="0">
+              <a:rPr lang="en-GB" sz="2400" b="1" dirty="0">
                 <a:solidFill>
                   <a:schemeClr val="bg1"/>
                 </a:solidFill>
@@ -25354,14 +25354,14 @@
               <a:t>textBoxTownName</a:t>
             </a:r>
             <a:r>
-              <a:rPr lang="en-GB" b="1" dirty="0">
+              <a:rPr lang="en-GB" sz="2400" b="1" dirty="0">
                 <a:latin typeface="Consolas" panose="020B0609020204030204" pitchFamily="49" charset="0"/>
                 <a:cs typeface="Consolas" panose="020B0609020204030204" pitchFamily="49" charset="0"/>
               </a:rPr>
               <a:t>.</a:t>
             </a:r>
             <a:r>
-              <a:rPr lang="en-GB" b="1" dirty="0">
+              <a:rPr lang="en-GB" sz="2400" b="1" dirty="0">
                 <a:solidFill>
                   <a:schemeClr val="bg1"/>
                 </a:solidFill>
@@ -25371,7 +25371,7 @@
               <a:t>Text</a:t>
             </a:r>
             <a:r>
-              <a:rPr lang="en-GB" b="1" dirty="0">
+              <a:rPr lang="en-GB" sz="2400" b="1" dirty="0">
                 <a:latin typeface="Consolas" panose="020B0609020204030204" pitchFamily="49" charset="0"/>
                 <a:cs typeface="Consolas" panose="020B0609020204030204" pitchFamily="49" charset="0"/>
               </a:rPr>
@@ -25380,7 +25380,7 @@
           </a:p>
           <a:p>
             <a:r>
-              <a:rPr lang="en-GB" b="1" dirty="0">
+              <a:rPr lang="en-GB" sz="2400" b="1" dirty="0">
                 <a:latin typeface="Consolas" panose="020B0609020204030204" pitchFamily="49" charset="0"/>
                 <a:cs typeface="Consolas" panose="020B0609020204030204" pitchFamily="49" charset="0"/>
               </a:rPr>
@@ -28218,7 +28218,7 @@
         <p:spPr>
           <a:xfrm>
             <a:off x="518236" y="1507012"/>
-            <a:ext cx="11155528" cy="3046988"/>
+            <a:ext cx="11155528" cy="3539430"/>
           </a:xfrm>
           <a:prstGeom prst="rect">
             <a:avLst/>
@@ -28251,7 +28251,7 @@
               </a:lnSpc>
             </a:pPr>
             <a:r>
-              <a:rPr lang="en-GB" sz="2400" b="1" noProof="1">
+              <a:rPr lang="en-GB" sz="2800" b="1" noProof="1">
                 <a:latin typeface="Consolas" panose="020B0609020204030204" pitchFamily="49" charset="0"/>
               </a:rPr>
               <a:t>private void DeleteTown(Town town)</a:t>
@@ -28264,7 +28264,7 @@
               </a:lnSpc>
             </a:pPr>
             <a:r>
-              <a:rPr lang="en-GB" sz="2400" b="1" noProof="1">
+              <a:rPr lang="en-GB" sz="2800" b="1" noProof="1">
                 <a:latin typeface="Consolas" panose="020B0609020204030204" pitchFamily="49" charset="0"/>
               </a:rPr>
               <a:t>{</a:t>
@@ -28277,13 +28277,13 @@
               </a:lnSpc>
             </a:pPr>
             <a:r>
-              <a:rPr lang="en-GB" sz="2400" b="1" noProof="1">
+              <a:rPr lang="en-GB" sz="2800" b="1" noProof="1">
                 <a:latin typeface="Consolas" panose="020B0609020204030204" pitchFamily="49" charset="0"/>
               </a:rPr>
               <a:t>    using (var dbContext = new </a:t>
             </a:r>
             <a:r>
-              <a:rPr lang="en-GB" sz="2400" b="1" noProof="1">
+              <a:rPr lang="en-GB" sz="2800" b="1" noProof="1">
                 <a:solidFill>
                   <a:schemeClr val="bg1"/>
                 </a:solidFill>
@@ -28292,7 +28292,7 @@
               <a:t>TownsDbContext</a:t>
             </a:r>
             <a:r>
-              <a:rPr lang="en-GB" sz="2400" b="1" noProof="1">
+              <a:rPr lang="en-GB" sz="2800" b="1" noProof="1">
                 <a:latin typeface="Consolas" panose="020B0609020204030204" pitchFamily="49" charset="0"/>
               </a:rPr>
               <a:t>())</a:t>
@@ -28305,7 +28305,7 @@
               </a:lnSpc>
             </a:pPr>
             <a:r>
-              <a:rPr lang="en-GB" sz="2400" b="1" noProof="1">
+              <a:rPr lang="en-GB" sz="2800" b="1" noProof="1">
                 <a:latin typeface="Consolas" panose="020B0609020204030204" pitchFamily="49" charset="0"/>
               </a:rPr>
               <a:t>    {</a:t>
@@ -28318,13 +28318,13 @@
               </a:lnSpc>
             </a:pPr>
             <a:r>
-              <a:rPr lang="en-GB" sz="2400" b="1" noProof="1">
+              <a:rPr lang="en-GB" sz="2800" b="1" noProof="1">
                 <a:latin typeface="Consolas" panose="020B0609020204030204" pitchFamily="49" charset="0"/>
               </a:rPr>
               <a:t>        dbContext.Towns.</a:t>
             </a:r>
             <a:r>
-              <a:rPr lang="en-GB" sz="2400" b="1" noProof="1">
+              <a:rPr lang="en-GB" sz="2800" b="1" noProof="1">
                 <a:solidFill>
                   <a:schemeClr val="bg1"/>
                 </a:solidFill>
@@ -28333,7 +28333,7 @@
               <a:t>Remove</a:t>
             </a:r>
             <a:r>
-              <a:rPr lang="en-GB" sz="2400" b="1" noProof="1">
+              <a:rPr lang="en-GB" sz="2800" b="1" noProof="1">
                 <a:latin typeface="Consolas" panose="020B0609020204030204" pitchFamily="49" charset="0"/>
               </a:rPr>
               <a:t>(town);</a:t>
@@ -28346,13 +28346,13 @@
               </a:lnSpc>
             </a:pPr>
             <a:r>
-              <a:rPr lang="en-GB" sz="2400" b="1" noProof="1">
+              <a:rPr lang="en-GB" sz="2800" b="1" noProof="1">
                 <a:latin typeface="Consolas" panose="020B0609020204030204" pitchFamily="49" charset="0"/>
               </a:rPr>
               <a:t>        dbContext.</a:t>
             </a:r>
             <a:r>
-              <a:rPr lang="en-GB" sz="2400" b="1" noProof="1">
+              <a:rPr lang="en-GB" sz="2800" b="1" noProof="1">
                 <a:solidFill>
                   <a:schemeClr val="bg1"/>
                 </a:solidFill>
@@ -28361,7 +28361,7 @@
               <a:t>SaveChanges</a:t>
             </a:r>
             <a:r>
-              <a:rPr lang="en-GB" sz="2400" b="1" noProof="1">
+              <a:rPr lang="en-GB" sz="2800" b="1" noProof="1">
                 <a:latin typeface="Consolas" panose="020B0609020204030204" pitchFamily="49" charset="0"/>
               </a:rPr>
               <a:t>();</a:t>
@@ -28374,7 +28374,7 @@
               </a:lnSpc>
             </a:pPr>
             <a:r>
-              <a:rPr lang="en-GB" sz="2400" b="1" noProof="1">
+              <a:rPr lang="en-GB" sz="2800" b="1" noProof="1">
                 <a:latin typeface="Consolas" panose="020B0609020204030204" pitchFamily="49" charset="0"/>
               </a:rPr>
               <a:t>    }</a:t>
@@ -28387,7 +28387,7 @@
               </a:lnSpc>
             </a:pPr>
             <a:r>
-              <a:rPr lang="en-GB" sz="2400" b="1" noProof="1">
+              <a:rPr lang="en-GB" sz="2800" b="1" noProof="1">
                 <a:latin typeface="Consolas" panose="020B0609020204030204" pitchFamily="49" charset="0"/>
               </a:rPr>
               <a:t>}</a:t>

--- a/Courses/Software-Sciences/Module-4-Information-Systems-New/06-CRUD-with-EF-and-Windows-Forms/06-CRUD-with-EF-Core-and-Windows-Forms.pptx
+++ b/Courses/Software-Sciences/Module-4-Information-Systems-New/06-CRUD-with-EF-and-Windows-Forms/06-CRUD-with-EF-Core-and-Windows-Forms.pptx
@@ -5,10 +5,10 @@
     <p:sldMasterId id="2147483675" r:id="rId1"/>
   </p:sldMasterIdLst>
   <p:notesMasterIdLst>
-    <p:notesMasterId r:id="rId48"/>
+    <p:notesMasterId r:id="rId51"/>
   </p:notesMasterIdLst>
   <p:handoutMasterIdLst>
-    <p:handoutMasterId r:id="rId49"/>
+    <p:handoutMasterId r:id="rId52"/>
   </p:handoutMasterIdLst>
   <p:sldIdLst>
     <p:sldId id="503" r:id="rId2"/>
@@ -26,37 +26,40 @@
     <p:sldId id="781" r:id="rId14"/>
     <p:sldId id="791" r:id="rId15"/>
     <p:sldId id="649" r:id="rId16"/>
-    <p:sldId id="707" r:id="rId17"/>
-    <p:sldId id="748" r:id="rId18"/>
-    <p:sldId id="714" r:id="rId19"/>
-    <p:sldId id="726" r:id="rId20"/>
-    <p:sldId id="785" r:id="rId21"/>
-    <p:sldId id="786" r:id="rId22"/>
-    <p:sldId id="767" r:id="rId23"/>
-    <p:sldId id="784" r:id="rId24"/>
-    <p:sldId id="776" r:id="rId25"/>
-    <p:sldId id="742" r:id="rId26"/>
-    <p:sldId id="793" r:id="rId27"/>
-    <p:sldId id="794" r:id="rId28"/>
-    <p:sldId id="800" r:id="rId29"/>
-    <p:sldId id="774" r:id="rId30"/>
-    <p:sldId id="790" r:id="rId31"/>
-    <p:sldId id="806" r:id="rId32"/>
-    <p:sldId id="811" r:id="rId33"/>
-    <p:sldId id="808" r:id="rId34"/>
-    <p:sldId id="809" r:id="rId35"/>
-    <p:sldId id="810" r:id="rId36"/>
-    <p:sldId id="795" r:id="rId37"/>
-    <p:sldId id="796" r:id="rId38"/>
-    <p:sldId id="797" r:id="rId39"/>
-    <p:sldId id="798" r:id="rId40"/>
-    <p:sldId id="799" r:id="rId41"/>
-    <p:sldId id="759" r:id="rId42"/>
-    <p:sldId id="760" r:id="rId43"/>
-    <p:sldId id="761" r:id="rId44"/>
-    <p:sldId id="633" r:id="rId45"/>
-    <p:sldId id="504" r:id="rId46"/>
-    <p:sldId id="505" r:id="rId47"/>
+    <p:sldId id="817" r:id="rId17"/>
+    <p:sldId id="707" r:id="rId18"/>
+    <p:sldId id="748" r:id="rId19"/>
+    <p:sldId id="714" r:id="rId20"/>
+    <p:sldId id="818" r:id="rId21"/>
+    <p:sldId id="819" r:id="rId22"/>
+    <p:sldId id="726" r:id="rId23"/>
+    <p:sldId id="785" r:id="rId24"/>
+    <p:sldId id="786" r:id="rId25"/>
+    <p:sldId id="767" r:id="rId26"/>
+    <p:sldId id="784" r:id="rId27"/>
+    <p:sldId id="776" r:id="rId28"/>
+    <p:sldId id="742" r:id="rId29"/>
+    <p:sldId id="793" r:id="rId30"/>
+    <p:sldId id="794" r:id="rId31"/>
+    <p:sldId id="800" r:id="rId32"/>
+    <p:sldId id="774" r:id="rId33"/>
+    <p:sldId id="790" r:id="rId34"/>
+    <p:sldId id="806" r:id="rId35"/>
+    <p:sldId id="811" r:id="rId36"/>
+    <p:sldId id="808" r:id="rId37"/>
+    <p:sldId id="809" r:id="rId38"/>
+    <p:sldId id="810" r:id="rId39"/>
+    <p:sldId id="795" r:id="rId40"/>
+    <p:sldId id="796" r:id="rId41"/>
+    <p:sldId id="797" r:id="rId42"/>
+    <p:sldId id="798" r:id="rId43"/>
+    <p:sldId id="799" r:id="rId44"/>
+    <p:sldId id="759" r:id="rId45"/>
+    <p:sldId id="760" r:id="rId46"/>
+    <p:sldId id="761" r:id="rId47"/>
+    <p:sldId id="633" r:id="rId48"/>
+    <p:sldId id="504" r:id="rId49"/>
+    <p:sldId id="505" r:id="rId50"/>
   </p:sldIdLst>
   <p:sldSz cx="12192000" cy="6858000"/>
   <p:notesSz cx="6858000" cy="9144000"/>
@@ -187,9 +190,12 @@
         <p14:section name="Примерно CRUD приложение" id="{A764BDC4-FBCF-8642-9DA0-2A050F6690EB}">
           <p14:sldIdLst>
             <p14:sldId id="649"/>
+            <p14:sldId id="817"/>
             <p14:sldId id="707"/>
             <p14:sldId id="748"/>
             <p14:sldId id="714"/>
+            <p14:sldId id="818"/>
+            <p14:sldId id="819"/>
             <p14:sldId id="726"/>
             <p14:sldId id="785"/>
             <p14:sldId id="786"/>
@@ -353,7 +359,7 @@
           <a:p>
             <a:fld id="{4E087215-0C8F-4762-A664-737A353EC9A4}" type="datetimeFigureOut">
               <a:rPr lang="bg-BG" smtClean="0"/>
-              <a:t>31.12.2024 г.</a:t>
+              <a:t>10.1.2025 г.</a:t>
             </a:fld>
             <a:endParaRPr lang="bg-BG"/>
           </a:p>
@@ -549,7 +555,7 @@
           <a:p>
             <a:fld id="{72D84649-876A-46C9-8472-14CB09C070D8}" type="datetimeFigureOut">
               <a:rPr lang="en-US" smtClean="0"/>
-              <a:t>12/31/2024</a:t>
+              <a:t>10-Jan-25</a:t>
             </a:fld>
             <a:endParaRPr lang="en-US"/>
           </a:p>
@@ -1974,7 +1980,7 @@
           <a:p>
             <a:fld id="{2BF067CD-8E6B-4360-9AA8-C5DF2A48A6D1}" type="slidenum">
               <a:rPr lang="en-US" smtClean="0"/>
-              <a:t>42</a:t>
+              <a:t>45</a:t>
             </a:fld>
             <a:endParaRPr lang="en-US" dirty="0"/>
           </a:p>
@@ -2202,7 +2208,7 @@
             <a:fld id="{3EBA5BD7-F043-4D1B-AA17-CD412FC534DE}" type="slidenum">
               <a:rPr lang="en-US" smtClean="0"/>
               <a:pPr/>
-              <a:t>44</a:t>
+              <a:t>47</a:t>
             </a:fld>
             <a:endParaRPr lang="en-US" dirty="0"/>
           </a:p>
@@ -2448,7 +2454,7 @@
             <a:fld id="{3EBA5BD7-F043-4D1B-AA17-CD412FC534DE}" type="slidenum">
               <a:rPr lang="en-US" smtClean="0"/>
               <a:pPr/>
-              <a:t>45</a:t>
+              <a:t>48</a:t>
             </a:fld>
             <a:endParaRPr lang="en-US" dirty="0"/>
           </a:p>
@@ -2678,7 +2684,7 @@
             <a:fld id="{3EBA5BD7-F043-4D1B-AA17-CD412FC534DE}" type="slidenum">
               <a:rPr lang="en-US" smtClean="0"/>
               <a:pPr/>
-              <a:t>46</a:t>
+              <a:t>49</a:t>
             </a:fld>
             <a:endParaRPr lang="en-US" dirty="0"/>
           </a:p>
@@ -11328,6 +11334,456 @@
   <p:cSld>
     <p:spTree>
       <p:nvGrpSpPr>
+        <p:cNvPr id="1" name="">
+          <a:extLst>
+            <a:ext uri="{FF2B5EF4-FFF2-40B4-BE49-F238E27FC236}">
+              <a16:creationId xmlns:a16="http://schemas.microsoft.com/office/drawing/2014/main" id="{AC8EF938-B8E1-CD38-A54E-BBB450DE9EB3}"/>
+            </a:ext>
+          </a:extLst>
+        </p:cNvPr>
+        <p:cNvGrpSpPr/>
+        <p:nvPr/>
+      </p:nvGrpSpPr>
+      <p:grpSpPr>
+        <a:xfrm>
+          <a:off x="0" y="0"/>
+          <a:ext cx="0" cy="0"/>
+          <a:chOff x="0" y="0"/>
+          <a:chExt cx="0" cy="0"/>
+        </a:xfrm>
+      </p:grpSpPr>
+      <p:sp>
+        <p:nvSpPr>
+          <p:cNvPr id="2" name="Slide Number Placeholder 1">
+            <a:extLst>
+              <a:ext uri="{FF2B5EF4-FFF2-40B4-BE49-F238E27FC236}">
+                <a16:creationId xmlns:a16="http://schemas.microsoft.com/office/drawing/2014/main" id="{B6363132-F40C-9E29-5DFF-1E712C5CA7D0}"/>
+              </a:ext>
+            </a:extLst>
+          </p:cNvPr>
+          <p:cNvSpPr>
+            <a:spLocks noGrp="1"/>
+          </p:cNvSpPr>
+          <p:nvPr>
+            <p:ph type="sldNum" sz="quarter" idx="5"/>
+          </p:nvPr>
+        </p:nvSpPr>
+        <p:spPr/>
+        <p:txBody>
+          <a:bodyPr/>
+          <a:lstStyle/>
+          <a:p>
+            <a:fld id="{2BF067CD-8E6B-4360-9AA8-C5DF2A48A6D1}" type="slidenum">
+              <a:rPr lang="en-US" noProof="0" smtClean="0"/>
+              <a:pPr/>
+              <a:t>16</a:t>
+            </a:fld>
+            <a:endParaRPr lang="en-US" noProof="0" dirty="0"/>
+          </a:p>
+        </p:txBody>
+      </p:sp>
+      <p:sp>
+        <p:nvSpPr>
+          <p:cNvPr id="3" name="Text Placeholder 2">
+            <a:extLst>
+              <a:ext uri="{FF2B5EF4-FFF2-40B4-BE49-F238E27FC236}">
+                <a16:creationId xmlns:a16="http://schemas.microsoft.com/office/drawing/2014/main" id="{C3193A57-9506-07A7-3771-D320C8661DF9}"/>
+              </a:ext>
+            </a:extLst>
+          </p:cNvPr>
+          <p:cNvSpPr>
+            <a:spLocks noGrp="1"/>
+          </p:cNvSpPr>
+          <p:nvPr>
+            <p:ph type="body" sz="quarter" idx="10"/>
+          </p:nvPr>
+        </p:nvSpPr>
+        <p:spPr>
+          <a:xfrm>
+            <a:off x="190402" y="1196125"/>
+            <a:ext cx="5815598" cy="5528766"/>
+          </a:xfrm>
+        </p:spPr>
+        <p:txBody>
+          <a:bodyPr>
+            <a:normAutofit/>
+          </a:bodyPr>
+          <a:lstStyle/>
+          <a:p>
+            <a:r>
+              <a:rPr lang="bg-BG" dirty="0"/>
+              <a:t>Създаваме базата данни</a:t>
+            </a:r>
+            <a:r>
+              <a:rPr lang="en-US" dirty="0"/>
+              <a:t>:</a:t>
+            </a:r>
+            <a:endParaRPr lang="bg-BG" dirty="0"/>
+          </a:p>
+          <a:p>
+            <a:pPr lvl="1"/>
+            <a:r>
+              <a:rPr lang="bg-BG" dirty="0"/>
+              <a:t>Свързваме се със </a:t>
+            </a:r>
+            <a:r>
+              <a:rPr lang="en-US" dirty="0"/>
+              <a:t>SQL Server </a:t>
+            </a:r>
+            <a:r>
+              <a:rPr lang="bg-BG" dirty="0"/>
+              <a:t>и попълваме </a:t>
+            </a:r>
+            <a:r>
+              <a:rPr lang="bg-BG" b="1" dirty="0"/>
+              <a:t>името на новата база данни</a:t>
+            </a:r>
+            <a:r>
+              <a:rPr lang="bg-BG" dirty="0"/>
+              <a:t> </a:t>
+            </a:r>
+            <a:r>
+              <a:rPr lang="en-US" dirty="0"/>
+              <a:t>- "</a:t>
+            </a:r>
+            <a:r>
+              <a:rPr lang="en-US" b="1" dirty="0">
+                <a:solidFill>
+                  <a:schemeClr val="bg1"/>
+                </a:solidFill>
+                <a:latin typeface="Consolas" panose="020B0609020204030204" pitchFamily="49" charset="0"/>
+                <a:cs typeface="Consolas" panose="020B0609020204030204" pitchFamily="49" charset="0"/>
+              </a:rPr>
+              <a:t>TownsDb</a:t>
+            </a:r>
+            <a:r>
+              <a:rPr lang="en-US" sz="3200" dirty="0"/>
+              <a:t>”</a:t>
+            </a:r>
+          </a:p>
+          <a:p>
+            <a:pPr lvl="1"/>
+            <a:r>
+              <a:rPr lang="bg-BG" dirty="0"/>
+              <a:t>Изпълняваме дадения </a:t>
+            </a:r>
+            <a:r>
+              <a:rPr lang="en-US" b="1" dirty="0">
+                <a:solidFill>
+                  <a:schemeClr val="bg1"/>
+                </a:solidFill>
+              </a:rPr>
+              <a:t>SQL </a:t>
+            </a:r>
+            <a:r>
+              <a:rPr lang="bg-BG" b="1" dirty="0">
+                <a:solidFill>
+                  <a:schemeClr val="bg1"/>
+                </a:solidFill>
+              </a:rPr>
+              <a:t>скрипт</a:t>
+            </a:r>
+            <a:r>
+              <a:rPr lang="en-US" dirty="0"/>
+              <a:t>, </a:t>
+            </a:r>
+            <a:r>
+              <a:rPr lang="bg-BG" dirty="0"/>
+              <a:t>за да попълним таблиците и редовете</a:t>
+            </a:r>
+            <a:endParaRPr lang="en-BG" dirty="0">
+              <a:solidFill>
+                <a:schemeClr val="bg1"/>
+              </a:solidFill>
+            </a:endParaRPr>
+          </a:p>
+          <a:p>
+            <a:endParaRPr lang="en-BG" sz="3200" b="1" dirty="0">
+              <a:solidFill>
+                <a:schemeClr val="bg1"/>
+              </a:solidFill>
+            </a:endParaRPr>
+          </a:p>
+        </p:txBody>
+      </p:sp>
+      <p:sp>
+        <p:nvSpPr>
+          <p:cNvPr id="4" name="Title 3">
+            <a:extLst>
+              <a:ext uri="{FF2B5EF4-FFF2-40B4-BE49-F238E27FC236}">
+                <a16:creationId xmlns:a16="http://schemas.microsoft.com/office/drawing/2014/main" id="{BCCBFFCE-08AF-DF7D-1CE4-501B5A398F08}"/>
+              </a:ext>
+            </a:extLst>
+          </p:cNvPr>
+          <p:cNvSpPr>
+            <a:spLocks noGrp="1"/>
+          </p:cNvSpPr>
+          <p:nvPr>
+            <p:ph type="title"/>
+          </p:nvPr>
+        </p:nvSpPr>
+        <p:spPr/>
+        <p:txBody>
+          <a:bodyPr/>
+          <a:lstStyle/>
+          <a:p>
+            <a:r>
+              <a:rPr lang="bg-BG" dirty="0"/>
+              <a:t>Създаване на </a:t>
+            </a:r>
+            <a:r>
+              <a:rPr lang="bg-BG"/>
+              <a:t>базата данни</a:t>
+            </a:r>
+            <a:endParaRPr lang="en-BG" dirty="0"/>
+          </a:p>
+        </p:txBody>
+      </p:sp>
+      <p:pic>
+        <p:nvPicPr>
+          <p:cNvPr id="5" name="Picture 4">
+            <a:extLst>
+              <a:ext uri="{FF2B5EF4-FFF2-40B4-BE49-F238E27FC236}">
+                <a16:creationId xmlns:a16="http://schemas.microsoft.com/office/drawing/2014/main" id="{05E2D675-602D-DF7A-7CB6-AF70F0F904FE}"/>
+              </a:ext>
+            </a:extLst>
+          </p:cNvPr>
+          <p:cNvPicPr>
+            <a:picLocks noChangeAspect="1"/>
+          </p:cNvPicPr>
+          <p:nvPr/>
+        </p:nvPicPr>
+        <p:blipFill>
+          <a:blip r:embed="rId2">
+            <a:extLst>
+              <a:ext uri="{28A0092B-C50C-407E-A947-70E740481C1C}">
+                <a14:useLocalDpi xmlns:a14="http://schemas.microsoft.com/office/drawing/2010/main" val="0"/>
+              </a:ext>
+            </a:extLst>
+          </a:blip>
+          <a:srcRect/>
+          <a:stretch/>
+        </p:blipFill>
+        <p:spPr>
+          <a:xfrm>
+            <a:off x="6321000" y="1473117"/>
+            <a:ext cx="5340990" cy="5033883"/>
+          </a:xfrm>
+          <a:prstGeom prst="rect">
+            <a:avLst/>
+          </a:prstGeom>
+          <a:ln>
+            <a:solidFill>
+              <a:schemeClr val="bg2">
+                <a:lumMod val="75000"/>
+              </a:schemeClr>
+            </a:solidFill>
+          </a:ln>
+        </p:spPr>
+      </p:pic>
+    </p:spTree>
+    <p:extLst>
+      <p:ext uri="{BB962C8B-B14F-4D97-AF65-F5344CB8AC3E}">
+        <p14:creationId xmlns:p14="http://schemas.microsoft.com/office/powerpoint/2010/main" val="2045534750"/>
+      </p:ext>
+    </p:extLst>
+  </p:cSld>
+  <p:clrMapOvr>
+    <a:masterClrMapping/>
+  </p:clrMapOvr>
+  <mc:AlternateContent xmlns:mc="http://schemas.openxmlformats.org/markup-compatibility/2006" xmlns:p14="http://schemas.microsoft.com/office/powerpoint/2010/main">
+    <mc:Choice Requires="p14">
+      <p:transition spd="slow" p14:dur="2000" advClick="0" advTm="5000"/>
+    </mc:Choice>
+    <mc:Fallback xmlns="">
+      <p:transition spd="slow" advClick="0" advTm="5000"/>
+    </mc:Fallback>
+  </mc:AlternateContent>
+  <p:timing>
+    <p:tnLst>
+      <p:par>
+        <p:cTn id="1" dur="indefinite" restart="never" nodeType="tmRoot">
+          <p:childTnLst>
+            <p:seq concurrent="1" nextAc="seek">
+              <p:cTn id="2" dur="indefinite" nodeType="mainSeq">
+                <p:childTnLst>
+                  <p:par>
+                    <p:cTn id="3" fill="hold">
+                      <p:stCondLst>
+                        <p:cond delay="indefinite"/>
+                      </p:stCondLst>
+                      <p:childTnLst>
+                        <p:par>
+                          <p:cTn id="4" fill="hold">
+                            <p:stCondLst>
+                              <p:cond delay="0"/>
+                            </p:stCondLst>
+                            <p:childTnLst>
+                              <p:par>
+                                <p:cTn id="5" presetID="1" presetClass="entr" presetSubtype="0" fill="hold" nodeType="clickEffect">
+                                  <p:stCondLst>
+                                    <p:cond delay="0"/>
+                                  </p:stCondLst>
+                                  <p:childTnLst>
+                                    <p:set>
+                                      <p:cBhvr>
+                                        <p:cTn id="6" dur="1" fill="hold">
+                                          <p:stCondLst>
+                                            <p:cond delay="0"/>
+                                          </p:stCondLst>
+                                        </p:cTn>
+                                        <p:tgtEl>
+                                          <p:spTgt spid="3">
+                                            <p:txEl>
+                                              <p:pRg st="0" end="0"/>
+                                            </p:txEl>
+                                          </p:spTgt>
+                                        </p:tgtEl>
+                                        <p:attrNameLst>
+                                          <p:attrName>style.visibility</p:attrName>
+                                        </p:attrNameLst>
+                                      </p:cBhvr>
+                                      <p:to>
+                                        <p:strVal val="visible"/>
+                                      </p:to>
+                                    </p:set>
+                                  </p:childTnLst>
+                                </p:cTn>
+                              </p:par>
+                            </p:childTnLst>
+                          </p:cTn>
+                        </p:par>
+                      </p:childTnLst>
+                    </p:cTn>
+                  </p:par>
+                  <p:par>
+                    <p:cTn id="7" fill="hold">
+                      <p:stCondLst>
+                        <p:cond delay="indefinite"/>
+                      </p:stCondLst>
+                      <p:childTnLst>
+                        <p:par>
+                          <p:cTn id="8" fill="hold">
+                            <p:stCondLst>
+                              <p:cond delay="0"/>
+                            </p:stCondLst>
+                            <p:childTnLst>
+                              <p:par>
+                                <p:cTn id="9" presetID="1" presetClass="entr" presetSubtype="0" fill="hold" nodeType="clickEffect">
+                                  <p:stCondLst>
+                                    <p:cond delay="0"/>
+                                  </p:stCondLst>
+                                  <p:childTnLst>
+                                    <p:set>
+                                      <p:cBhvr>
+                                        <p:cTn id="10" dur="1" fill="hold">
+                                          <p:stCondLst>
+                                            <p:cond delay="0"/>
+                                          </p:stCondLst>
+                                        </p:cTn>
+                                        <p:tgtEl>
+                                          <p:spTgt spid="3">
+                                            <p:txEl>
+                                              <p:pRg st="1" end="1"/>
+                                            </p:txEl>
+                                          </p:spTgt>
+                                        </p:tgtEl>
+                                        <p:attrNameLst>
+                                          <p:attrName>style.visibility</p:attrName>
+                                        </p:attrNameLst>
+                                      </p:cBhvr>
+                                      <p:to>
+                                        <p:strVal val="visible"/>
+                                      </p:to>
+                                    </p:set>
+                                  </p:childTnLst>
+                                </p:cTn>
+                              </p:par>
+                            </p:childTnLst>
+                          </p:cTn>
+                        </p:par>
+                      </p:childTnLst>
+                    </p:cTn>
+                  </p:par>
+                  <p:par>
+                    <p:cTn id="11" fill="hold">
+                      <p:stCondLst>
+                        <p:cond delay="indefinite"/>
+                      </p:stCondLst>
+                      <p:childTnLst>
+                        <p:par>
+                          <p:cTn id="12" fill="hold">
+                            <p:stCondLst>
+                              <p:cond delay="0"/>
+                            </p:stCondLst>
+                            <p:childTnLst>
+                              <p:par>
+                                <p:cTn id="13" presetID="1" presetClass="entr" presetSubtype="0" fill="hold" nodeType="clickEffect">
+                                  <p:stCondLst>
+                                    <p:cond delay="0"/>
+                                  </p:stCondLst>
+                                  <p:childTnLst>
+                                    <p:set>
+                                      <p:cBhvr>
+                                        <p:cTn id="14" dur="1" fill="hold">
+                                          <p:stCondLst>
+                                            <p:cond delay="0"/>
+                                          </p:stCondLst>
+                                        </p:cTn>
+                                        <p:tgtEl>
+                                          <p:spTgt spid="3">
+                                            <p:txEl>
+                                              <p:pRg st="2" end="2"/>
+                                            </p:txEl>
+                                          </p:spTgt>
+                                        </p:tgtEl>
+                                        <p:attrNameLst>
+                                          <p:attrName>style.visibility</p:attrName>
+                                        </p:attrNameLst>
+                                      </p:cBhvr>
+                                      <p:to>
+                                        <p:strVal val="visible"/>
+                                      </p:to>
+                                    </p:set>
+                                  </p:childTnLst>
+                                </p:cTn>
+                              </p:par>
+                            </p:childTnLst>
+                          </p:cTn>
+                        </p:par>
+                      </p:childTnLst>
+                    </p:cTn>
+                  </p:par>
+                </p:childTnLst>
+              </p:cTn>
+              <p:prevCondLst>
+                <p:cond evt="onPrev" delay="0">
+                  <p:tgtEl>
+                    <p:sldTgt/>
+                  </p:tgtEl>
+                </p:cond>
+              </p:prevCondLst>
+              <p:nextCondLst>
+                <p:cond evt="onNext" delay="0">
+                  <p:tgtEl>
+                    <p:sldTgt/>
+                  </p:tgtEl>
+                </p:cond>
+              </p:nextCondLst>
+            </p:seq>
+          </p:childTnLst>
+        </p:cTn>
+      </p:par>
+    </p:tnLst>
+  </p:timing>
+</p:sld>
+</file>
+
+<file path=ppt/slides/slide17.xml><?xml version="1.0" encoding="utf-8"?>
+<p:sld xmlns:a="http://schemas.openxmlformats.org/drawingml/2006/main" xmlns:r="http://schemas.openxmlformats.org/officeDocument/2006/relationships" xmlns:p="http://schemas.openxmlformats.org/presentationml/2006/main">
+  <p:cSld>
+    <p:spTree>
+      <p:nvGrpSpPr>
         <p:cNvPr id="1" name=""/>
         <p:cNvGrpSpPr/>
         <p:nvPr/>
@@ -11364,7 +11820,7 @@
             <a:fld id="{2BF067CD-8E6B-4360-9AA8-C5DF2A48A6D1}" type="slidenum">
               <a:rPr lang="en-US" noProof="0" smtClean="0"/>
               <a:pPr/>
-              <a:t>16</a:t>
+              <a:t>17</a:t>
             </a:fld>
             <a:endParaRPr lang="en-US" noProof="0" dirty="0"/>
           </a:p>
@@ -11389,7 +11845,7 @@
         <p:spPr>
           <a:xfrm>
             <a:off x="190402" y="1196125"/>
-            <a:ext cx="7840598" cy="5528766"/>
+            <a:ext cx="7030598" cy="5528766"/>
           </a:xfrm>
         </p:spPr>
         <p:txBody>
@@ -11400,7 +11856,7 @@
           <a:p>
             <a:r>
               <a:rPr lang="bg-BG" sz="3200" dirty="0"/>
-              <a:t>Използваме </a:t>
+              <a:t>Създаваме </a:t>
             </a:r>
             <a:r>
               <a:rPr lang="bg-BG" sz="3200" b="1" dirty="0"/>
@@ -11408,7 +11864,7 @@
             </a:r>
             <a:r>
               <a:rPr lang="bg-BG" sz="3200" dirty="0"/>
-              <a:t> от </a:t>
+              <a:t> точно както в </a:t>
             </a:r>
             <a:r>
               <a:rPr lang="bg-BG" sz="3200" b="1" dirty="0"/>
@@ -11416,7 +11872,7 @@
             </a:r>
             <a:r>
               <a:rPr lang="bg-BG" sz="3200" dirty="0"/>
-              <a:t> към </a:t>
+              <a:t> от </a:t>
             </a:r>
             <a:r>
               <a:rPr lang="bg-BG" sz="3200" b="1" dirty="0"/>
@@ -11491,75 +11947,6 @@
               <a:rPr lang="en-US" sz="3000" dirty="0"/>
               <a:t>"</a:t>
             </a:r>
-          </a:p>
-          <a:p>
-            <a:pPr lvl="1"/>
-            <a:r>
-              <a:rPr lang="bg-BG" dirty="0"/>
-              <a:t>Свързваме се със сървъра</a:t>
-            </a:r>
-            <a:r>
-              <a:rPr lang="en-US" dirty="0"/>
-              <a:t> </a:t>
-            </a:r>
-            <a:r>
-              <a:rPr lang="bg-BG" dirty="0"/>
-              <a:t>и попълваме </a:t>
-            </a:r>
-            <a:r>
-              <a:rPr lang="bg-BG" b="1" dirty="0"/>
-              <a:t>името на новата база данни</a:t>
-            </a:r>
-            <a:r>
-              <a:rPr lang="bg-BG" dirty="0"/>
-              <a:t> </a:t>
-            </a:r>
-            <a:r>
-              <a:rPr lang="en-US" dirty="0"/>
-              <a:t>- "</a:t>
-            </a:r>
-            <a:r>
-              <a:rPr lang="en-US" b="1" dirty="0">
-                <a:solidFill>
-                  <a:schemeClr val="bg1"/>
-                </a:solidFill>
-                <a:latin typeface="Consolas" panose="020B0609020204030204" pitchFamily="49" charset="0"/>
-                <a:cs typeface="Consolas" panose="020B0609020204030204" pitchFamily="49" charset="0"/>
-              </a:rPr>
-              <a:t>TownsDb</a:t>
-            </a:r>
-            <a:r>
-              <a:rPr lang="en-US" sz="3200" dirty="0"/>
-              <a:t>”</a:t>
-            </a:r>
-          </a:p>
-          <a:p>
-            <a:pPr lvl="1"/>
-            <a:r>
-              <a:rPr lang="bg-BG" dirty="0"/>
-              <a:t>Изпълняваме дадения </a:t>
-            </a:r>
-            <a:r>
-              <a:rPr lang="en-US" b="1" dirty="0">
-                <a:solidFill>
-                  <a:schemeClr val="bg1"/>
-                </a:solidFill>
-              </a:rPr>
-              <a:t>SQL </a:t>
-            </a:r>
-            <a:r>
-              <a:rPr lang="bg-BG" b="1" dirty="0">
-                <a:solidFill>
-                  <a:schemeClr val="bg1"/>
-                </a:solidFill>
-              </a:rPr>
-              <a:t>скрипт</a:t>
-            </a:r>
-            <a:endParaRPr lang="en-BG" dirty="0">
-              <a:solidFill>
-                <a:schemeClr val="bg1"/>
-              </a:solidFill>
-            </a:endParaRPr>
           </a:p>
           <a:p>
             <a:endParaRPr lang="en-BG" sz="3200" b="1" dirty="0">
@@ -11607,48 +11994,145 @@
           </a:p>
         </p:txBody>
       </p:sp>
-      <p:pic>
-        <p:nvPicPr>
-          <p:cNvPr id="5" name="Picture 4">
+      <p:sp>
+        <p:nvSpPr>
+          <p:cNvPr id="6" name="Rectangle 5">
             <a:extLst>
               <a:ext uri="{FF2B5EF4-FFF2-40B4-BE49-F238E27FC236}">
-                <a16:creationId xmlns:a16="http://schemas.microsoft.com/office/drawing/2014/main" id="{0F30B4E3-D2F7-6A77-A021-BF3DDAC575FE}"/>
+                <a16:creationId xmlns:a16="http://schemas.microsoft.com/office/drawing/2014/main" id="{4E4E8963-9333-973A-DB59-FEB78D9EEF72}"/>
               </a:ext>
             </a:extLst>
           </p:cNvPr>
-          <p:cNvPicPr>
-            <a:picLocks noChangeAspect="1"/>
-          </p:cNvPicPr>
+          <p:cNvSpPr/>
           <p:nvPr/>
-        </p:nvPicPr>
-        <p:blipFill>
-          <a:blip r:embed="rId2">
-            <a:extLst>
-              <a:ext uri="{28A0092B-C50C-407E-A947-70E740481C1C}">
-                <a14:useLocalDpi xmlns:a14="http://schemas.microsoft.com/office/drawing/2010/main" val="0"/>
-              </a:ext>
-            </a:extLst>
-          </a:blip>
-          <a:srcRect/>
-          <a:stretch/>
-        </p:blipFill>
-        <p:spPr>
+        </p:nvSpPr>
+        <p:spPr bwMode="auto">
           <a:xfrm>
-            <a:off x="7311000" y="1867201"/>
-            <a:ext cx="4442030" cy="4186613"/>
+            <a:off x="7397375" y="1674000"/>
+            <a:ext cx="4140000" cy="3825000"/>
           </a:xfrm>
           <a:prstGeom prst="rect">
             <a:avLst/>
           </a:prstGeom>
-          <a:ln>
+          <a:solidFill>
+            <a:schemeClr val="dk2">
+              <a:alpha val="80000"/>
+            </a:schemeClr>
+          </a:solidFill>
+          <a:ln w="19050">
             <a:solidFill>
-              <a:schemeClr val="bg2">
+              <a:schemeClr val="tx1">
                 <a:lumMod val="75000"/>
+                <a:alpha val="80000"/>
               </a:schemeClr>
             </a:solidFill>
           </a:ln>
+          <a:effectLst/>
         </p:spPr>
-      </p:pic>
+        <p:style>
+          <a:lnRef idx="2">
+            <a:schemeClr val="accent1">
+              <a:shade val="50000"/>
+            </a:schemeClr>
+          </a:lnRef>
+          <a:fillRef idx="1001">
+            <a:schemeClr val="dk2"/>
+          </a:fillRef>
+          <a:effectRef idx="0">
+            <a:schemeClr val="accent1"/>
+          </a:effectRef>
+          <a:fontRef idx="minor">
+            <a:schemeClr val="lt1"/>
+          </a:fontRef>
+        </p:style>
+        <p:txBody>
+          <a:bodyPr rot="0" spcFirstLastPara="0" vertOverflow="overflow" horzOverflow="overflow" vert="horz" wrap="square" lIns="91440" tIns="45720" rIns="91440" bIns="45720" numCol="1" spcCol="0" rtlCol="0" fromWordArt="0" anchor="ctr" anchorCtr="0" forceAA="0" compatLnSpc="1">
+            <a:prstTxWarp prst="textNoShape">
+              <a:avLst/>
+            </a:prstTxWarp>
+            <a:noAutofit/>
+          </a:bodyPr>
+          <a:lstStyle/>
+          <a:p>
+            <a:pPr algn="ctr"/>
+            <a:r>
+              <a:rPr lang="en-US" sz="2800" b="1" dirty="0">
+                <a:solidFill>
+                  <a:srgbClr val="FFFFFF"/>
+                </a:solidFill>
+                <a:effectLst>
+                  <a:outerShdw blurRad="38100" dist="38100" dir="2700000" algn="tl">
+                    <a:srgbClr val="000000">
+                      <a:alpha val="43137"/>
+                    </a:srgbClr>
+                  </a:outerShdw>
+                </a:effectLst>
+              </a:rPr>
+              <a:t>TODO: screenshot</a:t>
+            </a:r>
+          </a:p>
+          <a:p>
+            <a:pPr algn="ctr"/>
+            <a:endParaRPr lang="en-US" sz="2800" b="1" dirty="0">
+              <a:solidFill>
+                <a:srgbClr val="FFFFFF"/>
+              </a:solidFill>
+              <a:effectLst>
+                <a:outerShdw blurRad="38100" dist="38100" dir="2700000" algn="tl">
+                  <a:srgbClr val="000000">
+                    <a:alpha val="43137"/>
+                  </a:srgbClr>
+                </a:outerShdw>
+              </a:effectLst>
+            </a:endParaRPr>
+          </a:p>
+          <a:p>
+            <a:pPr algn="ctr"/>
+            <a:r>
+              <a:rPr lang="bg-BG" sz="2800" b="1" dirty="0">
+                <a:solidFill>
+                  <a:srgbClr val="FFFFFF"/>
+                </a:solidFill>
+                <a:effectLst>
+                  <a:outerShdw blurRad="38100" dist="38100" dir="2700000" algn="tl">
+                    <a:srgbClr val="000000">
+                      <a:alpha val="43137"/>
+                    </a:srgbClr>
+                  </a:outerShdw>
+                </a:effectLst>
+              </a:rPr>
+              <a:t>Празна формичка с име </a:t>
+            </a:r>
+            <a:r>
+              <a:rPr lang="en-US" sz="2800" b="1" dirty="0" err="1">
+                <a:solidFill>
+                  <a:srgbClr val="FFFFFF"/>
+                </a:solidFill>
+                <a:effectLst>
+                  <a:outerShdw blurRad="38100" dist="38100" dir="2700000" algn="tl">
+                    <a:srgbClr val="000000">
+                      <a:alpha val="43137"/>
+                    </a:srgbClr>
+                  </a:outerShdw>
+                </a:effectLst>
+              </a:rPr>
+              <a:t>TownsApp</a:t>
+            </a:r>
+            <a:endParaRPr lang="en-US" sz="2800" b="1" dirty="0">
+              <a:solidFill>
+                <a:srgbClr val="FFFFFF"/>
+              </a:solidFill>
+              <a:effectLst>
+                <a:outerShdw blurRad="38100" dist="38100" dir="2700000" algn="tl">
+                  <a:srgbClr val="000000">
+                    <a:alpha val="43137"/>
+                  </a:srgbClr>
+                </a:outerShdw>
+              </a:effectLst>
+            </a:endParaRPr>
+          </a:p>
+        </p:txBody>
+      </p:sp>
     </p:spTree>
     <p:extLst>
       <p:ext uri="{BB962C8B-B14F-4D97-AF65-F5344CB8AC3E}">
@@ -11724,104 +12208,6 @@
                       </p:childTnLst>
                     </p:cTn>
                   </p:par>
-                  <p:par>
-                    <p:cTn id="7" fill="hold">
-                      <p:stCondLst>
-                        <p:cond delay="indefinite"/>
-                      </p:stCondLst>
-                      <p:childTnLst>
-                        <p:par>
-                          <p:cTn id="8" fill="hold">
-                            <p:stCondLst>
-                              <p:cond delay="0"/>
-                            </p:stCondLst>
-                            <p:childTnLst>
-                              <p:par>
-                                <p:cTn id="9" presetID="1" presetClass="entr" presetSubtype="0" fill="hold" nodeType="clickEffect">
-                                  <p:stCondLst>
-                                    <p:cond delay="0"/>
-                                  </p:stCondLst>
-                                  <p:childTnLst>
-                                    <p:set>
-                                      <p:cBhvr>
-                                        <p:cTn id="10" dur="1" fill="hold">
-                                          <p:stCondLst>
-                                            <p:cond delay="0"/>
-                                          </p:stCondLst>
-                                        </p:cTn>
-                                        <p:tgtEl>
-                                          <p:spTgt spid="3">
-                                            <p:txEl>
-                                              <p:pRg st="2" end="2"/>
-                                            </p:txEl>
-                                          </p:spTgt>
-                                        </p:tgtEl>
-                                        <p:attrNameLst>
-                                          <p:attrName>style.visibility</p:attrName>
-                                        </p:attrNameLst>
-                                      </p:cBhvr>
-                                      <p:to>
-                                        <p:strVal val="visible"/>
-                                      </p:to>
-                                    </p:set>
-                                  </p:childTnLst>
-                                </p:cTn>
-                              </p:par>
-                            </p:childTnLst>
-                          </p:cTn>
-                        </p:par>
-                      </p:childTnLst>
-                    </p:cTn>
-                  </p:par>
-                  <p:par>
-                    <p:cTn id="11" fill="hold">
-                      <p:stCondLst>
-                        <p:cond delay="indefinite"/>
-                      </p:stCondLst>
-                      <p:childTnLst>
-                        <p:par>
-                          <p:cTn id="12" fill="hold">
-                            <p:stCondLst>
-                              <p:cond delay="0"/>
-                            </p:stCondLst>
-                            <p:childTnLst>
-                              <p:par>
-                                <p:cTn id="13" presetID="1" presetClass="entr" presetSubtype="0" fill="hold" nodeType="clickEffect">
-                                  <p:stCondLst>
-                                    <p:cond delay="0"/>
-                                  </p:stCondLst>
-                                  <p:childTnLst>
-                                    <p:set>
-                                      <p:cBhvr>
-                                        <p:cTn id="14" dur="1" fill="hold">
-                                          <p:stCondLst>
-                                            <p:cond delay="0"/>
-                                          </p:stCondLst>
-                                        </p:cTn>
-                                        <p:tgtEl>
-                                          <p:spTgt spid="3">
-                                            <p:txEl>
-                                              <p:pRg st="3" end="3"/>
-                                            </p:txEl>
-                                          </p:spTgt>
-                                        </p:tgtEl>
-                                        <p:attrNameLst>
-                                          <p:attrName>style.visibility</p:attrName>
-                                        </p:attrNameLst>
-                                      </p:cBhvr>
-                                      <p:to>
-                                        <p:strVal val="visible"/>
-                                      </p:to>
-                                    </p:set>
-                                  </p:childTnLst>
-                                </p:cTn>
-                              </p:par>
-                            </p:childTnLst>
-                          </p:cTn>
-                        </p:par>
-                      </p:childTnLst>
-                    </p:cTn>
-                  </p:par>
                 </p:childTnLst>
               </p:cTn>
               <p:prevCondLst>
@@ -11847,7 +12233,7 @@
 </p:sld>
 </file>
 
-<file path=ppt/slides/slide17.xml><?xml version="1.0" encoding="utf-8"?>
+<file path=ppt/slides/slide18.xml><?xml version="1.0" encoding="utf-8"?>
 <p:sld xmlns:a="http://schemas.openxmlformats.org/drawingml/2006/main" xmlns:r="http://schemas.openxmlformats.org/officeDocument/2006/relationships" xmlns:p="http://schemas.openxmlformats.org/presentationml/2006/main">
   <p:cSld>
     <p:spTree>
@@ -11888,7 +12274,7 @@
             <a:fld id="{2BF067CD-8E6B-4360-9AA8-C5DF2A48A6D1}" type="slidenum">
               <a:rPr lang="en-US" noProof="0" smtClean="0"/>
               <a:pPr/>
-              <a:t>17</a:t>
+              <a:t>18</a:t>
             </a:fld>
             <a:endParaRPr lang="en-US" noProof="0" dirty="0"/>
           </a:p>
@@ -11961,6 +12347,11 @@
             </a:endParaRPr>
           </a:p>
           <a:p>
+            <a:pPr>
+              <a:spcBef>
+                <a:spcPts val="1200"/>
+              </a:spcBef>
+            </a:pPr>
             <a:r>
               <a:rPr lang="bg-BG" sz="3200" dirty="0"/>
               <a:t>Създаваме </a:t>
@@ -11983,7 +12374,19 @@
             </a:r>
             <a:r>
               <a:rPr lang="bg-BG" sz="3200" dirty="0"/>
-              <a:t>по базата данни:</a:t>
+              <a:t>по базата данни</a:t>
+            </a:r>
+            <a:r>
+              <a:rPr lang="en-US" sz="3200" dirty="0"/>
+              <a:t> (</a:t>
+            </a:r>
+            <a:r>
+              <a:rPr lang="en-US" sz="3200" b="1" dirty="0"/>
+              <a:t>scaffold</a:t>
+            </a:r>
+            <a:r>
+              <a:rPr lang="bg-BG" sz="3200" dirty="0"/>
+              <a:t>):</a:t>
             </a:r>
             <a:endParaRPr lang="en-BG" sz="3200" dirty="0"/>
           </a:p>
@@ -12055,8 +12458,8 @@
         </p:nvSpPr>
         <p:spPr>
           <a:xfrm>
-            <a:off x="575463" y="1977619"/>
-            <a:ext cx="11311114" cy="461545"/>
+            <a:off x="516000" y="1977619"/>
+            <a:ext cx="11177567" cy="461545"/>
           </a:xfrm>
           <a:prstGeom prst="rect">
             <a:avLst/>
@@ -12113,8 +12516,8 @@
         </p:nvSpPr>
         <p:spPr>
           <a:xfrm>
-            <a:off x="575463" y="2607455"/>
-            <a:ext cx="11311114" cy="461545"/>
+            <a:off x="516000" y="2607455"/>
+            <a:ext cx="11177567" cy="461545"/>
           </a:xfrm>
           <a:prstGeom prst="rect">
             <a:avLst/>
@@ -12171,8 +12574,8 @@
         </p:nvSpPr>
         <p:spPr>
           <a:xfrm>
-            <a:off x="576294" y="3886394"/>
-            <a:ext cx="11311114" cy="1569660"/>
+            <a:off x="516831" y="3974340"/>
+            <a:ext cx="11177567" cy="1569660"/>
           </a:xfrm>
           <a:prstGeom prst="rect">
             <a:avLst/>
@@ -12453,7 +12856,7 @@
 </p:sld>
 </file>
 
-<file path=ppt/slides/slide18.xml><?xml version="1.0" encoding="utf-8"?>
+<file path=ppt/slides/slide19.xml><?xml version="1.0" encoding="utf-8"?>
 <p:sld xmlns:a="http://schemas.openxmlformats.org/drawingml/2006/main" xmlns:r="http://schemas.openxmlformats.org/officeDocument/2006/relationships" xmlns:p="http://schemas.openxmlformats.org/presentationml/2006/main">
   <p:cSld>
     <p:spTree>
@@ -12494,7 +12897,7 @@
             <a:fld id="{2BF067CD-8E6B-4360-9AA8-C5DF2A48A6D1}" type="slidenum">
               <a:rPr lang="en-US" noProof="0" smtClean="0"/>
               <a:pPr/>
-              <a:t>18</a:t>
+              <a:t>19</a:t>
             </a:fld>
             <a:endParaRPr lang="en-US" noProof="0" dirty="0"/>
           </a:p>
@@ -12519,7 +12922,7 @@
         <p:spPr>
           <a:xfrm>
             <a:off x="190402" y="1196125"/>
-            <a:ext cx="7885598" cy="5528766"/>
+            <a:ext cx="7480598" cy="5528766"/>
           </a:xfrm>
         </p:spPr>
         <p:txBody>
@@ -12529,54 +12932,7 @@
           <a:lstStyle/>
           <a:p>
             <a:r>
-              <a:rPr lang="bg-BG" b="1" dirty="0">
-                <a:solidFill>
-                  <a:schemeClr val="bg1"/>
-                </a:solidFill>
-              </a:rPr>
-              <a:t>Структурираме</a:t>
-            </a:r>
-            <a:r>
-              <a:rPr lang="bg-BG" dirty="0"/>
-              <a:t> проекта</a:t>
-            </a:r>
-          </a:p>
-          <a:p>
-            <a:r>
-              <a:rPr lang="bg-BG" sz="3400" dirty="0"/>
-              <a:t>Добавяме </a:t>
-            </a:r>
-            <a:r>
-              <a:rPr lang="en-US" sz="3400" b="1" dirty="0">
-                <a:solidFill>
-                  <a:schemeClr val="bg1"/>
-                </a:solidFill>
-              </a:rPr>
-              <a:t>DataGridView</a:t>
-            </a:r>
-            <a:r>
-              <a:rPr lang="en-US" sz="3400" dirty="0"/>
-              <a:t> </a:t>
-            </a:r>
-            <a:r>
-              <a:rPr lang="bg-BG" sz="3400" dirty="0"/>
-              <a:t>контролата</a:t>
-            </a:r>
-          </a:p>
-          <a:p>
-            <a:pPr lvl="1"/>
-            <a:r>
-              <a:rPr lang="bg-BG" sz="3000" dirty="0"/>
-              <a:t>Променяме ѝ </a:t>
-            </a:r>
-            <a:r>
-              <a:rPr lang="bg-BG" sz="3000" b="1" dirty="0"/>
-              <a:t>името</a:t>
-            </a:r>
-          </a:p>
-          <a:p>
-            <a:r>
-              <a:rPr lang="bg-BG" sz="3200" b="1" dirty="0"/>
+              <a:rPr lang="bg-BG" sz="3200" b="1" dirty="0" err="1"/>
               <a:t>Билдваме</a:t>
             </a:r>
             <a:r>
@@ -12607,79 +12963,43 @@
               <a:rPr lang="en-US" sz="3200" b="1" dirty="0"/>
               <a:t>]</a:t>
             </a:r>
-            <a:endParaRPr lang="bg-BG" sz="3200" b="1" dirty="0"/>
-          </a:p>
-          <a:p>
-            <a:r>
-              <a:rPr lang="bg-BG" dirty="0"/>
-              <a:t>Добавяме </a:t>
-            </a:r>
-            <a:r>
-              <a:rPr lang="en-US" b="1" dirty="0"/>
-              <a:t>Data Source</a:t>
-            </a:r>
-            <a:r>
-              <a:rPr lang="en-US" dirty="0"/>
-              <a:t> </a:t>
-            </a:r>
-            <a:r>
-              <a:rPr lang="bg-BG" dirty="0"/>
-              <a:t>към </a:t>
-            </a:r>
-            <a:r>
-              <a:rPr lang="bg-BG" b="1" dirty="0"/>
-              <a:t>контролата</a:t>
-            </a:r>
+          </a:p>
+          <a:p>
+            <a:r>
+              <a:rPr lang="bg-BG" sz="3200" dirty="0"/>
+              <a:t>Вече имаме генерирани </a:t>
+            </a:r>
+            <a:r>
+              <a:rPr lang="en-US" sz="3200" dirty="0"/>
+              <a:t>C# </a:t>
+            </a:r>
+            <a:r>
+              <a:rPr lang="bg-BG" sz="3200" b="1" dirty="0"/>
+              <a:t>класове</a:t>
+            </a:r>
+            <a:r>
+              <a:rPr lang="bg-BG" sz="3200" dirty="0"/>
+              <a:t>, които съответстват на базата данни:</a:t>
+            </a:r>
+            <a:endParaRPr lang="en-US" sz="3200" dirty="0"/>
           </a:p>
           <a:p>
             <a:pPr lvl="1"/>
             <a:r>
-              <a:rPr lang="en-US" b="1" dirty="0"/>
-              <a:t>[</a:t>
-            </a:r>
-            <a:r>
-              <a:rPr lang="en-US" b="1" dirty="0">
-                <a:solidFill>
-                  <a:schemeClr val="bg1"/>
-                </a:solidFill>
-              </a:rPr>
-              <a:t>Add new Object</a:t>
-            </a:r>
-            <a:r>
-              <a:rPr lang="en-US" b="1" dirty="0"/>
-              <a:t>]</a:t>
-            </a:r>
-            <a:r>
-              <a:rPr lang="bg-BG" dirty="0">
-                <a:solidFill>
-                  <a:schemeClr val="bg1"/>
-                </a:solidFill>
-              </a:rPr>
-              <a:t> </a:t>
-            </a:r>
-            <a:r>
-              <a:rPr lang="en-US" sz="2400" dirty="0">
-                <a:sym typeface="Wingdings" panose="05000000000000000000" pitchFamily="2" charset="2"/>
-              </a:rPr>
-              <a:t></a:t>
-            </a:r>
-            <a:r>
-              <a:rPr lang="en-US" dirty="0"/>
-              <a:t> </a:t>
-            </a:r>
-            <a:r>
-              <a:rPr lang="en-US" b="1" dirty="0">
-                <a:solidFill>
-                  <a:schemeClr val="bg1"/>
-                </a:solidFill>
-              </a:rPr>
-              <a:t>Towns</a:t>
-            </a:r>
-            <a:endParaRPr lang="en-BG" sz="2800" dirty="0">
-              <a:solidFill>
-                <a:schemeClr val="bg1"/>
-              </a:solidFill>
-            </a:endParaRPr>
+              <a:rPr lang="en-US" sz="3000" b="1" noProof="1">
+                <a:latin typeface="Consolas" panose="020B0609020204030204" pitchFamily="49" charset="0"/>
+              </a:rPr>
+              <a:t>Town.cs</a:t>
+            </a:r>
+          </a:p>
+          <a:p>
+            <a:pPr lvl="1"/>
+            <a:r>
+              <a:rPr lang="en-US" sz="3000" b="1" noProof="1">
+                <a:latin typeface="Consolas" panose="020B0609020204030204" pitchFamily="49" charset="0"/>
+              </a:rPr>
+              <a:t>TownsDbContext.cs</a:t>
+            </a:r>
           </a:p>
         </p:txBody>
       </p:sp>
@@ -12708,7 +13028,7 @@
           <a:p>
             <a:r>
               <a:rPr lang="bg-BG" dirty="0"/>
-              <a:t>Свързване на данни</a:t>
+              <a:t>Свързване към базата данни</a:t>
             </a:r>
             <a:endParaRPr lang="en-BG" dirty="0"/>
           </a:p>
@@ -12742,7 +13062,7 @@
         </p:blipFill>
         <p:spPr>
           <a:xfrm>
-            <a:off x="7958376" y="1210620"/>
+            <a:off x="7840752" y="1448602"/>
             <a:ext cx="3912278" cy="5023812"/>
           </a:xfrm>
           <a:prstGeom prst="rect">
@@ -12811,7 +13131,7 @@
                                         <p:tgtEl>
                                           <p:spTgt spid="3">
                                             <p:txEl>
-                                              <p:pRg st="1" end="1"/>
+                                              <p:pRg st="0" end="0"/>
                                             </p:txEl>
                                           </p:spTgt>
                                         </p:tgtEl>
@@ -12860,7 +13180,7 @@
                                         <p:tgtEl>
                                           <p:spTgt spid="3">
                                             <p:txEl>
-                                              <p:pRg st="2" end="2"/>
+                                              <p:pRg st="1" end="1"/>
                                             </p:txEl>
                                           </p:spTgt>
                                         </p:tgtEl>
@@ -12909,7 +13229,7 @@
                                         <p:tgtEl>
                                           <p:spTgt spid="3">
                                             <p:txEl>
-                                              <p:pRg st="3" end="3"/>
+                                              <p:pRg st="2" end="2"/>
                                             </p:txEl>
                                           </p:spTgt>
                                         </p:tgtEl>
@@ -12958,56 +13278,7 @@
                                         <p:tgtEl>
                                           <p:spTgt spid="3">
                                             <p:txEl>
-                                              <p:pRg st="4" end="4"/>
-                                            </p:txEl>
-                                          </p:spTgt>
-                                        </p:tgtEl>
-                                        <p:attrNameLst>
-                                          <p:attrName>style.visibility</p:attrName>
-                                        </p:attrNameLst>
-                                      </p:cBhvr>
-                                      <p:to>
-                                        <p:strVal val="visible"/>
-                                      </p:to>
-                                    </p:set>
-                                  </p:childTnLst>
-                                </p:cTn>
-                              </p:par>
-                            </p:childTnLst>
-                          </p:cTn>
-                        </p:par>
-                      </p:childTnLst>
-                    </p:cTn>
-                  </p:par>
-                  <p:par>
-                    <p:cTn id="19" fill="hold">
-                      <p:stCondLst>
-                        <p:cond delay="indefinite"/>
-                      </p:stCondLst>
-                      <p:childTnLst>
-                        <p:par>
-                          <p:cTn id="20" fill="hold">
-                            <p:stCondLst>
-                              <p:cond delay="0"/>
-                            </p:stCondLst>
-                            <p:childTnLst>
-                              <p:par>
-                                <p:cTn id="21" presetID="1" presetClass="entr" presetSubtype="0" fill="hold" nodeType="clickEffect">
-                                  <p:stCondLst>
-                                    <p:cond delay="0"/>
-                                  </p:stCondLst>
-                                  <p:childTnLst>
-                                    <p:set>
-                                      <p:cBhvr>
-                                        <p:cTn id="22" dur="1" fill="hold">
-                                          <p:stCondLst>
-                                            <p:cond delay="0"/>
-                                          </p:stCondLst>
-                                        </p:cTn>
-                                        <p:tgtEl>
-                                          <p:spTgt spid="3">
-                                            <p:txEl>
-                                              <p:pRg st="5" end="5"/>
+                                              <p:pRg st="3" end="3"/>
                                             </p:txEl>
                                           </p:spTgt>
                                         </p:tgtEl>
@@ -13050,244 +13321,6 @@
       </p:par>
     </p:tnLst>
   </p:timing>
-</p:sld>
-</file>
-
-<file path=ppt/slides/slide19.xml><?xml version="1.0" encoding="utf-8"?>
-<p:sld xmlns:a="http://schemas.openxmlformats.org/drawingml/2006/main" xmlns:r="http://schemas.openxmlformats.org/officeDocument/2006/relationships" xmlns:p="http://schemas.openxmlformats.org/presentationml/2006/main">
-  <p:cSld>
-    <p:spTree>
-      <p:nvGrpSpPr>
-        <p:cNvPr id="1" name=""/>
-        <p:cNvGrpSpPr/>
-        <p:nvPr/>
-      </p:nvGrpSpPr>
-      <p:grpSpPr>
-        <a:xfrm>
-          <a:off x="0" y="0"/>
-          <a:ext cx="0" cy="0"/>
-          <a:chOff x="0" y="0"/>
-          <a:chExt cx="0" cy="0"/>
-        </a:xfrm>
-      </p:grpSpPr>
-      <p:sp>
-        <p:nvSpPr>
-          <p:cNvPr id="2" name="Slide Number Placeholder 1">
-            <a:extLst>
-              <a:ext uri="{FF2B5EF4-FFF2-40B4-BE49-F238E27FC236}">
-                <a16:creationId xmlns:a16="http://schemas.microsoft.com/office/drawing/2014/main" id="{6DA344CE-837B-5474-434A-D67C35E3F132}"/>
-              </a:ext>
-            </a:extLst>
-          </p:cNvPr>
-          <p:cNvSpPr>
-            <a:spLocks noGrp="1"/>
-          </p:cNvSpPr>
-          <p:nvPr>
-            <p:ph type="sldNum" sz="quarter" idx="5"/>
-          </p:nvPr>
-        </p:nvSpPr>
-        <p:spPr/>
-        <p:txBody>
-          <a:bodyPr/>
-          <a:lstStyle/>
-          <a:p>
-            <a:fld id="{2BF067CD-8E6B-4360-9AA8-C5DF2A48A6D1}" type="slidenum">
-              <a:rPr lang="en-US" noProof="0" smtClean="0"/>
-              <a:pPr/>
-              <a:t>19</a:t>
-            </a:fld>
-            <a:endParaRPr lang="en-US" noProof="0" dirty="0"/>
-          </a:p>
-        </p:txBody>
-      </p:sp>
-      <p:sp>
-        <p:nvSpPr>
-          <p:cNvPr id="3" name="Text Placeholder 2">
-            <a:extLst>
-              <a:ext uri="{FF2B5EF4-FFF2-40B4-BE49-F238E27FC236}">
-                <a16:creationId xmlns:a16="http://schemas.microsoft.com/office/drawing/2014/main" id="{81E203A2-8BC8-9F89-C7BB-B38BA6293612}"/>
-              </a:ext>
-            </a:extLst>
-          </p:cNvPr>
-          <p:cNvSpPr>
-            <a:spLocks noGrp="1"/>
-          </p:cNvSpPr>
-          <p:nvPr>
-            <p:ph type="body" sz="quarter" idx="10"/>
-          </p:nvPr>
-        </p:nvSpPr>
-        <p:spPr/>
-        <p:txBody>
-          <a:bodyPr/>
-          <a:lstStyle/>
-          <a:p>
-            <a:r>
-              <a:rPr lang="bg-BG" sz="3200" b="1" dirty="0"/>
-              <a:t>Забраняваме</a:t>
-            </a:r>
-            <a:r>
-              <a:rPr lang="bg-BG" sz="3200" dirty="0"/>
-              <a:t> </a:t>
-            </a:r>
-            <a:r>
-              <a:rPr lang="bg-BG" sz="3200" b="1" dirty="0">
-                <a:solidFill>
-                  <a:schemeClr val="bg1"/>
-                </a:solidFill>
-              </a:rPr>
-              <a:t>редактирането</a:t>
-            </a:r>
-            <a:r>
-              <a:rPr lang="bg-BG" sz="3200" dirty="0"/>
-              <a:t> на колоната</a:t>
-            </a:r>
-            <a:r>
-              <a:rPr lang="en-US" sz="3200" dirty="0"/>
-              <a:t> </a:t>
-            </a:r>
-            <a:r>
-              <a:rPr lang="en-US" sz="3200" b="1" dirty="0">
-                <a:solidFill>
-                  <a:schemeClr val="bg1"/>
-                </a:solidFill>
-                <a:latin typeface="Consolas" panose="020B0609020204030204" pitchFamily="49" charset="0"/>
-                <a:cs typeface="Consolas" panose="020B0609020204030204" pitchFamily="49" charset="0"/>
-              </a:rPr>
-              <a:t>Id</a:t>
-            </a:r>
-            <a:r>
-              <a:rPr lang="bg-BG" sz="3200" dirty="0"/>
-              <a:t> (</a:t>
-            </a:r>
-            <a:r>
-              <a:rPr lang="en-US" sz="3200" b="1" dirty="0">
-                <a:solidFill>
-                  <a:schemeClr val="bg1"/>
-                </a:solidFill>
-                <a:latin typeface="Consolas" panose="020B0609020204030204" pitchFamily="49" charset="0"/>
-                <a:cs typeface="Consolas" panose="020B0609020204030204" pitchFamily="49" charset="0"/>
-              </a:rPr>
-              <a:t>ReadOnly</a:t>
-            </a:r>
-            <a:r>
-              <a:rPr lang="en-US" sz="3200" dirty="0"/>
-              <a:t> = </a:t>
-            </a:r>
-            <a:r>
-              <a:rPr lang="en-US" sz="3200" b="1" dirty="0">
-                <a:solidFill>
-                  <a:schemeClr val="bg1"/>
-                </a:solidFill>
-                <a:latin typeface="Consolas" panose="020B0609020204030204" pitchFamily="49" charset="0"/>
-                <a:cs typeface="Consolas" panose="020B0609020204030204" pitchFamily="49" charset="0"/>
-              </a:rPr>
-              <a:t>True</a:t>
-            </a:r>
-            <a:r>
-              <a:rPr lang="en-US" sz="3200" dirty="0"/>
-              <a:t>)</a:t>
-            </a:r>
-            <a:endParaRPr lang="en-BG" dirty="0"/>
-          </a:p>
-        </p:txBody>
-      </p:sp>
-      <p:sp>
-        <p:nvSpPr>
-          <p:cNvPr id="4" name="Title 3">
-            <a:extLst>
-              <a:ext uri="{FF2B5EF4-FFF2-40B4-BE49-F238E27FC236}">
-                <a16:creationId xmlns:a16="http://schemas.microsoft.com/office/drawing/2014/main" id="{7FCCDF28-545F-C540-77CF-FBF02016CC36}"/>
-              </a:ext>
-            </a:extLst>
-          </p:cNvPr>
-          <p:cNvSpPr>
-            <a:spLocks noGrp="1"/>
-          </p:cNvSpPr>
-          <p:nvPr>
-            <p:ph type="title"/>
-          </p:nvPr>
-        </p:nvSpPr>
-        <p:spPr/>
-        <p:txBody>
-          <a:bodyPr/>
-          <a:lstStyle/>
-          <a:p>
-            <a:r>
-              <a:rPr lang="bg-BG" dirty="0"/>
-              <a:t>Забраняване на редактиране на</a:t>
-            </a:r>
-            <a:r>
-              <a:rPr lang="en-US" dirty="0"/>
-              <a:t> </a:t>
-            </a:r>
-            <a:r>
-              <a:rPr lang="bg-BG" dirty="0"/>
-              <a:t>колона</a:t>
-            </a:r>
-            <a:endParaRPr lang="en-BG" dirty="0"/>
-          </a:p>
-        </p:txBody>
-      </p:sp>
-      <p:pic>
-        <p:nvPicPr>
-          <p:cNvPr id="6" name="Picture 5">
-            <a:extLst>
-              <a:ext uri="{FF2B5EF4-FFF2-40B4-BE49-F238E27FC236}">
-                <a16:creationId xmlns:a16="http://schemas.microsoft.com/office/drawing/2014/main" id="{83F3CB08-DEDB-6C19-53B4-4505EF43C608}"/>
-              </a:ext>
-            </a:extLst>
-          </p:cNvPr>
-          <p:cNvPicPr>
-            <a:picLocks noChangeAspect="1"/>
-          </p:cNvPicPr>
-          <p:nvPr/>
-        </p:nvPicPr>
-        <p:blipFill>
-          <a:blip r:embed="rId2">
-            <a:extLst>
-              <a:ext uri="{28A0092B-C50C-407E-A947-70E740481C1C}">
-                <a14:useLocalDpi xmlns:a14="http://schemas.microsoft.com/office/drawing/2010/main" val="0"/>
-              </a:ext>
-            </a:extLst>
-          </a:blip>
-          <a:srcRect/>
-          <a:stretch/>
-        </p:blipFill>
-        <p:spPr>
-          <a:xfrm>
-            <a:off x="2856000" y="2034000"/>
-            <a:ext cx="6480000" cy="4362519"/>
-          </a:xfrm>
-          <a:prstGeom prst="rect">
-            <a:avLst/>
-          </a:prstGeom>
-          <a:ln>
-            <a:solidFill>
-              <a:schemeClr val="bg2">
-                <a:lumMod val="75000"/>
-              </a:schemeClr>
-            </a:solidFill>
-          </a:ln>
-        </p:spPr>
-      </p:pic>
-    </p:spTree>
-    <p:extLst>
-      <p:ext uri="{BB962C8B-B14F-4D97-AF65-F5344CB8AC3E}">
-        <p14:creationId xmlns:p14="http://schemas.microsoft.com/office/powerpoint/2010/main" val="2567521709"/>
-      </p:ext>
-    </p:extLst>
-  </p:cSld>
-  <p:clrMapOvr>
-    <a:masterClrMapping/>
-  </p:clrMapOvr>
-  <mc:AlternateContent xmlns:mc="http://schemas.openxmlformats.org/markup-compatibility/2006" xmlns:p14="http://schemas.microsoft.com/office/powerpoint/2010/main">
-    <mc:Choice Requires="p14">
-      <p:transition spd="slow" p14:dur="2000" advClick="0" advTm="5000"/>
-    </mc:Choice>
-    <mc:Fallback xmlns="">
-      <p:transition spd="slow" advClick="0" advTm="5000"/>
-    </mc:Fallback>
-  </mc:AlternateContent>
 </p:sld>
 </file>
 
@@ -13998,6 +14031,1399 @@
   <p:cSld>
     <p:spTree>
       <p:nvGrpSpPr>
+        <p:cNvPr id="1" name="">
+          <a:extLst>
+            <a:ext uri="{FF2B5EF4-FFF2-40B4-BE49-F238E27FC236}">
+              <a16:creationId xmlns:a16="http://schemas.microsoft.com/office/drawing/2014/main" id="{A65CA3CD-4BF1-95B5-69EB-E7BAA2BC7E1C}"/>
+            </a:ext>
+          </a:extLst>
+        </p:cNvPr>
+        <p:cNvGrpSpPr/>
+        <p:nvPr/>
+      </p:nvGrpSpPr>
+      <p:grpSpPr>
+        <a:xfrm>
+          <a:off x="0" y="0"/>
+          <a:ext cx="0" cy="0"/>
+          <a:chOff x="0" y="0"/>
+          <a:chExt cx="0" cy="0"/>
+        </a:xfrm>
+      </p:grpSpPr>
+      <p:sp>
+        <p:nvSpPr>
+          <p:cNvPr id="2" name="Slide Number Placeholder 1">
+            <a:extLst>
+              <a:ext uri="{FF2B5EF4-FFF2-40B4-BE49-F238E27FC236}">
+                <a16:creationId xmlns:a16="http://schemas.microsoft.com/office/drawing/2014/main" id="{F46153DB-549F-89B2-9180-87C2C11C2006}"/>
+              </a:ext>
+            </a:extLst>
+          </p:cNvPr>
+          <p:cNvSpPr>
+            <a:spLocks noGrp="1"/>
+          </p:cNvSpPr>
+          <p:nvPr>
+            <p:ph type="sldNum" sz="quarter" idx="5"/>
+          </p:nvPr>
+        </p:nvSpPr>
+        <p:spPr/>
+        <p:txBody>
+          <a:bodyPr/>
+          <a:lstStyle/>
+          <a:p>
+            <a:fld id="{2BF067CD-8E6B-4360-9AA8-C5DF2A48A6D1}" type="slidenum">
+              <a:rPr lang="en-US" noProof="0" smtClean="0"/>
+              <a:pPr/>
+              <a:t>20</a:t>
+            </a:fld>
+            <a:endParaRPr lang="en-US" noProof="0" dirty="0"/>
+          </a:p>
+        </p:txBody>
+      </p:sp>
+      <p:sp>
+        <p:nvSpPr>
+          <p:cNvPr id="3" name="Text Placeholder 2">
+            <a:extLst>
+              <a:ext uri="{FF2B5EF4-FFF2-40B4-BE49-F238E27FC236}">
+                <a16:creationId xmlns:a16="http://schemas.microsoft.com/office/drawing/2014/main" id="{B473BEC8-6A16-8A77-49C5-E0976198447E}"/>
+              </a:ext>
+            </a:extLst>
+          </p:cNvPr>
+          <p:cNvSpPr>
+            <a:spLocks noGrp="1"/>
+          </p:cNvSpPr>
+          <p:nvPr>
+            <p:ph type="body" sz="quarter" idx="10"/>
+          </p:nvPr>
+        </p:nvSpPr>
+        <p:spPr>
+          <a:xfrm>
+            <a:off x="190402" y="1196125"/>
+            <a:ext cx="11800598" cy="5528766"/>
+          </a:xfrm>
+        </p:spPr>
+        <p:txBody>
+          <a:bodyPr>
+            <a:normAutofit/>
+          </a:bodyPr>
+          <a:lstStyle/>
+          <a:p>
+            <a:r>
+              <a:rPr lang="bg-BG" sz="3400" dirty="0"/>
+              <a:t>Добавяме </a:t>
+            </a:r>
+            <a:r>
+              <a:rPr lang="en-US" sz="3400" b="1" noProof="1">
+                <a:solidFill>
+                  <a:schemeClr val="bg1"/>
+                </a:solidFill>
+              </a:rPr>
+              <a:t>DataGridView</a:t>
+            </a:r>
+            <a:r>
+              <a:rPr lang="en-US" sz="3400" dirty="0"/>
+              <a:t> </a:t>
+            </a:r>
+            <a:r>
+              <a:rPr lang="bg-BG" sz="3400" dirty="0"/>
+              <a:t>контролата във формата</a:t>
+            </a:r>
+          </a:p>
+          <a:p>
+            <a:pPr lvl="1"/>
+            <a:r>
+              <a:rPr lang="bg-BG" sz="3000" dirty="0"/>
+              <a:t>Променяме ѝ </a:t>
+            </a:r>
+            <a:r>
+              <a:rPr lang="bg-BG" sz="3000" b="1" dirty="0"/>
+              <a:t>името</a:t>
+            </a:r>
+          </a:p>
+        </p:txBody>
+      </p:sp>
+      <p:sp>
+        <p:nvSpPr>
+          <p:cNvPr id="4" name="Title 3">
+            <a:extLst>
+              <a:ext uri="{FF2B5EF4-FFF2-40B4-BE49-F238E27FC236}">
+                <a16:creationId xmlns:a16="http://schemas.microsoft.com/office/drawing/2014/main" id="{AF4575ED-4EBB-0F78-9CC8-A3177724FC59}"/>
+              </a:ext>
+            </a:extLst>
+          </p:cNvPr>
+          <p:cNvSpPr>
+            <a:spLocks noGrp="1"/>
+          </p:cNvSpPr>
+          <p:nvPr>
+            <p:ph type="title"/>
+          </p:nvPr>
+        </p:nvSpPr>
+        <p:spPr/>
+        <p:txBody>
+          <a:bodyPr>
+            <a:normAutofit/>
+          </a:bodyPr>
+          <a:lstStyle/>
+          <a:p>
+            <a:r>
+              <a:rPr lang="bg-BG" dirty="0"/>
+              <a:t>Добавяме контрола за таблични данни</a:t>
+            </a:r>
+            <a:endParaRPr lang="en-BG" dirty="0"/>
+          </a:p>
+        </p:txBody>
+      </p:sp>
+      <p:sp>
+        <p:nvSpPr>
+          <p:cNvPr id="5" name="Rectangle 4">
+            <a:extLst>
+              <a:ext uri="{FF2B5EF4-FFF2-40B4-BE49-F238E27FC236}">
+                <a16:creationId xmlns:a16="http://schemas.microsoft.com/office/drawing/2014/main" id="{C0350D93-6476-D99B-6DDF-248D55D611AE}"/>
+              </a:ext>
+            </a:extLst>
+          </p:cNvPr>
+          <p:cNvSpPr/>
+          <p:nvPr/>
+        </p:nvSpPr>
+        <p:spPr bwMode="auto">
+          <a:xfrm>
+            <a:off x="7806000" y="2124000"/>
+            <a:ext cx="3645000" cy="3825000"/>
+          </a:xfrm>
+          <a:prstGeom prst="rect">
+            <a:avLst/>
+          </a:prstGeom>
+          <a:solidFill>
+            <a:schemeClr val="dk2">
+              <a:alpha val="80000"/>
+            </a:schemeClr>
+          </a:solidFill>
+          <a:ln w="19050">
+            <a:solidFill>
+              <a:schemeClr val="tx1">
+                <a:lumMod val="75000"/>
+                <a:alpha val="80000"/>
+              </a:schemeClr>
+            </a:solidFill>
+          </a:ln>
+          <a:effectLst/>
+        </p:spPr>
+        <p:style>
+          <a:lnRef idx="2">
+            <a:schemeClr val="accent1">
+              <a:shade val="50000"/>
+            </a:schemeClr>
+          </a:lnRef>
+          <a:fillRef idx="1001">
+            <a:schemeClr val="dk2"/>
+          </a:fillRef>
+          <a:effectRef idx="0">
+            <a:schemeClr val="accent1"/>
+          </a:effectRef>
+          <a:fontRef idx="minor">
+            <a:schemeClr val="lt1"/>
+          </a:fontRef>
+        </p:style>
+        <p:txBody>
+          <a:bodyPr rot="0" spcFirstLastPara="0" vertOverflow="overflow" horzOverflow="overflow" vert="horz" wrap="square" lIns="91440" tIns="45720" rIns="91440" bIns="45720" numCol="1" spcCol="0" rtlCol="0" fromWordArt="0" anchor="ctr" anchorCtr="0" forceAA="0" compatLnSpc="1">
+            <a:prstTxWarp prst="textNoShape">
+              <a:avLst/>
+            </a:prstTxWarp>
+            <a:noAutofit/>
+          </a:bodyPr>
+          <a:lstStyle/>
+          <a:p>
+            <a:pPr algn="ctr"/>
+            <a:r>
+              <a:rPr lang="en-US" sz="2800" b="1" dirty="0">
+                <a:solidFill>
+                  <a:srgbClr val="FFFFFF"/>
+                </a:solidFill>
+                <a:effectLst>
+                  <a:outerShdw blurRad="38100" dist="38100" dir="2700000" algn="tl">
+                    <a:srgbClr val="000000">
+                      <a:alpha val="43137"/>
+                    </a:srgbClr>
+                  </a:outerShdw>
+                </a:effectLst>
+              </a:rPr>
+              <a:t>TODO: screenshot</a:t>
+            </a:r>
+          </a:p>
+          <a:p>
+            <a:pPr algn="ctr"/>
+            <a:endParaRPr lang="en-US" sz="2800" b="1" dirty="0">
+              <a:solidFill>
+                <a:srgbClr val="FFFFFF"/>
+              </a:solidFill>
+              <a:effectLst>
+                <a:outerShdw blurRad="38100" dist="38100" dir="2700000" algn="tl">
+                  <a:srgbClr val="000000">
+                    <a:alpha val="43137"/>
+                  </a:srgbClr>
+                </a:outerShdw>
+              </a:effectLst>
+            </a:endParaRPr>
+          </a:p>
+          <a:p>
+            <a:pPr algn="ctr"/>
+            <a:r>
+              <a:rPr lang="bg-BG" sz="2800" b="1" dirty="0">
+                <a:solidFill>
+                  <a:srgbClr val="FFFFFF"/>
+                </a:solidFill>
+                <a:effectLst>
+                  <a:outerShdw blurRad="38100" dist="38100" dir="2700000" algn="tl">
+                    <a:srgbClr val="000000">
+                      <a:alpha val="43137"/>
+                    </a:srgbClr>
+                  </a:outerShdw>
+                </a:effectLst>
+              </a:rPr>
+              <a:t>Главната формичка с </a:t>
+            </a:r>
+            <a:r>
+              <a:rPr lang="en-US" sz="2800" b="1" dirty="0" err="1">
+                <a:solidFill>
+                  <a:srgbClr val="FFFFFF"/>
+                </a:solidFill>
+                <a:effectLst>
+                  <a:outerShdw blurRad="38100" dist="38100" dir="2700000" algn="tl">
+                    <a:srgbClr val="000000">
+                      <a:alpha val="43137"/>
+                    </a:srgbClr>
+                  </a:outerShdw>
+                </a:effectLst>
+              </a:rPr>
+              <a:t>DataGridView</a:t>
+            </a:r>
+            <a:r>
+              <a:rPr lang="bg-BG" sz="2800" b="1" dirty="0">
+                <a:solidFill>
+                  <a:srgbClr val="FFFFFF"/>
+                </a:solidFill>
+                <a:effectLst>
+                  <a:outerShdw blurRad="38100" dist="38100" dir="2700000" algn="tl">
+                    <a:srgbClr val="000000">
+                      <a:alpha val="43137"/>
+                    </a:srgbClr>
+                  </a:outerShdw>
+                </a:effectLst>
+              </a:rPr>
+              <a:t> контролата в нея</a:t>
+            </a:r>
+            <a:endParaRPr lang="en-US" sz="2800" b="1" dirty="0">
+              <a:solidFill>
+                <a:srgbClr val="FFFFFF"/>
+              </a:solidFill>
+              <a:effectLst>
+                <a:outerShdw blurRad="38100" dist="38100" dir="2700000" algn="tl">
+                  <a:srgbClr val="000000">
+                    <a:alpha val="43137"/>
+                  </a:srgbClr>
+                </a:outerShdw>
+              </a:effectLst>
+            </a:endParaRPr>
+          </a:p>
+        </p:txBody>
+      </p:sp>
+    </p:spTree>
+    <p:extLst>
+      <p:ext uri="{BB962C8B-B14F-4D97-AF65-F5344CB8AC3E}">
+        <p14:creationId xmlns:p14="http://schemas.microsoft.com/office/powerpoint/2010/main" val="1555758151"/>
+      </p:ext>
+    </p:extLst>
+  </p:cSld>
+  <p:clrMapOvr>
+    <a:masterClrMapping/>
+  </p:clrMapOvr>
+  <mc:AlternateContent xmlns:mc="http://schemas.openxmlformats.org/markup-compatibility/2006" xmlns:p14="http://schemas.microsoft.com/office/powerpoint/2010/main">
+    <mc:Choice Requires="p14">
+      <p:transition spd="slow" p14:dur="2000" advClick="0" advTm="5000"/>
+    </mc:Choice>
+    <mc:Fallback xmlns="">
+      <p:transition spd="slow" advClick="0" advTm="5000"/>
+    </mc:Fallback>
+  </mc:AlternateContent>
+  <p:timing>
+    <p:tnLst>
+      <p:par>
+        <p:cTn id="1" dur="indefinite" restart="never" nodeType="tmRoot">
+          <p:childTnLst>
+            <p:seq concurrent="1" nextAc="seek">
+              <p:cTn id="2" dur="indefinite" nodeType="mainSeq">
+                <p:childTnLst>
+                  <p:par>
+                    <p:cTn id="3" fill="hold">
+                      <p:stCondLst>
+                        <p:cond delay="indefinite"/>
+                      </p:stCondLst>
+                      <p:childTnLst>
+                        <p:par>
+                          <p:cTn id="4" fill="hold">
+                            <p:stCondLst>
+                              <p:cond delay="0"/>
+                            </p:stCondLst>
+                            <p:childTnLst>
+                              <p:par>
+                                <p:cTn id="5" presetID="1" presetClass="entr" presetSubtype="0" fill="hold" nodeType="clickEffect">
+                                  <p:stCondLst>
+                                    <p:cond delay="0"/>
+                                  </p:stCondLst>
+                                  <p:childTnLst>
+                                    <p:set>
+                                      <p:cBhvr>
+                                        <p:cTn id="6" dur="1" fill="hold">
+                                          <p:stCondLst>
+                                            <p:cond delay="0"/>
+                                          </p:stCondLst>
+                                        </p:cTn>
+                                        <p:tgtEl>
+                                          <p:spTgt spid="3">
+                                            <p:txEl>
+                                              <p:pRg st="0" end="0"/>
+                                            </p:txEl>
+                                          </p:spTgt>
+                                        </p:tgtEl>
+                                        <p:attrNameLst>
+                                          <p:attrName>style.visibility</p:attrName>
+                                        </p:attrNameLst>
+                                      </p:cBhvr>
+                                      <p:to>
+                                        <p:strVal val="visible"/>
+                                      </p:to>
+                                    </p:set>
+                                  </p:childTnLst>
+                                </p:cTn>
+                              </p:par>
+                            </p:childTnLst>
+                          </p:cTn>
+                        </p:par>
+                      </p:childTnLst>
+                    </p:cTn>
+                  </p:par>
+                  <p:par>
+                    <p:cTn id="7" fill="hold">
+                      <p:stCondLst>
+                        <p:cond delay="indefinite"/>
+                      </p:stCondLst>
+                      <p:childTnLst>
+                        <p:par>
+                          <p:cTn id="8" fill="hold">
+                            <p:stCondLst>
+                              <p:cond delay="0"/>
+                            </p:stCondLst>
+                            <p:childTnLst>
+                              <p:par>
+                                <p:cTn id="9" presetID="1" presetClass="entr" presetSubtype="0" fill="hold" nodeType="clickEffect">
+                                  <p:stCondLst>
+                                    <p:cond delay="0"/>
+                                  </p:stCondLst>
+                                  <p:childTnLst>
+                                    <p:set>
+                                      <p:cBhvr>
+                                        <p:cTn id="10" dur="1" fill="hold">
+                                          <p:stCondLst>
+                                            <p:cond delay="0"/>
+                                          </p:stCondLst>
+                                        </p:cTn>
+                                        <p:tgtEl>
+                                          <p:spTgt spid="3">
+                                            <p:txEl>
+                                              <p:pRg st="1" end="1"/>
+                                            </p:txEl>
+                                          </p:spTgt>
+                                        </p:tgtEl>
+                                        <p:attrNameLst>
+                                          <p:attrName>style.visibility</p:attrName>
+                                        </p:attrNameLst>
+                                      </p:cBhvr>
+                                      <p:to>
+                                        <p:strVal val="visible"/>
+                                      </p:to>
+                                    </p:set>
+                                  </p:childTnLst>
+                                </p:cTn>
+                              </p:par>
+                            </p:childTnLst>
+                          </p:cTn>
+                        </p:par>
+                      </p:childTnLst>
+                    </p:cTn>
+                  </p:par>
+                </p:childTnLst>
+              </p:cTn>
+              <p:prevCondLst>
+                <p:cond evt="onPrev" delay="0">
+                  <p:tgtEl>
+                    <p:sldTgt/>
+                  </p:tgtEl>
+                </p:cond>
+              </p:prevCondLst>
+              <p:nextCondLst>
+                <p:cond evt="onNext" delay="0">
+                  <p:tgtEl>
+                    <p:sldTgt/>
+                  </p:tgtEl>
+                </p:cond>
+              </p:nextCondLst>
+            </p:seq>
+          </p:childTnLst>
+        </p:cTn>
+      </p:par>
+    </p:tnLst>
+  </p:timing>
+</p:sld>
+</file>
+
+<file path=ppt/slides/slide21.xml><?xml version="1.0" encoding="utf-8"?>
+<p:sld xmlns:a="http://schemas.openxmlformats.org/drawingml/2006/main" xmlns:r="http://schemas.openxmlformats.org/officeDocument/2006/relationships" xmlns:p="http://schemas.openxmlformats.org/presentationml/2006/main">
+  <p:cSld>
+    <p:spTree>
+      <p:nvGrpSpPr>
+        <p:cNvPr id="1" name="">
+          <a:extLst>
+            <a:ext uri="{FF2B5EF4-FFF2-40B4-BE49-F238E27FC236}">
+              <a16:creationId xmlns:a16="http://schemas.microsoft.com/office/drawing/2014/main" id="{CCF81424-44EA-07FF-BF13-26CEB952E085}"/>
+            </a:ext>
+          </a:extLst>
+        </p:cNvPr>
+        <p:cNvGrpSpPr/>
+        <p:nvPr/>
+      </p:nvGrpSpPr>
+      <p:grpSpPr>
+        <a:xfrm>
+          <a:off x="0" y="0"/>
+          <a:ext cx="0" cy="0"/>
+          <a:chOff x="0" y="0"/>
+          <a:chExt cx="0" cy="0"/>
+        </a:xfrm>
+      </p:grpSpPr>
+      <p:sp>
+        <p:nvSpPr>
+          <p:cNvPr id="2" name="Slide Number Placeholder 1">
+            <a:extLst>
+              <a:ext uri="{FF2B5EF4-FFF2-40B4-BE49-F238E27FC236}">
+                <a16:creationId xmlns:a16="http://schemas.microsoft.com/office/drawing/2014/main" id="{DCA36463-5116-670E-A11E-324A2373B586}"/>
+              </a:ext>
+            </a:extLst>
+          </p:cNvPr>
+          <p:cNvSpPr>
+            <a:spLocks noGrp="1"/>
+          </p:cNvSpPr>
+          <p:nvPr>
+            <p:ph type="sldNum" sz="quarter" idx="5"/>
+          </p:nvPr>
+        </p:nvSpPr>
+        <p:spPr/>
+        <p:txBody>
+          <a:bodyPr/>
+          <a:lstStyle/>
+          <a:p>
+            <a:fld id="{2BF067CD-8E6B-4360-9AA8-C5DF2A48A6D1}" type="slidenum">
+              <a:rPr lang="en-US" noProof="0" smtClean="0"/>
+              <a:pPr/>
+              <a:t>21</a:t>
+            </a:fld>
+            <a:endParaRPr lang="en-US" noProof="0" dirty="0"/>
+          </a:p>
+        </p:txBody>
+      </p:sp>
+      <p:sp>
+        <p:nvSpPr>
+          <p:cNvPr id="3" name="Text Placeholder 2">
+            <a:extLst>
+              <a:ext uri="{FF2B5EF4-FFF2-40B4-BE49-F238E27FC236}">
+                <a16:creationId xmlns:a16="http://schemas.microsoft.com/office/drawing/2014/main" id="{55F062D0-4E35-5201-8BB4-9EBB268DB419}"/>
+              </a:ext>
+            </a:extLst>
+          </p:cNvPr>
+          <p:cNvSpPr>
+            <a:spLocks noGrp="1"/>
+          </p:cNvSpPr>
+          <p:nvPr>
+            <p:ph type="body" sz="quarter" idx="10"/>
+          </p:nvPr>
+        </p:nvSpPr>
+        <p:spPr>
+          <a:xfrm>
+            <a:off x="190401" y="1196124"/>
+            <a:ext cx="6490599" cy="5607875"/>
+          </a:xfrm>
+        </p:spPr>
+        <p:txBody>
+          <a:bodyPr>
+            <a:noAutofit/>
+          </a:bodyPr>
+          <a:lstStyle/>
+          <a:p>
+            <a:r>
+              <a:rPr lang="bg-BG" sz="3200" dirty="0"/>
+              <a:t>Добавяме </a:t>
+            </a:r>
+            <a:r>
+              <a:rPr lang="en-US" sz="3200" b="1" dirty="0"/>
+              <a:t>Data Source</a:t>
+            </a:r>
+            <a:r>
+              <a:rPr lang="en-US" sz="3200" dirty="0"/>
+              <a:t>:</a:t>
+            </a:r>
+            <a:br>
+              <a:rPr lang="bg-BG" sz="3200" dirty="0"/>
+            </a:br>
+            <a:r>
+              <a:rPr lang="en-US" sz="3200" b="1" dirty="0"/>
+              <a:t>[</a:t>
+            </a:r>
+            <a:r>
+              <a:rPr lang="en-US" sz="3200" b="1" dirty="0">
+                <a:solidFill>
+                  <a:schemeClr val="bg1"/>
+                </a:solidFill>
+              </a:rPr>
+              <a:t>Add new Object</a:t>
+            </a:r>
+            <a:r>
+              <a:rPr lang="en-US" sz="3200" b="1" dirty="0"/>
+              <a:t>]</a:t>
+            </a:r>
+            <a:r>
+              <a:rPr lang="bg-BG" sz="3200" dirty="0">
+                <a:solidFill>
+                  <a:schemeClr val="bg1"/>
+                </a:solidFill>
+              </a:rPr>
+              <a:t> </a:t>
+            </a:r>
+            <a:r>
+              <a:rPr lang="en-US" sz="3200" dirty="0">
+                <a:sym typeface="Wingdings" panose="05000000000000000000" pitchFamily="2" charset="2"/>
+              </a:rPr>
+              <a:t></a:t>
+            </a:r>
+            <a:r>
+              <a:rPr lang="en-US" sz="3200" dirty="0"/>
+              <a:t> </a:t>
+            </a:r>
+            <a:r>
+              <a:rPr lang="en-US" sz="3200" b="1" dirty="0">
+                <a:solidFill>
+                  <a:schemeClr val="bg1"/>
+                </a:solidFill>
+              </a:rPr>
+              <a:t>Towns</a:t>
+            </a:r>
+            <a:endParaRPr lang="bg-BG" sz="3200" b="1" dirty="0">
+              <a:solidFill>
+                <a:schemeClr val="bg1"/>
+              </a:solidFill>
+            </a:endParaRPr>
+          </a:p>
+          <a:p>
+            <a:endParaRPr lang="en-US" sz="3200" dirty="0"/>
+          </a:p>
+          <a:p>
+            <a:endParaRPr lang="en-US" sz="3200" dirty="0"/>
+          </a:p>
+          <a:p>
+            <a:endParaRPr lang="bg-BG" sz="3200" dirty="0"/>
+          </a:p>
+          <a:p>
+            <a:endParaRPr lang="en-US" sz="3200" dirty="0"/>
+          </a:p>
+          <a:p>
+            <a:endParaRPr lang="en-US" sz="3200" dirty="0"/>
+          </a:p>
+          <a:p>
+            <a:r>
+              <a:rPr lang="bg-BG" sz="3200" dirty="0"/>
+              <a:t>Вече имаме създаден </a:t>
+            </a:r>
+            <a:r>
+              <a:rPr lang="en-US" sz="3200" b="1" dirty="0"/>
+              <a:t>Binding Source</a:t>
+            </a:r>
+            <a:r>
+              <a:rPr lang="en-US" sz="3200" dirty="0"/>
+              <a:t>:</a:t>
+            </a:r>
+            <a:r>
+              <a:rPr lang="bg-BG" sz="3200" dirty="0"/>
+              <a:t> </a:t>
+            </a:r>
+            <a:r>
+              <a:rPr lang="en-US" sz="3200" b="1" noProof="1">
+                <a:solidFill>
+                  <a:schemeClr val="bg1"/>
+                </a:solidFill>
+              </a:rPr>
+              <a:t>townBindingSource</a:t>
+            </a:r>
+          </a:p>
+        </p:txBody>
+      </p:sp>
+      <p:sp>
+        <p:nvSpPr>
+          <p:cNvPr id="4" name="Title 3">
+            <a:extLst>
+              <a:ext uri="{FF2B5EF4-FFF2-40B4-BE49-F238E27FC236}">
+                <a16:creationId xmlns:a16="http://schemas.microsoft.com/office/drawing/2014/main" id="{BEDE23D1-DF58-9DFC-BA51-8667ADC354FA}"/>
+              </a:ext>
+            </a:extLst>
+          </p:cNvPr>
+          <p:cNvSpPr>
+            <a:spLocks noGrp="1"/>
+          </p:cNvSpPr>
+          <p:nvPr>
+            <p:ph type="title"/>
+          </p:nvPr>
+        </p:nvSpPr>
+        <p:spPr/>
+        <p:txBody>
+          <a:bodyPr>
+            <a:normAutofit/>
+          </a:bodyPr>
+          <a:lstStyle/>
+          <a:p>
+            <a:r>
+              <a:rPr lang="bg-BG" dirty="0"/>
+              <a:t>Свързване </a:t>
+            </a:r>
+            <a:r>
+              <a:rPr lang="bg-BG"/>
+              <a:t>на </a:t>
+            </a:r>
+            <a:r>
+              <a:rPr lang="en-US" noProof="1"/>
+              <a:t>DataGridView</a:t>
+            </a:r>
+            <a:r>
+              <a:rPr lang="bg-BG" dirty="0"/>
+              <a:t> с </a:t>
+            </a:r>
+            <a:r>
+              <a:rPr lang="en-US" dirty="0"/>
+              <a:t>Data Source</a:t>
+            </a:r>
+            <a:endParaRPr lang="en-BG" dirty="0"/>
+          </a:p>
+        </p:txBody>
+      </p:sp>
+      <p:pic>
+        <p:nvPicPr>
+          <p:cNvPr id="5" name="Picture 4">
+            <a:extLst>
+              <a:ext uri="{FF2B5EF4-FFF2-40B4-BE49-F238E27FC236}">
+                <a16:creationId xmlns:a16="http://schemas.microsoft.com/office/drawing/2014/main" id="{2E9C82EA-0EFB-7AFC-C906-4F9D85635229}"/>
+              </a:ext>
+            </a:extLst>
+          </p:cNvPr>
+          <p:cNvPicPr>
+            <a:picLocks noChangeAspect="1"/>
+          </p:cNvPicPr>
+          <p:nvPr/>
+        </p:nvPicPr>
+        <p:blipFill>
+          <a:blip r:embed="rId2" cstate="print">
+            <a:extLst>
+              <a:ext uri="{28A0092B-C50C-407E-A947-70E740481C1C}">
+                <a14:useLocalDpi xmlns:a14="http://schemas.microsoft.com/office/drawing/2010/main" val="0"/>
+              </a:ext>
+            </a:extLst>
+          </a:blip>
+          <a:stretch>
+            <a:fillRect/>
+          </a:stretch>
+        </p:blipFill>
+        <p:spPr>
+          <a:xfrm>
+            <a:off x="7041000" y="948001"/>
+            <a:ext cx="4863259" cy="5709737"/>
+          </a:xfrm>
+          <a:prstGeom prst="rect">
+            <a:avLst/>
+          </a:prstGeom>
+          <a:ln>
+            <a:solidFill>
+              <a:schemeClr val="bg1">
+                <a:lumMod val="75000"/>
+              </a:schemeClr>
+            </a:solidFill>
+          </a:ln>
+        </p:spPr>
+      </p:pic>
+      <p:pic>
+        <p:nvPicPr>
+          <p:cNvPr id="6" name="Picture 5">
+            <a:extLst>
+              <a:ext uri="{FF2B5EF4-FFF2-40B4-BE49-F238E27FC236}">
+                <a16:creationId xmlns:a16="http://schemas.microsoft.com/office/drawing/2014/main" id="{F352F9E8-0465-52E7-385D-A5B7EE6C4916}"/>
+              </a:ext>
+            </a:extLst>
+          </p:cNvPr>
+          <p:cNvPicPr>
+            <a:picLocks noChangeAspect="1"/>
+          </p:cNvPicPr>
+          <p:nvPr/>
+        </p:nvPicPr>
+        <p:blipFill>
+          <a:blip r:embed="rId3">
+            <a:extLst>
+              <a:ext uri="{28A0092B-C50C-407E-A947-70E740481C1C}">
+                <a14:useLocalDpi xmlns:a14="http://schemas.microsoft.com/office/drawing/2010/main" val="0"/>
+              </a:ext>
+            </a:extLst>
+          </a:blip>
+          <a:stretch>
+            <a:fillRect/>
+          </a:stretch>
+        </p:blipFill>
+        <p:spPr>
+          <a:xfrm>
+            <a:off x="1633660" y="2484000"/>
+            <a:ext cx="3334110" cy="3066750"/>
+          </a:xfrm>
+          <a:prstGeom prst="rect">
+            <a:avLst/>
+          </a:prstGeom>
+          <a:ln>
+            <a:solidFill>
+              <a:schemeClr val="bg2">
+                <a:lumMod val="75000"/>
+              </a:schemeClr>
+            </a:solidFill>
+          </a:ln>
+        </p:spPr>
+      </p:pic>
+    </p:spTree>
+    <p:extLst>
+      <p:ext uri="{BB962C8B-B14F-4D97-AF65-F5344CB8AC3E}">
+        <p14:creationId xmlns:p14="http://schemas.microsoft.com/office/powerpoint/2010/main" val="1058445318"/>
+      </p:ext>
+    </p:extLst>
+  </p:cSld>
+  <p:clrMapOvr>
+    <a:masterClrMapping/>
+  </p:clrMapOvr>
+  <mc:AlternateContent xmlns:mc="http://schemas.openxmlformats.org/markup-compatibility/2006" xmlns:p14="http://schemas.microsoft.com/office/powerpoint/2010/main">
+    <mc:Choice Requires="p14">
+      <p:transition spd="slow" p14:dur="2000" advClick="0" advTm="5000"/>
+    </mc:Choice>
+    <mc:Fallback xmlns="">
+      <p:transition spd="slow" advClick="0" advTm="5000"/>
+    </mc:Fallback>
+  </mc:AlternateContent>
+  <p:timing>
+    <p:tnLst>
+      <p:par>
+        <p:cTn id="1" dur="indefinite" restart="never" nodeType="tmRoot">
+          <p:childTnLst>
+            <p:seq concurrent="1" nextAc="seek">
+              <p:cTn id="2" dur="indefinite" nodeType="mainSeq">
+                <p:childTnLst>
+                  <p:par>
+                    <p:cTn id="3" fill="hold">
+                      <p:stCondLst>
+                        <p:cond delay="indefinite"/>
+                        <p:cond evt="onBegin" delay="0">
+                          <p:tn val="2"/>
+                        </p:cond>
+                      </p:stCondLst>
+                      <p:childTnLst>
+                        <p:par>
+                          <p:cTn id="4" fill="hold">
+                            <p:stCondLst>
+                              <p:cond delay="0"/>
+                            </p:stCondLst>
+                            <p:childTnLst>
+                              <p:par>
+                                <p:cTn id="5" presetID="1" presetClass="entr" presetSubtype="0" fill="hold" nodeType="withEffect">
+                                  <p:stCondLst>
+                                    <p:cond delay="0"/>
+                                  </p:stCondLst>
+                                  <p:childTnLst>
+                                    <p:set>
+                                      <p:cBhvr>
+                                        <p:cTn id="6" dur="1" fill="hold">
+                                          <p:stCondLst>
+                                            <p:cond delay="0"/>
+                                          </p:stCondLst>
+                                        </p:cTn>
+                                        <p:tgtEl>
+                                          <p:spTgt spid="6"/>
+                                        </p:tgtEl>
+                                        <p:attrNameLst>
+                                          <p:attrName>style.visibility</p:attrName>
+                                        </p:attrNameLst>
+                                      </p:cBhvr>
+                                      <p:to>
+                                        <p:strVal val="visible"/>
+                                      </p:to>
+                                    </p:set>
+                                  </p:childTnLst>
+                                </p:cTn>
+                              </p:par>
+                            </p:childTnLst>
+                          </p:cTn>
+                        </p:par>
+                      </p:childTnLst>
+                    </p:cTn>
+                  </p:par>
+                  <p:par>
+                    <p:cTn id="7" fill="hold">
+                      <p:stCondLst>
+                        <p:cond delay="indefinite"/>
+                      </p:stCondLst>
+                      <p:childTnLst>
+                        <p:par>
+                          <p:cTn id="8" fill="hold">
+                            <p:stCondLst>
+                              <p:cond delay="0"/>
+                            </p:stCondLst>
+                            <p:childTnLst>
+                              <p:par>
+                                <p:cTn id="9" presetID="1" presetClass="entr" presetSubtype="0" fill="hold" nodeType="clickEffect">
+                                  <p:stCondLst>
+                                    <p:cond delay="0"/>
+                                  </p:stCondLst>
+                                  <p:childTnLst>
+                                    <p:set>
+                                      <p:cBhvr>
+                                        <p:cTn id="10" dur="1" fill="hold">
+                                          <p:stCondLst>
+                                            <p:cond delay="0"/>
+                                          </p:stCondLst>
+                                        </p:cTn>
+                                        <p:tgtEl>
+                                          <p:spTgt spid="3">
+                                            <p:txEl>
+                                              <p:pRg st="6" end="6"/>
+                                            </p:txEl>
+                                          </p:spTgt>
+                                        </p:tgtEl>
+                                        <p:attrNameLst>
+                                          <p:attrName>style.visibility</p:attrName>
+                                        </p:attrNameLst>
+                                      </p:cBhvr>
+                                      <p:to>
+                                        <p:strVal val="visible"/>
+                                      </p:to>
+                                    </p:set>
+                                  </p:childTnLst>
+                                </p:cTn>
+                              </p:par>
+                              <p:par>
+                                <p:cTn id="11" presetID="1" presetClass="entr" presetSubtype="0" fill="hold" nodeType="withEffect">
+                                  <p:stCondLst>
+                                    <p:cond delay="0"/>
+                                  </p:stCondLst>
+                                  <p:childTnLst>
+                                    <p:set>
+                                      <p:cBhvr>
+                                        <p:cTn id="12" dur="1" fill="hold">
+                                          <p:stCondLst>
+                                            <p:cond delay="0"/>
+                                          </p:stCondLst>
+                                        </p:cTn>
+                                        <p:tgtEl>
+                                          <p:spTgt spid="5"/>
+                                        </p:tgtEl>
+                                        <p:attrNameLst>
+                                          <p:attrName>style.visibility</p:attrName>
+                                        </p:attrNameLst>
+                                      </p:cBhvr>
+                                      <p:to>
+                                        <p:strVal val="visible"/>
+                                      </p:to>
+                                    </p:set>
+                                  </p:childTnLst>
+                                </p:cTn>
+                              </p:par>
+                            </p:childTnLst>
+                          </p:cTn>
+                        </p:par>
+                      </p:childTnLst>
+                    </p:cTn>
+                  </p:par>
+                </p:childTnLst>
+              </p:cTn>
+              <p:prevCondLst>
+                <p:cond evt="onPrev" delay="0">
+                  <p:tgtEl>
+                    <p:sldTgt/>
+                  </p:tgtEl>
+                </p:cond>
+              </p:prevCondLst>
+              <p:nextCondLst>
+                <p:cond evt="onNext" delay="0">
+                  <p:tgtEl>
+                    <p:sldTgt/>
+                  </p:tgtEl>
+                </p:cond>
+              </p:nextCondLst>
+            </p:seq>
+          </p:childTnLst>
+        </p:cTn>
+      </p:par>
+    </p:tnLst>
+  </p:timing>
+</p:sld>
+</file>
+
+<file path=ppt/slides/slide22.xml><?xml version="1.0" encoding="utf-8"?>
+<p:sld xmlns:a="http://schemas.openxmlformats.org/drawingml/2006/main" xmlns:r="http://schemas.openxmlformats.org/officeDocument/2006/relationships" xmlns:p="http://schemas.openxmlformats.org/presentationml/2006/main">
+  <p:cSld>
+    <p:spTree>
+      <p:nvGrpSpPr>
+        <p:cNvPr id="1" name=""/>
+        <p:cNvGrpSpPr/>
+        <p:nvPr/>
+      </p:nvGrpSpPr>
+      <p:grpSpPr>
+        <a:xfrm>
+          <a:off x="0" y="0"/>
+          <a:ext cx="0" cy="0"/>
+          <a:chOff x="0" y="0"/>
+          <a:chExt cx="0" cy="0"/>
+        </a:xfrm>
+      </p:grpSpPr>
+      <p:sp>
+        <p:nvSpPr>
+          <p:cNvPr id="2" name="Slide Number Placeholder 1">
+            <a:extLst>
+              <a:ext uri="{FF2B5EF4-FFF2-40B4-BE49-F238E27FC236}">
+                <a16:creationId xmlns:a16="http://schemas.microsoft.com/office/drawing/2014/main" id="{6DA344CE-837B-5474-434A-D67C35E3F132}"/>
+              </a:ext>
+            </a:extLst>
+          </p:cNvPr>
+          <p:cNvSpPr>
+            <a:spLocks noGrp="1"/>
+          </p:cNvSpPr>
+          <p:nvPr>
+            <p:ph type="sldNum" sz="quarter" idx="5"/>
+          </p:nvPr>
+        </p:nvSpPr>
+        <p:spPr/>
+        <p:txBody>
+          <a:bodyPr/>
+          <a:lstStyle/>
+          <a:p>
+            <a:fld id="{2BF067CD-8E6B-4360-9AA8-C5DF2A48A6D1}" type="slidenum">
+              <a:rPr lang="en-US" noProof="0" smtClean="0"/>
+              <a:pPr/>
+              <a:t>22</a:t>
+            </a:fld>
+            <a:endParaRPr lang="en-US" noProof="0" dirty="0"/>
+          </a:p>
+        </p:txBody>
+      </p:sp>
+      <p:sp>
+        <p:nvSpPr>
+          <p:cNvPr id="3" name="Text Placeholder 2">
+            <a:extLst>
+              <a:ext uri="{FF2B5EF4-FFF2-40B4-BE49-F238E27FC236}">
+                <a16:creationId xmlns:a16="http://schemas.microsoft.com/office/drawing/2014/main" id="{81E203A2-8BC8-9F89-C7BB-B38BA6293612}"/>
+              </a:ext>
+            </a:extLst>
+          </p:cNvPr>
+          <p:cNvSpPr>
+            <a:spLocks noGrp="1"/>
+          </p:cNvSpPr>
+          <p:nvPr>
+            <p:ph type="body" sz="quarter" idx="10"/>
+          </p:nvPr>
+        </p:nvSpPr>
+        <p:spPr/>
+        <p:txBody>
+          <a:bodyPr/>
+          <a:lstStyle/>
+          <a:p>
+            <a:r>
+              <a:rPr lang="bg-BG" sz="3200" b="1" dirty="0"/>
+              <a:t>Забраняваме</a:t>
+            </a:r>
+            <a:r>
+              <a:rPr lang="bg-BG" sz="3200" dirty="0"/>
+              <a:t> </a:t>
+            </a:r>
+            <a:r>
+              <a:rPr lang="bg-BG" sz="3200" b="1" dirty="0">
+                <a:solidFill>
+                  <a:schemeClr val="bg1"/>
+                </a:solidFill>
+              </a:rPr>
+              <a:t>редактирането</a:t>
+            </a:r>
+            <a:r>
+              <a:rPr lang="bg-BG" sz="3200" dirty="0"/>
+              <a:t> на колоната</a:t>
+            </a:r>
+            <a:r>
+              <a:rPr lang="en-US" sz="3200" dirty="0"/>
+              <a:t> </a:t>
+            </a:r>
+            <a:r>
+              <a:rPr lang="en-US" sz="3200" b="1" dirty="0">
+                <a:solidFill>
+                  <a:schemeClr val="bg1"/>
+                </a:solidFill>
+                <a:latin typeface="Consolas" panose="020B0609020204030204" pitchFamily="49" charset="0"/>
+                <a:cs typeface="Consolas" panose="020B0609020204030204" pitchFamily="49" charset="0"/>
+              </a:rPr>
+              <a:t>Id</a:t>
+            </a:r>
+            <a:r>
+              <a:rPr lang="bg-BG" sz="3200" dirty="0"/>
+              <a:t> (</a:t>
+            </a:r>
+            <a:r>
+              <a:rPr lang="en-US" sz="3200" b="1" dirty="0">
+                <a:solidFill>
+                  <a:schemeClr val="bg1"/>
+                </a:solidFill>
+                <a:latin typeface="Consolas" panose="020B0609020204030204" pitchFamily="49" charset="0"/>
+                <a:cs typeface="Consolas" panose="020B0609020204030204" pitchFamily="49" charset="0"/>
+              </a:rPr>
+              <a:t>ReadOnly</a:t>
+            </a:r>
+            <a:r>
+              <a:rPr lang="en-US" sz="3200" dirty="0"/>
+              <a:t> = </a:t>
+            </a:r>
+            <a:r>
+              <a:rPr lang="en-US" sz="3200" b="1" dirty="0">
+                <a:solidFill>
+                  <a:schemeClr val="bg1"/>
+                </a:solidFill>
+                <a:latin typeface="Consolas" panose="020B0609020204030204" pitchFamily="49" charset="0"/>
+                <a:cs typeface="Consolas" panose="020B0609020204030204" pitchFamily="49" charset="0"/>
+              </a:rPr>
+              <a:t>True</a:t>
+            </a:r>
+            <a:r>
+              <a:rPr lang="en-US" sz="3200" dirty="0"/>
+              <a:t>)</a:t>
+            </a:r>
+            <a:endParaRPr lang="en-BG" dirty="0"/>
+          </a:p>
+        </p:txBody>
+      </p:sp>
+      <p:sp>
+        <p:nvSpPr>
+          <p:cNvPr id="4" name="Title 3">
+            <a:extLst>
+              <a:ext uri="{FF2B5EF4-FFF2-40B4-BE49-F238E27FC236}">
+                <a16:creationId xmlns:a16="http://schemas.microsoft.com/office/drawing/2014/main" id="{7FCCDF28-545F-C540-77CF-FBF02016CC36}"/>
+              </a:ext>
+            </a:extLst>
+          </p:cNvPr>
+          <p:cNvSpPr>
+            <a:spLocks noGrp="1"/>
+          </p:cNvSpPr>
+          <p:nvPr>
+            <p:ph type="title"/>
+          </p:nvPr>
+        </p:nvSpPr>
+        <p:spPr/>
+        <p:txBody>
+          <a:bodyPr/>
+          <a:lstStyle/>
+          <a:p>
+            <a:r>
+              <a:rPr lang="bg-BG" dirty="0"/>
+              <a:t>Забраняване на редактиране на</a:t>
+            </a:r>
+            <a:r>
+              <a:rPr lang="en-US" dirty="0"/>
+              <a:t> </a:t>
+            </a:r>
+            <a:r>
+              <a:rPr lang="bg-BG" dirty="0"/>
+              <a:t>колона</a:t>
+            </a:r>
+            <a:endParaRPr lang="en-BG" dirty="0"/>
+          </a:p>
+        </p:txBody>
+      </p:sp>
+      <p:pic>
+        <p:nvPicPr>
+          <p:cNvPr id="6" name="Picture 5">
+            <a:extLst>
+              <a:ext uri="{FF2B5EF4-FFF2-40B4-BE49-F238E27FC236}">
+                <a16:creationId xmlns:a16="http://schemas.microsoft.com/office/drawing/2014/main" id="{83F3CB08-DEDB-6C19-53B4-4505EF43C608}"/>
+              </a:ext>
+            </a:extLst>
+          </p:cNvPr>
+          <p:cNvPicPr>
+            <a:picLocks noChangeAspect="1"/>
+          </p:cNvPicPr>
+          <p:nvPr/>
+        </p:nvPicPr>
+        <p:blipFill>
+          <a:blip r:embed="rId2">
+            <a:extLst>
+              <a:ext uri="{28A0092B-C50C-407E-A947-70E740481C1C}">
+                <a14:useLocalDpi xmlns:a14="http://schemas.microsoft.com/office/drawing/2010/main" val="0"/>
+              </a:ext>
+            </a:extLst>
+          </a:blip>
+          <a:srcRect/>
+          <a:stretch/>
+        </p:blipFill>
+        <p:spPr>
+          <a:xfrm>
+            <a:off x="5106000" y="2034000"/>
+            <a:ext cx="6480000" cy="4362519"/>
+          </a:xfrm>
+          <a:prstGeom prst="rect">
+            <a:avLst/>
+          </a:prstGeom>
+          <a:ln>
+            <a:solidFill>
+              <a:schemeClr val="bg2">
+                <a:lumMod val="75000"/>
+              </a:schemeClr>
+            </a:solidFill>
+          </a:ln>
+        </p:spPr>
+      </p:pic>
+      <p:sp>
+        <p:nvSpPr>
+          <p:cNvPr id="7" name="Arrow: Right 6">
+            <a:extLst>
+              <a:ext uri="{FF2B5EF4-FFF2-40B4-BE49-F238E27FC236}">
+                <a16:creationId xmlns:a16="http://schemas.microsoft.com/office/drawing/2014/main" id="{201E08A6-1420-6B56-F410-950878CF774F}"/>
+              </a:ext>
+            </a:extLst>
+          </p:cNvPr>
+          <p:cNvSpPr/>
+          <p:nvPr/>
+        </p:nvSpPr>
+        <p:spPr bwMode="auto">
+          <a:xfrm>
+            <a:off x="4476000" y="4057138"/>
+            <a:ext cx="518054" cy="316242"/>
+          </a:xfrm>
+          <a:prstGeom prst="rightArrow">
+            <a:avLst/>
+          </a:prstGeom>
+          <a:solidFill>
+            <a:schemeClr val="dk2">
+              <a:alpha val="80000"/>
+            </a:schemeClr>
+          </a:solidFill>
+          <a:ln w="19050">
+            <a:solidFill>
+              <a:schemeClr val="tx1">
+                <a:lumMod val="75000"/>
+                <a:alpha val="80000"/>
+              </a:schemeClr>
+            </a:solidFill>
+          </a:ln>
+          <a:effectLst/>
+        </p:spPr>
+        <p:style>
+          <a:lnRef idx="2">
+            <a:schemeClr val="accent1">
+              <a:shade val="50000"/>
+            </a:schemeClr>
+          </a:lnRef>
+          <a:fillRef idx="1001">
+            <a:schemeClr val="dk2"/>
+          </a:fillRef>
+          <a:effectRef idx="0">
+            <a:schemeClr val="accent1"/>
+          </a:effectRef>
+          <a:fontRef idx="minor">
+            <a:schemeClr val="lt1"/>
+          </a:fontRef>
+        </p:style>
+        <p:txBody>
+          <a:bodyPr rot="0" spcFirstLastPara="0" vertOverflow="overflow" horzOverflow="overflow" vert="horz" wrap="square" lIns="91440" tIns="45720" rIns="91440" bIns="45720" numCol="1" spcCol="0" rtlCol="0" fromWordArt="0" anchor="ctr" anchorCtr="0" forceAA="0" compatLnSpc="1">
+            <a:prstTxWarp prst="textNoShape">
+              <a:avLst/>
+            </a:prstTxWarp>
+            <a:noAutofit/>
+          </a:bodyPr>
+          <a:lstStyle/>
+          <a:p>
+            <a:pPr algn="ctr"/>
+            <a:endParaRPr lang="en-US" sz="2800" b="1" dirty="0">
+              <a:solidFill>
+                <a:srgbClr val="FFFFFF"/>
+              </a:solidFill>
+              <a:effectLst>
+                <a:outerShdw blurRad="38100" dist="38100" dir="2700000" algn="tl">
+                  <a:srgbClr val="000000">
+                    <a:alpha val="43137"/>
+                  </a:srgbClr>
+                </a:outerShdw>
+              </a:effectLst>
+            </a:endParaRPr>
+          </a:p>
+        </p:txBody>
+      </p:sp>
+      <p:pic>
+        <p:nvPicPr>
+          <p:cNvPr id="9" name="Picture 8">
+            <a:extLst>
+              <a:ext uri="{FF2B5EF4-FFF2-40B4-BE49-F238E27FC236}">
+                <a16:creationId xmlns:a16="http://schemas.microsoft.com/office/drawing/2014/main" id="{7AE68E5D-E4DA-08FF-C972-A9C697099480}"/>
+              </a:ext>
+            </a:extLst>
+          </p:cNvPr>
+          <p:cNvPicPr>
+            <a:picLocks noChangeAspect="1"/>
+          </p:cNvPicPr>
+          <p:nvPr/>
+        </p:nvPicPr>
+        <p:blipFill>
+          <a:blip r:embed="rId3"/>
+          <a:stretch>
+            <a:fillRect/>
+          </a:stretch>
+        </p:blipFill>
+        <p:spPr>
+          <a:xfrm>
+            <a:off x="472203" y="3149250"/>
+            <a:ext cx="3823798" cy="2132018"/>
+          </a:xfrm>
+          <a:prstGeom prst="rect">
+            <a:avLst/>
+          </a:prstGeom>
+        </p:spPr>
+      </p:pic>
+    </p:spTree>
+    <p:extLst>
+      <p:ext uri="{BB962C8B-B14F-4D97-AF65-F5344CB8AC3E}">
+        <p14:creationId xmlns:p14="http://schemas.microsoft.com/office/powerpoint/2010/main" val="2567521709"/>
+      </p:ext>
+    </p:extLst>
+  </p:cSld>
+  <p:clrMapOvr>
+    <a:masterClrMapping/>
+  </p:clrMapOvr>
+  <mc:AlternateContent xmlns:mc="http://schemas.openxmlformats.org/markup-compatibility/2006" xmlns:p14="http://schemas.microsoft.com/office/powerpoint/2010/main">
+    <mc:Choice Requires="p14">
+      <p:transition spd="slow" p14:dur="2000" advClick="0" advTm="5000"/>
+    </mc:Choice>
+    <mc:Fallback xmlns="">
+      <p:transition spd="slow" advClick="0" advTm="5000"/>
+    </mc:Fallback>
+  </mc:AlternateContent>
+  <p:timing>
+    <p:tnLst>
+      <p:par>
+        <p:cTn id="1" dur="indefinite" restart="never" nodeType="tmRoot">
+          <p:childTnLst>
+            <p:seq concurrent="1" nextAc="seek">
+              <p:cTn id="2" dur="indefinite" nodeType="mainSeq">
+                <p:childTnLst>
+                  <p:par>
+                    <p:cTn id="3" fill="hold">
+                      <p:stCondLst>
+                        <p:cond delay="indefinite"/>
+                      </p:stCondLst>
+                      <p:childTnLst>
+                        <p:par>
+                          <p:cTn id="4" fill="hold">
+                            <p:stCondLst>
+                              <p:cond delay="0"/>
+                            </p:stCondLst>
+                            <p:childTnLst>
+                              <p:par>
+                                <p:cTn id="5" presetID="1" presetClass="entr" presetSubtype="0" fill="hold" grpId="0" nodeType="clickEffect">
+                                  <p:stCondLst>
+                                    <p:cond delay="0"/>
+                                  </p:stCondLst>
+                                  <p:childTnLst>
+                                    <p:set>
+                                      <p:cBhvr>
+                                        <p:cTn id="6" dur="1" fill="hold">
+                                          <p:stCondLst>
+                                            <p:cond delay="0"/>
+                                          </p:stCondLst>
+                                        </p:cTn>
+                                        <p:tgtEl>
+                                          <p:spTgt spid="7"/>
+                                        </p:tgtEl>
+                                        <p:attrNameLst>
+                                          <p:attrName>style.visibility</p:attrName>
+                                        </p:attrNameLst>
+                                      </p:cBhvr>
+                                      <p:to>
+                                        <p:strVal val="visible"/>
+                                      </p:to>
+                                    </p:set>
+                                  </p:childTnLst>
+                                </p:cTn>
+                              </p:par>
+                              <p:par>
+                                <p:cTn id="7" presetID="1" presetClass="entr" presetSubtype="0" fill="hold" nodeType="withEffect">
+                                  <p:stCondLst>
+                                    <p:cond delay="0"/>
+                                  </p:stCondLst>
+                                  <p:childTnLst>
+                                    <p:set>
+                                      <p:cBhvr>
+                                        <p:cTn id="8" dur="1" fill="hold">
+                                          <p:stCondLst>
+                                            <p:cond delay="0"/>
+                                          </p:stCondLst>
+                                        </p:cTn>
+                                        <p:tgtEl>
+                                          <p:spTgt spid="6"/>
+                                        </p:tgtEl>
+                                        <p:attrNameLst>
+                                          <p:attrName>style.visibility</p:attrName>
+                                        </p:attrNameLst>
+                                      </p:cBhvr>
+                                      <p:to>
+                                        <p:strVal val="visible"/>
+                                      </p:to>
+                                    </p:set>
+                                  </p:childTnLst>
+                                </p:cTn>
+                              </p:par>
+                            </p:childTnLst>
+                          </p:cTn>
+                        </p:par>
+                      </p:childTnLst>
+                    </p:cTn>
+                  </p:par>
+                </p:childTnLst>
+              </p:cTn>
+              <p:prevCondLst>
+                <p:cond evt="onPrev" delay="0">
+                  <p:tgtEl>
+                    <p:sldTgt/>
+                  </p:tgtEl>
+                </p:cond>
+              </p:prevCondLst>
+              <p:nextCondLst>
+                <p:cond evt="onNext" delay="0">
+                  <p:tgtEl>
+                    <p:sldTgt/>
+                  </p:tgtEl>
+                </p:cond>
+              </p:nextCondLst>
+            </p:seq>
+          </p:childTnLst>
+        </p:cTn>
+      </p:par>
+    </p:tnLst>
+    <p:bldLst>
+      <p:bldP spid="7" grpId="0" animBg="1"/>
+    </p:bldLst>
+  </p:timing>
+</p:sld>
+</file>
+
+<file path=ppt/slides/slide23.xml><?xml version="1.0" encoding="utf-8"?>
+<p:sld xmlns:a="http://schemas.openxmlformats.org/drawingml/2006/main" xmlns:r="http://schemas.openxmlformats.org/officeDocument/2006/relationships" xmlns:p="http://schemas.openxmlformats.org/presentationml/2006/main">
+  <p:cSld>
+    <p:spTree>
+      <p:nvGrpSpPr>
         <p:cNvPr id="1" name=""/>
         <p:cNvGrpSpPr/>
         <p:nvPr/>
@@ -14034,7 +15460,7 @@
             <a:fld id="{2BF067CD-8E6B-4360-9AA8-C5DF2A48A6D1}" type="slidenum">
               <a:rPr lang="en-US" noProof="0" smtClean="0"/>
               <a:pPr/>
-              <a:t>20</a:t>
+              <a:t>23</a:t>
             </a:fld>
             <a:endParaRPr lang="en-US" noProof="0" dirty="0"/>
           </a:p>
@@ -14575,7 +16001,7 @@
 </p:sld>
 </file>
 
-<file path=ppt/slides/slide21.xml><?xml version="1.0" encoding="utf-8"?>
+<file path=ppt/slides/slide24.xml><?xml version="1.0" encoding="utf-8"?>
 <p:sld xmlns:a="http://schemas.openxmlformats.org/drawingml/2006/main" xmlns:r="http://schemas.openxmlformats.org/officeDocument/2006/relationships" xmlns:p="http://schemas.openxmlformats.org/presentationml/2006/main">
   <p:cSld>
     <p:spTree>
@@ -14616,7 +16042,7 @@
             <a:fld id="{2BF067CD-8E6B-4360-9AA8-C5DF2A48A6D1}" type="slidenum">
               <a:rPr lang="en-US" noProof="0" smtClean="0"/>
               <a:pPr/>
-              <a:t>21</a:t>
+              <a:t>24</a:t>
             </a:fld>
             <a:endParaRPr lang="en-US" noProof="0" dirty="0"/>
           </a:p>
@@ -15253,7 +16679,7 @@
 </p:sld>
 </file>
 
-<file path=ppt/slides/slide22.xml><?xml version="1.0" encoding="utf-8"?>
+<file path=ppt/slides/slide25.xml><?xml version="1.0" encoding="utf-8"?>
 <p:sld xmlns:a="http://schemas.openxmlformats.org/drawingml/2006/main" xmlns:r="http://schemas.openxmlformats.org/officeDocument/2006/relationships" xmlns:p="http://schemas.openxmlformats.org/presentationml/2006/main">
   <p:cSld>
     <p:spTree>
@@ -15294,7 +16720,7 @@
             <a:fld id="{2BF067CD-8E6B-4360-9AA8-C5DF2A48A6D1}" type="slidenum">
               <a:rPr lang="en-US" noProof="0" smtClean="0"/>
               <a:pPr/>
-              <a:t>22</a:t>
+              <a:t>25</a:t>
             </a:fld>
             <a:endParaRPr lang="en-US" noProof="0" dirty="0"/>
           </a:p>
@@ -15934,7 +17360,7 @@
 </p:sld>
 </file>
 
-<file path=ppt/slides/slide23.xml><?xml version="1.0" encoding="utf-8"?>
+<file path=ppt/slides/slide26.xml><?xml version="1.0" encoding="utf-8"?>
 <p:sld xmlns:a="http://schemas.openxmlformats.org/drawingml/2006/main" xmlns:r="http://schemas.openxmlformats.org/officeDocument/2006/relationships" xmlns:p="http://schemas.openxmlformats.org/presentationml/2006/main">
   <p:cSld>
     <p:spTree>
@@ -15975,7 +17401,7 @@
             <a:fld id="{2BF067CD-8E6B-4360-9AA8-C5DF2A48A6D1}" type="slidenum">
               <a:rPr lang="en-US" noProof="0" smtClean="0"/>
               <a:pPr/>
-              <a:t>23</a:t>
+              <a:t>26</a:t>
             </a:fld>
             <a:endParaRPr lang="en-US" noProof="0" dirty="0"/>
           </a:p>
@@ -16595,7 +18021,7 @@
 </p:sld>
 </file>
 
-<file path=ppt/slides/slide24.xml><?xml version="1.0" encoding="utf-8"?>
+<file path=ppt/slides/slide27.xml><?xml version="1.0" encoding="utf-8"?>
 <p:sld xmlns:a="http://schemas.openxmlformats.org/drawingml/2006/main" xmlns:r="http://schemas.openxmlformats.org/officeDocument/2006/relationships" xmlns:p="http://schemas.openxmlformats.org/presentationml/2006/main">
   <p:cSld>
     <p:spTree>
@@ -16636,7 +18062,7 @@
             <a:fld id="{2BF067CD-8E6B-4360-9AA8-C5DF2A48A6D1}" type="slidenum">
               <a:rPr lang="en-US" noProof="0" smtClean="0"/>
               <a:pPr/>
-              <a:t>24</a:t>
+              <a:t>27</a:t>
             </a:fld>
             <a:endParaRPr lang="en-US" noProof="0" dirty="0"/>
           </a:p>
@@ -17042,7 +18468,7 @@
 </p:sld>
 </file>
 
-<file path=ppt/slides/slide25.xml><?xml version="1.0" encoding="utf-8"?>
+<file path=ppt/slides/slide28.xml><?xml version="1.0" encoding="utf-8"?>
 <p:sld xmlns:a="http://schemas.openxmlformats.org/drawingml/2006/main" xmlns:r="http://schemas.openxmlformats.org/officeDocument/2006/relationships" xmlns:p="http://schemas.openxmlformats.org/presentationml/2006/main">
   <p:cSld>
     <p:spTree>
@@ -17083,7 +18509,7 @@
             <a:fld id="{2BF067CD-8E6B-4360-9AA8-C5DF2A48A6D1}" type="slidenum">
               <a:rPr lang="en-US" noProof="0" smtClean="0"/>
               <a:pPr/>
-              <a:t>25</a:t>
+              <a:t>28</a:t>
             </a:fld>
             <a:endParaRPr lang="en-US" noProof="0" dirty="0"/>
           </a:p>
@@ -17777,7 +19203,7 @@
 </p:sld>
 </file>
 
-<file path=ppt/slides/slide26.xml><?xml version="1.0" encoding="utf-8"?>
+<file path=ppt/slides/slide29.xml><?xml version="1.0" encoding="utf-8"?>
 <p:sld xmlns:a="http://schemas.openxmlformats.org/drawingml/2006/main" xmlns:r="http://schemas.openxmlformats.org/officeDocument/2006/relationships" xmlns:p="http://schemas.openxmlformats.org/presentationml/2006/main">
   <p:cSld>
     <p:spTree>
@@ -17818,7 +19244,7 @@
             <a:fld id="{2BF067CD-8E6B-4360-9AA8-C5DF2A48A6D1}" type="slidenum">
               <a:rPr lang="en-US" noProof="0" smtClean="0"/>
               <a:pPr/>
-              <a:t>26</a:t>
+              <a:t>29</a:t>
             </a:fld>
             <a:endParaRPr lang="en-US" noProof="0" dirty="0"/>
           </a:p>
@@ -18326,7 +19752,167 @@
 </p:sld>
 </file>
 
-<file path=ppt/slides/slide27.xml><?xml version="1.0" encoding="utf-8"?>
+<file path=ppt/slides/slide3.xml><?xml version="1.0" encoding="utf-8"?>
+<p:sld xmlns:a="http://schemas.openxmlformats.org/drawingml/2006/main" xmlns:r="http://schemas.openxmlformats.org/officeDocument/2006/relationships" xmlns:p="http://schemas.openxmlformats.org/presentationml/2006/main">
+  <p:cSld>
+    <p:spTree>
+      <p:nvGrpSpPr>
+        <p:cNvPr id="1" name=""/>
+        <p:cNvGrpSpPr/>
+        <p:nvPr/>
+      </p:nvGrpSpPr>
+      <p:grpSpPr>
+        <a:xfrm>
+          <a:off x="0" y="0"/>
+          <a:ext cx="0" cy="0"/>
+          <a:chOff x="0" y="0"/>
+          <a:chExt cx="0" cy="0"/>
+        </a:xfrm>
+      </p:grpSpPr>
+      <p:sp>
+        <p:nvSpPr>
+          <p:cNvPr id="4" name="Slide Subtitle">
+            <a:extLst>
+              <a:ext uri="{FF2B5EF4-FFF2-40B4-BE49-F238E27FC236}">
+                <a16:creationId xmlns:a16="http://schemas.microsoft.com/office/drawing/2014/main" id="{BEB5BB41-09D4-4E9F-8C80-EE8709171CB3}"/>
+              </a:ext>
+            </a:extLst>
+          </p:cNvPr>
+          <p:cNvSpPr>
+            <a:spLocks noGrp="1"/>
+          </p:cNvSpPr>
+          <p:nvPr>
+            <p:ph type="subTitle" sz="quarter" idx="11"/>
+          </p:nvPr>
+        </p:nvSpPr>
+        <p:spPr/>
+        <p:txBody>
+          <a:bodyPr/>
+          <a:lstStyle/>
+          <a:p>
+            <a:r>
+              <a:rPr lang="bg-BG" dirty="0"/>
+              <a:t>Добавяне, редактиране и изтриване на данни</a:t>
+            </a:r>
+          </a:p>
+        </p:txBody>
+      </p:sp>
+      <p:sp>
+        <p:nvSpPr>
+          <p:cNvPr id="6" name="Slide Title">
+            <a:extLst>
+              <a:ext uri="{FF2B5EF4-FFF2-40B4-BE49-F238E27FC236}">
+                <a16:creationId xmlns:a16="http://schemas.microsoft.com/office/drawing/2014/main" id="{028D9EA3-B5E0-4F17-9467-4BE3C280DA68}"/>
+              </a:ext>
+            </a:extLst>
+          </p:cNvPr>
+          <p:cNvSpPr>
+            <a:spLocks noGrp="1"/>
+          </p:cNvSpPr>
+          <p:nvPr>
+            <p:ph type="title" sz="quarter" idx="10"/>
+          </p:nvPr>
+        </p:nvSpPr>
+        <p:spPr/>
+        <p:txBody>
+          <a:bodyPr/>
+          <a:lstStyle/>
+          <a:p>
+            <a:r>
+              <a:rPr lang="en-US" sz="4400" dirty="0"/>
+              <a:t>CRUD </a:t>
+            </a:r>
+            <a:r>
+              <a:rPr lang="bg-BG" sz="4400" dirty="0"/>
+              <a:t>операции с </a:t>
+            </a:r>
+            <a:r>
+              <a:rPr lang="en-US" sz="4400" dirty="0"/>
+              <a:t>Entity Framework Core</a:t>
+            </a:r>
+          </a:p>
+        </p:txBody>
+      </p:sp>
+      <p:sp>
+        <p:nvSpPr>
+          <p:cNvPr id="9" name="TextBox 8">
+            <a:extLst>
+              <a:ext uri="{FF2B5EF4-FFF2-40B4-BE49-F238E27FC236}">
+                <a16:creationId xmlns:a16="http://schemas.microsoft.com/office/drawing/2014/main" id="{CF647B8E-2E35-A3E7-A258-91721C458D94}"/>
+              </a:ext>
+            </a:extLst>
+          </p:cNvPr>
+          <p:cNvSpPr txBox="1"/>
+          <p:nvPr/>
+        </p:nvSpPr>
+        <p:spPr>
+          <a:xfrm>
+            <a:off x="4572795" y="1677313"/>
+            <a:ext cx="3351054" cy="1760901"/>
+          </a:xfrm>
+          <a:prstGeom prst="rect">
+            <a:avLst/>
+          </a:prstGeom>
+          <a:noFill/>
+          <a:ln w="12700">
+            <a:noFill/>
+          </a:ln>
+          <a:scene3d>
+            <a:camera prst="perspectiveHeroicExtremeRightFacing"/>
+            <a:lightRig rig="threePt" dir="t"/>
+          </a:scene3d>
+        </p:spPr>
+        <p:txBody>
+          <a:bodyPr vert="horz" wrap="square" lIns="143926" tIns="107944" rIns="143926" bIns="107944" rtlCol="0">
+            <a:spAutoFit/>
+          </a:bodyPr>
+          <a:lstStyle/>
+          <a:p>
+            <a:pPr algn="l" eaLnBrk="0" hangingPunct="0">
+              <a:lnSpc>
+                <a:spcPct val="110000"/>
+              </a:lnSpc>
+              <a:buClr>
+                <a:schemeClr val="accent5">
+                  <a:lumMod val="40000"/>
+                  <a:lumOff val="60000"/>
+                </a:schemeClr>
+              </a:buClr>
+              <a:buSzPct val="70000"/>
+            </a:pPr>
+            <a:r>
+              <a:rPr lang="en-US" sz="9594" b="1" i="1" dirty="0">
+                <a:solidFill>
+                  <a:schemeClr val="bg2"/>
+                </a:solidFill>
+              </a:rPr>
+              <a:t>CRUD</a:t>
+            </a:r>
+          </a:p>
+        </p:txBody>
+      </p:sp>
+    </p:spTree>
+    <p:extLst>
+      <p:ext uri="{BB962C8B-B14F-4D97-AF65-F5344CB8AC3E}">
+        <p14:creationId xmlns:p14="http://schemas.microsoft.com/office/powerpoint/2010/main" val="882194472"/>
+      </p:ext>
+    </p:extLst>
+  </p:cSld>
+  <p:clrMapOvr>
+    <a:masterClrMapping/>
+  </p:clrMapOvr>
+  <mc:AlternateContent xmlns:mc="http://schemas.openxmlformats.org/markup-compatibility/2006" xmlns:p14="http://schemas.microsoft.com/office/powerpoint/2010/main">
+    <mc:Choice Requires="p14">
+      <p:transition spd="slow" p14:dur="2000" advClick="0" advTm="5000"/>
+    </mc:Choice>
+    <mc:Fallback xmlns="">
+      <p:transition spd="slow" advClick="0" advTm="5000"/>
+    </mc:Fallback>
+  </mc:AlternateContent>
+</p:sld>
+</file>
+
+<file path=ppt/slides/slide30.xml><?xml version="1.0" encoding="utf-8"?>
 <p:sld xmlns:a="http://schemas.openxmlformats.org/drawingml/2006/main" xmlns:r="http://schemas.openxmlformats.org/officeDocument/2006/relationships" xmlns:p="http://schemas.openxmlformats.org/presentationml/2006/main">
   <p:cSld>
     <p:spTree>
@@ -18367,7 +19953,7 @@
             <a:fld id="{2BF067CD-8E6B-4360-9AA8-C5DF2A48A6D1}" type="slidenum">
               <a:rPr lang="en-US" noProof="0" smtClean="0"/>
               <a:pPr/>
-              <a:t>27</a:t>
+              <a:t>30</a:t>
             </a:fld>
             <a:endParaRPr lang="en-US" noProof="0" dirty="0"/>
           </a:p>
@@ -18989,7 +20575,7 @@
 </p:sld>
 </file>
 
-<file path=ppt/slides/slide28.xml><?xml version="1.0" encoding="utf-8"?>
+<file path=ppt/slides/slide31.xml><?xml version="1.0" encoding="utf-8"?>
 <p:sld xmlns:a="http://schemas.openxmlformats.org/drawingml/2006/main" xmlns:r="http://schemas.openxmlformats.org/officeDocument/2006/relationships" xmlns:p="http://schemas.openxmlformats.org/presentationml/2006/main">
   <p:cSld>
     <p:spTree>
@@ -19030,7 +20616,7 @@
             <a:fld id="{2BF067CD-8E6B-4360-9AA8-C5DF2A48A6D1}" type="slidenum">
               <a:rPr lang="en-US" noProof="0" smtClean="0"/>
               <a:pPr/>
-              <a:t>28</a:t>
+              <a:t>31</a:t>
             </a:fld>
             <a:endParaRPr lang="en-US" noProof="0" dirty="0"/>
           </a:p>
@@ -19714,7 +21300,7 @@
 </p:sld>
 </file>
 
-<file path=ppt/slides/slide29.xml><?xml version="1.0" encoding="utf-8"?>
+<file path=ppt/slides/slide32.xml><?xml version="1.0" encoding="utf-8"?>
 <p:sld xmlns:a="http://schemas.openxmlformats.org/drawingml/2006/main" xmlns:r="http://schemas.openxmlformats.org/officeDocument/2006/relationships" xmlns:p="http://schemas.openxmlformats.org/presentationml/2006/main">
   <p:cSld>
     <p:spTree>
@@ -19755,7 +21341,7 @@
             <a:fld id="{2BF067CD-8E6B-4360-9AA8-C5DF2A48A6D1}" type="slidenum">
               <a:rPr lang="en-US" noProof="0" smtClean="0"/>
               <a:pPr/>
-              <a:t>29</a:t>
+              <a:t>32</a:t>
             </a:fld>
             <a:endParaRPr lang="en-US" noProof="0" dirty="0"/>
           </a:p>
@@ -20349,167 +21935,7 @@
 </p:sld>
 </file>
 
-<file path=ppt/slides/slide3.xml><?xml version="1.0" encoding="utf-8"?>
-<p:sld xmlns:a="http://schemas.openxmlformats.org/drawingml/2006/main" xmlns:r="http://schemas.openxmlformats.org/officeDocument/2006/relationships" xmlns:p="http://schemas.openxmlformats.org/presentationml/2006/main">
-  <p:cSld>
-    <p:spTree>
-      <p:nvGrpSpPr>
-        <p:cNvPr id="1" name=""/>
-        <p:cNvGrpSpPr/>
-        <p:nvPr/>
-      </p:nvGrpSpPr>
-      <p:grpSpPr>
-        <a:xfrm>
-          <a:off x="0" y="0"/>
-          <a:ext cx="0" cy="0"/>
-          <a:chOff x="0" y="0"/>
-          <a:chExt cx="0" cy="0"/>
-        </a:xfrm>
-      </p:grpSpPr>
-      <p:sp>
-        <p:nvSpPr>
-          <p:cNvPr id="4" name="Slide Subtitle">
-            <a:extLst>
-              <a:ext uri="{FF2B5EF4-FFF2-40B4-BE49-F238E27FC236}">
-                <a16:creationId xmlns:a16="http://schemas.microsoft.com/office/drawing/2014/main" id="{BEB5BB41-09D4-4E9F-8C80-EE8709171CB3}"/>
-              </a:ext>
-            </a:extLst>
-          </p:cNvPr>
-          <p:cNvSpPr>
-            <a:spLocks noGrp="1"/>
-          </p:cNvSpPr>
-          <p:nvPr>
-            <p:ph type="subTitle" sz="quarter" idx="11"/>
-          </p:nvPr>
-        </p:nvSpPr>
-        <p:spPr/>
-        <p:txBody>
-          <a:bodyPr/>
-          <a:lstStyle/>
-          <a:p>
-            <a:r>
-              <a:rPr lang="bg-BG" dirty="0"/>
-              <a:t>Добавяне, редактиране и изтриване на данни</a:t>
-            </a:r>
-          </a:p>
-        </p:txBody>
-      </p:sp>
-      <p:sp>
-        <p:nvSpPr>
-          <p:cNvPr id="6" name="Slide Title">
-            <a:extLst>
-              <a:ext uri="{FF2B5EF4-FFF2-40B4-BE49-F238E27FC236}">
-                <a16:creationId xmlns:a16="http://schemas.microsoft.com/office/drawing/2014/main" id="{028D9EA3-B5E0-4F17-9467-4BE3C280DA68}"/>
-              </a:ext>
-            </a:extLst>
-          </p:cNvPr>
-          <p:cNvSpPr>
-            <a:spLocks noGrp="1"/>
-          </p:cNvSpPr>
-          <p:nvPr>
-            <p:ph type="title" sz="quarter" idx="10"/>
-          </p:nvPr>
-        </p:nvSpPr>
-        <p:spPr/>
-        <p:txBody>
-          <a:bodyPr/>
-          <a:lstStyle/>
-          <a:p>
-            <a:r>
-              <a:rPr lang="en-US" sz="4400" dirty="0"/>
-              <a:t>CRUD </a:t>
-            </a:r>
-            <a:r>
-              <a:rPr lang="bg-BG" sz="4400" dirty="0"/>
-              <a:t>операции с </a:t>
-            </a:r>
-            <a:r>
-              <a:rPr lang="en-US" sz="4400" dirty="0"/>
-              <a:t>Entity Framework Core</a:t>
-            </a:r>
-          </a:p>
-        </p:txBody>
-      </p:sp>
-      <p:sp>
-        <p:nvSpPr>
-          <p:cNvPr id="9" name="TextBox 8">
-            <a:extLst>
-              <a:ext uri="{FF2B5EF4-FFF2-40B4-BE49-F238E27FC236}">
-                <a16:creationId xmlns:a16="http://schemas.microsoft.com/office/drawing/2014/main" id="{CF647B8E-2E35-A3E7-A258-91721C458D94}"/>
-              </a:ext>
-            </a:extLst>
-          </p:cNvPr>
-          <p:cNvSpPr txBox="1"/>
-          <p:nvPr/>
-        </p:nvSpPr>
-        <p:spPr>
-          <a:xfrm>
-            <a:off x="4572795" y="1677313"/>
-            <a:ext cx="3351054" cy="1760901"/>
-          </a:xfrm>
-          <a:prstGeom prst="rect">
-            <a:avLst/>
-          </a:prstGeom>
-          <a:noFill/>
-          <a:ln w="12700">
-            <a:noFill/>
-          </a:ln>
-          <a:scene3d>
-            <a:camera prst="perspectiveHeroicExtremeRightFacing"/>
-            <a:lightRig rig="threePt" dir="t"/>
-          </a:scene3d>
-        </p:spPr>
-        <p:txBody>
-          <a:bodyPr vert="horz" wrap="square" lIns="143926" tIns="107944" rIns="143926" bIns="107944" rtlCol="0">
-            <a:spAutoFit/>
-          </a:bodyPr>
-          <a:lstStyle/>
-          <a:p>
-            <a:pPr algn="l" eaLnBrk="0" hangingPunct="0">
-              <a:lnSpc>
-                <a:spcPct val="110000"/>
-              </a:lnSpc>
-              <a:buClr>
-                <a:schemeClr val="accent5">
-                  <a:lumMod val="40000"/>
-                  <a:lumOff val="60000"/>
-                </a:schemeClr>
-              </a:buClr>
-              <a:buSzPct val="70000"/>
-            </a:pPr>
-            <a:r>
-              <a:rPr lang="en-US" sz="9594" b="1" i="1" dirty="0">
-                <a:solidFill>
-                  <a:schemeClr val="bg2"/>
-                </a:solidFill>
-              </a:rPr>
-              <a:t>CRUD</a:t>
-            </a:r>
-          </a:p>
-        </p:txBody>
-      </p:sp>
-    </p:spTree>
-    <p:extLst>
-      <p:ext uri="{BB962C8B-B14F-4D97-AF65-F5344CB8AC3E}">
-        <p14:creationId xmlns:p14="http://schemas.microsoft.com/office/powerpoint/2010/main" val="882194472"/>
-      </p:ext>
-    </p:extLst>
-  </p:cSld>
-  <p:clrMapOvr>
-    <a:masterClrMapping/>
-  </p:clrMapOvr>
-  <mc:AlternateContent xmlns:mc="http://schemas.openxmlformats.org/markup-compatibility/2006" xmlns:p14="http://schemas.microsoft.com/office/powerpoint/2010/main">
-    <mc:Choice Requires="p14">
-      <p:transition spd="slow" p14:dur="2000" advClick="0" advTm="5000"/>
-    </mc:Choice>
-    <mc:Fallback xmlns="">
-      <p:transition spd="slow" advClick="0" advTm="5000"/>
-    </mc:Fallback>
-  </mc:AlternateContent>
-</p:sld>
-</file>
-
-<file path=ppt/slides/slide30.xml><?xml version="1.0" encoding="utf-8"?>
+<file path=ppt/slides/slide33.xml><?xml version="1.0" encoding="utf-8"?>
 <p:sld xmlns:a="http://schemas.openxmlformats.org/drawingml/2006/main" xmlns:r="http://schemas.openxmlformats.org/officeDocument/2006/relationships" xmlns:p="http://schemas.openxmlformats.org/presentationml/2006/main">
   <p:cSld>
     <p:spTree>
@@ -20550,7 +21976,7 @@
             <a:fld id="{2BF067CD-8E6B-4360-9AA8-C5DF2A48A6D1}" type="slidenum">
               <a:rPr lang="en-US" noProof="0" smtClean="0"/>
               <a:pPr/>
-              <a:t>30</a:t>
+              <a:t>33</a:t>
             </a:fld>
             <a:endParaRPr lang="en-US" noProof="0" dirty="0"/>
           </a:p>
@@ -21068,7 +22494,7 @@
 </p:sld>
 </file>
 
-<file path=ppt/slides/slide31.xml><?xml version="1.0" encoding="utf-8"?>
+<file path=ppt/slides/slide34.xml><?xml version="1.0" encoding="utf-8"?>
 <p:sld xmlns:a="http://schemas.openxmlformats.org/drawingml/2006/main" xmlns:r="http://schemas.openxmlformats.org/officeDocument/2006/relationships" xmlns:p="http://schemas.openxmlformats.org/presentationml/2006/main">
   <p:cSld>
     <p:spTree>
@@ -21109,7 +22535,7 @@
             <a:fld id="{2BF067CD-8E6B-4360-9AA8-C5DF2A48A6D1}" type="slidenum">
               <a:rPr lang="en-US" noProof="0" smtClean="0"/>
               <a:pPr/>
-              <a:t>31</a:t>
+              <a:t>34</a:t>
             </a:fld>
             <a:endParaRPr lang="en-US" noProof="0" dirty="0"/>
           </a:p>
@@ -21617,7 +23043,7 @@
 </p:sld>
 </file>
 
-<file path=ppt/slides/slide32.xml><?xml version="1.0" encoding="utf-8"?>
+<file path=ppt/slides/slide35.xml><?xml version="1.0" encoding="utf-8"?>
 <p:sld xmlns:a="http://schemas.openxmlformats.org/drawingml/2006/main" xmlns:r="http://schemas.openxmlformats.org/officeDocument/2006/relationships" xmlns:p="http://schemas.openxmlformats.org/presentationml/2006/main">
   <p:cSld>
     <p:spTree>
@@ -21658,7 +23084,7 @@
             <a:fld id="{2BF067CD-8E6B-4360-9AA8-C5DF2A48A6D1}" type="slidenum">
               <a:rPr lang="en-US" noProof="0" smtClean="0"/>
               <a:pPr/>
-              <a:t>32</a:t>
+              <a:t>35</a:t>
             </a:fld>
             <a:endParaRPr lang="en-US" noProof="0" dirty="0"/>
           </a:p>
@@ -22435,7 +23861,7 @@
 </p:sld>
 </file>
 
-<file path=ppt/slides/slide33.xml><?xml version="1.0" encoding="utf-8"?>
+<file path=ppt/slides/slide36.xml><?xml version="1.0" encoding="utf-8"?>
 <p:sld xmlns:a="http://schemas.openxmlformats.org/drawingml/2006/main" xmlns:r="http://schemas.openxmlformats.org/officeDocument/2006/relationships" xmlns:p="http://schemas.openxmlformats.org/presentationml/2006/main">
   <p:cSld>
     <p:spTree>
@@ -22476,7 +23902,7 @@
             <a:fld id="{2BF067CD-8E6B-4360-9AA8-C5DF2A48A6D1}" type="slidenum">
               <a:rPr lang="en-US" noProof="0" smtClean="0"/>
               <a:pPr/>
-              <a:t>33</a:t>
+              <a:t>36</a:t>
             </a:fld>
             <a:endParaRPr lang="en-US" noProof="0" dirty="0"/>
           </a:p>
@@ -23159,7 +24585,7 @@
 </p:sld>
 </file>
 
-<file path=ppt/slides/slide34.xml><?xml version="1.0" encoding="utf-8"?>
+<file path=ppt/slides/slide37.xml><?xml version="1.0" encoding="utf-8"?>
 <p:sld xmlns:a="http://schemas.openxmlformats.org/drawingml/2006/main" xmlns:r="http://schemas.openxmlformats.org/officeDocument/2006/relationships" xmlns:p="http://schemas.openxmlformats.org/presentationml/2006/main">
   <p:cSld>
     <p:spTree>
@@ -23200,7 +24626,7 @@
             <a:fld id="{2BF067CD-8E6B-4360-9AA8-C5DF2A48A6D1}" type="slidenum">
               <a:rPr lang="en-US" noProof="0" smtClean="0"/>
               <a:pPr/>
-              <a:t>34</a:t>
+              <a:t>37</a:t>
             </a:fld>
             <a:endParaRPr lang="en-US" noProof="0" dirty="0"/>
           </a:p>
@@ -23906,7 +25332,7 @@
 </p:sld>
 </file>
 
-<file path=ppt/slides/slide35.xml><?xml version="1.0" encoding="utf-8"?>
+<file path=ppt/slides/slide38.xml><?xml version="1.0" encoding="utf-8"?>
 <p:sld xmlns:a="http://schemas.openxmlformats.org/drawingml/2006/main" xmlns:r="http://schemas.openxmlformats.org/officeDocument/2006/relationships" xmlns:p="http://schemas.openxmlformats.org/presentationml/2006/main">
   <p:cSld>
     <p:spTree>
@@ -23947,7 +25373,7 @@
             <a:fld id="{2BF067CD-8E6B-4360-9AA8-C5DF2A48A6D1}" type="slidenum">
               <a:rPr lang="en-US" noProof="0" smtClean="0"/>
               <a:pPr/>
-              <a:t>35</a:t>
+              <a:t>38</a:t>
             </a:fld>
             <a:endParaRPr lang="en-US" noProof="0" dirty="0"/>
           </a:p>
@@ -24506,7 +25932,7 @@
 </p:sld>
 </file>
 
-<file path=ppt/slides/slide36.xml><?xml version="1.0" encoding="utf-8"?>
+<file path=ppt/slides/slide39.xml><?xml version="1.0" encoding="utf-8"?>
 <p:sld xmlns:a="http://schemas.openxmlformats.org/drawingml/2006/main" xmlns:r="http://schemas.openxmlformats.org/officeDocument/2006/relationships" xmlns:p="http://schemas.openxmlformats.org/presentationml/2006/main">
   <p:cSld>
     <p:spTree>
@@ -24547,7 +25973,7 @@
             <a:fld id="{2BF067CD-8E6B-4360-9AA8-C5DF2A48A6D1}" type="slidenum">
               <a:rPr lang="en-US" noProof="0" smtClean="0"/>
               <a:pPr/>
-              <a:t>36</a:t>
+              <a:t>39</a:t>
             </a:fld>
             <a:endParaRPr lang="en-US" noProof="0" dirty="0"/>
           </a:p>
@@ -25055,7 +26481,423 @@
 </p:sld>
 </file>
 
-<file path=ppt/slides/slide37.xml><?xml version="1.0" encoding="utf-8"?>
+<file path=ppt/slides/slide4.xml><?xml version="1.0" encoding="utf-8"?>
+<p:sld xmlns:a="http://schemas.openxmlformats.org/drawingml/2006/main" xmlns:r="http://schemas.openxmlformats.org/officeDocument/2006/relationships" xmlns:p="http://schemas.openxmlformats.org/presentationml/2006/main">
+  <p:cSld>
+    <p:spTree>
+      <p:nvGrpSpPr>
+        <p:cNvPr id="1" name=""/>
+        <p:cNvGrpSpPr/>
+        <p:nvPr/>
+      </p:nvGrpSpPr>
+      <p:grpSpPr>
+        <a:xfrm>
+          <a:off x="0" y="0"/>
+          <a:ext cx="0" cy="0"/>
+          <a:chOff x="0" y="0"/>
+          <a:chExt cx="0" cy="0"/>
+        </a:xfrm>
+      </p:grpSpPr>
+      <p:sp>
+        <p:nvSpPr>
+          <p:cNvPr id="2" name="Slide Number Placeholder 1">
+            <a:extLst>
+              <a:ext uri="{FF2B5EF4-FFF2-40B4-BE49-F238E27FC236}">
+                <a16:creationId xmlns:a16="http://schemas.microsoft.com/office/drawing/2014/main" id="{CCAABC86-82E0-F099-701A-D4347B605385}"/>
+              </a:ext>
+            </a:extLst>
+          </p:cNvPr>
+          <p:cNvSpPr>
+            <a:spLocks noGrp="1"/>
+          </p:cNvSpPr>
+          <p:nvPr>
+            <p:ph type="sldNum" sz="quarter" idx="5"/>
+          </p:nvPr>
+        </p:nvSpPr>
+        <p:spPr/>
+        <p:txBody>
+          <a:bodyPr/>
+          <a:lstStyle/>
+          <a:p>
+            <a:fld id="{2BF067CD-8E6B-4360-9AA8-C5DF2A48A6D1}" type="slidenum">
+              <a:rPr lang="en-US" noProof="0" smtClean="0"/>
+              <a:pPr/>
+              <a:t>4</a:t>
+            </a:fld>
+            <a:endParaRPr lang="en-US" noProof="0" dirty="0"/>
+          </a:p>
+        </p:txBody>
+      </p:sp>
+      <p:sp>
+        <p:nvSpPr>
+          <p:cNvPr id="3" name="Text Placeholder 2">
+            <a:extLst>
+              <a:ext uri="{FF2B5EF4-FFF2-40B4-BE49-F238E27FC236}">
+                <a16:creationId xmlns:a16="http://schemas.microsoft.com/office/drawing/2014/main" id="{AF367921-F078-03B6-1871-8074AB730CB2}"/>
+              </a:ext>
+            </a:extLst>
+          </p:cNvPr>
+          <p:cNvSpPr>
+            <a:spLocks noGrp="1"/>
+          </p:cNvSpPr>
+          <p:nvPr>
+            <p:ph type="body" sz="quarter" idx="10"/>
+          </p:nvPr>
+        </p:nvSpPr>
+        <p:spPr/>
+        <p:txBody>
+          <a:bodyPr/>
+          <a:lstStyle/>
+          <a:p>
+            <a:r>
+              <a:rPr lang="en-GB" b="1" dirty="0">
+                <a:solidFill>
+                  <a:srgbClr val="66BB6A"/>
+                </a:solidFill>
+              </a:rPr>
+              <a:t>C</a:t>
+            </a:r>
+            <a:r>
+              <a:rPr lang="en-GB" dirty="0"/>
+              <a:t>reate (</a:t>
+            </a:r>
+            <a:r>
+              <a:rPr lang="bg-BG" dirty="0"/>
+              <a:t>Създаване)</a:t>
+            </a:r>
+            <a:endParaRPr lang="en-US" dirty="0"/>
+          </a:p>
+          <a:p>
+            <a:r>
+              <a:rPr lang="en-GB" b="1" dirty="0">
+                <a:solidFill>
+                  <a:srgbClr val="FCC020"/>
+                </a:solidFill>
+              </a:rPr>
+              <a:t>R</a:t>
+            </a:r>
+            <a:r>
+              <a:rPr lang="en-GB" dirty="0"/>
+              <a:t>ead (</a:t>
+            </a:r>
+            <a:r>
+              <a:rPr lang="bg-BG" dirty="0"/>
+              <a:t>Четене)</a:t>
+            </a:r>
+            <a:endParaRPr lang="en-US" dirty="0"/>
+          </a:p>
+          <a:p>
+            <a:r>
+              <a:rPr lang="en-GB" b="1" dirty="0">
+                <a:solidFill>
+                  <a:srgbClr val="64B5F6"/>
+                </a:solidFill>
+              </a:rPr>
+              <a:t>U</a:t>
+            </a:r>
+            <a:r>
+              <a:rPr lang="en-GB" dirty="0"/>
+              <a:t>pdate (</a:t>
+            </a:r>
+            <a:r>
+              <a:rPr lang="bg-BG" dirty="0"/>
+              <a:t>Актуализиране)</a:t>
+            </a:r>
+            <a:endParaRPr lang="en-US" dirty="0"/>
+          </a:p>
+          <a:p>
+            <a:r>
+              <a:rPr lang="en-GB" b="1" dirty="0">
+                <a:solidFill>
+                  <a:srgbClr val="FF5656"/>
+                </a:solidFill>
+              </a:rPr>
+              <a:t>D</a:t>
+            </a:r>
+            <a:r>
+              <a:rPr lang="en-GB" dirty="0"/>
+              <a:t>elete (</a:t>
+            </a:r>
+            <a:r>
+              <a:rPr lang="bg-BG" dirty="0"/>
+              <a:t>Изтриване)</a:t>
+            </a:r>
+            <a:endParaRPr lang="en-BG" dirty="0"/>
+          </a:p>
+        </p:txBody>
+      </p:sp>
+      <p:sp>
+        <p:nvSpPr>
+          <p:cNvPr id="4" name="Title 3">
+            <a:extLst>
+              <a:ext uri="{FF2B5EF4-FFF2-40B4-BE49-F238E27FC236}">
+                <a16:creationId xmlns:a16="http://schemas.microsoft.com/office/drawing/2014/main" id="{67B6A643-676D-3506-B008-B24B36AA34F1}"/>
+              </a:ext>
+            </a:extLst>
+          </p:cNvPr>
+          <p:cNvSpPr>
+            <a:spLocks noGrp="1"/>
+          </p:cNvSpPr>
+          <p:nvPr>
+            <p:ph type="title"/>
+          </p:nvPr>
+        </p:nvSpPr>
+        <p:spPr/>
+        <p:txBody>
+          <a:bodyPr/>
+          <a:lstStyle/>
+          <a:p>
+            <a:r>
+              <a:rPr lang="bg-BG" dirty="0"/>
+              <a:t>Какво е </a:t>
+            </a:r>
+            <a:r>
+              <a:rPr lang="en-BG" dirty="0"/>
+              <a:t>CRUD</a:t>
+            </a:r>
+            <a:r>
+              <a:rPr lang="bg-BG" dirty="0"/>
+              <a:t>?</a:t>
+            </a:r>
+            <a:endParaRPr lang="en-BG" dirty="0"/>
+          </a:p>
+        </p:txBody>
+      </p:sp>
+      <p:pic>
+        <p:nvPicPr>
+          <p:cNvPr id="6" name="Picture 5">
+            <a:extLst>
+              <a:ext uri="{FF2B5EF4-FFF2-40B4-BE49-F238E27FC236}">
+                <a16:creationId xmlns:a16="http://schemas.microsoft.com/office/drawing/2014/main" id="{151BC785-824C-7B8A-D75D-AFC6F56A5714}"/>
+              </a:ext>
+            </a:extLst>
+          </p:cNvPr>
+          <p:cNvPicPr>
+            <a:picLocks noChangeAspect="1"/>
+          </p:cNvPicPr>
+          <p:nvPr/>
+        </p:nvPicPr>
+        <p:blipFill>
+          <a:blip r:embed="rId2">
+            <a:extLst>
+              <a:ext uri="{28A0092B-C50C-407E-A947-70E740481C1C}">
+                <a14:useLocalDpi xmlns:a14="http://schemas.microsoft.com/office/drawing/2010/main" val="0"/>
+              </a:ext>
+            </a:extLst>
+          </a:blip>
+          <a:stretch>
+            <a:fillRect/>
+          </a:stretch>
+        </p:blipFill>
+        <p:spPr>
+          <a:xfrm>
+            <a:off x="4926000" y="1359000"/>
+            <a:ext cx="6738465" cy="4971207"/>
+          </a:xfrm>
+          <a:prstGeom prst="rect">
+            <a:avLst/>
+          </a:prstGeom>
+        </p:spPr>
+      </p:pic>
+    </p:spTree>
+    <p:extLst>
+      <p:ext uri="{BB962C8B-B14F-4D97-AF65-F5344CB8AC3E}">
+        <p14:creationId xmlns:p14="http://schemas.microsoft.com/office/powerpoint/2010/main" val="1145226719"/>
+      </p:ext>
+    </p:extLst>
+  </p:cSld>
+  <p:clrMapOvr>
+    <a:masterClrMapping/>
+  </p:clrMapOvr>
+  <mc:AlternateContent xmlns:mc="http://schemas.openxmlformats.org/markup-compatibility/2006" xmlns:p14="http://schemas.microsoft.com/office/powerpoint/2010/main">
+    <mc:Choice Requires="p14">
+      <p:transition spd="slow" p14:dur="2000" advClick="0" advTm="5000"/>
+    </mc:Choice>
+    <mc:Fallback xmlns="">
+      <p:transition spd="slow" advClick="0" advTm="5000"/>
+    </mc:Fallback>
+  </mc:AlternateContent>
+  <p:timing>
+    <p:tnLst>
+      <p:par>
+        <p:cTn id="1" dur="indefinite" restart="never" nodeType="tmRoot">
+          <p:childTnLst>
+            <p:seq concurrent="1" nextAc="seek">
+              <p:cTn id="2" dur="indefinite" nodeType="mainSeq">
+                <p:childTnLst>
+                  <p:par>
+                    <p:cTn id="3" fill="hold">
+                      <p:stCondLst>
+                        <p:cond delay="indefinite"/>
+                      </p:stCondLst>
+                      <p:childTnLst>
+                        <p:par>
+                          <p:cTn id="4" fill="hold">
+                            <p:stCondLst>
+                              <p:cond delay="0"/>
+                            </p:stCondLst>
+                            <p:childTnLst>
+                              <p:par>
+                                <p:cTn id="5" presetID="1" presetClass="entr" presetSubtype="0" fill="hold" nodeType="clickEffect">
+                                  <p:stCondLst>
+                                    <p:cond delay="0"/>
+                                  </p:stCondLst>
+                                  <p:childTnLst>
+                                    <p:set>
+                                      <p:cBhvr>
+                                        <p:cTn id="6" dur="1" fill="hold">
+                                          <p:stCondLst>
+                                            <p:cond delay="0"/>
+                                          </p:stCondLst>
+                                        </p:cTn>
+                                        <p:tgtEl>
+                                          <p:spTgt spid="3">
+                                            <p:txEl>
+                                              <p:pRg st="1" end="1"/>
+                                            </p:txEl>
+                                          </p:spTgt>
+                                        </p:tgtEl>
+                                        <p:attrNameLst>
+                                          <p:attrName>style.visibility</p:attrName>
+                                        </p:attrNameLst>
+                                      </p:cBhvr>
+                                      <p:to>
+                                        <p:strVal val="visible"/>
+                                      </p:to>
+                                    </p:set>
+                                  </p:childTnLst>
+                                </p:cTn>
+                              </p:par>
+                            </p:childTnLst>
+                          </p:cTn>
+                        </p:par>
+                      </p:childTnLst>
+                    </p:cTn>
+                  </p:par>
+                  <p:par>
+                    <p:cTn id="7" fill="hold">
+                      <p:stCondLst>
+                        <p:cond delay="indefinite"/>
+                      </p:stCondLst>
+                      <p:childTnLst>
+                        <p:par>
+                          <p:cTn id="8" fill="hold">
+                            <p:stCondLst>
+                              <p:cond delay="0"/>
+                            </p:stCondLst>
+                            <p:childTnLst>
+                              <p:par>
+                                <p:cTn id="9" presetID="1" presetClass="entr" presetSubtype="0" fill="hold" nodeType="clickEffect">
+                                  <p:stCondLst>
+                                    <p:cond delay="0"/>
+                                  </p:stCondLst>
+                                  <p:childTnLst>
+                                    <p:set>
+                                      <p:cBhvr>
+                                        <p:cTn id="10" dur="1" fill="hold">
+                                          <p:stCondLst>
+                                            <p:cond delay="0"/>
+                                          </p:stCondLst>
+                                        </p:cTn>
+                                        <p:tgtEl>
+                                          <p:spTgt spid="3">
+                                            <p:txEl>
+                                              <p:pRg st="2" end="2"/>
+                                            </p:txEl>
+                                          </p:spTgt>
+                                        </p:tgtEl>
+                                        <p:attrNameLst>
+                                          <p:attrName>style.visibility</p:attrName>
+                                        </p:attrNameLst>
+                                      </p:cBhvr>
+                                      <p:to>
+                                        <p:strVal val="visible"/>
+                                      </p:to>
+                                    </p:set>
+                                  </p:childTnLst>
+                                </p:cTn>
+                              </p:par>
+                            </p:childTnLst>
+                          </p:cTn>
+                        </p:par>
+                      </p:childTnLst>
+                    </p:cTn>
+                  </p:par>
+                  <p:par>
+                    <p:cTn id="11" fill="hold">
+                      <p:stCondLst>
+                        <p:cond delay="indefinite"/>
+                      </p:stCondLst>
+                      <p:childTnLst>
+                        <p:par>
+                          <p:cTn id="12" fill="hold">
+                            <p:stCondLst>
+                              <p:cond delay="0"/>
+                            </p:stCondLst>
+                            <p:childTnLst>
+                              <p:par>
+                                <p:cTn id="13" presetID="1" presetClass="entr" presetSubtype="0" fill="hold" nodeType="clickEffect">
+                                  <p:stCondLst>
+                                    <p:cond delay="0"/>
+                                  </p:stCondLst>
+                                  <p:childTnLst>
+                                    <p:set>
+                                      <p:cBhvr>
+                                        <p:cTn id="14" dur="1" fill="hold">
+                                          <p:stCondLst>
+                                            <p:cond delay="0"/>
+                                          </p:stCondLst>
+                                        </p:cTn>
+                                        <p:tgtEl>
+                                          <p:spTgt spid="3">
+                                            <p:txEl>
+                                              <p:pRg st="3" end="3"/>
+                                            </p:txEl>
+                                          </p:spTgt>
+                                        </p:tgtEl>
+                                        <p:attrNameLst>
+                                          <p:attrName>style.visibility</p:attrName>
+                                        </p:attrNameLst>
+                                      </p:cBhvr>
+                                      <p:to>
+                                        <p:strVal val="visible"/>
+                                      </p:to>
+                                    </p:set>
+                                  </p:childTnLst>
+                                </p:cTn>
+                              </p:par>
+                            </p:childTnLst>
+                          </p:cTn>
+                        </p:par>
+                      </p:childTnLst>
+                    </p:cTn>
+                  </p:par>
+                </p:childTnLst>
+              </p:cTn>
+              <p:prevCondLst>
+                <p:cond evt="onPrev" delay="0">
+                  <p:tgtEl>
+                    <p:sldTgt/>
+                  </p:tgtEl>
+                </p:cond>
+              </p:prevCondLst>
+              <p:nextCondLst>
+                <p:cond evt="onNext" delay="0">
+                  <p:tgtEl>
+                    <p:sldTgt/>
+                  </p:tgtEl>
+                </p:cond>
+              </p:nextCondLst>
+            </p:seq>
+          </p:childTnLst>
+        </p:cTn>
+      </p:par>
+    </p:tnLst>
+  </p:timing>
+</p:sld>
+</file>
+
+<file path=ppt/slides/slide40.xml><?xml version="1.0" encoding="utf-8"?>
 <p:sld xmlns:a="http://schemas.openxmlformats.org/drawingml/2006/main" xmlns:r="http://schemas.openxmlformats.org/officeDocument/2006/relationships" xmlns:p="http://schemas.openxmlformats.org/presentationml/2006/main">
   <p:cSld>
     <p:spTree>
@@ -25096,7 +26938,7 @@
             <a:fld id="{2BF067CD-8E6B-4360-9AA8-C5DF2A48A6D1}" type="slidenum">
               <a:rPr lang="en-US" noProof="0" smtClean="0"/>
               <a:pPr/>
-              <a:t>37</a:t>
+              <a:t>40</a:t>
             </a:fld>
             <a:endParaRPr lang="en-US" noProof="0" dirty="0"/>
           </a:p>
@@ -25711,7 +27553,7 @@
 </p:sld>
 </file>
 
-<file path=ppt/slides/slide38.xml><?xml version="1.0" encoding="utf-8"?>
+<file path=ppt/slides/slide41.xml><?xml version="1.0" encoding="utf-8"?>
 <p:sld xmlns:a="http://schemas.openxmlformats.org/drawingml/2006/main" xmlns:r="http://schemas.openxmlformats.org/officeDocument/2006/relationships" xmlns:p="http://schemas.openxmlformats.org/presentationml/2006/main">
   <p:cSld>
     <p:spTree>
@@ -25752,7 +27594,7 @@
             <a:fld id="{2BF067CD-8E6B-4360-9AA8-C5DF2A48A6D1}" type="slidenum">
               <a:rPr lang="en-US" noProof="0" smtClean="0"/>
               <a:pPr/>
-              <a:t>38</a:t>
+              <a:t>41</a:t>
             </a:fld>
             <a:endParaRPr lang="en-US" noProof="0" dirty="0"/>
           </a:p>
@@ -26742,7 +28584,7 @@
 </p:sld>
 </file>
 
-<file path=ppt/slides/slide39.xml><?xml version="1.0" encoding="utf-8"?>
+<file path=ppt/slides/slide42.xml><?xml version="1.0" encoding="utf-8"?>
 <p:sld xmlns:a="http://schemas.openxmlformats.org/drawingml/2006/main" xmlns:r="http://schemas.openxmlformats.org/officeDocument/2006/relationships" xmlns:p="http://schemas.openxmlformats.org/presentationml/2006/main">
   <p:cSld>
     <p:spTree>
@@ -26783,7 +28625,7 @@
             <a:fld id="{2BF067CD-8E6B-4360-9AA8-C5DF2A48A6D1}" type="slidenum">
               <a:rPr lang="en-US" noProof="0" smtClean="0"/>
               <a:pPr/>
-              <a:t>39</a:t>
+              <a:t>42</a:t>
             </a:fld>
             <a:endParaRPr lang="en-US" noProof="0" dirty="0"/>
           </a:p>
@@ -27467,423 +29309,7 @@
 </p:sld>
 </file>
 
-<file path=ppt/slides/slide4.xml><?xml version="1.0" encoding="utf-8"?>
-<p:sld xmlns:a="http://schemas.openxmlformats.org/drawingml/2006/main" xmlns:r="http://schemas.openxmlformats.org/officeDocument/2006/relationships" xmlns:p="http://schemas.openxmlformats.org/presentationml/2006/main">
-  <p:cSld>
-    <p:spTree>
-      <p:nvGrpSpPr>
-        <p:cNvPr id="1" name=""/>
-        <p:cNvGrpSpPr/>
-        <p:nvPr/>
-      </p:nvGrpSpPr>
-      <p:grpSpPr>
-        <a:xfrm>
-          <a:off x="0" y="0"/>
-          <a:ext cx="0" cy="0"/>
-          <a:chOff x="0" y="0"/>
-          <a:chExt cx="0" cy="0"/>
-        </a:xfrm>
-      </p:grpSpPr>
-      <p:sp>
-        <p:nvSpPr>
-          <p:cNvPr id="2" name="Slide Number Placeholder 1">
-            <a:extLst>
-              <a:ext uri="{FF2B5EF4-FFF2-40B4-BE49-F238E27FC236}">
-                <a16:creationId xmlns:a16="http://schemas.microsoft.com/office/drawing/2014/main" id="{CCAABC86-82E0-F099-701A-D4347B605385}"/>
-              </a:ext>
-            </a:extLst>
-          </p:cNvPr>
-          <p:cNvSpPr>
-            <a:spLocks noGrp="1"/>
-          </p:cNvSpPr>
-          <p:nvPr>
-            <p:ph type="sldNum" sz="quarter" idx="5"/>
-          </p:nvPr>
-        </p:nvSpPr>
-        <p:spPr/>
-        <p:txBody>
-          <a:bodyPr/>
-          <a:lstStyle/>
-          <a:p>
-            <a:fld id="{2BF067CD-8E6B-4360-9AA8-C5DF2A48A6D1}" type="slidenum">
-              <a:rPr lang="en-US" noProof="0" smtClean="0"/>
-              <a:pPr/>
-              <a:t>4</a:t>
-            </a:fld>
-            <a:endParaRPr lang="en-US" noProof="0" dirty="0"/>
-          </a:p>
-        </p:txBody>
-      </p:sp>
-      <p:sp>
-        <p:nvSpPr>
-          <p:cNvPr id="3" name="Text Placeholder 2">
-            <a:extLst>
-              <a:ext uri="{FF2B5EF4-FFF2-40B4-BE49-F238E27FC236}">
-                <a16:creationId xmlns:a16="http://schemas.microsoft.com/office/drawing/2014/main" id="{AF367921-F078-03B6-1871-8074AB730CB2}"/>
-              </a:ext>
-            </a:extLst>
-          </p:cNvPr>
-          <p:cNvSpPr>
-            <a:spLocks noGrp="1"/>
-          </p:cNvSpPr>
-          <p:nvPr>
-            <p:ph type="body" sz="quarter" idx="10"/>
-          </p:nvPr>
-        </p:nvSpPr>
-        <p:spPr/>
-        <p:txBody>
-          <a:bodyPr/>
-          <a:lstStyle/>
-          <a:p>
-            <a:r>
-              <a:rPr lang="en-GB" b="1" dirty="0">
-                <a:solidFill>
-                  <a:srgbClr val="66BB6A"/>
-                </a:solidFill>
-              </a:rPr>
-              <a:t>C</a:t>
-            </a:r>
-            <a:r>
-              <a:rPr lang="en-GB" dirty="0"/>
-              <a:t>reate (</a:t>
-            </a:r>
-            <a:r>
-              <a:rPr lang="bg-BG" dirty="0"/>
-              <a:t>Създаване)</a:t>
-            </a:r>
-            <a:endParaRPr lang="en-US" dirty="0"/>
-          </a:p>
-          <a:p>
-            <a:r>
-              <a:rPr lang="en-GB" b="1" dirty="0">
-                <a:solidFill>
-                  <a:srgbClr val="FCC020"/>
-                </a:solidFill>
-              </a:rPr>
-              <a:t>R</a:t>
-            </a:r>
-            <a:r>
-              <a:rPr lang="en-GB" dirty="0"/>
-              <a:t>ead (</a:t>
-            </a:r>
-            <a:r>
-              <a:rPr lang="bg-BG" dirty="0"/>
-              <a:t>Четене)</a:t>
-            </a:r>
-            <a:endParaRPr lang="en-US" dirty="0"/>
-          </a:p>
-          <a:p>
-            <a:r>
-              <a:rPr lang="en-GB" b="1" dirty="0">
-                <a:solidFill>
-                  <a:srgbClr val="64B5F6"/>
-                </a:solidFill>
-              </a:rPr>
-              <a:t>U</a:t>
-            </a:r>
-            <a:r>
-              <a:rPr lang="en-GB" dirty="0"/>
-              <a:t>pdate (</a:t>
-            </a:r>
-            <a:r>
-              <a:rPr lang="bg-BG" dirty="0"/>
-              <a:t>Актуализиране)</a:t>
-            </a:r>
-            <a:endParaRPr lang="en-US" dirty="0"/>
-          </a:p>
-          <a:p>
-            <a:r>
-              <a:rPr lang="en-GB" b="1" dirty="0">
-                <a:solidFill>
-                  <a:srgbClr val="FF5656"/>
-                </a:solidFill>
-              </a:rPr>
-              <a:t>D</a:t>
-            </a:r>
-            <a:r>
-              <a:rPr lang="en-GB" dirty="0"/>
-              <a:t>elete (</a:t>
-            </a:r>
-            <a:r>
-              <a:rPr lang="bg-BG" dirty="0"/>
-              <a:t>Изтриване)</a:t>
-            </a:r>
-            <a:endParaRPr lang="en-BG" dirty="0"/>
-          </a:p>
-        </p:txBody>
-      </p:sp>
-      <p:sp>
-        <p:nvSpPr>
-          <p:cNvPr id="4" name="Title 3">
-            <a:extLst>
-              <a:ext uri="{FF2B5EF4-FFF2-40B4-BE49-F238E27FC236}">
-                <a16:creationId xmlns:a16="http://schemas.microsoft.com/office/drawing/2014/main" id="{67B6A643-676D-3506-B008-B24B36AA34F1}"/>
-              </a:ext>
-            </a:extLst>
-          </p:cNvPr>
-          <p:cNvSpPr>
-            <a:spLocks noGrp="1"/>
-          </p:cNvSpPr>
-          <p:nvPr>
-            <p:ph type="title"/>
-          </p:nvPr>
-        </p:nvSpPr>
-        <p:spPr/>
-        <p:txBody>
-          <a:bodyPr/>
-          <a:lstStyle/>
-          <a:p>
-            <a:r>
-              <a:rPr lang="bg-BG" dirty="0"/>
-              <a:t>Какво е </a:t>
-            </a:r>
-            <a:r>
-              <a:rPr lang="en-BG" dirty="0"/>
-              <a:t>CRUD</a:t>
-            </a:r>
-            <a:r>
-              <a:rPr lang="bg-BG" dirty="0"/>
-              <a:t>?</a:t>
-            </a:r>
-            <a:endParaRPr lang="en-BG" dirty="0"/>
-          </a:p>
-        </p:txBody>
-      </p:sp>
-      <p:pic>
-        <p:nvPicPr>
-          <p:cNvPr id="6" name="Picture 5">
-            <a:extLst>
-              <a:ext uri="{FF2B5EF4-FFF2-40B4-BE49-F238E27FC236}">
-                <a16:creationId xmlns:a16="http://schemas.microsoft.com/office/drawing/2014/main" id="{151BC785-824C-7B8A-D75D-AFC6F56A5714}"/>
-              </a:ext>
-            </a:extLst>
-          </p:cNvPr>
-          <p:cNvPicPr>
-            <a:picLocks noChangeAspect="1"/>
-          </p:cNvPicPr>
-          <p:nvPr/>
-        </p:nvPicPr>
-        <p:blipFill>
-          <a:blip r:embed="rId2">
-            <a:extLst>
-              <a:ext uri="{28A0092B-C50C-407E-A947-70E740481C1C}">
-                <a14:useLocalDpi xmlns:a14="http://schemas.microsoft.com/office/drawing/2010/main" val="0"/>
-              </a:ext>
-            </a:extLst>
-          </a:blip>
-          <a:stretch>
-            <a:fillRect/>
-          </a:stretch>
-        </p:blipFill>
-        <p:spPr>
-          <a:xfrm>
-            <a:off x="4926000" y="1359000"/>
-            <a:ext cx="6738465" cy="4971207"/>
-          </a:xfrm>
-          <a:prstGeom prst="rect">
-            <a:avLst/>
-          </a:prstGeom>
-        </p:spPr>
-      </p:pic>
-    </p:spTree>
-    <p:extLst>
-      <p:ext uri="{BB962C8B-B14F-4D97-AF65-F5344CB8AC3E}">
-        <p14:creationId xmlns:p14="http://schemas.microsoft.com/office/powerpoint/2010/main" val="1145226719"/>
-      </p:ext>
-    </p:extLst>
-  </p:cSld>
-  <p:clrMapOvr>
-    <a:masterClrMapping/>
-  </p:clrMapOvr>
-  <mc:AlternateContent xmlns:mc="http://schemas.openxmlformats.org/markup-compatibility/2006" xmlns:p14="http://schemas.microsoft.com/office/powerpoint/2010/main">
-    <mc:Choice Requires="p14">
-      <p:transition spd="slow" p14:dur="2000" advClick="0" advTm="5000"/>
-    </mc:Choice>
-    <mc:Fallback xmlns="">
-      <p:transition spd="slow" advClick="0" advTm="5000"/>
-    </mc:Fallback>
-  </mc:AlternateContent>
-  <p:timing>
-    <p:tnLst>
-      <p:par>
-        <p:cTn id="1" dur="indefinite" restart="never" nodeType="tmRoot">
-          <p:childTnLst>
-            <p:seq concurrent="1" nextAc="seek">
-              <p:cTn id="2" dur="indefinite" nodeType="mainSeq">
-                <p:childTnLst>
-                  <p:par>
-                    <p:cTn id="3" fill="hold">
-                      <p:stCondLst>
-                        <p:cond delay="indefinite"/>
-                      </p:stCondLst>
-                      <p:childTnLst>
-                        <p:par>
-                          <p:cTn id="4" fill="hold">
-                            <p:stCondLst>
-                              <p:cond delay="0"/>
-                            </p:stCondLst>
-                            <p:childTnLst>
-                              <p:par>
-                                <p:cTn id="5" presetID="1" presetClass="entr" presetSubtype="0" fill="hold" nodeType="clickEffect">
-                                  <p:stCondLst>
-                                    <p:cond delay="0"/>
-                                  </p:stCondLst>
-                                  <p:childTnLst>
-                                    <p:set>
-                                      <p:cBhvr>
-                                        <p:cTn id="6" dur="1" fill="hold">
-                                          <p:stCondLst>
-                                            <p:cond delay="0"/>
-                                          </p:stCondLst>
-                                        </p:cTn>
-                                        <p:tgtEl>
-                                          <p:spTgt spid="3">
-                                            <p:txEl>
-                                              <p:pRg st="1" end="1"/>
-                                            </p:txEl>
-                                          </p:spTgt>
-                                        </p:tgtEl>
-                                        <p:attrNameLst>
-                                          <p:attrName>style.visibility</p:attrName>
-                                        </p:attrNameLst>
-                                      </p:cBhvr>
-                                      <p:to>
-                                        <p:strVal val="visible"/>
-                                      </p:to>
-                                    </p:set>
-                                  </p:childTnLst>
-                                </p:cTn>
-                              </p:par>
-                            </p:childTnLst>
-                          </p:cTn>
-                        </p:par>
-                      </p:childTnLst>
-                    </p:cTn>
-                  </p:par>
-                  <p:par>
-                    <p:cTn id="7" fill="hold">
-                      <p:stCondLst>
-                        <p:cond delay="indefinite"/>
-                      </p:stCondLst>
-                      <p:childTnLst>
-                        <p:par>
-                          <p:cTn id="8" fill="hold">
-                            <p:stCondLst>
-                              <p:cond delay="0"/>
-                            </p:stCondLst>
-                            <p:childTnLst>
-                              <p:par>
-                                <p:cTn id="9" presetID="1" presetClass="entr" presetSubtype="0" fill="hold" nodeType="clickEffect">
-                                  <p:stCondLst>
-                                    <p:cond delay="0"/>
-                                  </p:stCondLst>
-                                  <p:childTnLst>
-                                    <p:set>
-                                      <p:cBhvr>
-                                        <p:cTn id="10" dur="1" fill="hold">
-                                          <p:stCondLst>
-                                            <p:cond delay="0"/>
-                                          </p:stCondLst>
-                                        </p:cTn>
-                                        <p:tgtEl>
-                                          <p:spTgt spid="3">
-                                            <p:txEl>
-                                              <p:pRg st="2" end="2"/>
-                                            </p:txEl>
-                                          </p:spTgt>
-                                        </p:tgtEl>
-                                        <p:attrNameLst>
-                                          <p:attrName>style.visibility</p:attrName>
-                                        </p:attrNameLst>
-                                      </p:cBhvr>
-                                      <p:to>
-                                        <p:strVal val="visible"/>
-                                      </p:to>
-                                    </p:set>
-                                  </p:childTnLst>
-                                </p:cTn>
-                              </p:par>
-                            </p:childTnLst>
-                          </p:cTn>
-                        </p:par>
-                      </p:childTnLst>
-                    </p:cTn>
-                  </p:par>
-                  <p:par>
-                    <p:cTn id="11" fill="hold">
-                      <p:stCondLst>
-                        <p:cond delay="indefinite"/>
-                      </p:stCondLst>
-                      <p:childTnLst>
-                        <p:par>
-                          <p:cTn id="12" fill="hold">
-                            <p:stCondLst>
-                              <p:cond delay="0"/>
-                            </p:stCondLst>
-                            <p:childTnLst>
-                              <p:par>
-                                <p:cTn id="13" presetID="1" presetClass="entr" presetSubtype="0" fill="hold" nodeType="clickEffect">
-                                  <p:stCondLst>
-                                    <p:cond delay="0"/>
-                                  </p:stCondLst>
-                                  <p:childTnLst>
-                                    <p:set>
-                                      <p:cBhvr>
-                                        <p:cTn id="14" dur="1" fill="hold">
-                                          <p:stCondLst>
-                                            <p:cond delay="0"/>
-                                          </p:stCondLst>
-                                        </p:cTn>
-                                        <p:tgtEl>
-                                          <p:spTgt spid="3">
-                                            <p:txEl>
-                                              <p:pRg st="3" end="3"/>
-                                            </p:txEl>
-                                          </p:spTgt>
-                                        </p:tgtEl>
-                                        <p:attrNameLst>
-                                          <p:attrName>style.visibility</p:attrName>
-                                        </p:attrNameLst>
-                                      </p:cBhvr>
-                                      <p:to>
-                                        <p:strVal val="visible"/>
-                                      </p:to>
-                                    </p:set>
-                                  </p:childTnLst>
-                                </p:cTn>
-                              </p:par>
-                            </p:childTnLst>
-                          </p:cTn>
-                        </p:par>
-                      </p:childTnLst>
-                    </p:cTn>
-                  </p:par>
-                </p:childTnLst>
-              </p:cTn>
-              <p:prevCondLst>
-                <p:cond evt="onPrev" delay="0">
-                  <p:tgtEl>
-                    <p:sldTgt/>
-                  </p:tgtEl>
-                </p:cond>
-              </p:prevCondLst>
-              <p:nextCondLst>
-                <p:cond evt="onNext" delay="0">
-                  <p:tgtEl>
-                    <p:sldTgt/>
-                  </p:tgtEl>
-                </p:cond>
-              </p:nextCondLst>
-            </p:seq>
-          </p:childTnLst>
-        </p:cTn>
-      </p:par>
-    </p:tnLst>
-  </p:timing>
-</p:sld>
-</file>
-
-<file path=ppt/slides/slide40.xml><?xml version="1.0" encoding="utf-8"?>
+<file path=ppt/slides/slide43.xml><?xml version="1.0" encoding="utf-8"?>
 <p:sld xmlns:a="http://schemas.openxmlformats.org/drawingml/2006/main" xmlns:r="http://schemas.openxmlformats.org/officeDocument/2006/relationships" xmlns:p="http://schemas.openxmlformats.org/presentationml/2006/main">
   <p:cSld>
     <p:spTree>
@@ -27924,7 +29350,7 @@
             <a:fld id="{2BF067CD-8E6B-4360-9AA8-C5DF2A48A6D1}" type="slidenum">
               <a:rPr lang="en-US" noProof="0" smtClean="0"/>
               <a:pPr/>
-              <a:t>40</a:t>
+              <a:t>43</a:t>
             </a:fld>
             <a:endParaRPr lang="en-US" noProof="0" dirty="0"/>
           </a:p>
@@ -28416,7 +29842,7 @@
 </p:sld>
 </file>
 
-<file path=ppt/slides/slide41.xml><?xml version="1.0" encoding="utf-8"?>
+<file path=ppt/slides/slide44.xml><?xml version="1.0" encoding="utf-8"?>
 <p:sld xmlns:a="http://schemas.openxmlformats.org/drawingml/2006/main" xmlns:r="http://schemas.openxmlformats.org/officeDocument/2006/relationships" xmlns:p="http://schemas.openxmlformats.org/presentationml/2006/main">
   <p:cSld>
     <p:spTree>
@@ -28457,7 +29883,7 @@
             <a:fld id="{2BF067CD-8E6B-4360-9AA8-C5DF2A48A6D1}" type="slidenum">
               <a:rPr lang="en-US" noProof="0" smtClean="0"/>
               <a:pPr/>
-              <a:t>41</a:t>
+              <a:t>44</a:t>
             </a:fld>
             <a:endParaRPr lang="en-US" noProof="0" dirty="0"/>
           </a:p>
@@ -29123,7 +30549,7 @@
 </p:sld>
 </file>
 
-<file path=ppt/slides/slide42.xml><?xml version="1.0" encoding="utf-8"?>
+<file path=ppt/slides/slide45.xml><?xml version="1.0" encoding="utf-8"?>
 <p:sld xmlns:a="http://schemas.openxmlformats.org/drawingml/2006/main" xmlns:r="http://schemas.openxmlformats.org/officeDocument/2006/relationships" xmlns:p="http://schemas.openxmlformats.org/presentationml/2006/main">
   <p:cSld>
     <p:spTree>
@@ -29164,7 +30590,7 @@
             <a:fld id="{2BF067CD-8E6B-4360-9AA8-C5DF2A48A6D1}" type="slidenum">
               <a:rPr lang="en-US" noProof="0" smtClean="0"/>
               <a:pPr/>
-              <a:t>42</a:t>
+              <a:t>45</a:t>
             </a:fld>
             <a:endParaRPr lang="en-US" noProof="0" dirty="0"/>
           </a:p>
@@ -29758,7 +31184,7 @@
 </p:sld>
 </file>
 
-<file path=ppt/slides/slide43.xml><?xml version="1.0" encoding="utf-8"?>
+<file path=ppt/slides/slide46.xml><?xml version="1.0" encoding="utf-8"?>
 <p:sld xmlns:a="http://schemas.openxmlformats.org/drawingml/2006/main" xmlns:r="http://schemas.openxmlformats.org/officeDocument/2006/relationships" xmlns:p="http://schemas.openxmlformats.org/presentationml/2006/main">
   <p:cSld>
     <p:spTree>
@@ -29799,7 +31225,7 @@
             <a:fld id="{2BF067CD-8E6B-4360-9AA8-C5DF2A48A6D1}" type="slidenum">
               <a:rPr lang="en-US" noProof="0" smtClean="0"/>
               <a:pPr/>
-              <a:t>43</a:t>
+              <a:t>46</a:t>
             </a:fld>
             <a:endParaRPr lang="en-US" noProof="0" dirty="0"/>
           </a:p>
@@ -30385,7 +31811,7 @@
 </p:sld>
 </file>
 
-<file path=ppt/slides/slide44.xml><?xml version="1.0" encoding="utf-8"?>
+<file path=ppt/slides/slide47.xml><?xml version="1.0" encoding="utf-8"?>
 <p:sld xmlns:a="http://schemas.openxmlformats.org/drawingml/2006/main" xmlns:r="http://schemas.openxmlformats.org/officeDocument/2006/relationships" xmlns:p="http://schemas.openxmlformats.org/presentationml/2006/main">
   <p:cSld>
     <p:spTree>
@@ -31133,7 +32559,7 @@
             <a:fld id="{2BF067CD-8E6B-4360-9AA8-C5DF2A48A6D1}" type="slidenum">
               <a:rPr lang="en-US" noProof="0" smtClean="0"/>
               <a:pPr/>
-              <a:t>44</a:t>
+              <a:t>47</a:t>
             </a:fld>
             <a:endParaRPr lang="en-US" noProof="0" dirty="0"/>
           </a:p>
@@ -31435,7 +32861,7 @@
 </p:sld>
 </file>
 
-<file path=ppt/slides/slide45.xml><?xml version="1.0" encoding="utf-8"?>
+<file path=ppt/slides/slide48.xml><?xml version="1.0" encoding="utf-8"?>
 <p:sld xmlns:a="http://schemas.openxmlformats.org/drawingml/2006/main" xmlns:r="http://schemas.openxmlformats.org/officeDocument/2006/relationships" xmlns:p="http://schemas.openxmlformats.org/presentationml/2006/main">
   <p:cSld>
     <p:spTree>
@@ -31625,7 +33051,7 @@
 </p:sld>
 </file>
 
-<file path=ppt/slides/slide46.xml><?xml version="1.0" encoding="utf-8"?>
+<file path=ppt/slides/slide49.xml><?xml version="1.0" encoding="utf-8"?>
 <p:sld xmlns:a="http://schemas.openxmlformats.org/drawingml/2006/main" xmlns:r="http://schemas.openxmlformats.org/officeDocument/2006/relationships" xmlns:p="http://schemas.openxmlformats.org/presentationml/2006/main" show="0">
   <p:cSld>
     <p:spTree>
@@ -31678,7 +33104,7 @@
             <a:fld id="{2BF067CD-8E6B-4360-9AA8-C5DF2A48A6D1}" type="slidenum">
               <a:rPr lang="en-US" smtClean="0"/>
               <a:pPr/>
-              <a:t>46</a:t>
+              <a:t>49</a:t>
             </a:fld>
             <a:endParaRPr lang="en-US" dirty="0"/>
           </a:p>

--- a/Courses/Software-Sciences/Module-4-Information-Systems-New/06-CRUD-with-EF-and-Windows-Forms/06-CRUD-with-EF-Core-and-Windows-Forms.pptx
+++ b/Courses/Software-Sciences/Module-4-Information-Systems-New/06-CRUD-with-EF-and-Windows-Forms/06-CRUD-with-EF-Core-and-Windows-Forms.pptx
@@ -359,7 +359,7 @@
           <a:p>
             <a:fld id="{4E087215-0C8F-4762-A664-737A353EC9A4}" type="datetimeFigureOut">
               <a:rPr lang="bg-BG" smtClean="0"/>
-              <a:t>10.1.2025 г.</a:t>
+              <a:t>12.01.25 г.</a:t>
             </a:fld>
             <a:endParaRPr lang="bg-BG"/>
           </a:p>
@@ -555,7 +555,7 @@
           <a:p>
             <a:fld id="{72D84649-876A-46C9-8472-14CB09C070D8}" type="datetimeFigureOut">
               <a:rPr lang="en-US" smtClean="0"/>
-              <a:t>10-Jan-25</a:t>
+              <a:t>1/12/25</a:t>
             </a:fld>
             <a:endParaRPr lang="en-US"/>
           </a:p>
@@ -11994,145 +11994,48 @@
           </a:p>
         </p:txBody>
       </p:sp>
-      <p:sp>
-        <p:nvSpPr>
-          <p:cNvPr id="6" name="Rectangle 5">
+      <p:pic>
+        <p:nvPicPr>
+          <p:cNvPr id="7" name="Picture 6">
             <a:extLst>
               <a:ext uri="{FF2B5EF4-FFF2-40B4-BE49-F238E27FC236}">
-                <a16:creationId xmlns:a16="http://schemas.microsoft.com/office/drawing/2014/main" id="{4E4E8963-9333-973A-DB59-FEB78D9EEF72}"/>
+                <a16:creationId xmlns:a16="http://schemas.microsoft.com/office/drawing/2014/main" id="{CED61299-F753-1DDE-74E1-9BB7E4E2F64B}"/>
               </a:ext>
             </a:extLst>
           </p:cNvPr>
-          <p:cNvSpPr/>
+          <p:cNvPicPr>
+            <a:picLocks noChangeAspect="1"/>
+          </p:cNvPicPr>
           <p:nvPr/>
-        </p:nvSpPr>
-        <p:spPr bwMode="auto">
+        </p:nvPicPr>
+        <p:blipFill rotWithShape="1">
+          <a:blip r:embed="rId2">
+            <a:extLst>
+              <a:ext uri="{28A0092B-C50C-407E-A947-70E740481C1C}">
+                <a14:useLocalDpi xmlns:a14="http://schemas.microsoft.com/office/drawing/2010/main" val="0"/>
+              </a:ext>
+            </a:extLst>
+          </a:blip>
+          <a:srcRect t="-1" b="1503"/>
+          <a:stretch/>
+        </p:blipFill>
+        <p:spPr>
           <a:xfrm>
-            <a:off x="7397375" y="1674000"/>
-            <a:ext cx="4140000" cy="3825000"/>
+            <a:off x="7347897" y="2281571"/>
+            <a:ext cx="4405133" cy="3307430"/>
           </a:xfrm>
           <a:prstGeom prst="rect">
             <a:avLst/>
           </a:prstGeom>
-          <a:solidFill>
-            <a:schemeClr val="dk2">
-              <a:alpha val="80000"/>
-            </a:schemeClr>
-          </a:solidFill>
-          <a:ln w="19050">
+          <a:ln>
             <a:solidFill>
-              <a:schemeClr val="tx1">
+              <a:schemeClr val="bg2">
                 <a:lumMod val="75000"/>
-                <a:alpha val="80000"/>
               </a:schemeClr>
             </a:solidFill>
           </a:ln>
-          <a:effectLst/>
         </p:spPr>
-        <p:style>
-          <a:lnRef idx="2">
-            <a:schemeClr val="accent1">
-              <a:shade val="50000"/>
-            </a:schemeClr>
-          </a:lnRef>
-          <a:fillRef idx="1001">
-            <a:schemeClr val="dk2"/>
-          </a:fillRef>
-          <a:effectRef idx="0">
-            <a:schemeClr val="accent1"/>
-          </a:effectRef>
-          <a:fontRef idx="minor">
-            <a:schemeClr val="lt1"/>
-          </a:fontRef>
-        </p:style>
-        <p:txBody>
-          <a:bodyPr rot="0" spcFirstLastPara="0" vertOverflow="overflow" horzOverflow="overflow" vert="horz" wrap="square" lIns="91440" tIns="45720" rIns="91440" bIns="45720" numCol="1" spcCol="0" rtlCol="0" fromWordArt="0" anchor="ctr" anchorCtr="0" forceAA="0" compatLnSpc="1">
-            <a:prstTxWarp prst="textNoShape">
-              <a:avLst/>
-            </a:prstTxWarp>
-            <a:noAutofit/>
-          </a:bodyPr>
-          <a:lstStyle/>
-          <a:p>
-            <a:pPr algn="ctr"/>
-            <a:r>
-              <a:rPr lang="en-US" sz="2800" b="1" dirty="0">
-                <a:solidFill>
-                  <a:srgbClr val="FFFFFF"/>
-                </a:solidFill>
-                <a:effectLst>
-                  <a:outerShdw blurRad="38100" dist="38100" dir="2700000" algn="tl">
-                    <a:srgbClr val="000000">
-                      <a:alpha val="43137"/>
-                    </a:srgbClr>
-                  </a:outerShdw>
-                </a:effectLst>
-              </a:rPr>
-              <a:t>TODO: screenshot</a:t>
-            </a:r>
-          </a:p>
-          <a:p>
-            <a:pPr algn="ctr"/>
-            <a:endParaRPr lang="en-US" sz="2800" b="1" dirty="0">
-              <a:solidFill>
-                <a:srgbClr val="FFFFFF"/>
-              </a:solidFill>
-              <a:effectLst>
-                <a:outerShdw blurRad="38100" dist="38100" dir="2700000" algn="tl">
-                  <a:srgbClr val="000000">
-                    <a:alpha val="43137"/>
-                  </a:srgbClr>
-                </a:outerShdw>
-              </a:effectLst>
-            </a:endParaRPr>
-          </a:p>
-          <a:p>
-            <a:pPr algn="ctr"/>
-            <a:r>
-              <a:rPr lang="bg-BG" sz="2800" b="1" dirty="0">
-                <a:solidFill>
-                  <a:srgbClr val="FFFFFF"/>
-                </a:solidFill>
-                <a:effectLst>
-                  <a:outerShdw blurRad="38100" dist="38100" dir="2700000" algn="tl">
-                    <a:srgbClr val="000000">
-                      <a:alpha val="43137"/>
-                    </a:srgbClr>
-                  </a:outerShdw>
-                </a:effectLst>
-              </a:rPr>
-              <a:t>Празна формичка с име </a:t>
-            </a:r>
-            <a:r>
-              <a:rPr lang="en-US" sz="2800" b="1" dirty="0" err="1">
-                <a:solidFill>
-                  <a:srgbClr val="FFFFFF"/>
-                </a:solidFill>
-                <a:effectLst>
-                  <a:outerShdw blurRad="38100" dist="38100" dir="2700000" algn="tl">
-                    <a:srgbClr val="000000">
-                      <a:alpha val="43137"/>
-                    </a:srgbClr>
-                  </a:outerShdw>
-                </a:effectLst>
-              </a:rPr>
-              <a:t>TownsApp</a:t>
-            </a:r>
-            <a:endParaRPr lang="en-US" sz="2800" b="1" dirty="0">
-              <a:solidFill>
-                <a:srgbClr val="FFFFFF"/>
-              </a:solidFill>
-              <a:effectLst>
-                <a:outerShdw blurRad="38100" dist="38100" dir="2700000" algn="tl">
-                  <a:srgbClr val="000000">
-                    <a:alpha val="43137"/>
-                  </a:srgbClr>
-                </a:outerShdw>
-              </a:effectLst>
-            </a:endParaRPr>
-          </a:p>
-        </p:txBody>
-      </p:sp>
+      </p:pic>
     </p:spTree>
     <p:extLst>
       <p:ext uri="{BB962C8B-B14F-4D97-AF65-F5344CB8AC3E}">
@@ -12190,6 +12093,51 @@
                                               <p:pRg st="1" end="1"/>
                                             </p:txEl>
                                           </p:spTgt>
+                                        </p:tgtEl>
+                                        <p:attrNameLst>
+                                          <p:attrName>style.visibility</p:attrName>
+                                        </p:attrNameLst>
+                                      </p:cBhvr>
+                                      <p:to>
+                                        <p:strVal val="visible"/>
+                                      </p:to>
+                                    </p:set>
+                                  </p:childTnLst>
+                                </p:cTn>
+                              </p:par>
+                            </p:childTnLst>
+                          </p:cTn>
+                        </p:par>
+                      </p:childTnLst>
+                    </p:cTn>
+                  </p:par>
+                  <p:par>
+                    <p:cTn id="7" fill="hold">
+                      <p:stCondLst>
+                        <p:cond delay="indefinite"/>
+                      </p:stCondLst>
+                      <p:childTnLst>
+                        <p:par>
+                          <p:cTn id="8" fill="hold">
+                            <p:stCondLst>
+                              <p:cond delay="0"/>
+                            </p:stCondLst>
+                            <p:childTnLst>
+                              <p:par>
+                                <p:cTn id="9" presetID="1" presetClass="entr" presetSubtype="0" fill="hold" nodeType="clickEffect">
+                                  <p:stCondLst>
+                                    <p:cond delay="0"/>
+                                  </p:stCondLst>
+                                  <p:childTnLst>
+                                    <p:set>
+                                      <p:cBhvr>
+                                        <p:cTn id="10" dur="1" fill="hold">
+                                          <p:stCondLst>
+                                            <p:cond delay="0"/>
+                                          </p:stCondLst>
+                                        </p:cTn>
+                                        <p:tgtEl>
+                                          <p:spTgt spid="7"/>
                                         </p:tgtEl>
                                         <p:attrNameLst>
                                           <p:attrName>style.visibility</p:attrName>
@@ -12932,7 +12880,7 @@
           <a:lstStyle/>
           <a:p>
             <a:r>
-              <a:rPr lang="bg-BG" sz="3200" b="1" dirty="0" err="1"/>
+              <a:rPr lang="bg-BG" sz="3200" b="1" dirty="0"/>
               <a:t>Билдваме</a:t>
             </a:r>
             <a:r>
@@ -13131,7 +13079,7 @@
                                         <p:tgtEl>
                                           <p:spTgt spid="3">
                                             <p:txEl>
-                                              <p:pRg st="0" end="0"/>
+                                              <p:pRg st="1" end="1"/>
                                             </p:txEl>
                                           </p:spTgt>
                                         </p:tgtEl>
@@ -13180,7 +13128,7 @@
                                         <p:tgtEl>
                                           <p:spTgt spid="3">
                                             <p:txEl>
-                                              <p:pRg st="1" end="1"/>
+                                              <p:pRg st="2" end="2"/>
                                             </p:txEl>
                                           </p:spTgt>
                                         </p:tgtEl>
@@ -13229,7 +13177,7 @@
                                         <p:tgtEl>
                                           <p:spTgt spid="3">
                                             <p:txEl>
-                                              <p:pRg st="2" end="2"/>
+                                              <p:pRg st="3" end="3"/>
                                             </p:txEl>
                                           </p:spTgt>
                                         </p:tgtEl>
@@ -13276,11 +13224,7 @@
                                           </p:stCondLst>
                                         </p:cTn>
                                         <p:tgtEl>
-                                          <p:spTgt spid="3">
-                                            <p:txEl>
-                                              <p:pRg st="3" end="3"/>
-                                            </p:txEl>
-                                          </p:spTgt>
+                                          <p:spTgt spid="8"/>
                                         </p:tgtEl>
                                         <p:attrNameLst>
                                           <p:attrName>style.visibility</p:attrName>
@@ -14172,160 +14116,49 @@
           </a:p>
         </p:txBody>
       </p:sp>
-      <p:sp>
-        <p:nvSpPr>
-          <p:cNvPr id="5" name="Rectangle 4">
+      <p:pic>
+        <p:nvPicPr>
+          <p:cNvPr id="7" name="Picture 6">
             <a:extLst>
               <a:ext uri="{FF2B5EF4-FFF2-40B4-BE49-F238E27FC236}">
-                <a16:creationId xmlns:a16="http://schemas.microsoft.com/office/drawing/2014/main" id="{C0350D93-6476-D99B-6DDF-248D55D611AE}"/>
+                <a16:creationId xmlns:a16="http://schemas.microsoft.com/office/drawing/2014/main" id="{9756033B-223C-65A9-1CAE-C31A1ED5B9DE}"/>
               </a:ext>
             </a:extLst>
           </p:cNvPr>
-          <p:cNvSpPr/>
+          <p:cNvPicPr>
+            <a:picLocks noChangeAspect="1"/>
+          </p:cNvPicPr>
           <p:nvPr/>
-        </p:nvSpPr>
-        <p:spPr bwMode="auto">
+        </p:nvPicPr>
+        <p:blipFill>
+          <a:blip r:embed="rId2">
+            <a:extLst>
+              <a:ext uri="{28A0092B-C50C-407E-A947-70E740481C1C}">
+                <a14:useLocalDpi xmlns:a14="http://schemas.microsoft.com/office/drawing/2010/main" val="0"/>
+              </a:ext>
+            </a:extLst>
+          </a:blip>
+          <a:stretch>
+            <a:fillRect/>
+          </a:stretch>
+        </p:blipFill>
+        <p:spPr>
           <a:xfrm>
-            <a:off x="7806000" y="2124000"/>
-            <a:ext cx="3645000" cy="3825000"/>
+            <a:off x="1398822" y="2709000"/>
+            <a:ext cx="9383758" cy="3465000"/>
           </a:xfrm>
           <a:prstGeom prst="rect">
             <a:avLst/>
           </a:prstGeom>
-          <a:solidFill>
-            <a:schemeClr val="dk2">
-              <a:alpha val="80000"/>
-            </a:schemeClr>
-          </a:solidFill>
-          <a:ln w="19050">
+          <a:ln>
             <a:solidFill>
-              <a:schemeClr val="tx1">
+              <a:schemeClr val="bg2">
                 <a:lumMod val="75000"/>
-                <a:alpha val="80000"/>
               </a:schemeClr>
             </a:solidFill>
           </a:ln>
-          <a:effectLst/>
         </p:spPr>
-        <p:style>
-          <a:lnRef idx="2">
-            <a:schemeClr val="accent1">
-              <a:shade val="50000"/>
-            </a:schemeClr>
-          </a:lnRef>
-          <a:fillRef idx="1001">
-            <a:schemeClr val="dk2"/>
-          </a:fillRef>
-          <a:effectRef idx="0">
-            <a:schemeClr val="accent1"/>
-          </a:effectRef>
-          <a:fontRef idx="minor">
-            <a:schemeClr val="lt1"/>
-          </a:fontRef>
-        </p:style>
-        <p:txBody>
-          <a:bodyPr rot="0" spcFirstLastPara="0" vertOverflow="overflow" horzOverflow="overflow" vert="horz" wrap="square" lIns="91440" tIns="45720" rIns="91440" bIns="45720" numCol="1" spcCol="0" rtlCol="0" fromWordArt="0" anchor="ctr" anchorCtr="0" forceAA="0" compatLnSpc="1">
-            <a:prstTxWarp prst="textNoShape">
-              <a:avLst/>
-            </a:prstTxWarp>
-            <a:noAutofit/>
-          </a:bodyPr>
-          <a:lstStyle/>
-          <a:p>
-            <a:pPr algn="ctr"/>
-            <a:r>
-              <a:rPr lang="en-US" sz="2800" b="1" dirty="0">
-                <a:solidFill>
-                  <a:srgbClr val="FFFFFF"/>
-                </a:solidFill>
-                <a:effectLst>
-                  <a:outerShdw blurRad="38100" dist="38100" dir="2700000" algn="tl">
-                    <a:srgbClr val="000000">
-                      <a:alpha val="43137"/>
-                    </a:srgbClr>
-                  </a:outerShdw>
-                </a:effectLst>
-              </a:rPr>
-              <a:t>TODO: screenshot</a:t>
-            </a:r>
-          </a:p>
-          <a:p>
-            <a:pPr algn="ctr"/>
-            <a:endParaRPr lang="en-US" sz="2800" b="1" dirty="0">
-              <a:solidFill>
-                <a:srgbClr val="FFFFFF"/>
-              </a:solidFill>
-              <a:effectLst>
-                <a:outerShdw blurRad="38100" dist="38100" dir="2700000" algn="tl">
-                  <a:srgbClr val="000000">
-                    <a:alpha val="43137"/>
-                  </a:srgbClr>
-                </a:outerShdw>
-              </a:effectLst>
-            </a:endParaRPr>
-          </a:p>
-          <a:p>
-            <a:pPr algn="ctr"/>
-            <a:r>
-              <a:rPr lang="bg-BG" sz="2800" b="1" dirty="0">
-                <a:solidFill>
-                  <a:srgbClr val="FFFFFF"/>
-                </a:solidFill>
-                <a:effectLst>
-                  <a:outerShdw blurRad="38100" dist="38100" dir="2700000" algn="tl">
-                    <a:srgbClr val="000000">
-                      <a:alpha val="43137"/>
-                    </a:srgbClr>
-                  </a:outerShdw>
-                </a:effectLst>
-              </a:rPr>
-              <a:t>Главната формичка с </a:t>
-            </a:r>
-            <a:r>
-              <a:rPr lang="en-US" sz="2800" b="1" dirty="0" err="1">
-                <a:solidFill>
-                  <a:srgbClr val="FFFFFF"/>
-                </a:solidFill>
-                <a:effectLst>
-                  <a:outerShdw blurRad="38100" dist="38100" dir="2700000" algn="tl">
-                    <a:srgbClr val="000000">
-                      <a:alpha val="43137"/>
-                    </a:srgbClr>
-                  </a:outerShdw>
-                </a:effectLst>
-              </a:rPr>
-              <a:t>DataGridView</a:t>
-            </a:r>
-            <a:r>
-              <a:rPr lang="bg-BG" sz="2800" b="1" dirty="0">
-                <a:solidFill>
-                  <a:srgbClr val="FFFFFF"/>
-                </a:solidFill>
-                <a:effectLst>
-                  <a:outerShdw blurRad="38100" dist="38100" dir="2700000" algn="tl">
-                    <a:srgbClr val="000000">
-                      <a:alpha val="43137"/>
-                    </a:srgbClr>
-                  </a:outerShdw>
-                </a:effectLst>
-              </a:rPr>
-              <a:t> контролата в нея</a:t>
-            </a:r>
-            <a:endParaRPr lang="en-US" sz="2800" b="1" dirty="0">
-              <a:solidFill>
-                <a:srgbClr val="FFFFFF"/>
-              </a:solidFill>
-              <a:effectLst>
-                <a:outerShdw blurRad="38100" dist="38100" dir="2700000" algn="tl">
-                  <a:srgbClr val="000000">
-                    <a:alpha val="43137"/>
-                  </a:srgbClr>
-                </a:outerShdw>
-              </a:effectLst>
-            </a:endParaRPr>
-          </a:p>
-        </p:txBody>
-      </p:sp>
+      </p:pic>
     </p:spTree>
     <p:extLst>
       <p:ext uri="{BB962C8B-B14F-4D97-AF65-F5344CB8AC3E}">
@@ -14380,7 +14213,7 @@
                                         <p:tgtEl>
                                           <p:spTgt spid="3">
                                             <p:txEl>
-                                              <p:pRg st="0" end="0"/>
+                                              <p:pRg st="1" end="1"/>
                                             </p:txEl>
                                           </p:spTgt>
                                         </p:tgtEl>
@@ -14427,11 +14260,7 @@
                                           </p:stCondLst>
                                         </p:cTn>
                                         <p:tgtEl>
-                                          <p:spTgt spid="3">
-                                            <p:txEl>
-                                              <p:pRg st="1" end="1"/>
-                                            </p:txEl>
-                                          </p:spTgt>
+                                          <p:spTgt spid="7"/>
                                         </p:tgtEl>
                                         <p:attrNameLst>
                                           <p:attrName>style.visibility</p:attrName>
@@ -14737,8 +14566,8 @@
         </p:blipFill>
         <p:spPr>
           <a:xfrm>
-            <a:off x="7041000" y="948001"/>
-            <a:ext cx="4863259" cy="5709737"/>
+            <a:off x="6830385" y="1153178"/>
+            <a:ext cx="4773259" cy="5604072"/>
           </a:xfrm>
           <a:prstGeom prst="rect">
             <a:avLst/>
@@ -14912,15 +14741,33 @@
                                   </p:childTnLst>
                                 </p:cTn>
                               </p:par>
+                            </p:childTnLst>
+                          </p:cTn>
+                        </p:par>
+                      </p:childTnLst>
+                    </p:cTn>
+                  </p:par>
+                  <p:par>
+                    <p:cTn id="11" fill="hold">
+                      <p:stCondLst>
+                        <p:cond delay="indefinite"/>
+                      </p:stCondLst>
+                      <p:childTnLst>
+                        <p:par>
+                          <p:cTn id="12" fill="hold">
+                            <p:stCondLst>
+                              <p:cond delay="0"/>
+                            </p:stCondLst>
+                            <p:childTnLst>
                               <p:par>
-                                <p:cTn id="11" presetID="1" presetClass="entr" presetSubtype="0" fill="hold" nodeType="withEffect">
+                                <p:cTn id="13" presetID="1" presetClass="entr" presetSubtype="0" fill="hold" nodeType="clickEffect">
                                   <p:stCondLst>
                                     <p:cond delay="0"/>
                                   </p:stCondLst>
                                   <p:childTnLst>
                                     <p:set>
                                       <p:cBhvr>
-                                        <p:cTn id="12" dur="1" fill="hold">
+                                        <p:cTn id="14" dur="1" fill="hold">
                                           <p:stCondLst>
                                             <p:cond delay="0"/>
                                           </p:stCondLst>
